--- a/17-NoSQL/2-thursday-mongoose/career-services.pptx
+++ b/17-NoSQL/2-thursday-mongoose/career-services.pptx
@@ -1,54 +1,54 @@
 
 <file path=ppt/presentation.xml><?xml version="1.0" encoding="utf-8"?>
-<p:presentation xmlns:a="http://schemas.openxmlformats.org/drawingml/2006/main" xmlns:r="http://schemas.openxmlformats.org/officeDocument/2006/relationships" xmlns:mc="http://schemas.openxmlformats.org/markup-compatibility/2006" xmlns:mv="urn:schemas-microsoft-com:mac:vml" xmlns:p="http://schemas.openxmlformats.org/presentationml/2006/main" xmlns:c="http://schemas.openxmlformats.org/drawingml/2006/chart" xmlns:dgm="http://schemas.openxmlformats.org/drawingml/2006/diagram" xmlns:o="urn:schemas-microsoft-com:office:office" xmlns:v="urn:schemas-microsoft-com:vml" xmlns:pvml="urn:schemas-microsoft-com:office:powerpoint" xmlns:com="http://schemas.openxmlformats.org/drawingml/2006/compatibility" xmlns:p14="http://schemas.microsoft.com/office/powerpoint/2010/main" xmlns:p15="http://schemas.microsoft.com/office/powerpoint/2012/main" autoCompressPictures="0" embedTrueTypeFonts="1" strictFirstAndLastChars="0" saveSubsetFonts="1">
+<p:presentation xmlns:a="http://schemas.openxmlformats.org/drawingml/2006/main" xmlns:r="http://schemas.openxmlformats.org/officeDocument/2006/relationships" xmlns:p="http://schemas.openxmlformats.org/presentationml/2006/main" strictFirstAndLastChars="0" embedTrueTypeFonts="1" saveSubsetFonts="1" autoCompressPictures="0">
   <p:sldMasterIdLst>
-    <p:sldMasterId id="2147483663" r:id="rId3"/>
+    <p:sldMasterId id="2147483663" r:id="rId1"/>
   </p:sldMasterIdLst>
   <p:notesMasterIdLst>
-    <p:notesMasterId r:id="rId4"/>
+    <p:notesMasterId r:id="rId9"/>
   </p:notesMasterIdLst>
   <p:sldIdLst>
-    <p:sldId id="256" r:id="rId5"/>
-    <p:sldId id="257" r:id="rId6"/>
-    <p:sldId id="258" r:id="rId7"/>
-    <p:sldId id="259" r:id="rId8"/>
-    <p:sldId id="260" r:id="rId9"/>
-    <p:sldId id="261" r:id="rId10"/>
-    <p:sldId id="262" r:id="rId11"/>
+    <p:sldId id="256" r:id="rId2"/>
+    <p:sldId id="257" r:id="rId3"/>
+    <p:sldId id="258" r:id="rId4"/>
+    <p:sldId id="259" r:id="rId5"/>
+    <p:sldId id="260" r:id="rId6"/>
+    <p:sldId id="261" r:id="rId7"/>
+    <p:sldId id="262" r:id="rId8"/>
   </p:sldIdLst>
-  <p:sldSz cy="13716000" cx="24384000"/>
+  <p:sldSz cx="24384000" cy="13716000"/>
   <p:notesSz cx="6858000" cy="9144000"/>
   <p:embeddedFontLst>
     <p:embeddedFont>
-      <p:font typeface="Proxima Nova"/>
-      <p:regular r:id="rId12"/>
-      <p:bold r:id="rId13"/>
-      <p:italic r:id="rId14"/>
-      <p:boldItalic r:id="rId15"/>
+      <p:font typeface="Helvetica Neue" panose="020B0604020202020204" charset="0"/>
+      <p:regular r:id="rId10"/>
+      <p:bold r:id="rId11"/>
+      <p:italic r:id="rId12"/>
+      <p:boldItalic r:id="rId13"/>
     </p:embeddedFont>
     <p:embeddedFont>
-      <p:font typeface="Proxima Nova Semibold"/>
-      <p:regular r:id="rId16"/>
-      <p:bold r:id="rId17"/>
-      <p:boldItalic r:id="rId18"/>
+      <p:font typeface="Helvetica Neue Light" panose="020B0604020202020204" charset="0"/>
+      <p:regular r:id="rId14"/>
+      <p:bold r:id="rId15"/>
+      <p:italic r:id="rId16"/>
+      <p:boldItalic r:id="rId17"/>
     </p:embeddedFont>
     <p:embeddedFont>
-      <p:font typeface="Helvetica Neue"/>
-      <p:regular r:id="rId19"/>
-      <p:bold r:id="rId20"/>
-      <p:italic r:id="rId21"/>
-      <p:boldItalic r:id="rId22"/>
+      <p:font typeface="Proxima Nova" panose="020B0604020202020204" charset="0"/>
+      <p:regular r:id="rId18"/>
+      <p:bold r:id="rId19"/>
+      <p:italic r:id="rId20"/>
+      <p:boldItalic r:id="rId21"/>
     </p:embeddedFont>
     <p:embeddedFont>
-      <p:font typeface="Helvetica Neue Light"/>
-      <p:regular r:id="rId23"/>
-      <p:bold r:id="rId24"/>
-      <p:italic r:id="rId25"/>
-      <p:boldItalic r:id="rId26"/>
+      <p:font typeface="Proxima Nova Semibold" panose="020B0604020202020204" charset="0"/>
+      <p:regular r:id="rId22"/>
+      <p:bold r:id="rId23"/>
+      <p:boldItalic r:id="rId24"/>
     </p:embeddedFont>
   </p:embeddedFontLst>
   <p:defaultTextStyle>
-    <a:defPPr lvl="0" marR="0" rtl="0" algn="l">
+    <a:defPPr marR="0" lvl="0" algn="l" rtl="0">
       <a:lnSpc>
         <a:spcPct val="100000"/>
       </a:lnSpc>
@@ -59,7 +59,7 @@
         <a:spcPts val="0"/>
       </a:spcAft>
     </a:defPPr>
-    <a:lvl1pPr lvl="0" marR="0" rtl="0" algn="l">
+    <a:lvl1pPr marR="0" lvl="0" algn="l" rtl="0">
       <a:lnSpc>
         <a:spcPct val="100000"/>
       </a:lnSpc>
@@ -73,7 +73,7 @@
         <a:srgbClr val="000000"/>
       </a:buClr>
       <a:buFont typeface="Arial"/>
-      <a:defRPr b="0" i="0" sz="1400" u="none" cap="none" strike="noStrike">
+      <a:defRPr sz="1400" b="0" i="0" u="none" strike="noStrike" cap="none">
         <a:solidFill>
           <a:srgbClr val="000000"/>
         </a:solidFill>
@@ -83,7 +83,7 @@
         <a:sym typeface="Arial"/>
       </a:defRPr>
     </a:lvl1pPr>
-    <a:lvl2pPr lvl="1" marR="0" rtl="0" algn="l">
+    <a:lvl2pPr marR="0" lvl="1" algn="l" rtl="0">
       <a:lnSpc>
         <a:spcPct val="100000"/>
       </a:lnSpc>
@@ -97,7 +97,7 @@
         <a:srgbClr val="000000"/>
       </a:buClr>
       <a:buFont typeface="Arial"/>
-      <a:defRPr b="0" i="0" sz="1400" u="none" cap="none" strike="noStrike">
+      <a:defRPr sz="1400" b="0" i="0" u="none" strike="noStrike" cap="none">
         <a:solidFill>
           <a:srgbClr val="000000"/>
         </a:solidFill>
@@ -107,7 +107,7 @@
         <a:sym typeface="Arial"/>
       </a:defRPr>
     </a:lvl2pPr>
-    <a:lvl3pPr lvl="2" marR="0" rtl="0" algn="l">
+    <a:lvl3pPr marR="0" lvl="2" algn="l" rtl="0">
       <a:lnSpc>
         <a:spcPct val="100000"/>
       </a:lnSpc>
@@ -121,7 +121,7 @@
         <a:srgbClr val="000000"/>
       </a:buClr>
       <a:buFont typeface="Arial"/>
-      <a:defRPr b="0" i="0" sz="1400" u="none" cap="none" strike="noStrike">
+      <a:defRPr sz="1400" b="0" i="0" u="none" strike="noStrike" cap="none">
         <a:solidFill>
           <a:srgbClr val="000000"/>
         </a:solidFill>
@@ -131,7 +131,7 @@
         <a:sym typeface="Arial"/>
       </a:defRPr>
     </a:lvl3pPr>
-    <a:lvl4pPr lvl="3" marR="0" rtl="0" algn="l">
+    <a:lvl4pPr marR="0" lvl="3" algn="l" rtl="0">
       <a:lnSpc>
         <a:spcPct val="100000"/>
       </a:lnSpc>
@@ -145,7 +145,7 @@
         <a:srgbClr val="000000"/>
       </a:buClr>
       <a:buFont typeface="Arial"/>
-      <a:defRPr b="0" i="0" sz="1400" u="none" cap="none" strike="noStrike">
+      <a:defRPr sz="1400" b="0" i="0" u="none" strike="noStrike" cap="none">
         <a:solidFill>
           <a:srgbClr val="000000"/>
         </a:solidFill>
@@ -155,7 +155,7 @@
         <a:sym typeface="Arial"/>
       </a:defRPr>
     </a:lvl4pPr>
-    <a:lvl5pPr lvl="4" marR="0" rtl="0" algn="l">
+    <a:lvl5pPr marR="0" lvl="4" algn="l" rtl="0">
       <a:lnSpc>
         <a:spcPct val="100000"/>
       </a:lnSpc>
@@ -169,7 +169,7 @@
         <a:srgbClr val="000000"/>
       </a:buClr>
       <a:buFont typeface="Arial"/>
-      <a:defRPr b="0" i="0" sz="1400" u="none" cap="none" strike="noStrike">
+      <a:defRPr sz="1400" b="0" i="0" u="none" strike="noStrike" cap="none">
         <a:solidFill>
           <a:srgbClr val="000000"/>
         </a:solidFill>
@@ -179,7 +179,7 @@
         <a:sym typeface="Arial"/>
       </a:defRPr>
     </a:lvl5pPr>
-    <a:lvl6pPr lvl="5" marR="0" rtl="0" algn="l">
+    <a:lvl6pPr marR="0" lvl="5" algn="l" rtl="0">
       <a:lnSpc>
         <a:spcPct val="100000"/>
       </a:lnSpc>
@@ -193,7 +193,7 @@
         <a:srgbClr val="000000"/>
       </a:buClr>
       <a:buFont typeface="Arial"/>
-      <a:defRPr b="0" i="0" sz="1400" u="none" cap="none" strike="noStrike">
+      <a:defRPr sz="1400" b="0" i="0" u="none" strike="noStrike" cap="none">
         <a:solidFill>
           <a:srgbClr val="000000"/>
         </a:solidFill>
@@ -203,7 +203,7 @@
         <a:sym typeface="Arial"/>
       </a:defRPr>
     </a:lvl6pPr>
-    <a:lvl7pPr lvl="6" marR="0" rtl="0" algn="l">
+    <a:lvl7pPr marR="0" lvl="6" algn="l" rtl="0">
       <a:lnSpc>
         <a:spcPct val="100000"/>
       </a:lnSpc>
@@ -217,7 +217,7 @@
         <a:srgbClr val="000000"/>
       </a:buClr>
       <a:buFont typeface="Arial"/>
-      <a:defRPr b="0" i="0" sz="1400" u="none" cap="none" strike="noStrike">
+      <a:defRPr sz="1400" b="0" i="0" u="none" strike="noStrike" cap="none">
         <a:solidFill>
           <a:srgbClr val="000000"/>
         </a:solidFill>
@@ -227,7 +227,7 @@
         <a:sym typeface="Arial"/>
       </a:defRPr>
     </a:lvl7pPr>
-    <a:lvl8pPr lvl="7" marR="0" rtl="0" algn="l">
+    <a:lvl8pPr marR="0" lvl="7" algn="l" rtl="0">
       <a:lnSpc>
         <a:spcPct val="100000"/>
       </a:lnSpc>
@@ -241,7 +241,7 @@
         <a:srgbClr val="000000"/>
       </a:buClr>
       <a:buFont typeface="Arial"/>
-      <a:defRPr b="0" i="0" sz="1400" u="none" cap="none" strike="noStrike">
+      <a:defRPr sz="1400" b="0" i="0" u="none" strike="noStrike" cap="none">
         <a:solidFill>
           <a:srgbClr val="000000"/>
         </a:solidFill>
@@ -251,7 +251,7 @@
         <a:sym typeface="Arial"/>
       </a:defRPr>
     </a:lvl8pPr>
-    <a:lvl9pPr lvl="8" marR="0" rtl="0" algn="l">
+    <a:lvl9pPr marR="0" lvl="8" algn="l" rtl="0">
       <a:lnSpc>
         <a:spcPct val="100000"/>
       </a:lnSpc>
@@ -265,7 +265,7 @@
         <a:srgbClr val="000000"/>
       </a:buClr>
       <a:buFont typeface="Arial"/>
-      <a:defRPr b="0" i="0" sz="1400" u="none" cap="none" strike="noStrike">
+      <a:defRPr sz="1400" b="0" i="0" u="none" strike="noStrike" cap="none">
         <a:solidFill>
           <a:srgbClr val="000000"/>
         </a:solidFill>
@@ -280,11 +280,16 @@
 </file>
 
 <file path=ppt/notesMasters/notesMaster1.xml><?xml version="1.0" encoding="utf-8"?>
-<p:notesMaster xmlns:a="http://schemas.openxmlformats.org/drawingml/2006/main" xmlns:r="http://schemas.openxmlformats.org/officeDocument/2006/relationships" xmlns:mc="http://schemas.openxmlformats.org/markup-compatibility/2006" xmlns:mv="urn:schemas-microsoft-com:mac:vml" xmlns:p="http://schemas.openxmlformats.org/presentationml/2006/main" xmlns:c="http://schemas.openxmlformats.org/drawingml/2006/chart" xmlns:dgm="http://schemas.openxmlformats.org/drawingml/2006/diagram" xmlns:o="urn:schemas-microsoft-com:office:office" xmlns:v="urn:schemas-microsoft-com:vml" xmlns:pvml="urn:schemas-microsoft-com:office:powerpoint" xmlns:com="http://schemas.openxmlformats.org/drawingml/2006/compatibility" xmlns:p14="http://schemas.microsoft.com/office/powerpoint/2010/main" xmlns:p15="http://schemas.microsoft.com/office/powerpoint/2012/main">
+<p:notesMaster xmlns:a="http://schemas.openxmlformats.org/drawingml/2006/main" xmlns:r="http://schemas.openxmlformats.org/officeDocument/2006/relationships" xmlns:p="http://schemas.openxmlformats.org/presentationml/2006/main">
   <p:cSld>
+    <p:bg>
+      <p:bgRef idx="1001">
+        <a:schemeClr val="bg1"/>
+      </p:bgRef>
+    </p:bg>
     <p:spTree>
       <p:nvGrpSpPr>
-        <p:cNvPr id="2" name="Shape 2"/>
+        <p:cNvPr id="1" name="Shape 2"/>
         <p:cNvGrpSpPr/>
         <p:nvPr/>
       </p:nvGrpSpPr>
@@ -299,9 +304,11 @@
       <p:sp>
         <p:nvSpPr>
           <p:cNvPr id="3" name="Google Shape;3;n"/>
-          <p:cNvSpPr/>
+          <p:cNvSpPr>
+            <a:spLocks noGrp="1" noRot="1" noChangeAspect="1"/>
+          </p:cNvSpPr>
           <p:nvPr>
-            <p:ph idx="2" type="sldImg"/>
+            <p:ph type="sldImg" idx="2"/>
           </p:nvPr>
         </p:nvSpPr>
         <p:spPr>
@@ -310,9 +317,13 @@
             <a:ext cx="4572000" cy="3429000"/>
           </a:xfrm>
           <a:custGeom>
-            <a:rect b="b" l="l" r="r" t="t"/>
+            <a:avLst/>
+            <a:gdLst/>
+            <a:ahLst/>
+            <a:cxnLst/>
+            <a:rect l="l" t="t" r="r" b="b"/>
             <a:pathLst>
-              <a:path extrusionOk="0" h="120000" w="120000">
+              <a:path w="120000" h="120000" extrusionOk="0">
                 <a:moveTo>
                   <a:pt x="0" y="0"/>
                 </a:moveTo>
@@ -338,9 +349,11 @@
       <p:sp>
         <p:nvSpPr>
           <p:cNvPr id="4" name="Google Shape;4;n"/>
-          <p:cNvSpPr txBox="1"/>
+          <p:cNvSpPr txBox="1">
+            <a:spLocks noGrp="1"/>
+          </p:cNvSpPr>
           <p:nvPr>
-            <p:ph idx="1" type="body"/>
+            <p:ph type="body" idx="1"/>
           </p:nvPr>
         </p:nvSpPr>
         <p:spPr>
@@ -357,11 +370,11 @@
           </a:ln>
         </p:spPr>
         <p:txBody>
-          <a:bodyPr anchorCtr="0" anchor="t" bIns="91425" lIns="91425" spcFirstLastPara="1" rIns="91425" wrap="square" tIns="91425">
+          <a:bodyPr spcFirstLastPara="1" wrap="square" lIns="91425" tIns="91425" rIns="91425" bIns="91425" anchor="t" anchorCtr="0">
             <a:noAutofit/>
           </a:bodyPr>
           <a:lstStyle>
-            <a:lvl1pPr indent="-228600" lvl="0" marL="457200" marR="0" rtl="0" algn="l">
+            <a:lvl1pPr marL="457200" marR="0" lvl="0" indent="-228600" algn="l" rtl="0">
               <a:lnSpc>
                 <a:spcPct val="117999"/>
               </a:lnSpc>
@@ -373,14 +386,14 @@
               </a:spcAft>
               <a:buSzPts val="1400"/>
               <a:buNone/>
-              <a:defRPr b="0" i="0" sz="2200" u="none" cap="none" strike="noStrike">
+              <a:defRPr sz="2200" b="0" i="0" u="none" strike="noStrike" cap="none">
                 <a:latin typeface="Helvetica Neue"/>
                 <a:ea typeface="Helvetica Neue"/>
                 <a:cs typeface="Helvetica Neue"/>
                 <a:sym typeface="Helvetica Neue"/>
               </a:defRPr>
             </a:lvl1pPr>
-            <a:lvl2pPr indent="-228600" lvl="1" marL="914400" marR="0" rtl="0" algn="l">
+            <a:lvl2pPr marL="914400" marR="0" lvl="1" indent="-228600" algn="l" rtl="0">
               <a:lnSpc>
                 <a:spcPct val="117999"/>
               </a:lnSpc>
@@ -392,14 +405,14 @@
               </a:spcAft>
               <a:buSzPts val="1400"/>
               <a:buNone/>
-              <a:defRPr b="0" i="0" sz="2200" u="none" cap="none" strike="noStrike">
+              <a:defRPr sz="2200" b="0" i="0" u="none" strike="noStrike" cap="none">
                 <a:latin typeface="Helvetica Neue"/>
                 <a:ea typeface="Helvetica Neue"/>
                 <a:cs typeface="Helvetica Neue"/>
                 <a:sym typeface="Helvetica Neue"/>
               </a:defRPr>
             </a:lvl2pPr>
-            <a:lvl3pPr indent="-228600" lvl="2" marL="1371600" marR="0" rtl="0" algn="l">
+            <a:lvl3pPr marL="1371600" marR="0" lvl="2" indent="-228600" algn="l" rtl="0">
               <a:lnSpc>
                 <a:spcPct val="117999"/>
               </a:lnSpc>
@@ -411,14 +424,14 @@
               </a:spcAft>
               <a:buSzPts val="1400"/>
               <a:buNone/>
-              <a:defRPr b="0" i="0" sz="2200" u="none" cap="none" strike="noStrike">
+              <a:defRPr sz="2200" b="0" i="0" u="none" strike="noStrike" cap="none">
                 <a:latin typeface="Helvetica Neue"/>
                 <a:ea typeface="Helvetica Neue"/>
                 <a:cs typeface="Helvetica Neue"/>
                 <a:sym typeface="Helvetica Neue"/>
               </a:defRPr>
             </a:lvl3pPr>
-            <a:lvl4pPr indent="-228600" lvl="3" marL="1828800" marR="0" rtl="0" algn="l">
+            <a:lvl4pPr marL="1828800" marR="0" lvl="3" indent="-228600" algn="l" rtl="0">
               <a:lnSpc>
                 <a:spcPct val="117999"/>
               </a:lnSpc>
@@ -430,14 +443,14 @@
               </a:spcAft>
               <a:buSzPts val="1400"/>
               <a:buNone/>
-              <a:defRPr b="0" i="0" sz="2200" u="none" cap="none" strike="noStrike">
+              <a:defRPr sz="2200" b="0" i="0" u="none" strike="noStrike" cap="none">
                 <a:latin typeface="Helvetica Neue"/>
                 <a:ea typeface="Helvetica Neue"/>
                 <a:cs typeface="Helvetica Neue"/>
                 <a:sym typeface="Helvetica Neue"/>
               </a:defRPr>
             </a:lvl4pPr>
-            <a:lvl5pPr indent="-228600" lvl="4" marL="2286000" marR="0" rtl="0" algn="l">
+            <a:lvl5pPr marL="2286000" marR="0" lvl="4" indent="-228600" algn="l" rtl="0">
               <a:lnSpc>
                 <a:spcPct val="117999"/>
               </a:lnSpc>
@@ -449,14 +462,14 @@
               </a:spcAft>
               <a:buSzPts val="1400"/>
               <a:buNone/>
-              <a:defRPr b="0" i="0" sz="2200" u="none" cap="none" strike="noStrike">
+              <a:defRPr sz="2200" b="0" i="0" u="none" strike="noStrike" cap="none">
                 <a:latin typeface="Helvetica Neue"/>
                 <a:ea typeface="Helvetica Neue"/>
                 <a:cs typeface="Helvetica Neue"/>
                 <a:sym typeface="Helvetica Neue"/>
               </a:defRPr>
             </a:lvl5pPr>
-            <a:lvl6pPr indent="-228600" lvl="5" marL="2743200" marR="0" rtl="0" algn="l">
+            <a:lvl6pPr marL="2743200" marR="0" lvl="5" indent="-228600" algn="l" rtl="0">
               <a:lnSpc>
                 <a:spcPct val="117999"/>
               </a:lnSpc>
@@ -468,14 +481,14 @@
               </a:spcAft>
               <a:buSzPts val="1400"/>
               <a:buNone/>
-              <a:defRPr b="0" i="0" sz="2200" u="none" cap="none" strike="noStrike">
+              <a:defRPr sz="2200" b="0" i="0" u="none" strike="noStrike" cap="none">
                 <a:latin typeface="Helvetica Neue"/>
                 <a:ea typeface="Helvetica Neue"/>
                 <a:cs typeface="Helvetica Neue"/>
                 <a:sym typeface="Helvetica Neue"/>
               </a:defRPr>
             </a:lvl6pPr>
-            <a:lvl7pPr indent="-228600" lvl="6" marL="3200400" marR="0" rtl="0" algn="l">
+            <a:lvl7pPr marL="3200400" marR="0" lvl="6" indent="-228600" algn="l" rtl="0">
               <a:lnSpc>
                 <a:spcPct val="117999"/>
               </a:lnSpc>
@@ -487,14 +500,14 @@
               </a:spcAft>
               <a:buSzPts val="1400"/>
               <a:buNone/>
-              <a:defRPr b="0" i="0" sz="2200" u="none" cap="none" strike="noStrike">
+              <a:defRPr sz="2200" b="0" i="0" u="none" strike="noStrike" cap="none">
                 <a:latin typeface="Helvetica Neue"/>
                 <a:ea typeface="Helvetica Neue"/>
                 <a:cs typeface="Helvetica Neue"/>
                 <a:sym typeface="Helvetica Neue"/>
               </a:defRPr>
             </a:lvl7pPr>
-            <a:lvl8pPr indent="-228600" lvl="7" marL="3657600" marR="0" rtl="0" algn="l">
+            <a:lvl8pPr marL="3657600" marR="0" lvl="7" indent="-228600" algn="l" rtl="0">
               <a:lnSpc>
                 <a:spcPct val="117999"/>
               </a:lnSpc>
@@ -506,14 +519,14 @@
               </a:spcAft>
               <a:buSzPts val="1400"/>
               <a:buNone/>
-              <a:defRPr b="0" i="0" sz="2200" u="none" cap="none" strike="noStrike">
+              <a:defRPr sz="2200" b="0" i="0" u="none" strike="noStrike" cap="none">
                 <a:latin typeface="Helvetica Neue"/>
                 <a:ea typeface="Helvetica Neue"/>
                 <a:cs typeface="Helvetica Neue"/>
                 <a:sym typeface="Helvetica Neue"/>
               </a:defRPr>
             </a:lvl8pPr>
-            <a:lvl9pPr indent="-228600" lvl="8" marL="4114800" marR="0" rtl="0" algn="l">
+            <a:lvl9pPr marL="4114800" marR="0" lvl="8" indent="-228600" algn="l" rtl="0">
               <a:lnSpc>
                 <a:spcPct val="117999"/>
               </a:lnSpc>
@@ -525,7 +538,7 @@
               </a:spcAft>
               <a:buSzPts val="1400"/>
               <a:buNone/>
-              <a:defRPr b="0" i="0" sz="2200" u="none" cap="none" strike="noStrike">
+              <a:defRPr sz="2200" b="0" i="0" u="none" strike="noStrike" cap="none">
                 <a:latin typeface="Helvetica Neue"/>
                 <a:ea typeface="Helvetica Neue"/>
                 <a:cs typeface="Helvetica Neue"/>
@@ -533,14 +546,16 @@
               </a:defRPr>
             </a:lvl9pPr>
           </a:lstStyle>
-          <a:p/>
+          <a:p>
+            <a:endParaRPr/>
+          </a:p>
         </p:txBody>
       </p:sp>
     </p:spTree>
   </p:cSld>
-  <p:clrMap accent1="accent1" accent2="accent2" accent3="accent3" accent4="accent4" accent5="accent5" accent6="accent6" bg1="lt1" bg2="dk2" tx1="dk1" tx2="lt2" folHlink="folHlink" hlink="hlink"/>
+  <p:clrMap bg1="lt1" tx1="dk1" bg2="dk2" tx2="lt2" accent1="accent1" accent2="accent2" accent3="accent3" accent4="accent4" accent5="accent5" accent6="accent6" hlink="hlink" folHlink="folHlink"/>
   <p:notesStyle>
-    <a:defPPr lvl="0" marR="0" rtl="0" algn="l">
+    <a:defPPr marR="0" lvl="0" algn="l" rtl="0">
       <a:lnSpc>
         <a:spcPct val="100000"/>
       </a:lnSpc>
@@ -551,7 +566,7 @@
         <a:spcPts val="0"/>
       </a:spcAft>
     </a:defPPr>
-    <a:lvl1pPr lvl="0" marR="0" rtl="0" algn="l">
+    <a:lvl1pPr marR="0" lvl="0" algn="l" rtl="0">
       <a:lnSpc>
         <a:spcPct val="100000"/>
       </a:lnSpc>
@@ -565,7 +580,7 @@
         <a:srgbClr val="000000"/>
       </a:buClr>
       <a:buFont typeface="Arial"/>
-      <a:defRPr b="0" i="0" sz="1400" u="none" cap="none" strike="noStrike">
+      <a:defRPr sz="1400" b="0" i="0" u="none" strike="noStrike" cap="none">
         <a:solidFill>
           <a:srgbClr val="000000"/>
         </a:solidFill>
@@ -575,7 +590,7 @@
         <a:sym typeface="Arial"/>
       </a:defRPr>
     </a:lvl1pPr>
-    <a:lvl2pPr lvl="1" marR="0" rtl="0" algn="l">
+    <a:lvl2pPr marR="0" lvl="1" algn="l" rtl="0">
       <a:lnSpc>
         <a:spcPct val="100000"/>
       </a:lnSpc>
@@ -589,7 +604,7 @@
         <a:srgbClr val="000000"/>
       </a:buClr>
       <a:buFont typeface="Arial"/>
-      <a:defRPr b="0" i="0" sz="1400" u="none" cap="none" strike="noStrike">
+      <a:defRPr sz="1400" b="0" i="0" u="none" strike="noStrike" cap="none">
         <a:solidFill>
           <a:srgbClr val="000000"/>
         </a:solidFill>
@@ -599,7 +614,7 @@
         <a:sym typeface="Arial"/>
       </a:defRPr>
     </a:lvl2pPr>
-    <a:lvl3pPr lvl="2" marR="0" rtl="0" algn="l">
+    <a:lvl3pPr marR="0" lvl="2" algn="l" rtl="0">
       <a:lnSpc>
         <a:spcPct val="100000"/>
       </a:lnSpc>
@@ -613,7 +628,7 @@
         <a:srgbClr val="000000"/>
       </a:buClr>
       <a:buFont typeface="Arial"/>
-      <a:defRPr b="0" i="0" sz="1400" u="none" cap="none" strike="noStrike">
+      <a:defRPr sz="1400" b="0" i="0" u="none" strike="noStrike" cap="none">
         <a:solidFill>
           <a:srgbClr val="000000"/>
         </a:solidFill>
@@ -623,7 +638,7 @@
         <a:sym typeface="Arial"/>
       </a:defRPr>
     </a:lvl3pPr>
-    <a:lvl4pPr lvl="3" marR="0" rtl="0" algn="l">
+    <a:lvl4pPr marR="0" lvl="3" algn="l" rtl="0">
       <a:lnSpc>
         <a:spcPct val="100000"/>
       </a:lnSpc>
@@ -637,7 +652,7 @@
         <a:srgbClr val="000000"/>
       </a:buClr>
       <a:buFont typeface="Arial"/>
-      <a:defRPr b="0" i="0" sz="1400" u="none" cap="none" strike="noStrike">
+      <a:defRPr sz="1400" b="0" i="0" u="none" strike="noStrike" cap="none">
         <a:solidFill>
           <a:srgbClr val="000000"/>
         </a:solidFill>
@@ -647,7 +662,7 @@
         <a:sym typeface="Arial"/>
       </a:defRPr>
     </a:lvl4pPr>
-    <a:lvl5pPr lvl="4" marR="0" rtl="0" algn="l">
+    <a:lvl5pPr marR="0" lvl="4" algn="l" rtl="0">
       <a:lnSpc>
         <a:spcPct val="100000"/>
       </a:lnSpc>
@@ -661,7 +676,7 @@
         <a:srgbClr val="000000"/>
       </a:buClr>
       <a:buFont typeface="Arial"/>
-      <a:defRPr b="0" i="0" sz="1400" u="none" cap="none" strike="noStrike">
+      <a:defRPr sz="1400" b="0" i="0" u="none" strike="noStrike" cap="none">
         <a:solidFill>
           <a:srgbClr val="000000"/>
         </a:solidFill>
@@ -671,7 +686,7 @@
         <a:sym typeface="Arial"/>
       </a:defRPr>
     </a:lvl5pPr>
-    <a:lvl6pPr lvl="5" marR="0" rtl="0" algn="l">
+    <a:lvl6pPr marR="0" lvl="5" algn="l" rtl="0">
       <a:lnSpc>
         <a:spcPct val="100000"/>
       </a:lnSpc>
@@ -685,7 +700,7 @@
         <a:srgbClr val="000000"/>
       </a:buClr>
       <a:buFont typeface="Arial"/>
-      <a:defRPr b="0" i="0" sz="1400" u="none" cap="none" strike="noStrike">
+      <a:defRPr sz="1400" b="0" i="0" u="none" strike="noStrike" cap="none">
         <a:solidFill>
           <a:srgbClr val="000000"/>
         </a:solidFill>
@@ -695,7 +710,7 @@
         <a:sym typeface="Arial"/>
       </a:defRPr>
     </a:lvl6pPr>
-    <a:lvl7pPr lvl="6" marR="0" rtl="0" algn="l">
+    <a:lvl7pPr marR="0" lvl="6" algn="l" rtl="0">
       <a:lnSpc>
         <a:spcPct val="100000"/>
       </a:lnSpc>
@@ -709,7 +724,7 @@
         <a:srgbClr val="000000"/>
       </a:buClr>
       <a:buFont typeface="Arial"/>
-      <a:defRPr b="0" i="0" sz="1400" u="none" cap="none" strike="noStrike">
+      <a:defRPr sz="1400" b="0" i="0" u="none" strike="noStrike" cap="none">
         <a:solidFill>
           <a:srgbClr val="000000"/>
         </a:solidFill>
@@ -719,7 +734,7 @@
         <a:sym typeface="Arial"/>
       </a:defRPr>
     </a:lvl7pPr>
-    <a:lvl8pPr lvl="7" marR="0" rtl="0" algn="l">
+    <a:lvl8pPr marR="0" lvl="7" algn="l" rtl="0">
       <a:lnSpc>
         <a:spcPct val="100000"/>
       </a:lnSpc>
@@ -733,7 +748,7 @@
         <a:srgbClr val="000000"/>
       </a:buClr>
       <a:buFont typeface="Arial"/>
-      <a:defRPr b="0" i="0" sz="1400" u="none" cap="none" strike="noStrike">
+      <a:defRPr sz="1400" b="0" i="0" u="none" strike="noStrike" cap="none">
         <a:solidFill>
           <a:srgbClr val="000000"/>
         </a:solidFill>
@@ -743,7 +758,7 @@
         <a:sym typeface="Arial"/>
       </a:defRPr>
     </a:lvl8pPr>
-    <a:lvl9pPr lvl="8" marR="0" rtl="0" algn="l">
+    <a:lvl9pPr marR="0" lvl="8" algn="l" rtl="0">
       <a:lnSpc>
         <a:spcPct val="100000"/>
       </a:lnSpc>
@@ -757,7 +772,7 @@
         <a:srgbClr val="000000"/>
       </a:buClr>
       <a:buFont typeface="Arial"/>
-      <a:defRPr b="0" i="0" sz="1400" u="none" cap="none" strike="noStrike">
+      <a:defRPr sz="1400" b="0" i="0" u="none" strike="noStrike" cap="none">
         <a:solidFill>
           <a:srgbClr val="000000"/>
         </a:solidFill>
@@ -772,11 +787,11 @@
 </file>
 
 <file path=ppt/notesSlides/notesSlide1.xml><?xml version="1.0" encoding="utf-8"?>
-<p:notes xmlns:a="http://schemas.openxmlformats.org/drawingml/2006/main" xmlns:r="http://schemas.openxmlformats.org/officeDocument/2006/relationships" xmlns:mc="http://schemas.openxmlformats.org/markup-compatibility/2006" xmlns:mv="urn:schemas-microsoft-com:mac:vml" xmlns:p="http://schemas.openxmlformats.org/presentationml/2006/main" xmlns:c="http://schemas.openxmlformats.org/drawingml/2006/chart" xmlns:dgm="http://schemas.openxmlformats.org/drawingml/2006/diagram" xmlns:o="urn:schemas-microsoft-com:office:office" xmlns:v="urn:schemas-microsoft-com:vml" xmlns:pvml="urn:schemas-microsoft-com:office:powerpoint" xmlns:com="http://schemas.openxmlformats.org/drawingml/2006/compatibility" xmlns:p14="http://schemas.microsoft.com/office/powerpoint/2010/main" xmlns:p15="http://schemas.microsoft.com/office/powerpoint/2012/main" showMasterPhAnim="0" showMasterSp="0">
+<p:notes xmlns:a="http://schemas.openxmlformats.org/drawingml/2006/main" xmlns:r="http://schemas.openxmlformats.org/officeDocument/2006/relationships" xmlns:p="http://schemas.openxmlformats.org/presentationml/2006/main" showMasterSp="0" showMasterPhAnim="0">
   <p:cSld>
     <p:spTree>
       <p:nvGrpSpPr>
-        <p:cNvPr id="69" name="Shape 69"/>
+        <p:cNvPr id="1" name="Shape 69"/>
         <p:cNvGrpSpPr/>
         <p:nvPr/>
       </p:nvGrpSpPr>
@@ -791,9 +806,11 @@
       <p:sp>
         <p:nvSpPr>
           <p:cNvPr id="70" name="Google Shape;70;p7:notes"/>
-          <p:cNvSpPr txBox="1"/>
+          <p:cNvSpPr txBox="1">
+            <a:spLocks noGrp="1"/>
+          </p:cNvSpPr>
           <p:nvPr>
-            <p:ph idx="1" type="body"/>
+            <p:ph type="body" idx="1"/>
           </p:nvPr>
         </p:nvSpPr>
         <p:spPr>
@@ -806,12 +823,12 @@
           </a:prstGeom>
         </p:spPr>
         <p:txBody>
-          <a:bodyPr anchorCtr="0" anchor="t" bIns="91425" lIns="91425" spcFirstLastPara="1" rIns="91425" wrap="square" tIns="91425">
+          <a:bodyPr spcFirstLastPara="1" wrap="square" lIns="91425" tIns="91425" rIns="91425" bIns="91425" anchor="t" anchorCtr="0">
             <a:noAutofit/>
           </a:bodyPr>
           <a:lstStyle/>
           <a:p>
-            <a:pPr indent="0" lvl="0" marL="0" rtl="0" algn="l">
+            <a:pPr marL="0" lvl="0" indent="0" algn="l" rtl="0">
               <a:lnSpc>
                 <a:spcPct val="115000"/>
               </a:lnSpc>
@@ -838,7 +855,7 @@
             <a:endParaRPr/>
           </a:p>
           <a:p>
-            <a:pPr indent="0" lvl="0" marL="0" rtl="0" algn="l">
+            <a:pPr marL="0" lvl="0" indent="0" algn="l" rtl="0">
               <a:lnSpc>
                 <a:spcPct val="115000"/>
               </a:lnSpc>
@@ -861,9 +878,11 @@
       <p:sp>
         <p:nvSpPr>
           <p:cNvPr id="71" name="Google Shape;71;p7:notes"/>
-          <p:cNvSpPr/>
+          <p:cNvSpPr>
+            <a:spLocks noGrp="1" noRot="1" noChangeAspect="1"/>
+          </p:cNvSpPr>
           <p:nvPr>
-            <p:ph idx="2" type="sldImg"/>
+            <p:ph type="sldImg" idx="2"/>
           </p:nvPr>
         </p:nvSpPr>
         <p:spPr>
@@ -872,9 +891,13 @@
             <a:ext cx="4572000" cy="3429000"/>
           </a:xfrm>
           <a:custGeom>
-            <a:rect b="b" l="l" r="r" t="t"/>
+            <a:avLst/>
+            <a:gdLst/>
+            <a:ahLst/>
+            <a:cxnLst/>
+            <a:rect l="l" t="t" r="r" b="b"/>
             <a:pathLst>
-              <a:path extrusionOk="0" h="120000" w="120000">
+              <a:path w="120000" h="120000" extrusionOk="0">
                 <a:moveTo>
                   <a:pt x="0" y="0"/>
                 </a:moveTo>
@@ -902,11 +925,11 @@
 </file>
 
 <file path=ppt/notesSlides/notesSlide2.xml><?xml version="1.0" encoding="utf-8"?>
-<p:notes xmlns:a="http://schemas.openxmlformats.org/drawingml/2006/main" xmlns:r="http://schemas.openxmlformats.org/officeDocument/2006/relationships" xmlns:mc="http://schemas.openxmlformats.org/markup-compatibility/2006" xmlns:mv="urn:schemas-microsoft-com:mac:vml" xmlns:p="http://schemas.openxmlformats.org/presentationml/2006/main" xmlns:c="http://schemas.openxmlformats.org/drawingml/2006/chart" xmlns:dgm="http://schemas.openxmlformats.org/drawingml/2006/diagram" xmlns:o="urn:schemas-microsoft-com:office:office" xmlns:v="urn:schemas-microsoft-com:vml" xmlns:pvml="urn:schemas-microsoft-com:office:powerpoint" xmlns:com="http://schemas.openxmlformats.org/drawingml/2006/compatibility" xmlns:p14="http://schemas.microsoft.com/office/powerpoint/2010/main" xmlns:p15="http://schemas.microsoft.com/office/powerpoint/2012/main" showMasterPhAnim="0" showMasterSp="0">
+<p:notes xmlns:a="http://schemas.openxmlformats.org/drawingml/2006/main" xmlns:r="http://schemas.openxmlformats.org/officeDocument/2006/relationships" xmlns:p="http://schemas.openxmlformats.org/presentationml/2006/main" showMasterSp="0" showMasterPhAnim="0">
   <p:cSld>
     <p:spTree>
       <p:nvGrpSpPr>
-        <p:cNvPr id="82" name="Shape 82"/>
+        <p:cNvPr id="1" name="Shape 82"/>
         <p:cNvGrpSpPr/>
         <p:nvPr/>
       </p:nvGrpSpPr>
@@ -921,9 +944,11 @@
       <p:sp>
         <p:nvSpPr>
           <p:cNvPr id="83" name="Google Shape;83;g5d5be79b8a_2_0:notes"/>
-          <p:cNvSpPr/>
+          <p:cNvSpPr>
+            <a:spLocks noGrp="1" noRot="1" noChangeAspect="1"/>
+          </p:cNvSpPr>
           <p:nvPr>
-            <p:ph idx="2" type="sldImg"/>
+            <p:ph type="sldImg" idx="2"/>
           </p:nvPr>
         </p:nvSpPr>
         <p:spPr>
@@ -932,9 +957,13 @@
             <a:ext cx="4572000" cy="3429000"/>
           </a:xfrm>
           <a:custGeom>
-            <a:rect b="b" l="l" r="r" t="t"/>
+            <a:avLst/>
+            <a:gdLst/>
+            <a:ahLst/>
+            <a:cxnLst/>
+            <a:rect l="l" t="t" r="r" b="b"/>
             <a:pathLst>
-              <a:path extrusionOk="0" h="120000" w="120000">
+              <a:path w="120000" h="120000" extrusionOk="0">
                 <a:moveTo>
                   <a:pt x="0" y="0"/>
                 </a:moveTo>
@@ -956,9 +985,11 @@
       <p:sp>
         <p:nvSpPr>
           <p:cNvPr id="84" name="Google Shape;84;g5d5be79b8a_2_0:notes"/>
-          <p:cNvSpPr txBox="1"/>
+          <p:cNvSpPr txBox="1">
+            <a:spLocks noGrp="1"/>
+          </p:cNvSpPr>
           <p:nvPr>
-            <p:ph idx="1" type="body"/>
+            <p:ph type="body" idx="1"/>
           </p:nvPr>
         </p:nvSpPr>
         <p:spPr>
@@ -971,12 +1002,12 @@
           </a:prstGeom>
         </p:spPr>
         <p:txBody>
-          <a:bodyPr anchorCtr="0" anchor="t" bIns="91425" lIns="91425" spcFirstLastPara="1" rIns="91425" wrap="square" tIns="91425">
+          <a:bodyPr spcFirstLastPara="1" wrap="square" lIns="91425" tIns="91425" rIns="91425" bIns="91425" anchor="t" anchorCtr="0">
             <a:noAutofit/>
           </a:bodyPr>
           <a:lstStyle/>
           <a:p>
-            <a:pPr indent="0" lvl="0" marL="0" rtl="0" algn="l">
+            <a:pPr marL="0" lvl="0" indent="0" algn="l" rtl="0">
               <a:spcBef>
                 <a:spcPts val="0"/>
               </a:spcBef>
@@ -1000,7 +1031,7 @@
             </a:endParaRPr>
           </a:p>
           <a:p>
-            <a:pPr indent="0" lvl="0" marL="0" rtl="0" algn="l">
+            <a:pPr marL="0" lvl="0" indent="0" algn="l" rtl="0">
               <a:spcBef>
                 <a:spcPts val="0"/>
               </a:spcBef>
@@ -1026,11 +1057,11 @@
 </file>
 
 <file path=ppt/notesSlides/notesSlide3.xml><?xml version="1.0" encoding="utf-8"?>
-<p:notes xmlns:a="http://schemas.openxmlformats.org/drawingml/2006/main" xmlns:r="http://schemas.openxmlformats.org/officeDocument/2006/relationships" xmlns:mc="http://schemas.openxmlformats.org/markup-compatibility/2006" xmlns:mv="urn:schemas-microsoft-com:mac:vml" xmlns:p="http://schemas.openxmlformats.org/presentationml/2006/main" xmlns:c="http://schemas.openxmlformats.org/drawingml/2006/chart" xmlns:dgm="http://schemas.openxmlformats.org/drawingml/2006/diagram" xmlns:o="urn:schemas-microsoft-com:office:office" xmlns:v="urn:schemas-microsoft-com:vml" xmlns:pvml="urn:schemas-microsoft-com:office:powerpoint" xmlns:com="http://schemas.openxmlformats.org/drawingml/2006/compatibility" xmlns:p14="http://schemas.microsoft.com/office/powerpoint/2010/main" xmlns:p15="http://schemas.microsoft.com/office/powerpoint/2012/main" showMasterPhAnim="0" showMasterSp="0">
+<p:notes xmlns:a="http://schemas.openxmlformats.org/drawingml/2006/main" xmlns:r="http://schemas.openxmlformats.org/officeDocument/2006/relationships" xmlns:p="http://schemas.openxmlformats.org/presentationml/2006/main" showMasterSp="0" showMasterPhAnim="0">
   <p:cSld>
     <p:spTree>
       <p:nvGrpSpPr>
-        <p:cNvPr id="101" name="Shape 101"/>
+        <p:cNvPr id="1" name="Shape 101"/>
         <p:cNvGrpSpPr/>
         <p:nvPr/>
       </p:nvGrpSpPr>
@@ -1045,9 +1076,11 @@
       <p:sp>
         <p:nvSpPr>
           <p:cNvPr id="102" name="Google Shape;102;g5de83afbce_0_0:notes"/>
-          <p:cNvSpPr/>
+          <p:cNvSpPr>
+            <a:spLocks noGrp="1" noRot="1" noChangeAspect="1"/>
+          </p:cNvSpPr>
           <p:nvPr>
-            <p:ph idx="2" type="sldImg"/>
+            <p:ph type="sldImg" idx="2"/>
           </p:nvPr>
         </p:nvSpPr>
         <p:spPr>
@@ -1056,9 +1089,13 @@
             <a:ext cx="4572000" cy="3429000"/>
           </a:xfrm>
           <a:custGeom>
-            <a:rect b="b" l="l" r="r" t="t"/>
+            <a:avLst/>
+            <a:gdLst/>
+            <a:ahLst/>
+            <a:cxnLst/>
+            <a:rect l="l" t="t" r="r" b="b"/>
             <a:pathLst>
-              <a:path extrusionOk="0" h="120000" w="120000">
+              <a:path w="120000" h="120000" extrusionOk="0">
                 <a:moveTo>
                   <a:pt x="0" y="0"/>
                 </a:moveTo>
@@ -1080,9 +1117,11 @@
       <p:sp>
         <p:nvSpPr>
           <p:cNvPr id="103" name="Google Shape;103;g5de83afbce_0_0:notes"/>
-          <p:cNvSpPr txBox="1"/>
+          <p:cNvSpPr txBox="1">
+            <a:spLocks noGrp="1"/>
+          </p:cNvSpPr>
           <p:nvPr>
-            <p:ph idx="1" type="body"/>
+            <p:ph type="body" idx="1"/>
           </p:nvPr>
         </p:nvSpPr>
         <p:spPr>
@@ -1095,12 +1134,12 @@
           </a:prstGeom>
         </p:spPr>
         <p:txBody>
-          <a:bodyPr anchorCtr="0" anchor="t" bIns="91425" lIns="91425" spcFirstLastPara="1" rIns="91425" wrap="square" tIns="91425">
+          <a:bodyPr spcFirstLastPara="1" wrap="square" lIns="91425" tIns="91425" rIns="91425" bIns="91425" anchor="t" anchorCtr="0">
             <a:noAutofit/>
           </a:bodyPr>
           <a:lstStyle/>
           <a:p>
-            <a:pPr indent="0" lvl="0" marL="0" rtl="0" algn="l">
+            <a:pPr marL="0" lvl="0" indent="0" algn="l" rtl="0">
               <a:spcBef>
                 <a:spcPts val="0"/>
               </a:spcBef>
@@ -1129,7 +1168,7 @@
             </a:endParaRPr>
           </a:p>
           <a:p>
-            <a:pPr indent="0" lvl="0" marL="0" rtl="0" algn="l">
+            <a:pPr marL="0" lvl="0" indent="0" algn="l" rtl="0">
               <a:spcBef>
                 <a:spcPts val="0"/>
               </a:spcBef>
@@ -1164,7 +1203,7 @@
             </a:endParaRPr>
           </a:p>
           <a:p>
-            <a:pPr indent="0" lvl="0" marL="0" rtl="0" algn="l">
+            <a:pPr marL="0" lvl="0" indent="0" algn="l" rtl="0">
               <a:spcBef>
                 <a:spcPts val="0"/>
               </a:spcBef>
@@ -1178,9 +1217,6 @@
               <a:buFont typeface="Arial"/>
               <a:buNone/>
             </a:pPr>
-            <a:r>
-              <a:t/>
-            </a:r>
             <a:endParaRPr>
               <a:solidFill>
                 <a:schemeClr val="dk1"/>
@@ -1198,11 +1234,11 @@
 </file>
 
 <file path=ppt/notesSlides/notesSlide4.xml><?xml version="1.0" encoding="utf-8"?>
-<p:notes xmlns:a="http://schemas.openxmlformats.org/drawingml/2006/main" xmlns:r="http://schemas.openxmlformats.org/officeDocument/2006/relationships" xmlns:mc="http://schemas.openxmlformats.org/markup-compatibility/2006" xmlns:mv="urn:schemas-microsoft-com:mac:vml" xmlns:p="http://schemas.openxmlformats.org/presentationml/2006/main" xmlns:c="http://schemas.openxmlformats.org/drawingml/2006/chart" xmlns:dgm="http://schemas.openxmlformats.org/drawingml/2006/diagram" xmlns:o="urn:schemas-microsoft-com:office:office" xmlns:v="urn:schemas-microsoft-com:vml" xmlns:pvml="urn:schemas-microsoft-com:office:powerpoint" xmlns:com="http://schemas.openxmlformats.org/drawingml/2006/compatibility" xmlns:p14="http://schemas.microsoft.com/office/powerpoint/2010/main" xmlns:p15="http://schemas.microsoft.com/office/powerpoint/2012/main" showMasterPhAnim="0" showMasterSp="0">
+<p:notes xmlns:a="http://schemas.openxmlformats.org/drawingml/2006/main" xmlns:r="http://schemas.openxmlformats.org/officeDocument/2006/relationships" xmlns:p="http://schemas.openxmlformats.org/presentationml/2006/main" showMasterSp="0" showMasterPhAnim="0">
   <p:cSld>
     <p:spTree>
       <p:nvGrpSpPr>
-        <p:cNvPr id="134" name="Shape 134"/>
+        <p:cNvPr id="1" name="Shape 134"/>
         <p:cNvGrpSpPr/>
         <p:nvPr/>
       </p:nvGrpSpPr>
@@ -1217,9 +1253,11 @@
       <p:sp>
         <p:nvSpPr>
           <p:cNvPr id="135" name="Google Shape;135;g5de83afbce_0_5:notes"/>
-          <p:cNvSpPr/>
+          <p:cNvSpPr>
+            <a:spLocks noGrp="1" noRot="1" noChangeAspect="1"/>
+          </p:cNvSpPr>
           <p:nvPr>
-            <p:ph idx="2" type="sldImg"/>
+            <p:ph type="sldImg" idx="2"/>
           </p:nvPr>
         </p:nvSpPr>
         <p:spPr>
@@ -1228,9 +1266,13 @@
             <a:ext cx="4572000" cy="3429000"/>
           </a:xfrm>
           <a:custGeom>
-            <a:rect b="b" l="l" r="r" t="t"/>
+            <a:avLst/>
+            <a:gdLst/>
+            <a:ahLst/>
+            <a:cxnLst/>
+            <a:rect l="l" t="t" r="r" b="b"/>
             <a:pathLst>
-              <a:path extrusionOk="0" h="120000" w="120000">
+              <a:path w="120000" h="120000" extrusionOk="0">
                 <a:moveTo>
                   <a:pt x="0" y="0"/>
                 </a:moveTo>
@@ -1252,9 +1294,11 @@
       <p:sp>
         <p:nvSpPr>
           <p:cNvPr id="136" name="Google Shape;136;g5de83afbce_0_5:notes"/>
-          <p:cNvSpPr txBox="1"/>
+          <p:cNvSpPr txBox="1">
+            <a:spLocks noGrp="1"/>
+          </p:cNvSpPr>
           <p:nvPr>
-            <p:ph idx="1" type="body"/>
+            <p:ph type="body" idx="1"/>
           </p:nvPr>
         </p:nvSpPr>
         <p:spPr>
@@ -1267,12 +1311,12 @@
           </a:prstGeom>
         </p:spPr>
         <p:txBody>
-          <a:bodyPr anchorCtr="0" anchor="t" bIns="91425" lIns="91425" spcFirstLastPara="1" rIns="91425" wrap="square" tIns="91425">
+          <a:bodyPr spcFirstLastPara="1" wrap="square" lIns="91425" tIns="91425" rIns="91425" bIns="91425" anchor="t" anchorCtr="0">
             <a:noAutofit/>
           </a:bodyPr>
           <a:lstStyle/>
           <a:p>
-            <a:pPr indent="0" lvl="0" marL="0" rtl="0" algn="l">
+            <a:pPr marL="0" lvl="0" indent="0" algn="l" rtl="0">
               <a:spcBef>
                 <a:spcPts val="0"/>
               </a:spcBef>
@@ -1296,7 +1340,7 @@
             </a:endParaRPr>
           </a:p>
           <a:p>
-            <a:pPr indent="0" lvl="0" marL="0" rtl="0" algn="l">
+            <a:pPr marL="0" lvl="0" indent="0" algn="l" rtl="0">
               <a:spcBef>
                 <a:spcPts val="0"/>
               </a:spcBef>
@@ -1307,16 +1351,12 @@
             </a:pPr>
             <a:r>
               <a:rPr lang="en-US"/>
-              <a:t>I want to reiterate that</a:t>
-            </a:r>
-            <a:r>
-              <a:rPr lang="en-US"/>
-              <a:t> you will only be able to take advantage of the technical interview practice and job referrals once you are Employer Ready. Becoming Employer Ready is your first step to entering the job search. Knowing that, we’ll now learn how Career Services supports you in your efforts to not only become Employer Ready, but Employer Competitive. </a:t>
+              <a:t>I want to reiterate that you will only be able to take advantage of the technical interview practice and job referrals once you are Employer Ready. Becoming Employer Ready is your first step to entering the job search. Knowing that, we’ll now learn how Career Services supports you in your efforts to not only become Employer Ready, but Employer Competitive. </a:t>
             </a:r>
             <a:endParaRPr/>
           </a:p>
           <a:p>
-            <a:pPr indent="0" lvl="0" marL="0" rtl="0" algn="l">
+            <a:pPr marL="0" lvl="0" indent="0" algn="l" rtl="0">
               <a:spcBef>
                 <a:spcPts val="0"/>
               </a:spcBef>
@@ -1325,9 +1365,6 @@
               </a:spcAft>
               <a:buNone/>
             </a:pPr>
-            <a:r>
-              <a:t/>
-            </a:r>
             <a:endParaRPr/>
           </a:p>
         </p:txBody>
@@ -1341,11 +1378,11 @@
 </file>
 
 <file path=ppt/notesSlides/notesSlide5.xml><?xml version="1.0" encoding="utf-8"?>
-<p:notes xmlns:a="http://schemas.openxmlformats.org/drawingml/2006/main" xmlns:r="http://schemas.openxmlformats.org/officeDocument/2006/relationships" xmlns:mc="http://schemas.openxmlformats.org/markup-compatibility/2006" xmlns:mv="urn:schemas-microsoft-com:mac:vml" xmlns:p="http://schemas.openxmlformats.org/presentationml/2006/main" xmlns:c="http://schemas.openxmlformats.org/drawingml/2006/chart" xmlns:dgm="http://schemas.openxmlformats.org/drawingml/2006/diagram" xmlns:o="urn:schemas-microsoft-com:office:office" xmlns:v="urn:schemas-microsoft-com:vml" xmlns:pvml="urn:schemas-microsoft-com:office:powerpoint" xmlns:com="http://schemas.openxmlformats.org/drawingml/2006/compatibility" xmlns:p14="http://schemas.microsoft.com/office/powerpoint/2010/main" xmlns:p15="http://schemas.microsoft.com/office/powerpoint/2012/main" showMasterPhAnim="0" showMasterSp="0">
+<p:notes xmlns:a="http://schemas.openxmlformats.org/drawingml/2006/main" xmlns:r="http://schemas.openxmlformats.org/officeDocument/2006/relationships" xmlns:p="http://schemas.openxmlformats.org/presentationml/2006/main" showMasterSp="0" showMasterPhAnim="0">
   <p:cSld>
     <p:spTree>
       <p:nvGrpSpPr>
-        <p:cNvPr id="154" name="Shape 154"/>
+        <p:cNvPr id="1" name="Shape 154"/>
         <p:cNvGrpSpPr/>
         <p:nvPr/>
       </p:nvGrpSpPr>
@@ -1360,9 +1397,11 @@
       <p:sp>
         <p:nvSpPr>
           <p:cNvPr id="155" name="Google Shape;155;g5c37f32940_0_31:notes"/>
-          <p:cNvSpPr/>
+          <p:cNvSpPr>
+            <a:spLocks noGrp="1" noRot="1" noChangeAspect="1"/>
+          </p:cNvSpPr>
           <p:nvPr>
-            <p:ph idx="2" type="sldImg"/>
+            <p:ph type="sldImg" idx="2"/>
           </p:nvPr>
         </p:nvSpPr>
         <p:spPr>
@@ -1371,9 +1410,13 @@
             <a:ext cx="4572000" cy="3429000"/>
           </a:xfrm>
           <a:custGeom>
-            <a:rect b="b" l="l" r="r" t="t"/>
+            <a:avLst/>
+            <a:gdLst/>
+            <a:ahLst/>
+            <a:cxnLst/>
+            <a:rect l="l" t="t" r="r" b="b"/>
             <a:pathLst>
-              <a:path extrusionOk="0" h="120000" w="120000">
+              <a:path w="120000" h="120000" extrusionOk="0">
                 <a:moveTo>
                   <a:pt x="0" y="0"/>
                 </a:moveTo>
@@ -1395,9 +1438,11 @@
       <p:sp>
         <p:nvSpPr>
           <p:cNvPr id="156" name="Google Shape;156;g5c37f32940_0_31:notes"/>
-          <p:cNvSpPr txBox="1"/>
+          <p:cNvSpPr txBox="1">
+            <a:spLocks noGrp="1"/>
+          </p:cNvSpPr>
           <p:nvPr>
-            <p:ph idx="1" type="body"/>
+            <p:ph type="body" idx="1"/>
           </p:nvPr>
         </p:nvSpPr>
         <p:spPr>
@@ -1410,12 +1455,12 @@
           </a:prstGeom>
         </p:spPr>
         <p:txBody>
-          <a:bodyPr anchorCtr="0" anchor="t" bIns="91425" lIns="91425" spcFirstLastPara="1" rIns="91425" wrap="square" tIns="91425">
+          <a:bodyPr spcFirstLastPara="1" wrap="square" lIns="91425" tIns="91425" rIns="91425" bIns="91425" anchor="t" anchorCtr="0">
             <a:noAutofit/>
           </a:bodyPr>
           <a:lstStyle/>
           <a:p>
-            <a:pPr indent="0" lvl="0" marL="0" rtl="0" algn="l">
+            <a:pPr marL="0" lvl="0" indent="0" algn="l" rtl="0">
               <a:spcBef>
                 <a:spcPts val="0"/>
               </a:spcBef>
@@ -1439,7 +1484,7 @@
             </a:endParaRPr>
           </a:p>
           <a:p>
-            <a:pPr indent="0" lvl="0" marL="0" rtl="0" algn="l">
+            <a:pPr marL="0" lvl="0" indent="0" algn="l" rtl="0">
               <a:spcBef>
                 <a:spcPts val="0"/>
               </a:spcBef>
@@ -1465,11 +1510,11 @@
 </file>
 
 <file path=ppt/notesSlides/notesSlide6.xml><?xml version="1.0" encoding="utf-8"?>
-<p:notes xmlns:a="http://schemas.openxmlformats.org/drawingml/2006/main" xmlns:r="http://schemas.openxmlformats.org/officeDocument/2006/relationships" xmlns:mc="http://schemas.openxmlformats.org/markup-compatibility/2006" xmlns:mv="urn:schemas-microsoft-com:mac:vml" xmlns:p="http://schemas.openxmlformats.org/presentationml/2006/main" xmlns:c="http://schemas.openxmlformats.org/drawingml/2006/chart" xmlns:dgm="http://schemas.openxmlformats.org/drawingml/2006/diagram" xmlns:o="urn:schemas-microsoft-com:office:office" xmlns:v="urn:schemas-microsoft-com:vml" xmlns:pvml="urn:schemas-microsoft-com:office:powerpoint" xmlns:com="http://schemas.openxmlformats.org/drawingml/2006/compatibility" xmlns:p14="http://schemas.microsoft.com/office/powerpoint/2010/main" xmlns:p15="http://schemas.microsoft.com/office/powerpoint/2012/main" showMasterPhAnim="0" showMasterSp="0">
+<p:notes xmlns:a="http://schemas.openxmlformats.org/drawingml/2006/main" xmlns:r="http://schemas.openxmlformats.org/officeDocument/2006/relationships" xmlns:p="http://schemas.openxmlformats.org/presentationml/2006/main" showMasterSp="0" showMasterPhAnim="0">
   <p:cSld>
     <p:spTree>
       <p:nvGrpSpPr>
-        <p:cNvPr id="173" name="Shape 173"/>
+        <p:cNvPr id="1" name="Shape 173"/>
         <p:cNvGrpSpPr/>
         <p:nvPr/>
       </p:nvGrpSpPr>
@@ -1484,20 +1529,26 @@
       <p:sp>
         <p:nvSpPr>
           <p:cNvPr id="174" name="Google Shape;174;g5de83afbce_0_10:notes"/>
-          <p:cNvSpPr/>
+          <p:cNvSpPr>
+            <a:spLocks noGrp="1" noRot="1" noChangeAspect="1"/>
+          </p:cNvSpPr>
           <p:nvPr>
-            <p:ph idx="2" type="sldImg"/>
+            <p:ph type="sldImg" idx="2"/>
           </p:nvPr>
         </p:nvSpPr>
         <p:spPr>
           <a:xfrm>
-            <a:off x="1143000" y="685800"/>
-            <a:ext cx="4572000" cy="3429000"/>
+            <a:off x="381000" y="685800"/>
+            <a:ext cx="6096000" cy="3429000"/>
           </a:xfrm>
           <a:custGeom>
-            <a:rect b="b" l="l" r="r" t="t"/>
+            <a:avLst/>
+            <a:gdLst/>
+            <a:ahLst/>
+            <a:cxnLst/>
+            <a:rect l="l" t="t" r="r" b="b"/>
             <a:pathLst>
-              <a:path extrusionOk="0" h="120000" w="120000">
+              <a:path w="120000" h="120000" extrusionOk="0">
                 <a:moveTo>
                   <a:pt x="0" y="0"/>
                 </a:moveTo>
@@ -1519,9 +1570,11 @@
       <p:sp>
         <p:nvSpPr>
           <p:cNvPr id="175" name="Google Shape;175;g5de83afbce_0_10:notes"/>
-          <p:cNvSpPr txBox="1"/>
+          <p:cNvSpPr txBox="1">
+            <a:spLocks noGrp="1"/>
+          </p:cNvSpPr>
           <p:nvPr>
-            <p:ph idx="1" type="body"/>
+            <p:ph type="body" idx="1"/>
           </p:nvPr>
         </p:nvSpPr>
         <p:spPr>
@@ -1534,12 +1587,12 @@
           </a:prstGeom>
         </p:spPr>
         <p:txBody>
-          <a:bodyPr anchorCtr="0" anchor="t" bIns="91425" lIns="91425" spcFirstLastPara="1" rIns="91425" wrap="square" tIns="91425">
+          <a:bodyPr spcFirstLastPara="1" wrap="square" lIns="91425" tIns="91425" rIns="91425" bIns="91425" anchor="t" anchorCtr="0">
             <a:noAutofit/>
           </a:bodyPr>
           <a:lstStyle/>
           <a:p>
-            <a:pPr indent="0" lvl="0" marL="0" rtl="0" algn="l">
+            <a:pPr marL="0" lvl="0" indent="0" algn="l" rtl="0">
               <a:spcBef>
                 <a:spcPts val="0"/>
               </a:spcBef>
@@ -1568,7 +1621,7 @@
             </a:endParaRPr>
           </a:p>
           <a:p>
-            <a:pPr indent="0" lvl="0" marL="0" rtl="0" algn="l">
+            <a:pPr marL="0" lvl="0" indent="0" algn="l" rtl="0">
               <a:spcBef>
                 <a:spcPts val="0"/>
               </a:spcBef>
@@ -1579,11 +1632,7 @@
             </a:pPr>
             <a:r>
               <a:rPr lang="en-US"/>
-              <a:t>How you decide to work with your Career Director is</a:t>
-            </a:r>
-            <a:r>
-              <a:rPr lang="en-US"/>
-              <a:t> ultimately up to you. Remember that your Career Director is an expert in the job search and is ready to help! This job search can be challenging, I encourage you to take advantage of the expertise available to you. </a:t>
+              <a:t>How you decide to work with your Career Director is ultimately up to you. Remember that your Career Director is an expert in the job search and is ready to help! This job search can be challenging, I encourage you to take advantage of the expertise available to you. </a:t>
             </a:r>
             <a:endParaRPr/>
           </a:p>
@@ -1598,11 +1647,11 @@
 </file>
 
 <file path=ppt/notesSlides/notesSlide7.xml><?xml version="1.0" encoding="utf-8"?>
-<p:notes xmlns:a="http://schemas.openxmlformats.org/drawingml/2006/main" xmlns:r="http://schemas.openxmlformats.org/officeDocument/2006/relationships" xmlns:mc="http://schemas.openxmlformats.org/markup-compatibility/2006" xmlns:mv="urn:schemas-microsoft-com:mac:vml" xmlns:p="http://schemas.openxmlformats.org/presentationml/2006/main" xmlns:c="http://schemas.openxmlformats.org/drawingml/2006/chart" xmlns:dgm="http://schemas.openxmlformats.org/drawingml/2006/diagram" xmlns:o="urn:schemas-microsoft-com:office:office" xmlns:v="urn:schemas-microsoft-com:vml" xmlns:pvml="urn:schemas-microsoft-com:office:powerpoint" xmlns:com="http://schemas.openxmlformats.org/drawingml/2006/compatibility" xmlns:p14="http://schemas.microsoft.com/office/powerpoint/2010/main" xmlns:p15="http://schemas.microsoft.com/office/powerpoint/2012/main" showMasterPhAnim="0" showMasterSp="0">
+<p:notes xmlns:a="http://schemas.openxmlformats.org/drawingml/2006/main" xmlns:r="http://schemas.openxmlformats.org/officeDocument/2006/relationships" xmlns:p="http://schemas.openxmlformats.org/presentationml/2006/main" showMasterSp="0" showMasterPhAnim="0">
   <p:cSld>
     <p:spTree>
       <p:nvGrpSpPr>
-        <p:cNvPr id="202" name="Shape 202"/>
+        <p:cNvPr id="1" name="Shape 202"/>
         <p:cNvGrpSpPr/>
         <p:nvPr/>
       </p:nvGrpSpPr>
@@ -1617,9 +1666,11 @@
       <p:sp>
         <p:nvSpPr>
           <p:cNvPr id="203" name="Google Shape;203;g5de83afbce_0_15:notes"/>
-          <p:cNvSpPr/>
+          <p:cNvSpPr>
+            <a:spLocks noGrp="1" noRot="1" noChangeAspect="1"/>
+          </p:cNvSpPr>
           <p:nvPr>
-            <p:ph idx="2" type="sldImg"/>
+            <p:ph type="sldImg" idx="2"/>
           </p:nvPr>
         </p:nvSpPr>
         <p:spPr>
@@ -1628,9 +1679,13 @@
             <a:ext cx="4572000" cy="3429000"/>
           </a:xfrm>
           <a:custGeom>
-            <a:rect b="b" l="l" r="r" t="t"/>
+            <a:avLst/>
+            <a:gdLst/>
+            <a:ahLst/>
+            <a:cxnLst/>
+            <a:rect l="l" t="t" r="r" b="b"/>
             <a:pathLst>
-              <a:path extrusionOk="0" h="120000" w="120000">
+              <a:path w="120000" h="120000" extrusionOk="0">
                 <a:moveTo>
                   <a:pt x="0" y="0"/>
                 </a:moveTo>
@@ -1652,9 +1707,11 @@
       <p:sp>
         <p:nvSpPr>
           <p:cNvPr id="204" name="Google Shape;204;g5de83afbce_0_15:notes"/>
-          <p:cNvSpPr txBox="1"/>
+          <p:cNvSpPr txBox="1">
+            <a:spLocks noGrp="1"/>
+          </p:cNvSpPr>
           <p:nvPr>
-            <p:ph idx="1" type="body"/>
+            <p:ph type="body" idx="1"/>
           </p:nvPr>
         </p:nvSpPr>
         <p:spPr>
@@ -1667,12 +1724,12 @@
           </a:prstGeom>
         </p:spPr>
         <p:txBody>
-          <a:bodyPr anchorCtr="0" anchor="t" bIns="91425" lIns="91425" spcFirstLastPara="1" rIns="91425" wrap="square" tIns="91425">
+          <a:bodyPr spcFirstLastPara="1" wrap="square" lIns="91425" tIns="91425" rIns="91425" bIns="91425" anchor="t" anchorCtr="0">
             <a:noAutofit/>
           </a:bodyPr>
           <a:lstStyle/>
           <a:p>
-            <a:pPr indent="0" lvl="0" marL="0" rtl="0" algn="l">
+            <a:pPr marL="0" lvl="0" indent="0" algn="l" rtl="0">
               <a:spcBef>
                 <a:spcPts val="0"/>
               </a:spcBef>
@@ -1701,7 +1758,7 @@
             </a:endParaRPr>
           </a:p>
           <a:p>
-            <a:pPr indent="0" lvl="0" marL="0" rtl="0" algn="l">
+            <a:pPr marL="0" lvl="0" indent="0" algn="l" rtl="0">
               <a:spcBef>
                 <a:spcPts val="0"/>
               </a:spcBef>
@@ -1727,11 +1784,11 @@
 </file>
 
 <file path=ppt/slideLayouts/slideLayout1.xml><?xml version="1.0" encoding="utf-8"?>
-<p:sldLayout xmlns:a="http://schemas.openxmlformats.org/drawingml/2006/main" xmlns:r="http://schemas.openxmlformats.org/officeDocument/2006/relationships" xmlns:mc="http://schemas.openxmlformats.org/markup-compatibility/2006" xmlns:mv="urn:schemas-microsoft-com:mac:vml" xmlns:p="http://schemas.openxmlformats.org/presentationml/2006/main" xmlns:c="http://schemas.openxmlformats.org/drawingml/2006/chart" xmlns:dgm="http://schemas.openxmlformats.org/drawingml/2006/diagram" xmlns:o="urn:schemas-microsoft-com:office:office" xmlns:v="urn:schemas-microsoft-com:vml" xmlns:pvml="urn:schemas-microsoft-com:office:powerpoint" xmlns:com="http://schemas.openxmlformats.org/drawingml/2006/compatibility" xmlns:p14="http://schemas.microsoft.com/office/powerpoint/2010/main" xmlns:p15="http://schemas.microsoft.com/office/powerpoint/2012/main" matchingName="Title slide" type="title">
+<p:sldLayout xmlns:a="http://schemas.openxmlformats.org/drawingml/2006/main" xmlns:r="http://schemas.openxmlformats.org/officeDocument/2006/relationships" xmlns:p="http://schemas.openxmlformats.org/presentationml/2006/main" matchingName="Title slide" type="title">
   <p:cSld name="TITLE">
     <p:spTree>
       <p:nvGrpSpPr>
-        <p:cNvPr id="9" name="Shape 9"/>
+        <p:cNvPr id="1" name="Shape 9"/>
         <p:cNvGrpSpPr/>
         <p:nvPr/>
       </p:nvGrpSpPr>
@@ -1746,7 +1803,9 @@
       <p:sp>
         <p:nvSpPr>
           <p:cNvPr id="10" name="Google Shape;10;p2"/>
-          <p:cNvSpPr txBox="1"/>
+          <p:cNvSpPr txBox="1">
+            <a:spLocks noGrp="1"/>
+          </p:cNvSpPr>
           <p:nvPr>
             <p:ph type="ctrTitle"/>
           </p:nvPr>
@@ -1761,7 +1820,7 @@
           </a:prstGeom>
         </p:spPr>
         <p:txBody>
-          <a:bodyPr anchorCtr="0" anchor="b" bIns="243800" lIns="243800" spcFirstLastPara="1" rIns="243800" wrap="square" tIns="243800">
+          <a:bodyPr spcFirstLastPara="1" wrap="square" lIns="243800" tIns="243800" rIns="243800" bIns="243800" anchor="b" anchorCtr="0">
             <a:noAutofit/>
           </a:bodyPr>
           <a:lstStyle>
@@ -1865,15 +1924,19 @@
               <a:defRPr sz="13900"/>
             </a:lvl9pPr>
           </a:lstStyle>
-          <a:p/>
+          <a:p>
+            <a:endParaRPr/>
+          </a:p>
         </p:txBody>
       </p:sp>
       <p:sp>
         <p:nvSpPr>
           <p:cNvPr id="11" name="Google Shape;11;p2"/>
-          <p:cNvSpPr txBox="1"/>
+          <p:cNvSpPr txBox="1">
+            <a:spLocks noGrp="1"/>
+          </p:cNvSpPr>
           <p:nvPr>
-            <p:ph idx="1" type="subTitle"/>
+            <p:ph type="subTitle" idx="1"/>
           </p:nvPr>
         </p:nvSpPr>
         <p:spPr>
@@ -1886,7 +1949,7 @@
           </a:prstGeom>
         </p:spPr>
         <p:txBody>
-          <a:bodyPr anchorCtr="0" anchor="t" bIns="243800" lIns="243800" spcFirstLastPara="1" rIns="243800" wrap="square" tIns="243800">
+          <a:bodyPr spcFirstLastPara="1" wrap="square" lIns="243800" tIns="243800" rIns="243800" bIns="243800" anchor="t" anchorCtr="0">
             <a:noAutofit/>
           </a:bodyPr>
           <a:lstStyle>
@@ -2017,15 +2080,19 @@
               <a:defRPr sz="7500"/>
             </a:lvl9pPr>
           </a:lstStyle>
-          <a:p/>
+          <a:p>
+            <a:endParaRPr/>
+          </a:p>
         </p:txBody>
       </p:sp>
       <p:sp>
         <p:nvSpPr>
           <p:cNvPr id="12" name="Google Shape;12;p2"/>
-          <p:cNvSpPr txBox="1"/>
+          <p:cNvSpPr txBox="1">
+            <a:spLocks noGrp="1"/>
+          </p:cNvSpPr>
           <p:nvPr>
-            <p:ph idx="12" type="sldNum"/>
+            <p:ph type="sldNum" idx="12"/>
           </p:nvPr>
         </p:nvSpPr>
         <p:spPr>
@@ -2038,7 +2105,7 @@
           </a:prstGeom>
         </p:spPr>
         <p:txBody>
-          <a:bodyPr anchorCtr="0" anchor="ctr" bIns="243800" lIns="243800" spcFirstLastPara="1" rIns="243800" wrap="square" tIns="243800">
+          <a:bodyPr spcFirstLastPara="1" wrap="square" lIns="243800" tIns="243800" rIns="243800" bIns="243800" anchor="ctr" anchorCtr="0">
             <a:noAutofit/>
           </a:bodyPr>
           <a:lstStyle>
@@ -2080,7 +2147,7 @@
             </a:lvl9pPr>
           </a:lstStyle>
           <a:p>
-            <a:pPr indent="0" lvl="0" marL="0" rtl="0" algn="r">
+            <a:pPr marL="0" lvl="0" indent="0" algn="r" rtl="0">
               <a:spcBef>
                 <a:spcPts val="0"/>
               </a:spcBef>
@@ -2106,11 +2173,11 @@
 </file>
 
 <file path=ppt/slideLayouts/slideLayout10.xml><?xml version="1.0" encoding="utf-8"?>
-<p:sldLayout xmlns:a="http://schemas.openxmlformats.org/drawingml/2006/main" xmlns:r="http://schemas.openxmlformats.org/officeDocument/2006/relationships" xmlns:mc="http://schemas.openxmlformats.org/markup-compatibility/2006" xmlns:mv="urn:schemas-microsoft-com:mac:vml" xmlns:p="http://schemas.openxmlformats.org/presentationml/2006/main" xmlns:c="http://schemas.openxmlformats.org/drawingml/2006/chart" xmlns:dgm="http://schemas.openxmlformats.org/drawingml/2006/diagram" xmlns:o="urn:schemas-microsoft-com:office:office" xmlns:v="urn:schemas-microsoft-com:vml" xmlns:pvml="urn:schemas-microsoft-com:office:powerpoint" xmlns:com="http://schemas.openxmlformats.org/drawingml/2006/compatibility" xmlns:p14="http://schemas.microsoft.com/office/powerpoint/2010/main" xmlns:p15="http://schemas.microsoft.com/office/powerpoint/2012/main" matchingName="Big number">
+<p:sldLayout xmlns:a="http://schemas.openxmlformats.org/drawingml/2006/main" xmlns:r="http://schemas.openxmlformats.org/officeDocument/2006/relationships" xmlns:p="http://schemas.openxmlformats.org/presentationml/2006/main" matchingName="Big number">
   <p:cSld name="BIG_NUMBER">
     <p:spTree>
       <p:nvGrpSpPr>
-        <p:cNvPr id="44" name="Shape 44"/>
+        <p:cNvPr id="1" name="Shape 44"/>
         <p:cNvGrpSpPr/>
         <p:nvPr/>
       </p:nvGrpSpPr>
@@ -2125,9 +2192,11 @@
       <p:sp>
         <p:nvSpPr>
           <p:cNvPr id="45" name="Google Shape;45;p11"/>
-          <p:cNvSpPr txBox="1"/>
+          <p:cNvSpPr txBox="1">
+            <a:spLocks noGrp="1"/>
+          </p:cNvSpPr>
           <p:nvPr>
-            <p:ph hasCustomPrompt="1" type="title"/>
+            <p:ph type="title" hasCustomPrompt="1"/>
           </p:nvPr>
         </p:nvSpPr>
         <p:spPr>
@@ -2140,7 +2209,7 @@
           </a:prstGeom>
         </p:spPr>
         <p:txBody>
-          <a:bodyPr anchorCtr="0" anchor="b" bIns="243800" lIns="243800" spcFirstLastPara="1" rIns="243800" wrap="square" tIns="243800">
+          <a:bodyPr spcFirstLastPara="1" wrap="square" lIns="243800" tIns="243800" rIns="243800" bIns="243800" anchor="b" anchorCtr="0">
             <a:noAutofit/>
           </a:bodyPr>
           <a:lstStyle>
@@ -2254,9 +2323,11 @@
       <p:sp>
         <p:nvSpPr>
           <p:cNvPr id="46" name="Google Shape;46;p11"/>
-          <p:cNvSpPr txBox="1"/>
+          <p:cNvSpPr txBox="1">
+            <a:spLocks noGrp="1"/>
+          </p:cNvSpPr>
           <p:nvPr>
-            <p:ph idx="1" type="body"/>
+            <p:ph type="body" idx="1"/>
           </p:nvPr>
         </p:nvSpPr>
         <p:spPr>
@@ -2269,11 +2340,11 @@
           </a:prstGeom>
         </p:spPr>
         <p:txBody>
-          <a:bodyPr anchorCtr="0" anchor="t" bIns="243800" lIns="243800" spcFirstLastPara="1" rIns="243800" wrap="square" tIns="243800">
+          <a:bodyPr spcFirstLastPara="1" wrap="square" lIns="243800" tIns="243800" rIns="243800" bIns="243800" anchor="t" anchorCtr="0">
             <a:noAutofit/>
           </a:bodyPr>
           <a:lstStyle>
-            <a:lvl1pPr indent="-533400" lvl="0" marL="457200" algn="ctr">
+            <a:lvl1pPr marL="457200" lvl="0" indent="-533400" algn="ctr">
               <a:spcBef>
                 <a:spcPts val="0"/>
               </a:spcBef>
@@ -2284,7 +2355,7 @@
               <a:buChar char="●"/>
               <a:defRPr/>
             </a:lvl1pPr>
-            <a:lvl2pPr indent="-463550" lvl="1" marL="914400" algn="ctr">
+            <a:lvl2pPr marL="914400" lvl="1" indent="-463550" algn="ctr">
               <a:spcBef>
                 <a:spcPts val="4300"/>
               </a:spcBef>
@@ -2295,7 +2366,7 @@
               <a:buChar char="○"/>
               <a:defRPr/>
             </a:lvl2pPr>
-            <a:lvl3pPr indent="-463550" lvl="2" marL="1371600" algn="ctr">
+            <a:lvl3pPr marL="1371600" lvl="2" indent="-463550" algn="ctr">
               <a:spcBef>
                 <a:spcPts val="4300"/>
               </a:spcBef>
@@ -2306,7 +2377,7 @@
               <a:buChar char="■"/>
               <a:defRPr/>
             </a:lvl3pPr>
-            <a:lvl4pPr indent="-463550" lvl="3" marL="1828800" algn="ctr">
+            <a:lvl4pPr marL="1828800" lvl="3" indent="-463550" algn="ctr">
               <a:spcBef>
                 <a:spcPts val="4300"/>
               </a:spcBef>
@@ -2317,7 +2388,7 @@
               <a:buChar char="●"/>
               <a:defRPr/>
             </a:lvl4pPr>
-            <a:lvl5pPr indent="-463550" lvl="4" marL="2286000" algn="ctr">
+            <a:lvl5pPr marL="2286000" lvl="4" indent="-463550" algn="ctr">
               <a:spcBef>
                 <a:spcPts val="4300"/>
               </a:spcBef>
@@ -2328,7 +2399,7 @@
               <a:buChar char="○"/>
               <a:defRPr/>
             </a:lvl5pPr>
-            <a:lvl6pPr indent="-463550" lvl="5" marL="2743200" algn="ctr">
+            <a:lvl6pPr marL="2743200" lvl="5" indent="-463550" algn="ctr">
               <a:spcBef>
                 <a:spcPts val="4300"/>
               </a:spcBef>
@@ -2339,7 +2410,7 @@
               <a:buChar char="■"/>
               <a:defRPr/>
             </a:lvl6pPr>
-            <a:lvl7pPr indent="-463550" lvl="6" marL="3200400" algn="ctr">
+            <a:lvl7pPr marL="3200400" lvl="6" indent="-463550" algn="ctr">
               <a:spcBef>
                 <a:spcPts val="4300"/>
               </a:spcBef>
@@ -2350,7 +2421,7 @@
               <a:buChar char="●"/>
               <a:defRPr/>
             </a:lvl7pPr>
-            <a:lvl8pPr indent="-463550" lvl="7" marL="3657600" algn="ctr">
+            <a:lvl8pPr marL="3657600" lvl="7" indent="-463550" algn="ctr">
               <a:spcBef>
                 <a:spcPts val="4300"/>
               </a:spcBef>
@@ -2361,7 +2432,7 @@
               <a:buChar char="○"/>
               <a:defRPr/>
             </a:lvl8pPr>
-            <a:lvl9pPr indent="-463550" lvl="8" marL="4114800" algn="ctr">
+            <a:lvl9pPr marL="4114800" lvl="8" indent="-463550" algn="ctr">
               <a:spcBef>
                 <a:spcPts val="4300"/>
               </a:spcBef>
@@ -2373,15 +2444,19 @@
               <a:defRPr/>
             </a:lvl9pPr>
           </a:lstStyle>
-          <a:p/>
+          <a:p>
+            <a:endParaRPr/>
+          </a:p>
         </p:txBody>
       </p:sp>
       <p:sp>
         <p:nvSpPr>
           <p:cNvPr id="47" name="Google Shape;47;p11"/>
-          <p:cNvSpPr txBox="1"/>
+          <p:cNvSpPr txBox="1">
+            <a:spLocks noGrp="1"/>
+          </p:cNvSpPr>
           <p:nvPr>
-            <p:ph idx="12" type="sldNum"/>
+            <p:ph type="sldNum" idx="12"/>
           </p:nvPr>
         </p:nvSpPr>
         <p:spPr>
@@ -2394,7 +2469,7 @@
           </a:prstGeom>
         </p:spPr>
         <p:txBody>
-          <a:bodyPr anchorCtr="0" anchor="ctr" bIns="243800" lIns="243800" spcFirstLastPara="1" rIns="243800" wrap="square" tIns="243800">
+          <a:bodyPr spcFirstLastPara="1" wrap="square" lIns="243800" tIns="243800" rIns="243800" bIns="243800" anchor="ctr" anchorCtr="0">
             <a:noAutofit/>
           </a:bodyPr>
           <a:lstStyle>
@@ -2436,7 +2511,7 @@
             </a:lvl9pPr>
           </a:lstStyle>
           <a:p>
-            <a:pPr indent="0" lvl="0" marL="0" rtl="0" algn="r">
+            <a:pPr marL="0" lvl="0" indent="0" algn="r" rtl="0">
               <a:spcBef>
                 <a:spcPts val="0"/>
               </a:spcBef>
@@ -2462,11 +2537,11 @@
 </file>
 
 <file path=ppt/slideLayouts/slideLayout11.xml><?xml version="1.0" encoding="utf-8"?>
-<p:sldLayout xmlns:a="http://schemas.openxmlformats.org/drawingml/2006/main" xmlns:r="http://schemas.openxmlformats.org/officeDocument/2006/relationships" xmlns:mc="http://schemas.openxmlformats.org/markup-compatibility/2006" xmlns:mv="urn:schemas-microsoft-com:mac:vml" xmlns:p="http://schemas.openxmlformats.org/presentationml/2006/main" xmlns:c="http://schemas.openxmlformats.org/drawingml/2006/chart" xmlns:dgm="http://schemas.openxmlformats.org/drawingml/2006/diagram" xmlns:o="urn:schemas-microsoft-com:office:office" xmlns:v="urn:schemas-microsoft-com:vml" xmlns:pvml="urn:schemas-microsoft-com:office:powerpoint" xmlns:com="http://schemas.openxmlformats.org/drawingml/2006/compatibility" xmlns:p14="http://schemas.microsoft.com/office/powerpoint/2010/main" xmlns:p15="http://schemas.microsoft.com/office/powerpoint/2012/main" matchingName="Blank" type="blank">
+<p:sldLayout xmlns:a="http://schemas.openxmlformats.org/drawingml/2006/main" xmlns:r="http://schemas.openxmlformats.org/officeDocument/2006/relationships" xmlns:p="http://schemas.openxmlformats.org/presentationml/2006/main" matchingName="Blank" type="blank">
   <p:cSld name="BLANK">
     <p:spTree>
       <p:nvGrpSpPr>
-        <p:cNvPr id="48" name="Shape 48"/>
+        <p:cNvPr id="1" name="Shape 48"/>
         <p:cNvGrpSpPr/>
         <p:nvPr/>
       </p:nvGrpSpPr>
@@ -2481,9 +2556,11 @@
       <p:sp>
         <p:nvSpPr>
           <p:cNvPr id="49" name="Google Shape;49;p12"/>
-          <p:cNvSpPr txBox="1"/>
+          <p:cNvSpPr txBox="1">
+            <a:spLocks noGrp="1"/>
+          </p:cNvSpPr>
           <p:nvPr>
-            <p:ph idx="12" type="sldNum"/>
+            <p:ph type="sldNum" idx="12"/>
           </p:nvPr>
         </p:nvSpPr>
         <p:spPr>
@@ -2496,7 +2573,7 @@
           </a:prstGeom>
         </p:spPr>
         <p:txBody>
-          <a:bodyPr anchorCtr="0" anchor="ctr" bIns="243800" lIns="243800" spcFirstLastPara="1" rIns="243800" wrap="square" tIns="243800">
+          <a:bodyPr spcFirstLastPara="1" wrap="square" lIns="243800" tIns="243800" rIns="243800" bIns="243800" anchor="ctr" anchorCtr="0">
             <a:noAutofit/>
           </a:bodyPr>
           <a:lstStyle>
@@ -2538,7 +2615,7 @@
             </a:lvl9pPr>
           </a:lstStyle>
           <a:p>
-            <a:pPr indent="0" lvl="0" marL="0" rtl="0" algn="r">
+            <a:pPr marL="0" lvl="0" indent="0" algn="r" rtl="0">
               <a:spcBef>
                 <a:spcPts val="0"/>
               </a:spcBef>
@@ -2564,11 +2641,11 @@
 </file>
 
 <file path=ppt/slideLayouts/slideLayout12.xml><?xml version="1.0" encoding="utf-8"?>
-<p:sldLayout xmlns:a="http://schemas.openxmlformats.org/drawingml/2006/main" xmlns:r="http://schemas.openxmlformats.org/officeDocument/2006/relationships" xmlns:mc="http://schemas.openxmlformats.org/markup-compatibility/2006" xmlns:mv="urn:schemas-microsoft-com:mac:vml" xmlns:p="http://schemas.openxmlformats.org/presentationml/2006/main" xmlns:c="http://schemas.openxmlformats.org/drawingml/2006/chart" xmlns:dgm="http://schemas.openxmlformats.org/drawingml/2006/diagram" xmlns:o="urn:schemas-microsoft-com:office:office" xmlns:v="urn:schemas-microsoft-com:vml" xmlns:pvml="urn:schemas-microsoft-com:office:powerpoint" xmlns:com="http://schemas.openxmlformats.org/drawingml/2006/compatibility" xmlns:p14="http://schemas.microsoft.com/office/powerpoint/2010/main" xmlns:p15="http://schemas.microsoft.com/office/powerpoint/2012/main" matchingName="Title &amp; Subtitle">
+<p:sldLayout xmlns:a="http://schemas.openxmlformats.org/drawingml/2006/main" xmlns:r="http://schemas.openxmlformats.org/officeDocument/2006/relationships" xmlns:p="http://schemas.openxmlformats.org/presentationml/2006/main" matchingName="Title &amp; Subtitle">
   <p:cSld name="TITLE_1">
     <p:spTree>
       <p:nvGrpSpPr>
-        <p:cNvPr id="50" name="Shape 50"/>
+        <p:cNvPr id="1" name="Shape 50"/>
         <p:cNvGrpSpPr/>
         <p:nvPr/>
       </p:nvGrpSpPr>
@@ -2583,7 +2660,9 @@
       <p:sp>
         <p:nvSpPr>
           <p:cNvPr id="51" name="Google Shape;51;p13"/>
-          <p:cNvSpPr txBox="1"/>
+          <p:cNvSpPr txBox="1">
+            <a:spLocks noGrp="1"/>
+          </p:cNvSpPr>
           <p:nvPr>
             <p:ph type="title"/>
           </p:nvPr>
@@ -2602,11 +2681,11 @@
           </a:ln>
         </p:spPr>
         <p:txBody>
-          <a:bodyPr anchorCtr="0" anchor="b" bIns="243800" lIns="243800" spcFirstLastPara="1" rIns="243800" wrap="square" tIns="243800">
+          <a:bodyPr spcFirstLastPara="1" wrap="square" lIns="243800" tIns="243800" rIns="243800" bIns="243800" anchor="b" anchorCtr="0">
             <a:noAutofit/>
           </a:bodyPr>
           <a:lstStyle>
-            <a:lvl1pPr lvl="0" marR="0" rtl="0" algn="ctr">
+            <a:lvl1pPr marR="0" lvl="0" algn="ctr" rtl="0">
               <a:lnSpc>
                 <a:spcPct val="100000"/>
               </a:lnSpc>
@@ -2622,7 +2701,7 @@
               <a:buSzPts val="11200"/>
               <a:buFont typeface="Helvetica Neue"/>
               <a:buNone/>
-              <a:defRPr b="0" i="0" sz="11200" u="none" cap="none" strike="noStrike">
+              <a:defRPr sz="11200" b="0" i="0" u="none" strike="noStrike" cap="none">
                 <a:solidFill>
                   <a:srgbClr val="000000"/>
                 </a:solidFill>
@@ -2632,7 +2711,7 @@
                 <a:sym typeface="Helvetica Neue"/>
               </a:defRPr>
             </a:lvl1pPr>
-            <a:lvl2pPr lvl="1" marR="0" rtl="0" algn="ctr">
+            <a:lvl2pPr marR="0" lvl="1" algn="ctr" rtl="0">
               <a:lnSpc>
                 <a:spcPct val="100000"/>
               </a:lnSpc>
@@ -2648,7 +2727,7 @@
               <a:buSzPts val="11200"/>
               <a:buFont typeface="Helvetica Neue"/>
               <a:buNone/>
-              <a:defRPr b="0" i="0" sz="11200" u="none" cap="none" strike="noStrike">
+              <a:defRPr sz="11200" b="0" i="0" u="none" strike="noStrike" cap="none">
                 <a:solidFill>
                   <a:srgbClr val="000000"/>
                 </a:solidFill>
@@ -2658,7 +2737,7 @@
                 <a:sym typeface="Helvetica Neue"/>
               </a:defRPr>
             </a:lvl2pPr>
-            <a:lvl3pPr lvl="2" marR="0" rtl="0" algn="ctr">
+            <a:lvl3pPr marR="0" lvl="2" algn="ctr" rtl="0">
               <a:lnSpc>
                 <a:spcPct val="100000"/>
               </a:lnSpc>
@@ -2674,7 +2753,7 @@
               <a:buSzPts val="11200"/>
               <a:buFont typeface="Helvetica Neue"/>
               <a:buNone/>
-              <a:defRPr b="0" i="0" sz="11200" u="none" cap="none" strike="noStrike">
+              <a:defRPr sz="11200" b="0" i="0" u="none" strike="noStrike" cap="none">
                 <a:solidFill>
                   <a:srgbClr val="000000"/>
                 </a:solidFill>
@@ -2684,7 +2763,7 @@
                 <a:sym typeface="Helvetica Neue"/>
               </a:defRPr>
             </a:lvl3pPr>
-            <a:lvl4pPr lvl="3" marR="0" rtl="0" algn="ctr">
+            <a:lvl4pPr marR="0" lvl="3" algn="ctr" rtl="0">
               <a:lnSpc>
                 <a:spcPct val="100000"/>
               </a:lnSpc>
@@ -2700,7 +2779,7 @@
               <a:buSzPts val="11200"/>
               <a:buFont typeface="Helvetica Neue"/>
               <a:buNone/>
-              <a:defRPr b="0" i="0" sz="11200" u="none" cap="none" strike="noStrike">
+              <a:defRPr sz="11200" b="0" i="0" u="none" strike="noStrike" cap="none">
                 <a:solidFill>
                   <a:srgbClr val="000000"/>
                 </a:solidFill>
@@ -2710,7 +2789,7 @@
                 <a:sym typeface="Helvetica Neue"/>
               </a:defRPr>
             </a:lvl4pPr>
-            <a:lvl5pPr lvl="4" marR="0" rtl="0" algn="ctr">
+            <a:lvl5pPr marR="0" lvl="4" algn="ctr" rtl="0">
               <a:lnSpc>
                 <a:spcPct val="100000"/>
               </a:lnSpc>
@@ -2726,7 +2805,7 @@
               <a:buSzPts val="11200"/>
               <a:buFont typeface="Helvetica Neue"/>
               <a:buNone/>
-              <a:defRPr b="0" i="0" sz="11200" u="none" cap="none" strike="noStrike">
+              <a:defRPr sz="11200" b="0" i="0" u="none" strike="noStrike" cap="none">
                 <a:solidFill>
                   <a:srgbClr val="000000"/>
                 </a:solidFill>
@@ -2736,7 +2815,7 @@
                 <a:sym typeface="Helvetica Neue"/>
               </a:defRPr>
             </a:lvl5pPr>
-            <a:lvl6pPr lvl="5" marR="0" rtl="0" algn="ctr">
+            <a:lvl6pPr marR="0" lvl="5" algn="ctr" rtl="0">
               <a:lnSpc>
                 <a:spcPct val="100000"/>
               </a:lnSpc>
@@ -2752,7 +2831,7 @@
               <a:buSzPts val="11200"/>
               <a:buFont typeface="Helvetica Neue"/>
               <a:buNone/>
-              <a:defRPr b="0" i="0" sz="11200" u="none" cap="none" strike="noStrike">
+              <a:defRPr sz="11200" b="0" i="0" u="none" strike="noStrike" cap="none">
                 <a:solidFill>
                   <a:srgbClr val="000000"/>
                 </a:solidFill>
@@ -2762,7 +2841,7 @@
                 <a:sym typeface="Helvetica Neue"/>
               </a:defRPr>
             </a:lvl6pPr>
-            <a:lvl7pPr lvl="6" marR="0" rtl="0" algn="ctr">
+            <a:lvl7pPr marR="0" lvl="6" algn="ctr" rtl="0">
               <a:lnSpc>
                 <a:spcPct val="100000"/>
               </a:lnSpc>
@@ -2778,7 +2857,7 @@
               <a:buSzPts val="11200"/>
               <a:buFont typeface="Helvetica Neue"/>
               <a:buNone/>
-              <a:defRPr b="0" i="0" sz="11200" u="none" cap="none" strike="noStrike">
+              <a:defRPr sz="11200" b="0" i="0" u="none" strike="noStrike" cap="none">
                 <a:solidFill>
                   <a:srgbClr val="000000"/>
                 </a:solidFill>
@@ -2788,7 +2867,7 @@
                 <a:sym typeface="Helvetica Neue"/>
               </a:defRPr>
             </a:lvl7pPr>
-            <a:lvl8pPr lvl="7" marR="0" rtl="0" algn="ctr">
+            <a:lvl8pPr marR="0" lvl="7" algn="ctr" rtl="0">
               <a:lnSpc>
                 <a:spcPct val="100000"/>
               </a:lnSpc>
@@ -2804,7 +2883,7 @@
               <a:buSzPts val="11200"/>
               <a:buFont typeface="Helvetica Neue"/>
               <a:buNone/>
-              <a:defRPr b="0" i="0" sz="11200" u="none" cap="none" strike="noStrike">
+              <a:defRPr sz="11200" b="0" i="0" u="none" strike="noStrike" cap="none">
                 <a:solidFill>
                   <a:srgbClr val="000000"/>
                 </a:solidFill>
@@ -2814,7 +2893,7 @@
                 <a:sym typeface="Helvetica Neue"/>
               </a:defRPr>
             </a:lvl8pPr>
-            <a:lvl9pPr lvl="8" marR="0" rtl="0" algn="ctr">
+            <a:lvl9pPr marR="0" lvl="8" algn="ctr" rtl="0">
               <a:lnSpc>
                 <a:spcPct val="100000"/>
               </a:lnSpc>
@@ -2830,7 +2909,7 @@
               <a:buSzPts val="11200"/>
               <a:buFont typeface="Helvetica Neue"/>
               <a:buNone/>
-              <a:defRPr b="0" i="0" sz="11200" u="none" cap="none" strike="noStrike">
+              <a:defRPr sz="11200" b="0" i="0" u="none" strike="noStrike" cap="none">
                 <a:solidFill>
                   <a:srgbClr val="000000"/>
                 </a:solidFill>
@@ -2841,15 +2920,19 @@
               </a:defRPr>
             </a:lvl9pPr>
           </a:lstStyle>
-          <a:p/>
+          <a:p>
+            <a:endParaRPr/>
+          </a:p>
         </p:txBody>
       </p:sp>
       <p:sp>
         <p:nvSpPr>
           <p:cNvPr id="52" name="Google Shape;52;p13"/>
-          <p:cNvSpPr txBox="1"/>
+          <p:cNvSpPr txBox="1">
+            <a:spLocks noGrp="1"/>
+          </p:cNvSpPr>
           <p:nvPr>
-            <p:ph idx="1" type="body"/>
+            <p:ph type="body" idx="1"/>
           </p:nvPr>
         </p:nvSpPr>
         <p:spPr>
@@ -2866,11 +2949,11 @@
           </a:ln>
         </p:spPr>
         <p:txBody>
-          <a:bodyPr anchorCtr="0" anchor="t" bIns="243800" lIns="243800" spcFirstLastPara="1" rIns="243800" wrap="square" tIns="243800">
+          <a:bodyPr spcFirstLastPara="1" wrap="square" lIns="243800" tIns="243800" rIns="243800" bIns="243800" anchor="t" anchorCtr="0">
             <a:noAutofit/>
           </a:bodyPr>
           <a:lstStyle>
-            <a:lvl1pPr indent="-228600" lvl="0" marL="457200" marR="0" rtl="0" algn="ctr">
+            <a:lvl1pPr marL="457200" marR="0" lvl="0" indent="-228600" algn="ctr" rtl="0">
               <a:lnSpc>
                 <a:spcPct val="100000"/>
               </a:lnSpc>
@@ -2886,7 +2969,7 @@
               <a:buSzPts val="5400"/>
               <a:buFont typeface="Helvetica Neue"/>
               <a:buNone/>
-              <a:defRPr b="0" i="0" sz="5400" u="none" cap="none" strike="noStrike">
+              <a:defRPr sz="5400" b="0" i="0" u="none" strike="noStrike" cap="none">
                 <a:solidFill>
                   <a:srgbClr val="000000"/>
                 </a:solidFill>
@@ -2896,7 +2979,7 @@
                 <a:sym typeface="Helvetica Neue"/>
               </a:defRPr>
             </a:lvl1pPr>
-            <a:lvl2pPr indent="-228600" lvl="1" marL="914400" marR="0" rtl="0" algn="ctr">
+            <a:lvl2pPr marL="914400" marR="0" lvl="1" indent="-228600" algn="ctr" rtl="0">
               <a:lnSpc>
                 <a:spcPct val="100000"/>
               </a:lnSpc>
@@ -2912,7 +2995,7 @@
               <a:buSzPts val="5400"/>
               <a:buFont typeface="Helvetica Neue"/>
               <a:buNone/>
-              <a:defRPr b="0" i="0" sz="5400" u="none" cap="none" strike="noStrike">
+              <a:defRPr sz="5400" b="0" i="0" u="none" strike="noStrike" cap="none">
                 <a:solidFill>
                   <a:srgbClr val="000000"/>
                 </a:solidFill>
@@ -2922,7 +3005,7 @@
                 <a:sym typeface="Helvetica Neue"/>
               </a:defRPr>
             </a:lvl2pPr>
-            <a:lvl3pPr indent="-228600" lvl="2" marL="1371600" marR="0" rtl="0" algn="ctr">
+            <a:lvl3pPr marL="1371600" marR="0" lvl="2" indent="-228600" algn="ctr" rtl="0">
               <a:lnSpc>
                 <a:spcPct val="100000"/>
               </a:lnSpc>
@@ -2938,7 +3021,7 @@
               <a:buSzPts val="5400"/>
               <a:buFont typeface="Helvetica Neue"/>
               <a:buNone/>
-              <a:defRPr b="0" i="0" sz="5400" u="none" cap="none" strike="noStrike">
+              <a:defRPr sz="5400" b="0" i="0" u="none" strike="noStrike" cap="none">
                 <a:solidFill>
                   <a:srgbClr val="000000"/>
                 </a:solidFill>
@@ -2948,7 +3031,7 @@
                 <a:sym typeface="Helvetica Neue"/>
               </a:defRPr>
             </a:lvl3pPr>
-            <a:lvl4pPr indent="-228600" lvl="3" marL="1828800" marR="0" rtl="0" algn="ctr">
+            <a:lvl4pPr marL="1828800" marR="0" lvl="3" indent="-228600" algn="ctr" rtl="0">
               <a:lnSpc>
                 <a:spcPct val="100000"/>
               </a:lnSpc>
@@ -2964,7 +3047,7 @@
               <a:buSzPts val="5400"/>
               <a:buFont typeface="Helvetica Neue"/>
               <a:buNone/>
-              <a:defRPr b="0" i="0" sz="5400" u="none" cap="none" strike="noStrike">
+              <a:defRPr sz="5400" b="0" i="0" u="none" strike="noStrike" cap="none">
                 <a:solidFill>
                   <a:srgbClr val="000000"/>
                 </a:solidFill>
@@ -2974,7 +3057,7 @@
                 <a:sym typeface="Helvetica Neue"/>
               </a:defRPr>
             </a:lvl4pPr>
-            <a:lvl5pPr indent="-228600" lvl="4" marL="2286000" marR="0" rtl="0" algn="ctr">
+            <a:lvl5pPr marL="2286000" marR="0" lvl="4" indent="-228600" algn="ctr" rtl="0">
               <a:lnSpc>
                 <a:spcPct val="100000"/>
               </a:lnSpc>
@@ -2990,7 +3073,7 @@
               <a:buSzPts val="5400"/>
               <a:buFont typeface="Helvetica Neue"/>
               <a:buNone/>
-              <a:defRPr b="0" i="0" sz="5400" u="none" cap="none" strike="noStrike">
+              <a:defRPr sz="5400" b="0" i="0" u="none" strike="noStrike" cap="none">
                 <a:solidFill>
                   <a:srgbClr val="000000"/>
                 </a:solidFill>
@@ -3000,7 +3083,7 @@
                 <a:sym typeface="Helvetica Neue"/>
               </a:defRPr>
             </a:lvl5pPr>
-            <a:lvl6pPr indent="-641350" lvl="5" marL="2743200" marR="0" rtl="0" algn="l">
+            <a:lvl6pPr marL="2743200" marR="0" lvl="5" indent="-641350" algn="l" rtl="0">
               <a:lnSpc>
                 <a:spcPct val="100000"/>
               </a:lnSpc>
@@ -3016,7 +3099,7 @@
               <a:buSzPts val="6500"/>
               <a:buFont typeface="Helvetica Neue"/>
               <a:buChar char="•"/>
-              <a:defRPr b="0" i="0" sz="5200" u="none" cap="none" strike="noStrike">
+              <a:defRPr sz="5200" b="0" i="0" u="none" strike="noStrike" cap="none">
                 <a:solidFill>
                   <a:srgbClr val="000000"/>
                 </a:solidFill>
@@ -3026,7 +3109,7 @@
                 <a:sym typeface="Helvetica Neue"/>
               </a:defRPr>
             </a:lvl6pPr>
-            <a:lvl7pPr indent="-641350" lvl="6" marL="3200400" marR="0" rtl="0" algn="l">
+            <a:lvl7pPr marL="3200400" marR="0" lvl="6" indent="-641350" algn="l" rtl="0">
               <a:lnSpc>
                 <a:spcPct val="100000"/>
               </a:lnSpc>
@@ -3042,7 +3125,7 @@
               <a:buSzPts val="6500"/>
               <a:buFont typeface="Helvetica Neue"/>
               <a:buChar char="•"/>
-              <a:defRPr b="0" i="0" sz="5200" u="none" cap="none" strike="noStrike">
+              <a:defRPr sz="5200" b="0" i="0" u="none" strike="noStrike" cap="none">
                 <a:solidFill>
                   <a:srgbClr val="000000"/>
                 </a:solidFill>
@@ -3052,7 +3135,7 @@
                 <a:sym typeface="Helvetica Neue"/>
               </a:defRPr>
             </a:lvl7pPr>
-            <a:lvl8pPr indent="-641350" lvl="7" marL="3657600" marR="0" rtl="0" algn="l">
+            <a:lvl8pPr marL="3657600" marR="0" lvl="7" indent="-641350" algn="l" rtl="0">
               <a:lnSpc>
                 <a:spcPct val="100000"/>
               </a:lnSpc>
@@ -3068,7 +3151,7 @@
               <a:buSzPts val="6500"/>
               <a:buFont typeface="Helvetica Neue"/>
               <a:buChar char="•"/>
-              <a:defRPr b="0" i="0" sz="5200" u="none" cap="none" strike="noStrike">
+              <a:defRPr sz="5200" b="0" i="0" u="none" strike="noStrike" cap="none">
                 <a:solidFill>
                   <a:srgbClr val="000000"/>
                 </a:solidFill>
@@ -3078,7 +3161,7 @@
                 <a:sym typeface="Helvetica Neue"/>
               </a:defRPr>
             </a:lvl8pPr>
-            <a:lvl9pPr indent="-641350" lvl="8" marL="4114800" marR="0" rtl="0" algn="l">
+            <a:lvl9pPr marL="4114800" marR="0" lvl="8" indent="-641350" algn="l" rtl="0">
               <a:lnSpc>
                 <a:spcPct val="100000"/>
               </a:lnSpc>
@@ -3094,7 +3177,7 @@
               <a:buSzPts val="6500"/>
               <a:buFont typeface="Helvetica Neue"/>
               <a:buChar char="•"/>
-              <a:defRPr b="0" i="0" sz="5200" u="none" cap="none" strike="noStrike">
+              <a:defRPr sz="5200" b="0" i="0" u="none" strike="noStrike" cap="none">
                 <a:solidFill>
                   <a:srgbClr val="000000"/>
                 </a:solidFill>
@@ -3105,15 +3188,19 @@
               </a:defRPr>
             </a:lvl9pPr>
           </a:lstStyle>
-          <a:p/>
+          <a:p>
+            <a:endParaRPr/>
+          </a:p>
         </p:txBody>
       </p:sp>
       <p:sp>
         <p:nvSpPr>
           <p:cNvPr id="53" name="Google Shape;53;p13"/>
-          <p:cNvSpPr txBox="1"/>
+          <p:cNvSpPr txBox="1">
+            <a:spLocks noGrp="1"/>
+          </p:cNvSpPr>
           <p:nvPr>
-            <p:ph idx="12" type="sldNum"/>
+            <p:ph type="sldNum" idx="12"/>
           </p:nvPr>
         </p:nvSpPr>
         <p:spPr>
@@ -3130,11 +3217,11 @@
           </a:ln>
         </p:spPr>
         <p:txBody>
-          <a:bodyPr anchorCtr="0" anchor="t" bIns="50800" lIns="50800" spcFirstLastPara="1" rIns="50800" wrap="square" tIns="50800">
+          <a:bodyPr spcFirstLastPara="1" wrap="square" lIns="50800" tIns="50800" rIns="50800" bIns="50800" anchor="t" anchorCtr="0">
             <a:noAutofit/>
           </a:bodyPr>
           <a:lstStyle>
-            <a:lvl1pPr indent="0" lvl="0" marL="0" marR="0" rtl="0" algn="ctr">
+            <a:lvl1pPr marL="0" marR="0" lvl="0" indent="0" algn="ctr" rtl="0">
               <a:lnSpc>
                 <a:spcPct val="100000"/>
               </a:lnSpc>
@@ -3150,7 +3237,7 @@
               <a:buSzPts val="2400"/>
               <a:buFont typeface="Helvetica Neue Light"/>
               <a:buNone/>
-              <a:defRPr b="0" i="0" sz="2400" u="none" cap="none" strike="noStrike">
+              <a:defRPr sz="2400" b="0" i="0" u="none" strike="noStrike" cap="none">
                 <a:solidFill>
                   <a:srgbClr val="000000"/>
                 </a:solidFill>
@@ -3160,7 +3247,7 @@
                 <a:sym typeface="Helvetica Neue Light"/>
               </a:defRPr>
             </a:lvl1pPr>
-            <a:lvl2pPr indent="0" lvl="1" marL="0" marR="0" rtl="0" algn="ctr">
+            <a:lvl2pPr marL="0" marR="0" lvl="1" indent="0" algn="ctr" rtl="0">
               <a:lnSpc>
                 <a:spcPct val="100000"/>
               </a:lnSpc>
@@ -3176,7 +3263,7 @@
               <a:buSzPts val="2400"/>
               <a:buFont typeface="Helvetica Neue Light"/>
               <a:buNone/>
-              <a:defRPr b="0" i="0" sz="2400" u="none" cap="none" strike="noStrike">
+              <a:defRPr sz="2400" b="0" i="0" u="none" strike="noStrike" cap="none">
                 <a:solidFill>
                   <a:srgbClr val="000000"/>
                 </a:solidFill>
@@ -3186,7 +3273,7 @@
                 <a:sym typeface="Helvetica Neue Light"/>
               </a:defRPr>
             </a:lvl2pPr>
-            <a:lvl3pPr indent="0" lvl="2" marL="0" marR="0" rtl="0" algn="ctr">
+            <a:lvl3pPr marL="0" marR="0" lvl="2" indent="0" algn="ctr" rtl="0">
               <a:lnSpc>
                 <a:spcPct val="100000"/>
               </a:lnSpc>
@@ -3202,7 +3289,7 @@
               <a:buSzPts val="2400"/>
               <a:buFont typeface="Helvetica Neue Light"/>
               <a:buNone/>
-              <a:defRPr b="0" i="0" sz="2400" u="none" cap="none" strike="noStrike">
+              <a:defRPr sz="2400" b="0" i="0" u="none" strike="noStrike" cap="none">
                 <a:solidFill>
                   <a:srgbClr val="000000"/>
                 </a:solidFill>
@@ -3212,7 +3299,7 @@
                 <a:sym typeface="Helvetica Neue Light"/>
               </a:defRPr>
             </a:lvl3pPr>
-            <a:lvl4pPr indent="0" lvl="3" marL="0" marR="0" rtl="0" algn="ctr">
+            <a:lvl4pPr marL="0" marR="0" lvl="3" indent="0" algn="ctr" rtl="0">
               <a:lnSpc>
                 <a:spcPct val="100000"/>
               </a:lnSpc>
@@ -3228,7 +3315,7 @@
               <a:buSzPts val="2400"/>
               <a:buFont typeface="Helvetica Neue Light"/>
               <a:buNone/>
-              <a:defRPr b="0" i="0" sz="2400" u="none" cap="none" strike="noStrike">
+              <a:defRPr sz="2400" b="0" i="0" u="none" strike="noStrike" cap="none">
                 <a:solidFill>
                   <a:srgbClr val="000000"/>
                 </a:solidFill>
@@ -3238,7 +3325,7 @@
                 <a:sym typeface="Helvetica Neue Light"/>
               </a:defRPr>
             </a:lvl4pPr>
-            <a:lvl5pPr indent="0" lvl="4" marL="0" marR="0" rtl="0" algn="ctr">
+            <a:lvl5pPr marL="0" marR="0" lvl="4" indent="0" algn="ctr" rtl="0">
               <a:lnSpc>
                 <a:spcPct val="100000"/>
               </a:lnSpc>
@@ -3254,7 +3341,7 @@
               <a:buSzPts val="2400"/>
               <a:buFont typeface="Helvetica Neue Light"/>
               <a:buNone/>
-              <a:defRPr b="0" i="0" sz="2400" u="none" cap="none" strike="noStrike">
+              <a:defRPr sz="2400" b="0" i="0" u="none" strike="noStrike" cap="none">
                 <a:solidFill>
                   <a:srgbClr val="000000"/>
                 </a:solidFill>
@@ -3264,7 +3351,7 @@
                 <a:sym typeface="Helvetica Neue Light"/>
               </a:defRPr>
             </a:lvl5pPr>
-            <a:lvl6pPr indent="0" lvl="5" marL="0" marR="0" rtl="0" algn="ctr">
+            <a:lvl6pPr marL="0" marR="0" lvl="5" indent="0" algn="ctr" rtl="0">
               <a:lnSpc>
                 <a:spcPct val="100000"/>
               </a:lnSpc>
@@ -3280,7 +3367,7 @@
               <a:buSzPts val="2400"/>
               <a:buFont typeface="Helvetica Neue Light"/>
               <a:buNone/>
-              <a:defRPr b="0" i="0" sz="2400" u="none" cap="none" strike="noStrike">
+              <a:defRPr sz="2400" b="0" i="0" u="none" strike="noStrike" cap="none">
                 <a:solidFill>
                   <a:srgbClr val="000000"/>
                 </a:solidFill>
@@ -3290,7 +3377,7 @@
                 <a:sym typeface="Helvetica Neue Light"/>
               </a:defRPr>
             </a:lvl6pPr>
-            <a:lvl7pPr indent="0" lvl="6" marL="0" marR="0" rtl="0" algn="ctr">
+            <a:lvl7pPr marL="0" marR="0" lvl="6" indent="0" algn="ctr" rtl="0">
               <a:lnSpc>
                 <a:spcPct val="100000"/>
               </a:lnSpc>
@@ -3306,7 +3393,7 @@
               <a:buSzPts val="2400"/>
               <a:buFont typeface="Helvetica Neue Light"/>
               <a:buNone/>
-              <a:defRPr b="0" i="0" sz="2400" u="none" cap="none" strike="noStrike">
+              <a:defRPr sz="2400" b="0" i="0" u="none" strike="noStrike" cap="none">
                 <a:solidFill>
                   <a:srgbClr val="000000"/>
                 </a:solidFill>
@@ -3316,7 +3403,7 @@
                 <a:sym typeface="Helvetica Neue Light"/>
               </a:defRPr>
             </a:lvl7pPr>
-            <a:lvl8pPr indent="0" lvl="7" marL="0" marR="0" rtl="0" algn="ctr">
+            <a:lvl8pPr marL="0" marR="0" lvl="7" indent="0" algn="ctr" rtl="0">
               <a:lnSpc>
                 <a:spcPct val="100000"/>
               </a:lnSpc>
@@ -3332,7 +3419,7 @@
               <a:buSzPts val="2400"/>
               <a:buFont typeface="Helvetica Neue Light"/>
               <a:buNone/>
-              <a:defRPr b="0" i="0" sz="2400" u="none" cap="none" strike="noStrike">
+              <a:defRPr sz="2400" b="0" i="0" u="none" strike="noStrike" cap="none">
                 <a:solidFill>
                   <a:srgbClr val="000000"/>
                 </a:solidFill>
@@ -3342,7 +3429,7 @@
                 <a:sym typeface="Helvetica Neue Light"/>
               </a:defRPr>
             </a:lvl8pPr>
-            <a:lvl9pPr indent="0" lvl="8" marL="0" marR="0" rtl="0" algn="ctr">
+            <a:lvl9pPr marL="0" marR="0" lvl="8" indent="0" algn="ctr" rtl="0">
               <a:lnSpc>
                 <a:spcPct val="100000"/>
               </a:lnSpc>
@@ -3358,7 +3445,7 @@
               <a:buSzPts val="2400"/>
               <a:buFont typeface="Helvetica Neue Light"/>
               <a:buNone/>
-              <a:defRPr b="0" i="0" sz="2400" u="none" cap="none" strike="noStrike">
+              <a:defRPr sz="2400" b="0" i="0" u="none" strike="noStrike" cap="none">
                 <a:solidFill>
                   <a:srgbClr val="000000"/>
                 </a:solidFill>
@@ -3370,7 +3457,7 @@
             </a:lvl9pPr>
           </a:lstStyle>
           <a:p>
-            <a:pPr indent="0" lvl="0" marL="0" rtl="0" algn="ctr">
+            <a:pPr marL="0" lvl="0" indent="0" algn="ctr" rtl="0">
               <a:spcBef>
                 <a:spcPts val="0"/>
               </a:spcBef>
@@ -3404,11 +3491,11 @@
 </file>
 
 <file path=ppt/slideLayouts/slideLayout13.xml><?xml version="1.0" encoding="utf-8"?>
-<p:sldLayout xmlns:a="http://schemas.openxmlformats.org/drawingml/2006/main" xmlns:r="http://schemas.openxmlformats.org/officeDocument/2006/relationships" xmlns:mc="http://schemas.openxmlformats.org/markup-compatibility/2006" xmlns:mv="urn:schemas-microsoft-com:mac:vml" xmlns:p="http://schemas.openxmlformats.org/presentationml/2006/main" xmlns:c="http://schemas.openxmlformats.org/drawingml/2006/chart" xmlns:dgm="http://schemas.openxmlformats.org/drawingml/2006/diagram" xmlns:o="urn:schemas-microsoft-com:office:office" xmlns:v="urn:schemas-microsoft-com:vml" xmlns:pvml="urn:schemas-microsoft-com:office:powerpoint" xmlns:com="http://schemas.openxmlformats.org/drawingml/2006/compatibility" xmlns:p14="http://schemas.microsoft.com/office/powerpoint/2010/main" xmlns:p15="http://schemas.microsoft.com/office/powerpoint/2012/main" matchingName="1_Blank">
+<p:sldLayout xmlns:a="http://schemas.openxmlformats.org/drawingml/2006/main" xmlns:r="http://schemas.openxmlformats.org/officeDocument/2006/relationships" xmlns:p="http://schemas.openxmlformats.org/presentationml/2006/main" matchingName="1_Blank">
   <p:cSld name="1_Blank">
     <p:spTree>
       <p:nvGrpSpPr>
-        <p:cNvPr id="54" name="Shape 54"/>
+        <p:cNvPr id="1" name="Shape 54"/>
         <p:cNvGrpSpPr/>
         <p:nvPr/>
       </p:nvGrpSpPr>
@@ -3437,23 +3524,23 @@
           <a:solidFill>
             <a:srgbClr val="1F3864"/>
           </a:solidFill>
-          <a:ln cap="flat" cmpd="sng" w="12700">
+          <a:ln w="12700" cap="flat" cmpd="sng">
             <a:solidFill>
               <a:srgbClr val="42719B"/>
             </a:solidFill>
             <a:prstDash val="solid"/>
             <a:miter lim="800000"/>
-            <a:headEnd len="sm" w="sm" type="none"/>
-            <a:tailEnd len="sm" w="sm" type="none"/>
+            <a:headEnd type="none" w="sm" len="sm"/>
+            <a:tailEnd type="none" w="sm" len="sm"/>
           </a:ln>
         </p:spPr>
         <p:txBody>
-          <a:bodyPr anchorCtr="0" anchor="ctr" bIns="111700" lIns="223475" spcFirstLastPara="1" rIns="223475" wrap="square" tIns="111700">
+          <a:bodyPr spcFirstLastPara="1" wrap="square" lIns="223475" tIns="111700" rIns="223475" bIns="111700" anchor="ctr" anchorCtr="0">
             <a:noAutofit/>
           </a:bodyPr>
           <a:lstStyle/>
           <a:p>
-            <a:pPr indent="0" lvl="0" marL="0" marR="0" rtl="0" algn="ctr">
+            <a:pPr marL="0" marR="0" lvl="0" indent="0" algn="ctr" rtl="0">
               <a:spcBef>
                 <a:spcPts val="0"/>
               </a:spcBef>
@@ -3462,10 +3549,7 @@
               </a:spcAft>
               <a:buNone/>
             </a:pPr>
-            <a:r>
-              <a:t/>
-            </a:r>
-            <a:endParaRPr b="0" i="0" sz="4400" u="none" cap="none" strike="noStrike">
+            <a:endParaRPr sz="4400" b="0" i="0" u="none" strike="noStrike" cap="none">
               <a:solidFill>
                 <a:schemeClr val="lt1"/>
               </a:solidFill>
@@ -3499,12 +3583,12 @@
           </a:ln>
         </p:spPr>
         <p:txBody>
-          <a:bodyPr anchorCtr="0" anchor="ctr" bIns="111700" lIns="223475" spcFirstLastPara="1" rIns="223475" wrap="square" tIns="111700">
+          <a:bodyPr spcFirstLastPara="1" wrap="square" lIns="223475" tIns="111700" rIns="223475" bIns="111700" anchor="ctr" anchorCtr="0">
             <a:noAutofit/>
           </a:bodyPr>
           <a:lstStyle/>
           <a:p>
-            <a:pPr indent="0" lvl="0" marL="0" marR="0" rtl="0" algn="ctr">
+            <a:pPr marL="0" marR="0" lvl="0" indent="0" algn="ctr" rtl="0">
               <a:spcBef>
                 <a:spcPts val="0"/>
               </a:spcBef>
@@ -3513,10 +3597,7 @@
               </a:spcAft>
               <a:buNone/>
             </a:pPr>
-            <a:r>
-              <a:t/>
-            </a:r>
-            <a:endParaRPr b="0" i="0" sz="3300" u="none" cap="none" strike="noStrike">
+            <a:endParaRPr sz="3300" b="0" i="0" u="none" strike="noStrike" cap="none">
               <a:solidFill>
                 <a:schemeClr val="lt1"/>
               </a:solidFill>
@@ -3548,12 +3629,12 @@
           </a:ln>
         </p:spPr>
         <p:txBody>
-          <a:bodyPr anchorCtr="0" anchor="ctr" bIns="83775" lIns="167625" spcFirstLastPara="1" rIns="167625" wrap="square" tIns="83775">
+          <a:bodyPr spcFirstLastPara="1" wrap="square" lIns="167625" tIns="83775" rIns="167625" bIns="83775" anchor="ctr" anchorCtr="0">
             <a:noAutofit/>
           </a:bodyPr>
           <a:lstStyle/>
           <a:p>
-            <a:pPr indent="0" lvl="0" marL="0" marR="0" rtl="0" algn="l">
+            <a:pPr marL="0" marR="0" lvl="0" indent="0" algn="l" rtl="0">
               <a:spcBef>
                 <a:spcPts val="0"/>
               </a:spcBef>
@@ -3567,10 +3648,7 @@
               <a:buFont typeface="Arial"/>
               <a:buNone/>
             </a:pPr>
-            <a:r>
-              <a:t/>
-            </a:r>
-            <a:endParaRPr b="1" i="1" sz="4400" u="none" cap="none" strike="noStrike">
+            <a:endParaRPr sz="4400" b="1" i="1" u="none" strike="noStrike" cap="none">
               <a:solidFill>
                 <a:schemeClr val="lt1"/>
               </a:solidFill>
@@ -3602,12 +3680,12 @@
           </a:ln>
         </p:spPr>
         <p:txBody>
-          <a:bodyPr anchorCtr="0" anchor="t" bIns="111700" lIns="223475" spcFirstLastPara="1" rIns="223475" wrap="square" tIns="111700">
+          <a:bodyPr spcFirstLastPara="1" wrap="square" lIns="223475" tIns="111700" rIns="223475" bIns="111700" anchor="t" anchorCtr="0">
             <a:noAutofit/>
           </a:bodyPr>
           <a:lstStyle/>
           <a:p>
-            <a:pPr indent="0" lvl="0" marL="0" marR="0" rtl="0" algn="r">
+            <a:pPr marL="0" marR="0" lvl="0" indent="0" algn="r" rtl="0">
               <a:spcBef>
                 <a:spcPts val="0"/>
               </a:spcBef>
@@ -3617,7 +3695,7 @@
               <a:buNone/>
             </a:pPr>
             <a:r>
-              <a:rPr b="0" i="0" lang="en-US" sz="2000" u="none" cap="none" strike="noStrike">
+              <a:rPr lang="en-US" sz="2000" b="0" i="0" u="none" strike="noStrike" cap="none">
                 <a:solidFill>
                   <a:schemeClr val="lt1"/>
                 </a:solidFill>
@@ -3635,7 +3713,9 @@
       <p:sp>
         <p:nvSpPr>
           <p:cNvPr id="59" name="Google Shape;59;p14"/>
-          <p:cNvSpPr txBox="1"/>
+          <p:cNvSpPr txBox="1">
+            <a:spLocks noGrp="1"/>
+          </p:cNvSpPr>
           <p:nvPr>
             <p:ph type="title"/>
           </p:nvPr>
@@ -3654,11 +3734,11 @@
           </a:ln>
         </p:spPr>
         <p:txBody>
-          <a:bodyPr anchorCtr="0" anchor="ctr" bIns="111700" lIns="223475" spcFirstLastPara="1" rIns="223475" wrap="square" tIns="111700">
+          <a:bodyPr spcFirstLastPara="1" wrap="square" lIns="223475" tIns="111700" rIns="223475" bIns="111700" anchor="ctr" anchorCtr="0">
             <a:noAutofit/>
           </a:bodyPr>
           <a:lstStyle>
-            <a:lvl1pPr lvl="0" rtl="0" algn="l">
+            <a:lvl1pPr lvl="0" algn="l" rtl="0">
               <a:lnSpc>
                 <a:spcPct val="90000"/>
               </a:lnSpc>
@@ -3674,7 +3754,7 @@
               <a:buSzPts val="10000"/>
               <a:buFont typeface="Arial"/>
               <a:buNone/>
-              <a:defRPr b="1" i="1" sz="10000">
+              <a:defRPr sz="10000" b="1" i="1">
                 <a:solidFill>
                   <a:schemeClr val="lt1"/>
                 </a:solidFill>
@@ -3773,7 +3853,9 @@
               <a:defRPr sz="3400"/>
             </a:lvl9pPr>
           </a:lstStyle>
-          <a:p/>
+          <a:p>
+            <a:endParaRPr/>
+          </a:p>
         </p:txBody>
       </p:sp>
     </p:spTree>
@@ -3788,11 +3870,11 @@
 </file>
 
 <file path=ppt/slideLayouts/slideLayout14.xml><?xml version="1.0" encoding="utf-8"?>
-<p:sldLayout xmlns:a="http://schemas.openxmlformats.org/drawingml/2006/main" xmlns:r="http://schemas.openxmlformats.org/officeDocument/2006/relationships" xmlns:mc="http://schemas.openxmlformats.org/markup-compatibility/2006" xmlns:mv="urn:schemas-microsoft-com:mac:vml" xmlns:p="http://schemas.openxmlformats.org/presentationml/2006/main" xmlns:c="http://schemas.openxmlformats.org/drawingml/2006/chart" xmlns:dgm="http://schemas.openxmlformats.org/drawingml/2006/diagram" xmlns:o="urn:schemas-microsoft-com:office:office" xmlns:v="urn:schemas-microsoft-com:vml" xmlns:pvml="urn:schemas-microsoft-com:office:powerpoint" xmlns:com="http://schemas.openxmlformats.org/drawingml/2006/compatibility" xmlns:p14="http://schemas.microsoft.com/office/powerpoint/2010/main" xmlns:p15="http://schemas.microsoft.com/office/powerpoint/2012/main" matchingName="Title Only">
+<p:sldLayout xmlns:a="http://schemas.openxmlformats.org/drawingml/2006/main" xmlns:r="http://schemas.openxmlformats.org/officeDocument/2006/relationships" xmlns:p="http://schemas.openxmlformats.org/presentationml/2006/main" matchingName="Title Only">
   <p:cSld name="Title Only">
     <p:spTree>
       <p:nvGrpSpPr>
-        <p:cNvPr id="60" name="Shape 60"/>
+        <p:cNvPr id="1" name="Shape 60"/>
         <p:cNvGrpSpPr/>
         <p:nvPr/>
       </p:nvGrpSpPr>
@@ -3826,12 +3908,12 @@
           </a:ln>
         </p:spPr>
         <p:txBody>
-          <a:bodyPr anchorCtr="0" anchor="ctr" bIns="111700" lIns="223475" spcFirstLastPara="1" rIns="223475" wrap="square" tIns="111700">
+          <a:bodyPr spcFirstLastPara="1" wrap="square" lIns="223475" tIns="111700" rIns="223475" bIns="111700" anchor="ctr" anchorCtr="0">
             <a:noAutofit/>
           </a:bodyPr>
           <a:lstStyle/>
           <a:p>
-            <a:pPr indent="0" lvl="0" marL="0" marR="0" rtl="0" algn="ctr">
+            <a:pPr marL="0" marR="0" lvl="0" indent="0" algn="ctr" rtl="0">
               <a:spcBef>
                 <a:spcPts val="0"/>
               </a:spcBef>
@@ -3840,10 +3922,7 @@
               </a:spcAft>
               <a:buNone/>
             </a:pPr>
-            <a:r>
-              <a:t/>
-            </a:r>
-            <a:endParaRPr b="0" i="0" sz="3300" u="none" cap="none" strike="noStrike">
+            <a:endParaRPr sz="3300" b="0" i="0" u="none" strike="noStrike" cap="none">
               <a:solidFill>
                 <a:schemeClr val="lt1"/>
               </a:solidFill>
@@ -3875,12 +3954,12 @@
           </a:ln>
         </p:spPr>
         <p:txBody>
-          <a:bodyPr anchorCtr="0" anchor="t" bIns="111700" lIns="223475" spcFirstLastPara="1" rIns="223475" wrap="square" tIns="111700">
+          <a:bodyPr spcFirstLastPara="1" wrap="square" lIns="223475" tIns="111700" rIns="223475" bIns="111700" anchor="t" anchorCtr="0">
             <a:noAutofit/>
           </a:bodyPr>
           <a:lstStyle/>
           <a:p>
-            <a:pPr indent="0" lvl="0" marL="0" marR="0" rtl="0" algn="r">
+            <a:pPr marL="0" marR="0" lvl="0" indent="0" algn="r" rtl="0">
               <a:spcBef>
                 <a:spcPts val="0"/>
               </a:spcBef>
@@ -3890,7 +3969,7 @@
               <a:buNone/>
             </a:pPr>
             <a:r>
-              <a:rPr b="0" i="0" lang="en-US" sz="2000" u="none" cap="none" strike="noStrike">
+              <a:rPr lang="en-US" sz="2000" b="0" i="0" u="none" strike="noStrike" cap="none">
                 <a:solidFill>
                   <a:schemeClr val="lt1"/>
                 </a:solidFill>
@@ -3908,7 +3987,9 @@
       <p:sp>
         <p:nvSpPr>
           <p:cNvPr id="63" name="Google Shape;63;p15"/>
-          <p:cNvSpPr txBox="1"/>
+          <p:cNvSpPr txBox="1">
+            <a:spLocks noGrp="1"/>
+          </p:cNvSpPr>
           <p:nvPr>
             <p:ph type="title"/>
           </p:nvPr>
@@ -3927,11 +4008,11 @@
           </a:ln>
         </p:spPr>
         <p:txBody>
-          <a:bodyPr anchorCtr="0" anchor="ctr" bIns="111700" lIns="223475" spcFirstLastPara="1" rIns="223475" wrap="square" tIns="111700">
+          <a:bodyPr spcFirstLastPara="1" wrap="square" lIns="223475" tIns="111700" rIns="223475" bIns="111700" anchor="ctr" anchorCtr="0">
             <a:noAutofit/>
           </a:bodyPr>
           <a:lstStyle>
-            <a:lvl1pPr lvl="0" rtl="0" algn="ctr">
+            <a:lvl1pPr lvl="0" algn="ctr" rtl="0">
               <a:lnSpc>
                 <a:spcPct val="90000"/>
               </a:lnSpc>
@@ -3947,7 +4028,7 @@
               <a:buSzPts val="8800"/>
               <a:buFont typeface="Arial"/>
               <a:buNone/>
-              <a:defRPr b="1" sz="8800">
+              <a:defRPr sz="8800" b="1">
                 <a:latin typeface="Arial"/>
                 <a:ea typeface="Arial"/>
                 <a:cs typeface="Arial"/>
@@ -4043,7 +4124,9 @@
               <a:defRPr sz="3400"/>
             </a:lvl9pPr>
           </a:lstStyle>
-          <a:p/>
+          <a:p>
+            <a:endParaRPr/>
+          </a:p>
         </p:txBody>
       </p:sp>
     </p:spTree>
@@ -4058,11 +4141,11 @@
 </file>
 
 <file path=ppt/slideLayouts/slideLayout15.xml><?xml version="1.0" encoding="utf-8"?>
-<p:sldLayout xmlns:a="http://schemas.openxmlformats.org/drawingml/2006/main" xmlns:r="http://schemas.openxmlformats.org/officeDocument/2006/relationships" xmlns:mc="http://schemas.openxmlformats.org/markup-compatibility/2006" xmlns:mv="urn:schemas-microsoft-com:mac:vml" xmlns:p="http://schemas.openxmlformats.org/presentationml/2006/main" xmlns:c="http://schemas.openxmlformats.org/drawingml/2006/chart" xmlns:dgm="http://schemas.openxmlformats.org/drawingml/2006/diagram" xmlns:o="urn:schemas-microsoft-com:office:office" xmlns:v="urn:schemas-microsoft-com:vml" xmlns:pvml="urn:schemas-microsoft-com:office:powerpoint" xmlns:com="http://schemas.openxmlformats.org/drawingml/2006/compatibility" xmlns:p14="http://schemas.microsoft.com/office/powerpoint/2010/main" xmlns:p15="http://schemas.microsoft.com/office/powerpoint/2012/main" matchingName="Title and Content">
+<p:sldLayout xmlns:a="http://schemas.openxmlformats.org/drawingml/2006/main" xmlns:r="http://schemas.openxmlformats.org/officeDocument/2006/relationships" xmlns:p="http://schemas.openxmlformats.org/presentationml/2006/main" matchingName="Title and Content">
   <p:cSld name="Title and Content">
     <p:spTree>
       <p:nvGrpSpPr>
-        <p:cNvPr id="64" name="Shape 64"/>
+        <p:cNvPr id="1" name="Shape 64"/>
         <p:cNvGrpSpPr/>
         <p:nvPr/>
       </p:nvGrpSpPr>
@@ -4096,12 +4179,12 @@
           </a:ln>
         </p:spPr>
         <p:txBody>
-          <a:bodyPr anchorCtr="0" anchor="ctr" bIns="111700" lIns="223475" spcFirstLastPara="1" rIns="223475" wrap="square" tIns="111700">
+          <a:bodyPr spcFirstLastPara="1" wrap="square" lIns="223475" tIns="111700" rIns="223475" bIns="111700" anchor="ctr" anchorCtr="0">
             <a:noAutofit/>
           </a:bodyPr>
           <a:lstStyle/>
           <a:p>
-            <a:pPr indent="0" lvl="0" marL="0" marR="0" rtl="0" algn="ctr">
+            <a:pPr marL="0" marR="0" lvl="0" indent="0" algn="ctr" rtl="0">
               <a:spcBef>
                 <a:spcPts val="0"/>
               </a:spcBef>
@@ -4110,9 +4193,6 @@
               </a:spcAft>
               <a:buNone/>
             </a:pPr>
-            <a:r>
-              <a:t/>
-            </a:r>
             <a:endParaRPr sz="3300">
               <a:solidFill>
                 <a:schemeClr val="lt1"/>
@@ -4128,7 +4208,9 @@
       <p:sp>
         <p:nvSpPr>
           <p:cNvPr id="66" name="Google Shape;66;p16"/>
-          <p:cNvSpPr txBox="1"/>
+          <p:cNvSpPr txBox="1">
+            <a:spLocks noGrp="1"/>
+          </p:cNvSpPr>
           <p:nvPr>
             <p:ph type="title"/>
           </p:nvPr>
@@ -4147,11 +4229,11 @@
           </a:ln>
         </p:spPr>
         <p:txBody>
-          <a:bodyPr anchorCtr="0" anchor="ctr" bIns="111700" lIns="223475" spcFirstLastPara="1" rIns="223475" wrap="square" tIns="111700">
+          <a:bodyPr spcFirstLastPara="1" wrap="square" lIns="223475" tIns="111700" rIns="223475" bIns="111700" anchor="ctr" anchorCtr="0">
             <a:noAutofit/>
           </a:bodyPr>
           <a:lstStyle>
-            <a:lvl1pPr lvl="0" rtl="0" algn="l">
+            <a:lvl1pPr lvl="0" algn="l" rtl="0">
               <a:lnSpc>
                 <a:spcPct val="90000"/>
               </a:lnSpc>
@@ -4167,7 +4249,7 @@
               <a:buSzPts val="5900"/>
               <a:buFont typeface="Arial"/>
               <a:buNone/>
-              <a:defRPr b="1" sz="5900">
+              <a:defRPr sz="5900" b="1">
                 <a:latin typeface="Arial"/>
                 <a:ea typeface="Arial"/>
                 <a:cs typeface="Arial"/>
@@ -4263,7 +4345,9 @@
               <a:defRPr sz="3400"/>
             </a:lvl9pPr>
           </a:lstStyle>
-          <a:p/>
+          <a:p>
+            <a:endParaRPr/>
+          </a:p>
         </p:txBody>
       </p:sp>
       <p:sp>
@@ -4286,12 +4370,12 @@
           </a:ln>
         </p:spPr>
         <p:txBody>
-          <a:bodyPr anchorCtr="0" anchor="t" bIns="111700" lIns="223475" spcFirstLastPara="1" rIns="223475" wrap="square" tIns="111700">
+          <a:bodyPr spcFirstLastPara="1" wrap="square" lIns="223475" tIns="111700" rIns="223475" bIns="111700" anchor="t" anchorCtr="0">
             <a:noAutofit/>
           </a:bodyPr>
           <a:lstStyle/>
           <a:p>
-            <a:pPr indent="0" lvl="0" marL="0" marR="0" rtl="0" algn="r">
+            <a:pPr marL="0" marR="0" lvl="0" indent="0" algn="r" rtl="0">
               <a:spcBef>
                 <a:spcPts val="0"/>
               </a:spcBef>
@@ -4310,31 +4394,7 @@
                 <a:cs typeface="Arial"/>
                 <a:sym typeface="Arial"/>
               </a:rPr>
-              <a:t>© 2017 The</a:t>
-            </a:r>
-            <a:r>
-              <a:rPr lang="en-US" sz="2000">
-                <a:solidFill>
-                  <a:schemeClr val="lt1"/>
-                </a:solidFill>
-                <a:latin typeface="Arial"/>
-                <a:ea typeface="Arial"/>
-                <a:cs typeface="Arial"/>
-                <a:sym typeface="Arial"/>
-              </a:rPr>
-              <a:t> </a:t>
-            </a:r>
-            <a:r>
-              <a:rPr lang="en-US" sz="2000">
-                <a:solidFill>
-                  <a:schemeClr val="lt1"/>
-                </a:solidFill>
-                <a:latin typeface="Arial"/>
-                <a:ea typeface="Arial"/>
-                <a:cs typeface="Arial"/>
-                <a:sym typeface="Arial"/>
-              </a:rPr>
-              <a:t>Coding Boot Camp</a:t>
+              <a:t>© 2017 The Coding Boot Camp</a:t>
             </a:r>
             <a:endParaRPr sz="3400"/>
           </a:p>
@@ -4355,14 +4415,14 @@
             <a:avLst/>
           </a:prstGeom>
           <a:noFill/>
-          <a:ln cap="flat" cmpd="sng" w="41275">
+          <a:ln w="41275" cap="flat" cmpd="sng">
             <a:solidFill>
               <a:srgbClr val="C83232"/>
             </a:solidFill>
             <a:prstDash val="solid"/>
             <a:miter lim="800000"/>
-            <a:headEnd len="sm" w="sm" type="none"/>
-            <a:tailEnd len="sm" w="sm" type="none"/>
+            <a:headEnd type="none" w="sm" len="sm"/>
+            <a:tailEnd type="none" w="sm" len="sm"/>
           </a:ln>
         </p:spPr>
       </p:cxnSp>
@@ -4378,11 +4438,11 @@
 </file>
 
 <file path=ppt/slideLayouts/slideLayout2.xml><?xml version="1.0" encoding="utf-8"?>
-<p:sldLayout xmlns:a="http://schemas.openxmlformats.org/drawingml/2006/main" xmlns:r="http://schemas.openxmlformats.org/officeDocument/2006/relationships" xmlns:mc="http://schemas.openxmlformats.org/markup-compatibility/2006" xmlns:mv="urn:schemas-microsoft-com:mac:vml" xmlns:p="http://schemas.openxmlformats.org/presentationml/2006/main" xmlns:c="http://schemas.openxmlformats.org/drawingml/2006/chart" xmlns:dgm="http://schemas.openxmlformats.org/drawingml/2006/diagram" xmlns:o="urn:schemas-microsoft-com:office:office" xmlns:v="urn:schemas-microsoft-com:vml" xmlns:pvml="urn:schemas-microsoft-com:office:powerpoint" xmlns:com="http://schemas.openxmlformats.org/drawingml/2006/compatibility" xmlns:p14="http://schemas.microsoft.com/office/powerpoint/2010/main" xmlns:p15="http://schemas.microsoft.com/office/powerpoint/2012/main" matchingName="Section header" type="secHead">
+<p:sldLayout xmlns:a="http://schemas.openxmlformats.org/drawingml/2006/main" xmlns:r="http://schemas.openxmlformats.org/officeDocument/2006/relationships" xmlns:p="http://schemas.openxmlformats.org/presentationml/2006/main" matchingName="Section header" type="secHead">
   <p:cSld name="SECTION_HEADER">
     <p:spTree>
       <p:nvGrpSpPr>
-        <p:cNvPr id="13" name="Shape 13"/>
+        <p:cNvPr id="1" name="Shape 13"/>
         <p:cNvGrpSpPr/>
         <p:nvPr/>
       </p:nvGrpSpPr>
@@ -4397,7 +4457,9 @@
       <p:sp>
         <p:nvSpPr>
           <p:cNvPr id="14" name="Google Shape;14;p3"/>
-          <p:cNvSpPr txBox="1"/>
+          <p:cNvSpPr txBox="1">
+            <a:spLocks noGrp="1"/>
+          </p:cNvSpPr>
           <p:nvPr>
             <p:ph type="title"/>
           </p:nvPr>
@@ -4412,7 +4474,7 @@
           </a:prstGeom>
         </p:spPr>
         <p:txBody>
-          <a:bodyPr anchorCtr="0" anchor="ctr" bIns="243800" lIns="243800" spcFirstLastPara="1" rIns="243800" wrap="square" tIns="243800">
+          <a:bodyPr spcFirstLastPara="1" wrap="square" lIns="243800" tIns="243800" rIns="243800" bIns="243800" anchor="ctr" anchorCtr="0">
             <a:noAutofit/>
           </a:bodyPr>
           <a:lstStyle>
@@ -4516,15 +4578,19 @@
               <a:defRPr sz="9600"/>
             </a:lvl9pPr>
           </a:lstStyle>
-          <a:p/>
+          <a:p>
+            <a:endParaRPr/>
+          </a:p>
         </p:txBody>
       </p:sp>
       <p:sp>
         <p:nvSpPr>
           <p:cNvPr id="15" name="Google Shape;15;p3"/>
-          <p:cNvSpPr txBox="1"/>
+          <p:cNvSpPr txBox="1">
+            <a:spLocks noGrp="1"/>
+          </p:cNvSpPr>
           <p:nvPr>
-            <p:ph idx="12" type="sldNum"/>
+            <p:ph type="sldNum" idx="12"/>
           </p:nvPr>
         </p:nvSpPr>
         <p:spPr>
@@ -4537,7 +4603,7 @@
           </a:prstGeom>
         </p:spPr>
         <p:txBody>
-          <a:bodyPr anchorCtr="0" anchor="ctr" bIns="243800" lIns="243800" spcFirstLastPara="1" rIns="243800" wrap="square" tIns="243800">
+          <a:bodyPr spcFirstLastPara="1" wrap="square" lIns="243800" tIns="243800" rIns="243800" bIns="243800" anchor="ctr" anchorCtr="0">
             <a:noAutofit/>
           </a:bodyPr>
           <a:lstStyle>
@@ -4579,7 +4645,7 @@
             </a:lvl9pPr>
           </a:lstStyle>
           <a:p>
-            <a:pPr indent="0" lvl="0" marL="0" rtl="0" algn="r">
+            <a:pPr marL="0" lvl="0" indent="0" algn="r" rtl="0">
               <a:spcBef>
                 <a:spcPts val="0"/>
               </a:spcBef>
@@ -4605,11 +4671,11 @@
 </file>
 
 <file path=ppt/slideLayouts/slideLayout3.xml><?xml version="1.0" encoding="utf-8"?>
-<p:sldLayout xmlns:a="http://schemas.openxmlformats.org/drawingml/2006/main" xmlns:r="http://schemas.openxmlformats.org/officeDocument/2006/relationships" xmlns:mc="http://schemas.openxmlformats.org/markup-compatibility/2006" xmlns:mv="urn:schemas-microsoft-com:mac:vml" xmlns:p="http://schemas.openxmlformats.org/presentationml/2006/main" xmlns:c="http://schemas.openxmlformats.org/drawingml/2006/chart" xmlns:dgm="http://schemas.openxmlformats.org/drawingml/2006/diagram" xmlns:o="urn:schemas-microsoft-com:office:office" xmlns:v="urn:schemas-microsoft-com:vml" xmlns:pvml="urn:schemas-microsoft-com:office:powerpoint" xmlns:com="http://schemas.openxmlformats.org/drawingml/2006/compatibility" xmlns:p14="http://schemas.microsoft.com/office/powerpoint/2010/main" xmlns:p15="http://schemas.microsoft.com/office/powerpoint/2012/main" matchingName="Title and body" type="tx">
+<p:sldLayout xmlns:a="http://schemas.openxmlformats.org/drawingml/2006/main" xmlns:r="http://schemas.openxmlformats.org/officeDocument/2006/relationships" xmlns:p="http://schemas.openxmlformats.org/presentationml/2006/main" matchingName="Title and body" type="tx">
   <p:cSld name="TITLE_AND_BODY">
     <p:spTree>
       <p:nvGrpSpPr>
-        <p:cNvPr id="16" name="Shape 16"/>
+        <p:cNvPr id="1" name="Shape 16"/>
         <p:cNvGrpSpPr/>
         <p:nvPr/>
       </p:nvGrpSpPr>
@@ -4624,7 +4690,9 @@
       <p:sp>
         <p:nvSpPr>
           <p:cNvPr id="17" name="Google Shape;17;p4"/>
-          <p:cNvSpPr txBox="1"/>
+          <p:cNvSpPr txBox="1">
+            <a:spLocks noGrp="1"/>
+          </p:cNvSpPr>
           <p:nvPr>
             <p:ph type="title"/>
           </p:nvPr>
@@ -4639,7 +4707,7 @@
           </a:prstGeom>
         </p:spPr>
         <p:txBody>
-          <a:bodyPr anchorCtr="0" anchor="t" bIns="243800" lIns="243800" spcFirstLastPara="1" rIns="243800" wrap="square" tIns="243800">
+          <a:bodyPr spcFirstLastPara="1" wrap="square" lIns="243800" tIns="243800" rIns="243800" bIns="243800" anchor="t" anchorCtr="0">
             <a:noAutofit/>
           </a:bodyPr>
           <a:lstStyle>
@@ -4743,15 +4811,19 @@
               <a:defRPr/>
             </a:lvl9pPr>
           </a:lstStyle>
-          <a:p/>
+          <a:p>
+            <a:endParaRPr/>
+          </a:p>
         </p:txBody>
       </p:sp>
       <p:sp>
         <p:nvSpPr>
           <p:cNvPr id="18" name="Google Shape;18;p4"/>
-          <p:cNvSpPr txBox="1"/>
+          <p:cNvSpPr txBox="1">
+            <a:spLocks noGrp="1"/>
+          </p:cNvSpPr>
           <p:nvPr>
-            <p:ph idx="1" type="body"/>
+            <p:ph type="body" idx="1"/>
           </p:nvPr>
         </p:nvSpPr>
         <p:spPr>
@@ -4764,11 +4836,11 @@
           </a:prstGeom>
         </p:spPr>
         <p:txBody>
-          <a:bodyPr anchorCtr="0" anchor="t" bIns="243800" lIns="243800" spcFirstLastPara="1" rIns="243800" wrap="square" tIns="243800">
+          <a:bodyPr spcFirstLastPara="1" wrap="square" lIns="243800" tIns="243800" rIns="243800" bIns="243800" anchor="t" anchorCtr="0">
             <a:noAutofit/>
           </a:bodyPr>
           <a:lstStyle>
-            <a:lvl1pPr indent="-533400" lvl="0" marL="457200">
+            <a:lvl1pPr marL="457200" lvl="0" indent="-533400">
               <a:spcBef>
                 <a:spcPts val="0"/>
               </a:spcBef>
@@ -4779,7 +4851,7 @@
               <a:buChar char="●"/>
               <a:defRPr/>
             </a:lvl1pPr>
-            <a:lvl2pPr indent="-463550" lvl="1" marL="914400">
+            <a:lvl2pPr marL="914400" lvl="1" indent="-463550">
               <a:spcBef>
                 <a:spcPts val="4300"/>
               </a:spcBef>
@@ -4790,7 +4862,7 @@
               <a:buChar char="○"/>
               <a:defRPr/>
             </a:lvl2pPr>
-            <a:lvl3pPr indent="-463550" lvl="2" marL="1371600">
+            <a:lvl3pPr marL="1371600" lvl="2" indent="-463550">
               <a:spcBef>
                 <a:spcPts val="4300"/>
               </a:spcBef>
@@ -4801,7 +4873,7 @@
               <a:buChar char="■"/>
               <a:defRPr/>
             </a:lvl3pPr>
-            <a:lvl4pPr indent="-463550" lvl="3" marL="1828800">
+            <a:lvl4pPr marL="1828800" lvl="3" indent="-463550">
               <a:spcBef>
                 <a:spcPts val="4300"/>
               </a:spcBef>
@@ -4812,7 +4884,7 @@
               <a:buChar char="●"/>
               <a:defRPr/>
             </a:lvl4pPr>
-            <a:lvl5pPr indent="-463550" lvl="4" marL="2286000">
+            <a:lvl5pPr marL="2286000" lvl="4" indent="-463550">
               <a:spcBef>
                 <a:spcPts val="4300"/>
               </a:spcBef>
@@ -4823,7 +4895,7 @@
               <a:buChar char="○"/>
               <a:defRPr/>
             </a:lvl5pPr>
-            <a:lvl6pPr indent="-463550" lvl="5" marL="2743200">
+            <a:lvl6pPr marL="2743200" lvl="5" indent="-463550">
               <a:spcBef>
                 <a:spcPts val="4300"/>
               </a:spcBef>
@@ -4834,7 +4906,7 @@
               <a:buChar char="■"/>
               <a:defRPr/>
             </a:lvl6pPr>
-            <a:lvl7pPr indent="-463550" lvl="6" marL="3200400">
+            <a:lvl7pPr marL="3200400" lvl="6" indent="-463550">
               <a:spcBef>
                 <a:spcPts val="4300"/>
               </a:spcBef>
@@ -4845,7 +4917,7 @@
               <a:buChar char="●"/>
               <a:defRPr/>
             </a:lvl7pPr>
-            <a:lvl8pPr indent="-463550" lvl="7" marL="3657600">
+            <a:lvl8pPr marL="3657600" lvl="7" indent="-463550">
               <a:spcBef>
                 <a:spcPts val="4300"/>
               </a:spcBef>
@@ -4856,7 +4928,7 @@
               <a:buChar char="○"/>
               <a:defRPr/>
             </a:lvl8pPr>
-            <a:lvl9pPr indent="-463550" lvl="8" marL="4114800">
+            <a:lvl9pPr marL="4114800" lvl="8" indent="-463550">
               <a:spcBef>
                 <a:spcPts val="4300"/>
               </a:spcBef>
@@ -4868,15 +4940,19 @@
               <a:defRPr/>
             </a:lvl9pPr>
           </a:lstStyle>
-          <a:p/>
+          <a:p>
+            <a:endParaRPr/>
+          </a:p>
         </p:txBody>
       </p:sp>
       <p:sp>
         <p:nvSpPr>
           <p:cNvPr id="19" name="Google Shape;19;p4"/>
-          <p:cNvSpPr txBox="1"/>
+          <p:cNvSpPr txBox="1">
+            <a:spLocks noGrp="1"/>
+          </p:cNvSpPr>
           <p:nvPr>
-            <p:ph idx="12" type="sldNum"/>
+            <p:ph type="sldNum" idx="12"/>
           </p:nvPr>
         </p:nvSpPr>
         <p:spPr>
@@ -4889,7 +4965,7 @@
           </a:prstGeom>
         </p:spPr>
         <p:txBody>
-          <a:bodyPr anchorCtr="0" anchor="ctr" bIns="243800" lIns="243800" spcFirstLastPara="1" rIns="243800" wrap="square" tIns="243800">
+          <a:bodyPr spcFirstLastPara="1" wrap="square" lIns="243800" tIns="243800" rIns="243800" bIns="243800" anchor="ctr" anchorCtr="0">
             <a:noAutofit/>
           </a:bodyPr>
           <a:lstStyle>
@@ -4931,7 +5007,7 @@
             </a:lvl9pPr>
           </a:lstStyle>
           <a:p>
-            <a:pPr indent="0" lvl="0" marL="0" rtl="0" algn="r">
+            <a:pPr marL="0" lvl="0" indent="0" algn="r" rtl="0">
               <a:spcBef>
                 <a:spcPts val="0"/>
               </a:spcBef>
@@ -4957,11 +5033,11 @@
 </file>
 
 <file path=ppt/slideLayouts/slideLayout4.xml><?xml version="1.0" encoding="utf-8"?>
-<p:sldLayout xmlns:a="http://schemas.openxmlformats.org/drawingml/2006/main" xmlns:r="http://schemas.openxmlformats.org/officeDocument/2006/relationships" xmlns:mc="http://schemas.openxmlformats.org/markup-compatibility/2006" xmlns:mv="urn:schemas-microsoft-com:mac:vml" xmlns:p="http://schemas.openxmlformats.org/presentationml/2006/main" xmlns:c="http://schemas.openxmlformats.org/drawingml/2006/chart" xmlns:dgm="http://schemas.openxmlformats.org/drawingml/2006/diagram" xmlns:o="urn:schemas-microsoft-com:office:office" xmlns:v="urn:schemas-microsoft-com:vml" xmlns:pvml="urn:schemas-microsoft-com:office:powerpoint" xmlns:com="http://schemas.openxmlformats.org/drawingml/2006/compatibility" xmlns:p14="http://schemas.microsoft.com/office/powerpoint/2010/main" xmlns:p15="http://schemas.microsoft.com/office/powerpoint/2012/main" matchingName="Title and two columns" type="twoColTx">
+<p:sldLayout xmlns:a="http://schemas.openxmlformats.org/drawingml/2006/main" xmlns:r="http://schemas.openxmlformats.org/officeDocument/2006/relationships" xmlns:p="http://schemas.openxmlformats.org/presentationml/2006/main" matchingName="Title and two columns" type="twoColTx">
   <p:cSld name="TITLE_AND_TWO_COLUMNS">
     <p:spTree>
       <p:nvGrpSpPr>
-        <p:cNvPr id="20" name="Shape 20"/>
+        <p:cNvPr id="1" name="Shape 20"/>
         <p:cNvGrpSpPr/>
         <p:nvPr/>
       </p:nvGrpSpPr>
@@ -4976,7 +5052,9 @@
       <p:sp>
         <p:nvSpPr>
           <p:cNvPr id="21" name="Google Shape;21;p5"/>
-          <p:cNvSpPr txBox="1"/>
+          <p:cNvSpPr txBox="1">
+            <a:spLocks noGrp="1"/>
+          </p:cNvSpPr>
           <p:nvPr>
             <p:ph type="title"/>
           </p:nvPr>
@@ -4991,7 +5069,7 @@
           </a:prstGeom>
         </p:spPr>
         <p:txBody>
-          <a:bodyPr anchorCtr="0" anchor="t" bIns="243800" lIns="243800" spcFirstLastPara="1" rIns="243800" wrap="square" tIns="243800">
+          <a:bodyPr spcFirstLastPara="1" wrap="square" lIns="243800" tIns="243800" rIns="243800" bIns="243800" anchor="t" anchorCtr="0">
             <a:noAutofit/>
           </a:bodyPr>
           <a:lstStyle>
@@ -5095,15 +5173,19 @@
               <a:defRPr/>
             </a:lvl9pPr>
           </a:lstStyle>
-          <a:p/>
+          <a:p>
+            <a:endParaRPr/>
+          </a:p>
         </p:txBody>
       </p:sp>
       <p:sp>
         <p:nvSpPr>
           <p:cNvPr id="22" name="Google Shape;22;p5"/>
-          <p:cNvSpPr txBox="1"/>
+          <p:cNvSpPr txBox="1">
+            <a:spLocks noGrp="1"/>
+          </p:cNvSpPr>
           <p:nvPr>
-            <p:ph idx="1" type="body"/>
+            <p:ph type="body" idx="1"/>
           </p:nvPr>
         </p:nvSpPr>
         <p:spPr>
@@ -5116,11 +5198,11 @@
           </a:prstGeom>
         </p:spPr>
         <p:txBody>
-          <a:bodyPr anchorCtr="0" anchor="t" bIns="243800" lIns="243800" spcFirstLastPara="1" rIns="243800" wrap="square" tIns="243800">
+          <a:bodyPr spcFirstLastPara="1" wrap="square" lIns="243800" tIns="243800" rIns="243800" bIns="243800" anchor="t" anchorCtr="0">
             <a:noAutofit/>
           </a:bodyPr>
           <a:lstStyle>
-            <a:lvl1pPr indent="-463550" lvl="0" marL="457200">
+            <a:lvl1pPr marL="457200" lvl="0" indent="-463550">
               <a:spcBef>
                 <a:spcPts val="0"/>
               </a:spcBef>
@@ -5131,7 +5213,7 @@
               <a:buChar char="●"/>
               <a:defRPr sz="3700"/>
             </a:lvl1pPr>
-            <a:lvl2pPr indent="-431800" lvl="1" marL="914400">
+            <a:lvl2pPr marL="914400" lvl="1" indent="-431800">
               <a:spcBef>
                 <a:spcPts val="4300"/>
               </a:spcBef>
@@ -5142,7 +5224,7 @@
               <a:buChar char="○"/>
               <a:defRPr sz="3200"/>
             </a:lvl2pPr>
-            <a:lvl3pPr indent="-431800" lvl="2" marL="1371600">
+            <a:lvl3pPr marL="1371600" lvl="2" indent="-431800">
               <a:spcBef>
                 <a:spcPts val="4300"/>
               </a:spcBef>
@@ -5153,7 +5235,7 @@
               <a:buChar char="■"/>
               <a:defRPr sz="3200"/>
             </a:lvl3pPr>
-            <a:lvl4pPr indent="-431800" lvl="3" marL="1828800">
+            <a:lvl4pPr marL="1828800" lvl="3" indent="-431800">
               <a:spcBef>
                 <a:spcPts val="4300"/>
               </a:spcBef>
@@ -5164,7 +5246,7 @@
               <a:buChar char="●"/>
               <a:defRPr sz="3200"/>
             </a:lvl4pPr>
-            <a:lvl5pPr indent="-431800" lvl="4" marL="2286000">
+            <a:lvl5pPr marL="2286000" lvl="4" indent="-431800">
               <a:spcBef>
                 <a:spcPts val="4300"/>
               </a:spcBef>
@@ -5175,7 +5257,7 @@
               <a:buChar char="○"/>
               <a:defRPr sz="3200"/>
             </a:lvl5pPr>
-            <a:lvl6pPr indent="-431800" lvl="5" marL="2743200">
+            <a:lvl6pPr marL="2743200" lvl="5" indent="-431800">
               <a:spcBef>
                 <a:spcPts val="4300"/>
               </a:spcBef>
@@ -5186,7 +5268,7 @@
               <a:buChar char="■"/>
               <a:defRPr sz="3200"/>
             </a:lvl6pPr>
-            <a:lvl7pPr indent="-431800" lvl="6" marL="3200400">
+            <a:lvl7pPr marL="3200400" lvl="6" indent="-431800">
               <a:spcBef>
                 <a:spcPts val="4300"/>
               </a:spcBef>
@@ -5197,7 +5279,7 @@
               <a:buChar char="●"/>
               <a:defRPr sz="3200"/>
             </a:lvl7pPr>
-            <a:lvl8pPr indent="-431800" lvl="7" marL="3657600">
+            <a:lvl8pPr marL="3657600" lvl="7" indent="-431800">
               <a:spcBef>
                 <a:spcPts val="4300"/>
               </a:spcBef>
@@ -5208,7 +5290,7 @@
               <a:buChar char="○"/>
               <a:defRPr sz="3200"/>
             </a:lvl8pPr>
-            <a:lvl9pPr indent="-431800" lvl="8" marL="4114800">
+            <a:lvl9pPr marL="4114800" lvl="8" indent="-431800">
               <a:spcBef>
                 <a:spcPts val="4300"/>
               </a:spcBef>
@@ -5220,15 +5302,19 @@
               <a:defRPr sz="3200"/>
             </a:lvl9pPr>
           </a:lstStyle>
-          <a:p/>
+          <a:p>
+            <a:endParaRPr/>
+          </a:p>
         </p:txBody>
       </p:sp>
       <p:sp>
         <p:nvSpPr>
           <p:cNvPr id="23" name="Google Shape;23;p5"/>
-          <p:cNvSpPr txBox="1"/>
+          <p:cNvSpPr txBox="1">
+            <a:spLocks noGrp="1"/>
+          </p:cNvSpPr>
           <p:nvPr>
-            <p:ph idx="2" type="body"/>
+            <p:ph type="body" idx="2"/>
           </p:nvPr>
         </p:nvSpPr>
         <p:spPr>
@@ -5241,11 +5327,11 @@
           </a:prstGeom>
         </p:spPr>
         <p:txBody>
-          <a:bodyPr anchorCtr="0" anchor="t" bIns="243800" lIns="243800" spcFirstLastPara="1" rIns="243800" wrap="square" tIns="243800">
+          <a:bodyPr spcFirstLastPara="1" wrap="square" lIns="243800" tIns="243800" rIns="243800" bIns="243800" anchor="t" anchorCtr="0">
             <a:noAutofit/>
           </a:bodyPr>
           <a:lstStyle>
-            <a:lvl1pPr indent="-463550" lvl="0" marL="457200">
+            <a:lvl1pPr marL="457200" lvl="0" indent="-463550">
               <a:spcBef>
                 <a:spcPts val="0"/>
               </a:spcBef>
@@ -5256,7 +5342,7 @@
               <a:buChar char="●"/>
               <a:defRPr sz="3700"/>
             </a:lvl1pPr>
-            <a:lvl2pPr indent="-431800" lvl="1" marL="914400">
+            <a:lvl2pPr marL="914400" lvl="1" indent="-431800">
               <a:spcBef>
                 <a:spcPts val="4300"/>
               </a:spcBef>
@@ -5267,7 +5353,7 @@
               <a:buChar char="○"/>
               <a:defRPr sz="3200"/>
             </a:lvl2pPr>
-            <a:lvl3pPr indent="-431800" lvl="2" marL="1371600">
+            <a:lvl3pPr marL="1371600" lvl="2" indent="-431800">
               <a:spcBef>
                 <a:spcPts val="4300"/>
               </a:spcBef>
@@ -5278,7 +5364,7 @@
               <a:buChar char="■"/>
               <a:defRPr sz="3200"/>
             </a:lvl3pPr>
-            <a:lvl4pPr indent="-431800" lvl="3" marL="1828800">
+            <a:lvl4pPr marL="1828800" lvl="3" indent="-431800">
               <a:spcBef>
                 <a:spcPts val="4300"/>
               </a:spcBef>
@@ -5289,7 +5375,7 @@
               <a:buChar char="●"/>
               <a:defRPr sz="3200"/>
             </a:lvl4pPr>
-            <a:lvl5pPr indent="-431800" lvl="4" marL="2286000">
+            <a:lvl5pPr marL="2286000" lvl="4" indent="-431800">
               <a:spcBef>
                 <a:spcPts val="4300"/>
               </a:spcBef>
@@ -5300,7 +5386,7 @@
               <a:buChar char="○"/>
               <a:defRPr sz="3200"/>
             </a:lvl5pPr>
-            <a:lvl6pPr indent="-431800" lvl="5" marL="2743200">
+            <a:lvl6pPr marL="2743200" lvl="5" indent="-431800">
               <a:spcBef>
                 <a:spcPts val="4300"/>
               </a:spcBef>
@@ -5311,7 +5397,7 @@
               <a:buChar char="■"/>
               <a:defRPr sz="3200"/>
             </a:lvl6pPr>
-            <a:lvl7pPr indent="-431800" lvl="6" marL="3200400">
+            <a:lvl7pPr marL="3200400" lvl="6" indent="-431800">
               <a:spcBef>
                 <a:spcPts val="4300"/>
               </a:spcBef>
@@ -5322,7 +5408,7 @@
               <a:buChar char="●"/>
               <a:defRPr sz="3200"/>
             </a:lvl7pPr>
-            <a:lvl8pPr indent="-431800" lvl="7" marL="3657600">
+            <a:lvl8pPr marL="3657600" lvl="7" indent="-431800">
               <a:spcBef>
                 <a:spcPts val="4300"/>
               </a:spcBef>
@@ -5333,7 +5419,7 @@
               <a:buChar char="○"/>
               <a:defRPr sz="3200"/>
             </a:lvl8pPr>
-            <a:lvl9pPr indent="-431800" lvl="8" marL="4114800">
+            <a:lvl9pPr marL="4114800" lvl="8" indent="-431800">
               <a:spcBef>
                 <a:spcPts val="4300"/>
               </a:spcBef>
@@ -5345,15 +5431,19 @@
               <a:defRPr sz="3200"/>
             </a:lvl9pPr>
           </a:lstStyle>
-          <a:p/>
+          <a:p>
+            <a:endParaRPr/>
+          </a:p>
         </p:txBody>
       </p:sp>
       <p:sp>
         <p:nvSpPr>
           <p:cNvPr id="24" name="Google Shape;24;p5"/>
-          <p:cNvSpPr txBox="1"/>
+          <p:cNvSpPr txBox="1">
+            <a:spLocks noGrp="1"/>
+          </p:cNvSpPr>
           <p:nvPr>
-            <p:ph idx="12" type="sldNum"/>
+            <p:ph type="sldNum" idx="12"/>
           </p:nvPr>
         </p:nvSpPr>
         <p:spPr>
@@ -5366,7 +5456,7 @@
           </a:prstGeom>
         </p:spPr>
         <p:txBody>
-          <a:bodyPr anchorCtr="0" anchor="ctr" bIns="243800" lIns="243800" spcFirstLastPara="1" rIns="243800" wrap="square" tIns="243800">
+          <a:bodyPr spcFirstLastPara="1" wrap="square" lIns="243800" tIns="243800" rIns="243800" bIns="243800" anchor="ctr" anchorCtr="0">
             <a:noAutofit/>
           </a:bodyPr>
           <a:lstStyle>
@@ -5408,7 +5498,7 @@
             </a:lvl9pPr>
           </a:lstStyle>
           <a:p>
-            <a:pPr indent="0" lvl="0" marL="0" rtl="0" algn="r">
+            <a:pPr marL="0" lvl="0" indent="0" algn="r" rtl="0">
               <a:spcBef>
                 <a:spcPts val="0"/>
               </a:spcBef>
@@ -5434,11 +5524,11 @@
 </file>
 
 <file path=ppt/slideLayouts/slideLayout5.xml><?xml version="1.0" encoding="utf-8"?>
-<p:sldLayout xmlns:a="http://schemas.openxmlformats.org/drawingml/2006/main" xmlns:r="http://schemas.openxmlformats.org/officeDocument/2006/relationships" xmlns:mc="http://schemas.openxmlformats.org/markup-compatibility/2006" xmlns:mv="urn:schemas-microsoft-com:mac:vml" xmlns:p="http://schemas.openxmlformats.org/presentationml/2006/main" xmlns:c="http://schemas.openxmlformats.org/drawingml/2006/chart" xmlns:dgm="http://schemas.openxmlformats.org/drawingml/2006/diagram" xmlns:o="urn:schemas-microsoft-com:office:office" xmlns:v="urn:schemas-microsoft-com:vml" xmlns:pvml="urn:schemas-microsoft-com:office:powerpoint" xmlns:com="http://schemas.openxmlformats.org/drawingml/2006/compatibility" xmlns:p14="http://schemas.microsoft.com/office/powerpoint/2010/main" xmlns:p15="http://schemas.microsoft.com/office/powerpoint/2012/main" matchingName="Title only" type="titleOnly">
+<p:sldLayout xmlns:a="http://schemas.openxmlformats.org/drawingml/2006/main" xmlns:r="http://schemas.openxmlformats.org/officeDocument/2006/relationships" xmlns:p="http://schemas.openxmlformats.org/presentationml/2006/main" matchingName="Title only" type="titleOnly">
   <p:cSld name="TITLE_ONLY">
     <p:spTree>
       <p:nvGrpSpPr>
-        <p:cNvPr id="25" name="Shape 25"/>
+        <p:cNvPr id="1" name="Shape 25"/>
         <p:cNvGrpSpPr/>
         <p:nvPr/>
       </p:nvGrpSpPr>
@@ -5453,7 +5543,9 @@
       <p:sp>
         <p:nvSpPr>
           <p:cNvPr id="26" name="Google Shape;26;p6"/>
-          <p:cNvSpPr txBox="1"/>
+          <p:cNvSpPr txBox="1">
+            <a:spLocks noGrp="1"/>
+          </p:cNvSpPr>
           <p:nvPr>
             <p:ph type="title"/>
           </p:nvPr>
@@ -5468,7 +5560,7 @@
           </a:prstGeom>
         </p:spPr>
         <p:txBody>
-          <a:bodyPr anchorCtr="0" anchor="t" bIns="243800" lIns="243800" spcFirstLastPara="1" rIns="243800" wrap="square" tIns="243800">
+          <a:bodyPr spcFirstLastPara="1" wrap="square" lIns="243800" tIns="243800" rIns="243800" bIns="243800" anchor="t" anchorCtr="0">
             <a:noAutofit/>
           </a:bodyPr>
           <a:lstStyle>
@@ -5572,15 +5664,19 @@
               <a:defRPr/>
             </a:lvl9pPr>
           </a:lstStyle>
-          <a:p/>
+          <a:p>
+            <a:endParaRPr/>
+          </a:p>
         </p:txBody>
       </p:sp>
       <p:sp>
         <p:nvSpPr>
           <p:cNvPr id="27" name="Google Shape;27;p6"/>
-          <p:cNvSpPr txBox="1"/>
+          <p:cNvSpPr txBox="1">
+            <a:spLocks noGrp="1"/>
+          </p:cNvSpPr>
           <p:nvPr>
-            <p:ph idx="12" type="sldNum"/>
+            <p:ph type="sldNum" idx="12"/>
           </p:nvPr>
         </p:nvSpPr>
         <p:spPr>
@@ -5593,7 +5689,7 @@
           </a:prstGeom>
         </p:spPr>
         <p:txBody>
-          <a:bodyPr anchorCtr="0" anchor="ctr" bIns="243800" lIns="243800" spcFirstLastPara="1" rIns="243800" wrap="square" tIns="243800">
+          <a:bodyPr spcFirstLastPara="1" wrap="square" lIns="243800" tIns="243800" rIns="243800" bIns="243800" anchor="ctr" anchorCtr="0">
             <a:noAutofit/>
           </a:bodyPr>
           <a:lstStyle>
@@ -5635,7 +5731,7 @@
             </a:lvl9pPr>
           </a:lstStyle>
           <a:p>
-            <a:pPr indent="0" lvl="0" marL="0" rtl="0" algn="r">
+            <a:pPr marL="0" lvl="0" indent="0" algn="r" rtl="0">
               <a:spcBef>
                 <a:spcPts val="0"/>
               </a:spcBef>
@@ -5661,11 +5757,11 @@
 </file>
 
 <file path=ppt/slideLayouts/slideLayout6.xml><?xml version="1.0" encoding="utf-8"?>
-<p:sldLayout xmlns:a="http://schemas.openxmlformats.org/drawingml/2006/main" xmlns:r="http://schemas.openxmlformats.org/officeDocument/2006/relationships" xmlns:mc="http://schemas.openxmlformats.org/markup-compatibility/2006" xmlns:mv="urn:schemas-microsoft-com:mac:vml" xmlns:p="http://schemas.openxmlformats.org/presentationml/2006/main" xmlns:c="http://schemas.openxmlformats.org/drawingml/2006/chart" xmlns:dgm="http://schemas.openxmlformats.org/drawingml/2006/diagram" xmlns:o="urn:schemas-microsoft-com:office:office" xmlns:v="urn:schemas-microsoft-com:vml" xmlns:pvml="urn:schemas-microsoft-com:office:powerpoint" xmlns:com="http://schemas.openxmlformats.org/drawingml/2006/compatibility" xmlns:p14="http://schemas.microsoft.com/office/powerpoint/2010/main" xmlns:p15="http://schemas.microsoft.com/office/powerpoint/2012/main" matchingName="One column text">
+<p:sldLayout xmlns:a="http://schemas.openxmlformats.org/drawingml/2006/main" xmlns:r="http://schemas.openxmlformats.org/officeDocument/2006/relationships" xmlns:p="http://schemas.openxmlformats.org/presentationml/2006/main" matchingName="One column text">
   <p:cSld name="ONE_COLUMN_TEXT">
     <p:spTree>
       <p:nvGrpSpPr>
-        <p:cNvPr id="28" name="Shape 28"/>
+        <p:cNvPr id="1" name="Shape 28"/>
         <p:cNvGrpSpPr/>
         <p:nvPr/>
       </p:nvGrpSpPr>
@@ -5680,7 +5776,9 @@
       <p:sp>
         <p:nvSpPr>
           <p:cNvPr id="29" name="Google Shape;29;p7"/>
-          <p:cNvSpPr txBox="1"/>
+          <p:cNvSpPr txBox="1">
+            <a:spLocks noGrp="1"/>
+          </p:cNvSpPr>
           <p:nvPr>
             <p:ph type="title"/>
           </p:nvPr>
@@ -5695,7 +5793,7 @@
           </a:prstGeom>
         </p:spPr>
         <p:txBody>
-          <a:bodyPr anchorCtr="0" anchor="b" bIns="243800" lIns="243800" spcFirstLastPara="1" rIns="243800" wrap="square" tIns="243800">
+          <a:bodyPr spcFirstLastPara="1" wrap="square" lIns="243800" tIns="243800" rIns="243800" bIns="243800" anchor="b" anchorCtr="0">
             <a:noAutofit/>
           </a:bodyPr>
           <a:lstStyle>
@@ -5799,15 +5897,19 @@
               <a:defRPr sz="6400"/>
             </a:lvl9pPr>
           </a:lstStyle>
-          <a:p/>
+          <a:p>
+            <a:endParaRPr/>
+          </a:p>
         </p:txBody>
       </p:sp>
       <p:sp>
         <p:nvSpPr>
           <p:cNvPr id="30" name="Google Shape;30;p7"/>
-          <p:cNvSpPr txBox="1"/>
+          <p:cNvSpPr txBox="1">
+            <a:spLocks noGrp="1"/>
+          </p:cNvSpPr>
           <p:nvPr>
-            <p:ph idx="1" type="body"/>
+            <p:ph type="body" idx="1"/>
           </p:nvPr>
         </p:nvSpPr>
         <p:spPr>
@@ -5820,11 +5922,11 @@
           </a:prstGeom>
         </p:spPr>
         <p:txBody>
-          <a:bodyPr anchorCtr="0" anchor="t" bIns="243800" lIns="243800" spcFirstLastPara="1" rIns="243800" wrap="square" tIns="243800">
+          <a:bodyPr spcFirstLastPara="1" wrap="square" lIns="243800" tIns="243800" rIns="243800" bIns="243800" anchor="t" anchorCtr="0">
             <a:noAutofit/>
           </a:bodyPr>
           <a:lstStyle>
-            <a:lvl1pPr indent="-431800" lvl="0" marL="457200">
+            <a:lvl1pPr marL="457200" lvl="0" indent="-431800">
               <a:spcBef>
                 <a:spcPts val="0"/>
               </a:spcBef>
@@ -5835,7 +5937,7 @@
               <a:buChar char="●"/>
               <a:defRPr sz="3200"/>
             </a:lvl1pPr>
-            <a:lvl2pPr indent="-431800" lvl="1" marL="914400">
+            <a:lvl2pPr marL="914400" lvl="1" indent="-431800">
               <a:spcBef>
                 <a:spcPts val="4300"/>
               </a:spcBef>
@@ -5846,7 +5948,7 @@
               <a:buChar char="○"/>
               <a:defRPr sz="3200"/>
             </a:lvl2pPr>
-            <a:lvl3pPr indent="-431800" lvl="2" marL="1371600">
+            <a:lvl3pPr marL="1371600" lvl="2" indent="-431800">
               <a:spcBef>
                 <a:spcPts val="4300"/>
               </a:spcBef>
@@ -5857,7 +5959,7 @@
               <a:buChar char="■"/>
               <a:defRPr sz="3200"/>
             </a:lvl3pPr>
-            <a:lvl4pPr indent="-431800" lvl="3" marL="1828800">
+            <a:lvl4pPr marL="1828800" lvl="3" indent="-431800">
               <a:spcBef>
                 <a:spcPts val="4300"/>
               </a:spcBef>
@@ -5868,7 +5970,7 @@
               <a:buChar char="●"/>
               <a:defRPr sz="3200"/>
             </a:lvl4pPr>
-            <a:lvl5pPr indent="-431800" lvl="4" marL="2286000">
+            <a:lvl5pPr marL="2286000" lvl="4" indent="-431800">
               <a:spcBef>
                 <a:spcPts val="4300"/>
               </a:spcBef>
@@ -5879,7 +5981,7 @@
               <a:buChar char="○"/>
               <a:defRPr sz="3200"/>
             </a:lvl5pPr>
-            <a:lvl6pPr indent="-431800" lvl="5" marL="2743200">
+            <a:lvl6pPr marL="2743200" lvl="5" indent="-431800">
               <a:spcBef>
                 <a:spcPts val="4300"/>
               </a:spcBef>
@@ -5890,7 +5992,7 @@
               <a:buChar char="■"/>
               <a:defRPr sz="3200"/>
             </a:lvl6pPr>
-            <a:lvl7pPr indent="-431800" lvl="6" marL="3200400">
+            <a:lvl7pPr marL="3200400" lvl="6" indent="-431800">
               <a:spcBef>
                 <a:spcPts val="4300"/>
               </a:spcBef>
@@ -5901,7 +6003,7 @@
               <a:buChar char="●"/>
               <a:defRPr sz="3200"/>
             </a:lvl7pPr>
-            <a:lvl8pPr indent="-431800" lvl="7" marL="3657600">
+            <a:lvl8pPr marL="3657600" lvl="7" indent="-431800">
               <a:spcBef>
                 <a:spcPts val="4300"/>
               </a:spcBef>
@@ -5912,7 +6014,7 @@
               <a:buChar char="○"/>
               <a:defRPr sz="3200"/>
             </a:lvl8pPr>
-            <a:lvl9pPr indent="-431800" lvl="8" marL="4114800">
+            <a:lvl9pPr marL="4114800" lvl="8" indent="-431800">
               <a:spcBef>
                 <a:spcPts val="4300"/>
               </a:spcBef>
@@ -5924,15 +6026,19 @@
               <a:defRPr sz="3200"/>
             </a:lvl9pPr>
           </a:lstStyle>
-          <a:p/>
+          <a:p>
+            <a:endParaRPr/>
+          </a:p>
         </p:txBody>
       </p:sp>
       <p:sp>
         <p:nvSpPr>
           <p:cNvPr id="31" name="Google Shape;31;p7"/>
-          <p:cNvSpPr txBox="1"/>
+          <p:cNvSpPr txBox="1">
+            <a:spLocks noGrp="1"/>
+          </p:cNvSpPr>
           <p:nvPr>
-            <p:ph idx="12" type="sldNum"/>
+            <p:ph type="sldNum" idx="12"/>
           </p:nvPr>
         </p:nvSpPr>
         <p:spPr>
@@ -5945,7 +6051,7 @@
           </a:prstGeom>
         </p:spPr>
         <p:txBody>
-          <a:bodyPr anchorCtr="0" anchor="ctr" bIns="243800" lIns="243800" spcFirstLastPara="1" rIns="243800" wrap="square" tIns="243800">
+          <a:bodyPr spcFirstLastPara="1" wrap="square" lIns="243800" tIns="243800" rIns="243800" bIns="243800" anchor="ctr" anchorCtr="0">
             <a:noAutofit/>
           </a:bodyPr>
           <a:lstStyle>
@@ -5987,7 +6093,7 @@
             </a:lvl9pPr>
           </a:lstStyle>
           <a:p>
-            <a:pPr indent="0" lvl="0" marL="0" rtl="0" algn="r">
+            <a:pPr marL="0" lvl="0" indent="0" algn="r" rtl="0">
               <a:spcBef>
                 <a:spcPts val="0"/>
               </a:spcBef>
@@ -6013,11 +6119,11 @@
 </file>
 
 <file path=ppt/slideLayouts/slideLayout7.xml><?xml version="1.0" encoding="utf-8"?>
-<p:sldLayout xmlns:a="http://schemas.openxmlformats.org/drawingml/2006/main" xmlns:r="http://schemas.openxmlformats.org/officeDocument/2006/relationships" xmlns:mc="http://schemas.openxmlformats.org/markup-compatibility/2006" xmlns:mv="urn:schemas-microsoft-com:mac:vml" xmlns:p="http://schemas.openxmlformats.org/presentationml/2006/main" xmlns:c="http://schemas.openxmlformats.org/drawingml/2006/chart" xmlns:dgm="http://schemas.openxmlformats.org/drawingml/2006/diagram" xmlns:o="urn:schemas-microsoft-com:office:office" xmlns:v="urn:schemas-microsoft-com:vml" xmlns:pvml="urn:schemas-microsoft-com:office:powerpoint" xmlns:com="http://schemas.openxmlformats.org/drawingml/2006/compatibility" xmlns:p14="http://schemas.microsoft.com/office/powerpoint/2010/main" xmlns:p15="http://schemas.microsoft.com/office/powerpoint/2012/main" matchingName="Main point">
+<p:sldLayout xmlns:a="http://schemas.openxmlformats.org/drawingml/2006/main" xmlns:r="http://schemas.openxmlformats.org/officeDocument/2006/relationships" xmlns:p="http://schemas.openxmlformats.org/presentationml/2006/main" matchingName="Main point">
   <p:cSld name="MAIN_POINT">
     <p:spTree>
       <p:nvGrpSpPr>
-        <p:cNvPr id="32" name="Shape 32"/>
+        <p:cNvPr id="1" name="Shape 32"/>
         <p:cNvGrpSpPr/>
         <p:nvPr/>
       </p:nvGrpSpPr>
@@ -6032,7 +6138,9 @@
       <p:sp>
         <p:nvSpPr>
           <p:cNvPr id="33" name="Google Shape;33;p8"/>
-          <p:cNvSpPr txBox="1"/>
+          <p:cNvSpPr txBox="1">
+            <a:spLocks noGrp="1"/>
+          </p:cNvSpPr>
           <p:nvPr>
             <p:ph type="title"/>
           </p:nvPr>
@@ -6047,7 +6155,7 @@
           </a:prstGeom>
         </p:spPr>
         <p:txBody>
-          <a:bodyPr anchorCtr="0" anchor="ctr" bIns="243800" lIns="243800" spcFirstLastPara="1" rIns="243800" wrap="square" tIns="243800">
+          <a:bodyPr spcFirstLastPara="1" wrap="square" lIns="243800" tIns="243800" rIns="243800" bIns="243800" anchor="ctr" anchorCtr="0">
             <a:noAutofit/>
           </a:bodyPr>
           <a:lstStyle>
@@ -6151,15 +6259,19 @@
               <a:defRPr sz="12800"/>
             </a:lvl9pPr>
           </a:lstStyle>
-          <a:p/>
+          <a:p>
+            <a:endParaRPr/>
+          </a:p>
         </p:txBody>
       </p:sp>
       <p:sp>
         <p:nvSpPr>
           <p:cNvPr id="34" name="Google Shape;34;p8"/>
-          <p:cNvSpPr txBox="1"/>
+          <p:cNvSpPr txBox="1">
+            <a:spLocks noGrp="1"/>
+          </p:cNvSpPr>
           <p:nvPr>
-            <p:ph idx="12" type="sldNum"/>
+            <p:ph type="sldNum" idx="12"/>
           </p:nvPr>
         </p:nvSpPr>
         <p:spPr>
@@ -6172,7 +6284,7 @@
           </a:prstGeom>
         </p:spPr>
         <p:txBody>
-          <a:bodyPr anchorCtr="0" anchor="ctr" bIns="243800" lIns="243800" spcFirstLastPara="1" rIns="243800" wrap="square" tIns="243800">
+          <a:bodyPr spcFirstLastPara="1" wrap="square" lIns="243800" tIns="243800" rIns="243800" bIns="243800" anchor="ctr" anchorCtr="0">
             <a:noAutofit/>
           </a:bodyPr>
           <a:lstStyle>
@@ -6214,7 +6326,7 @@
             </a:lvl9pPr>
           </a:lstStyle>
           <a:p>
-            <a:pPr indent="0" lvl="0" marL="0" rtl="0" algn="r">
+            <a:pPr marL="0" lvl="0" indent="0" algn="r" rtl="0">
               <a:spcBef>
                 <a:spcPts val="0"/>
               </a:spcBef>
@@ -6240,11 +6352,11 @@
 </file>
 
 <file path=ppt/slideLayouts/slideLayout8.xml><?xml version="1.0" encoding="utf-8"?>
-<p:sldLayout xmlns:a="http://schemas.openxmlformats.org/drawingml/2006/main" xmlns:r="http://schemas.openxmlformats.org/officeDocument/2006/relationships" xmlns:mc="http://schemas.openxmlformats.org/markup-compatibility/2006" xmlns:mv="urn:schemas-microsoft-com:mac:vml" xmlns:p="http://schemas.openxmlformats.org/presentationml/2006/main" xmlns:c="http://schemas.openxmlformats.org/drawingml/2006/chart" xmlns:dgm="http://schemas.openxmlformats.org/drawingml/2006/diagram" xmlns:o="urn:schemas-microsoft-com:office:office" xmlns:v="urn:schemas-microsoft-com:vml" xmlns:pvml="urn:schemas-microsoft-com:office:powerpoint" xmlns:com="http://schemas.openxmlformats.org/drawingml/2006/compatibility" xmlns:p14="http://schemas.microsoft.com/office/powerpoint/2010/main" xmlns:p15="http://schemas.microsoft.com/office/powerpoint/2012/main" matchingName="Section title and description">
+<p:sldLayout xmlns:a="http://schemas.openxmlformats.org/drawingml/2006/main" xmlns:r="http://schemas.openxmlformats.org/officeDocument/2006/relationships" xmlns:p="http://schemas.openxmlformats.org/presentationml/2006/main" matchingName="Section title and description">
   <p:cSld name="SECTION_TITLE_AND_DESCRIPTION">
     <p:spTree>
       <p:nvGrpSpPr>
-        <p:cNvPr id="35" name="Shape 35"/>
+        <p:cNvPr id="1" name="Shape 35"/>
         <p:cNvGrpSpPr/>
         <p:nvPr/>
       </p:nvGrpSpPr>
@@ -6278,12 +6390,12 @@
           </a:ln>
         </p:spPr>
         <p:txBody>
-          <a:bodyPr anchorCtr="0" anchor="ctr" bIns="243800" lIns="243800" spcFirstLastPara="1" rIns="243800" wrap="square" tIns="243800">
+          <a:bodyPr spcFirstLastPara="1" wrap="square" lIns="243800" tIns="243800" rIns="243800" bIns="243800" anchor="ctr" anchorCtr="0">
             <a:noAutofit/>
           </a:bodyPr>
           <a:lstStyle/>
           <a:p>
-            <a:pPr indent="0" lvl="0" marL="0" rtl="0" algn="l">
+            <a:pPr marL="0" lvl="0" indent="0" algn="l" rtl="0">
               <a:spcBef>
                 <a:spcPts val="0"/>
               </a:spcBef>
@@ -6292,9 +6404,6 @@
               </a:spcAft>
               <a:buNone/>
             </a:pPr>
-            <a:r>
-              <a:t/>
-            </a:r>
             <a:endParaRPr/>
           </a:p>
         </p:txBody>
@@ -6302,7 +6411,9 @@
       <p:sp>
         <p:nvSpPr>
           <p:cNvPr id="37" name="Google Shape;37;p9"/>
-          <p:cNvSpPr txBox="1"/>
+          <p:cNvSpPr txBox="1">
+            <a:spLocks noGrp="1"/>
+          </p:cNvSpPr>
           <p:nvPr>
             <p:ph type="title"/>
           </p:nvPr>
@@ -6317,7 +6428,7 @@
           </a:prstGeom>
         </p:spPr>
         <p:txBody>
-          <a:bodyPr anchorCtr="0" anchor="b" bIns="243800" lIns="243800" spcFirstLastPara="1" rIns="243800" wrap="square" tIns="243800">
+          <a:bodyPr spcFirstLastPara="1" wrap="square" lIns="243800" tIns="243800" rIns="243800" bIns="243800" anchor="b" anchorCtr="0">
             <a:noAutofit/>
           </a:bodyPr>
           <a:lstStyle>
@@ -6421,15 +6532,19 @@
               <a:defRPr sz="11200"/>
             </a:lvl9pPr>
           </a:lstStyle>
-          <a:p/>
+          <a:p>
+            <a:endParaRPr/>
+          </a:p>
         </p:txBody>
       </p:sp>
       <p:sp>
         <p:nvSpPr>
           <p:cNvPr id="38" name="Google Shape;38;p9"/>
-          <p:cNvSpPr txBox="1"/>
+          <p:cNvSpPr txBox="1">
+            <a:spLocks noGrp="1"/>
+          </p:cNvSpPr>
           <p:nvPr>
-            <p:ph idx="1" type="subTitle"/>
+            <p:ph type="subTitle" idx="1"/>
           </p:nvPr>
         </p:nvSpPr>
         <p:spPr>
@@ -6442,7 +6557,7 @@
           </a:prstGeom>
         </p:spPr>
         <p:txBody>
-          <a:bodyPr anchorCtr="0" anchor="t" bIns="243800" lIns="243800" spcFirstLastPara="1" rIns="243800" wrap="square" tIns="243800">
+          <a:bodyPr spcFirstLastPara="1" wrap="square" lIns="243800" tIns="243800" rIns="243800" bIns="243800" anchor="t" anchorCtr="0">
             <a:noAutofit/>
           </a:bodyPr>
           <a:lstStyle>
@@ -6573,15 +6688,19 @@
               <a:defRPr sz="5600"/>
             </a:lvl9pPr>
           </a:lstStyle>
-          <a:p/>
+          <a:p>
+            <a:endParaRPr/>
+          </a:p>
         </p:txBody>
       </p:sp>
       <p:sp>
         <p:nvSpPr>
           <p:cNvPr id="39" name="Google Shape;39;p9"/>
-          <p:cNvSpPr txBox="1"/>
+          <p:cNvSpPr txBox="1">
+            <a:spLocks noGrp="1"/>
+          </p:cNvSpPr>
           <p:nvPr>
-            <p:ph idx="2" type="body"/>
+            <p:ph type="body" idx="2"/>
           </p:nvPr>
         </p:nvSpPr>
         <p:spPr>
@@ -6594,11 +6713,11 @@
           </a:prstGeom>
         </p:spPr>
         <p:txBody>
-          <a:bodyPr anchorCtr="0" anchor="ctr" bIns="243800" lIns="243800" spcFirstLastPara="1" rIns="243800" wrap="square" tIns="243800">
+          <a:bodyPr spcFirstLastPara="1" wrap="square" lIns="243800" tIns="243800" rIns="243800" bIns="243800" anchor="ctr" anchorCtr="0">
             <a:noAutofit/>
           </a:bodyPr>
           <a:lstStyle>
-            <a:lvl1pPr indent="-533400" lvl="0" marL="457200">
+            <a:lvl1pPr marL="457200" lvl="0" indent="-533400">
               <a:spcBef>
                 <a:spcPts val="0"/>
               </a:spcBef>
@@ -6609,7 +6728,7 @@
               <a:buChar char="●"/>
               <a:defRPr/>
             </a:lvl1pPr>
-            <a:lvl2pPr indent="-463550" lvl="1" marL="914400">
+            <a:lvl2pPr marL="914400" lvl="1" indent="-463550">
               <a:spcBef>
                 <a:spcPts val="4300"/>
               </a:spcBef>
@@ -6620,7 +6739,7 @@
               <a:buChar char="○"/>
               <a:defRPr/>
             </a:lvl2pPr>
-            <a:lvl3pPr indent="-463550" lvl="2" marL="1371600">
+            <a:lvl3pPr marL="1371600" lvl="2" indent="-463550">
               <a:spcBef>
                 <a:spcPts val="4300"/>
               </a:spcBef>
@@ -6631,7 +6750,7 @@
               <a:buChar char="■"/>
               <a:defRPr/>
             </a:lvl3pPr>
-            <a:lvl4pPr indent="-463550" lvl="3" marL="1828800">
+            <a:lvl4pPr marL="1828800" lvl="3" indent="-463550">
               <a:spcBef>
                 <a:spcPts val="4300"/>
               </a:spcBef>
@@ -6642,7 +6761,7 @@
               <a:buChar char="●"/>
               <a:defRPr/>
             </a:lvl4pPr>
-            <a:lvl5pPr indent="-463550" lvl="4" marL="2286000">
+            <a:lvl5pPr marL="2286000" lvl="4" indent="-463550">
               <a:spcBef>
                 <a:spcPts val="4300"/>
               </a:spcBef>
@@ -6653,7 +6772,7 @@
               <a:buChar char="○"/>
               <a:defRPr/>
             </a:lvl5pPr>
-            <a:lvl6pPr indent="-463550" lvl="5" marL="2743200">
+            <a:lvl6pPr marL="2743200" lvl="5" indent="-463550">
               <a:spcBef>
                 <a:spcPts val="4300"/>
               </a:spcBef>
@@ -6664,7 +6783,7 @@
               <a:buChar char="■"/>
               <a:defRPr/>
             </a:lvl6pPr>
-            <a:lvl7pPr indent="-463550" lvl="6" marL="3200400">
+            <a:lvl7pPr marL="3200400" lvl="6" indent="-463550">
               <a:spcBef>
                 <a:spcPts val="4300"/>
               </a:spcBef>
@@ -6675,7 +6794,7 @@
               <a:buChar char="●"/>
               <a:defRPr/>
             </a:lvl7pPr>
-            <a:lvl8pPr indent="-463550" lvl="7" marL="3657600">
+            <a:lvl8pPr marL="3657600" lvl="7" indent="-463550">
               <a:spcBef>
                 <a:spcPts val="4300"/>
               </a:spcBef>
@@ -6686,7 +6805,7 @@
               <a:buChar char="○"/>
               <a:defRPr/>
             </a:lvl8pPr>
-            <a:lvl9pPr indent="-463550" lvl="8" marL="4114800">
+            <a:lvl9pPr marL="4114800" lvl="8" indent="-463550">
               <a:spcBef>
                 <a:spcPts val="4300"/>
               </a:spcBef>
@@ -6698,15 +6817,19 @@
               <a:defRPr/>
             </a:lvl9pPr>
           </a:lstStyle>
-          <a:p/>
+          <a:p>
+            <a:endParaRPr/>
+          </a:p>
         </p:txBody>
       </p:sp>
       <p:sp>
         <p:nvSpPr>
           <p:cNvPr id="40" name="Google Shape;40;p9"/>
-          <p:cNvSpPr txBox="1"/>
+          <p:cNvSpPr txBox="1">
+            <a:spLocks noGrp="1"/>
+          </p:cNvSpPr>
           <p:nvPr>
-            <p:ph idx="12" type="sldNum"/>
+            <p:ph type="sldNum" idx="12"/>
           </p:nvPr>
         </p:nvSpPr>
         <p:spPr>
@@ -6719,7 +6842,7 @@
           </a:prstGeom>
         </p:spPr>
         <p:txBody>
-          <a:bodyPr anchorCtr="0" anchor="ctr" bIns="243800" lIns="243800" spcFirstLastPara="1" rIns="243800" wrap="square" tIns="243800">
+          <a:bodyPr spcFirstLastPara="1" wrap="square" lIns="243800" tIns="243800" rIns="243800" bIns="243800" anchor="ctr" anchorCtr="0">
             <a:noAutofit/>
           </a:bodyPr>
           <a:lstStyle>
@@ -6761,7 +6884,7 @@
             </a:lvl9pPr>
           </a:lstStyle>
           <a:p>
-            <a:pPr indent="0" lvl="0" marL="0" rtl="0" algn="r">
+            <a:pPr marL="0" lvl="0" indent="0" algn="r" rtl="0">
               <a:spcBef>
                 <a:spcPts val="0"/>
               </a:spcBef>
@@ -6787,11 +6910,11 @@
 </file>
 
 <file path=ppt/slideLayouts/slideLayout9.xml><?xml version="1.0" encoding="utf-8"?>
-<p:sldLayout xmlns:a="http://schemas.openxmlformats.org/drawingml/2006/main" xmlns:r="http://schemas.openxmlformats.org/officeDocument/2006/relationships" xmlns:mc="http://schemas.openxmlformats.org/markup-compatibility/2006" xmlns:mv="urn:schemas-microsoft-com:mac:vml" xmlns:p="http://schemas.openxmlformats.org/presentationml/2006/main" xmlns:c="http://schemas.openxmlformats.org/drawingml/2006/chart" xmlns:dgm="http://schemas.openxmlformats.org/drawingml/2006/diagram" xmlns:o="urn:schemas-microsoft-com:office:office" xmlns:v="urn:schemas-microsoft-com:vml" xmlns:pvml="urn:schemas-microsoft-com:office:powerpoint" xmlns:com="http://schemas.openxmlformats.org/drawingml/2006/compatibility" xmlns:p14="http://schemas.microsoft.com/office/powerpoint/2010/main" xmlns:p15="http://schemas.microsoft.com/office/powerpoint/2012/main" matchingName="Caption">
+<p:sldLayout xmlns:a="http://schemas.openxmlformats.org/drawingml/2006/main" xmlns:r="http://schemas.openxmlformats.org/officeDocument/2006/relationships" xmlns:p="http://schemas.openxmlformats.org/presentationml/2006/main" matchingName="Caption">
   <p:cSld name="CAPTION_ONLY">
     <p:spTree>
       <p:nvGrpSpPr>
-        <p:cNvPr id="41" name="Shape 41"/>
+        <p:cNvPr id="1" name="Shape 41"/>
         <p:cNvGrpSpPr/>
         <p:nvPr/>
       </p:nvGrpSpPr>
@@ -6806,9 +6929,11 @@
       <p:sp>
         <p:nvSpPr>
           <p:cNvPr id="42" name="Google Shape;42;p10"/>
-          <p:cNvSpPr txBox="1"/>
+          <p:cNvSpPr txBox="1">
+            <a:spLocks noGrp="1"/>
+          </p:cNvSpPr>
           <p:nvPr>
-            <p:ph idx="1" type="body"/>
+            <p:ph type="body" idx="1"/>
           </p:nvPr>
         </p:nvSpPr>
         <p:spPr>
@@ -6821,11 +6946,11 @@
           </a:prstGeom>
         </p:spPr>
         <p:txBody>
-          <a:bodyPr anchorCtr="0" anchor="ctr" bIns="243800" lIns="243800" spcFirstLastPara="1" rIns="243800" wrap="square" tIns="243800">
+          <a:bodyPr spcFirstLastPara="1" wrap="square" lIns="243800" tIns="243800" rIns="243800" bIns="243800" anchor="ctr" anchorCtr="0">
             <a:noAutofit/>
           </a:bodyPr>
           <a:lstStyle>
-            <a:lvl1pPr indent="-228600" lvl="0" marL="457200">
+            <a:lvl1pPr marL="457200" lvl="0" indent="-228600">
               <a:lnSpc>
                 <a:spcPct val="100000"/>
               </a:lnSpc>
@@ -6840,15 +6965,19 @@
               <a:defRPr/>
             </a:lvl1pPr>
           </a:lstStyle>
-          <a:p/>
+          <a:p>
+            <a:endParaRPr/>
+          </a:p>
         </p:txBody>
       </p:sp>
       <p:sp>
         <p:nvSpPr>
           <p:cNvPr id="43" name="Google Shape;43;p10"/>
-          <p:cNvSpPr txBox="1"/>
+          <p:cNvSpPr txBox="1">
+            <a:spLocks noGrp="1"/>
+          </p:cNvSpPr>
           <p:nvPr>
-            <p:ph idx="12" type="sldNum"/>
+            <p:ph type="sldNum" idx="12"/>
           </p:nvPr>
         </p:nvSpPr>
         <p:spPr>
@@ -6861,7 +6990,7 @@
           </a:prstGeom>
         </p:spPr>
         <p:txBody>
-          <a:bodyPr anchorCtr="0" anchor="ctr" bIns="243800" lIns="243800" spcFirstLastPara="1" rIns="243800" wrap="square" tIns="243800">
+          <a:bodyPr spcFirstLastPara="1" wrap="square" lIns="243800" tIns="243800" rIns="243800" bIns="243800" anchor="ctr" anchorCtr="0">
             <a:noAutofit/>
           </a:bodyPr>
           <a:lstStyle>
@@ -6903,7 +7032,7 @@
             </a:lvl9pPr>
           </a:lstStyle>
           <a:p>
-            <a:pPr indent="0" lvl="0" marL="0" rtl="0" algn="r">
+            <a:pPr marL="0" lvl="0" indent="0" algn="r" rtl="0">
               <a:spcBef>
                 <a:spcPts val="0"/>
               </a:spcBef>
@@ -6929,18 +7058,19 @@
 </file>
 
 <file path=ppt/slideMasters/slideMaster1.xml><?xml version="1.0" encoding="utf-8"?>
-<p:sldMaster xmlns:a="http://schemas.openxmlformats.org/drawingml/2006/main" xmlns:r="http://schemas.openxmlformats.org/officeDocument/2006/relationships" xmlns:mc="http://schemas.openxmlformats.org/markup-compatibility/2006" xmlns:mv="urn:schemas-microsoft-com:mac:vml" xmlns:p="http://schemas.openxmlformats.org/presentationml/2006/main" xmlns:c="http://schemas.openxmlformats.org/drawingml/2006/chart" xmlns:dgm="http://schemas.openxmlformats.org/drawingml/2006/diagram" xmlns:o="urn:schemas-microsoft-com:office:office" xmlns:v="urn:schemas-microsoft-com:vml" xmlns:pvml="urn:schemas-microsoft-com:office:powerpoint" xmlns:com="http://schemas.openxmlformats.org/drawingml/2006/compatibility" xmlns:p14="http://schemas.microsoft.com/office/powerpoint/2010/main" xmlns:p15="http://schemas.microsoft.com/office/powerpoint/2012/main">
+<p:sldMaster xmlns:a="http://schemas.openxmlformats.org/drawingml/2006/main" xmlns:r="http://schemas.openxmlformats.org/officeDocument/2006/relationships" xmlns:p="http://schemas.openxmlformats.org/presentationml/2006/main">
   <p:cSld name="simple-light-2">
     <p:bg>
       <p:bgPr>
         <a:solidFill>
           <a:schemeClr val="lt1"/>
         </a:solidFill>
+        <a:effectLst/>
       </p:bgPr>
     </p:bg>
     <p:spTree>
       <p:nvGrpSpPr>
-        <p:cNvPr id="5" name="Shape 5"/>
+        <p:cNvPr id="1" name="Shape 5"/>
         <p:cNvGrpSpPr/>
         <p:nvPr/>
       </p:nvGrpSpPr>
@@ -6955,7 +7085,9 @@
       <p:sp>
         <p:nvSpPr>
           <p:cNvPr id="6" name="Google Shape;6;p1"/>
-          <p:cNvSpPr txBox="1"/>
+          <p:cNvSpPr txBox="1">
+            <a:spLocks noGrp="1"/>
+          </p:cNvSpPr>
           <p:nvPr>
             <p:ph type="title"/>
           </p:nvPr>
@@ -6974,7 +7106,7 @@
           </a:ln>
         </p:spPr>
         <p:txBody>
-          <a:bodyPr anchorCtr="0" anchor="t" bIns="243800" lIns="243800" spcFirstLastPara="1" rIns="243800" wrap="square" tIns="243800">
+          <a:bodyPr spcFirstLastPara="1" wrap="square" lIns="243800" tIns="243800" rIns="243800" bIns="243800" anchor="t" anchorCtr="0">
             <a:noAutofit/>
           </a:bodyPr>
           <a:lstStyle>
@@ -7141,15 +7273,19 @@
               </a:defRPr>
             </a:lvl9pPr>
           </a:lstStyle>
-          <a:p/>
+          <a:p>
+            <a:endParaRPr/>
+          </a:p>
         </p:txBody>
       </p:sp>
       <p:sp>
         <p:nvSpPr>
           <p:cNvPr id="7" name="Google Shape;7;p1"/>
-          <p:cNvSpPr txBox="1"/>
+          <p:cNvSpPr txBox="1">
+            <a:spLocks noGrp="1"/>
+          </p:cNvSpPr>
           <p:nvPr>
-            <p:ph idx="1" type="body"/>
+            <p:ph type="body" idx="1"/>
           </p:nvPr>
         </p:nvSpPr>
         <p:spPr>
@@ -7166,11 +7302,11 @@
           </a:ln>
         </p:spPr>
         <p:txBody>
-          <a:bodyPr anchorCtr="0" anchor="t" bIns="243800" lIns="243800" spcFirstLastPara="1" rIns="243800" wrap="square" tIns="243800">
+          <a:bodyPr spcFirstLastPara="1" wrap="square" lIns="243800" tIns="243800" rIns="243800" bIns="243800" anchor="t" anchorCtr="0">
             <a:noAutofit/>
           </a:bodyPr>
           <a:lstStyle>
-            <a:lvl1pPr indent="-533400" lvl="0" marL="457200">
+            <a:lvl1pPr marL="457200" lvl="0" indent="-533400">
               <a:lnSpc>
                 <a:spcPct val="115000"/>
               </a:lnSpc>
@@ -7191,7 +7327,7 @@
                 </a:solidFill>
               </a:defRPr>
             </a:lvl1pPr>
-            <a:lvl2pPr indent="-463550" lvl="1" marL="914400">
+            <a:lvl2pPr marL="914400" lvl="1" indent="-463550">
               <a:lnSpc>
                 <a:spcPct val="115000"/>
               </a:lnSpc>
@@ -7212,7 +7348,7 @@
                 </a:solidFill>
               </a:defRPr>
             </a:lvl2pPr>
-            <a:lvl3pPr indent="-463550" lvl="2" marL="1371600">
+            <a:lvl3pPr marL="1371600" lvl="2" indent="-463550">
               <a:lnSpc>
                 <a:spcPct val="115000"/>
               </a:lnSpc>
@@ -7233,7 +7369,7 @@
                 </a:solidFill>
               </a:defRPr>
             </a:lvl3pPr>
-            <a:lvl4pPr indent="-463550" lvl="3" marL="1828800">
+            <a:lvl4pPr marL="1828800" lvl="3" indent="-463550">
               <a:lnSpc>
                 <a:spcPct val="115000"/>
               </a:lnSpc>
@@ -7254,7 +7390,7 @@
                 </a:solidFill>
               </a:defRPr>
             </a:lvl4pPr>
-            <a:lvl5pPr indent="-463550" lvl="4" marL="2286000">
+            <a:lvl5pPr marL="2286000" lvl="4" indent="-463550">
               <a:lnSpc>
                 <a:spcPct val="115000"/>
               </a:lnSpc>
@@ -7275,7 +7411,7 @@
                 </a:solidFill>
               </a:defRPr>
             </a:lvl5pPr>
-            <a:lvl6pPr indent="-463550" lvl="5" marL="2743200">
+            <a:lvl6pPr marL="2743200" lvl="5" indent="-463550">
               <a:lnSpc>
                 <a:spcPct val="115000"/>
               </a:lnSpc>
@@ -7296,7 +7432,7 @@
                 </a:solidFill>
               </a:defRPr>
             </a:lvl6pPr>
-            <a:lvl7pPr indent="-463550" lvl="6" marL="3200400">
+            <a:lvl7pPr marL="3200400" lvl="6" indent="-463550">
               <a:lnSpc>
                 <a:spcPct val="115000"/>
               </a:lnSpc>
@@ -7317,7 +7453,7 @@
                 </a:solidFill>
               </a:defRPr>
             </a:lvl7pPr>
-            <a:lvl8pPr indent="-463550" lvl="7" marL="3657600">
+            <a:lvl8pPr marL="3657600" lvl="7" indent="-463550">
               <a:lnSpc>
                 <a:spcPct val="115000"/>
               </a:lnSpc>
@@ -7338,7 +7474,7 @@
                 </a:solidFill>
               </a:defRPr>
             </a:lvl8pPr>
-            <a:lvl9pPr indent="-463550" lvl="8" marL="4114800">
+            <a:lvl9pPr marL="4114800" lvl="8" indent="-463550">
               <a:lnSpc>
                 <a:spcPct val="115000"/>
               </a:lnSpc>
@@ -7360,15 +7496,19 @@
               </a:defRPr>
             </a:lvl9pPr>
           </a:lstStyle>
-          <a:p/>
+          <a:p>
+            <a:endParaRPr/>
+          </a:p>
         </p:txBody>
       </p:sp>
       <p:sp>
         <p:nvSpPr>
           <p:cNvPr id="8" name="Google Shape;8;p1"/>
-          <p:cNvSpPr txBox="1"/>
+          <p:cNvSpPr txBox="1">
+            <a:spLocks noGrp="1"/>
+          </p:cNvSpPr>
           <p:nvPr>
-            <p:ph idx="12" type="sldNum"/>
+            <p:ph type="sldNum" idx="12"/>
           </p:nvPr>
         </p:nvSpPr>
         <p:spPr>
@@ -7385,7 +7525,7 @@
           </a:ln>
         </p:spPr>
         <p:txBody>
-          <a:bodyPr anchorCtr="0" anchor="ctr" bIns="243800" lIns="243800" spcFirstLastPara="1" rIns="243800" wrap="square" tIns="243800">
+          <a:bodyPr spcFirstLastPara="1" wrap="square" lIns="243800" tIns="243800" rIns="243800" bIns="243800" anchor="ctr" anchorCtr="0">
             <a:noAutofit/>
           </a:bodyPr>
           <a:lstStyle>
@@ -7463,7 +7603,7 @@
             </a:lvl9pPr>
           </a:lstStyle>
           <a:p>
-            <a:pPr indent="0" lvl="0" marL="0" rtl="0" algn="r">
+            <a:pPr marL="0" lvl="0" indent="0" algn="r" rtl="0">
               <a:spcBef>
                 <a:spcPts val="0"/>
               </a:spcBef>
@@ -7482,7 +7622,7 @@
       </p:sp>
     </p:spTree>
   </p:cSld>
-  <p:clrMap accent1="accent1" accent2="accent2" accent3="accent3" accent4="accent4" accent5="accent5" accent6="accent6" bg1="lt1" bg2="dk2" tx1="dk1" tx2="lt2" folHlink="folHlink" hlink="hlink"/>
+  <p:clrMap bg1="lt1" tx1="dk1" bg2="dk2" tx2="lt2" accent1="accent1" accent2="accent2" accent3="accent3" accent4="accent4" accent5="accent5" accent6="accent6" hlink="hlink" folHlink="folHlink"/>
   <p:sldLayoutIdLst>
     <p:sldLayoutId id="2147483648" r:id="rId1"/>
     <p:sldLayoutId id="2147483649" r:id="rId2"/>
@@ -7500,10 +7640,10 @@
     <p:sldLayoutId id="2147483661" r:id="rId14"/>
     <p:sldLayoutId id="2147483662" r:id="rId15"/>
   </p:sldLayoutIdLst>
-  <p:hf dt="0" ftr="0" hdr="0" sldNum="0"/>
+  <p:hf sldNum="0" hdr="0" ftr="0" dt="0"/>
   <p:txStyles>
     <p:titleStyle>
-      <a:defPPr lvl="0" marR="0" rtl="0" algn="l">
+      <a:defPPr marR="0" lvl="0" algn="l" rtl="0">
         <a:lnSpc>
           <a:spcPct val="100000"/>
         </a:lnSpc>
@@ -7514,7 +7654,7 @@
           <a:spcPts val="0"/>
         </a:spcAft>
       </a:defPPr>
-      <a:lvl1pPr lvl="0" marR="0" rtl="0" algn="l">
+      <a:lvl1pPr marR="0" lvl="0" algn="l" rtl="0">
         <a:lnSpc>
           <a:spcPct val="100000"/>
         </a:lnSpc>
@@ -7528,7 +7668,7 @@
           <a:srgbClr val="000000"/>
         </a:buClr>
         <a:buFont typeface="Arial"/>
-        <a:defRPr b="0" i="0" sz="1400" u="none" cap="none" strike="noStrike">
+        <a:defRPr sz="1400" b="0" i="0" u="none" strike="noStrike" cap="none">
           <a:solidFill>
             <a:srgbClr val="000000"/>
           </a:solidFill>
@@ -7538,7 +7678,7 @@
           <a:sym typeface="Arial"/>
         </a:defRPr>
       </a:lvl1pPr>
-      <a:lvl2pPr lvl="1" marR="0" rtl="0" algn="l">
+      <a:lvl2pPr marR="0" lvl="1" algn="l" rtl="0">
         <a:lnSpc>
           <a:spcPct val="100000"/>
         </a:lnSpc>
@@ -7552,7 +7692,7 @@
           <a:srgbClr val="000000"/>
         </a:buClr>
         <a:buFont typeface="Arial"/>
-        <a:defRPr b="0" i="0" sz="1400" u="none" cap="none" strike="noStrike">
+        <a:defRPr sz="1400" b="0" i="0" u="none" strike="noStrike" cap="none">
           <a:solidFill>
             <a:srgbClr val="000000"/>
           </a:solidFill>
@@ -7562,7 +7702,7 @@
           <a:sym typeface="Arial"/>
         </a:defRPr>
       </a:lvl2pPr>
-      <a:lvl3pPr lvl="2" marR="0" rtl="0" algn="l">
+      <a:lvl3pPr marR="0" lvl="2" algn="l" rtl="0">
         <a:lnSpc>
           <a:spcPct val="100000"/>
         </a:lnSpc>
@@ -7576,7 +7716,7 @@
           <a:srgbClr val="000000"/>
         </a:buClr>
         <a:buFont typeface="Arial"/>
-        <a:defRPr b="0" i="0" sz="1400" u="none" cap="none" strike="noStrike">
+        <a:defRPr sz="1400" b="0" i="0" u="none" strike="noStrike" cap="none">
           <a:solidFill>
             <a:srgbClr val="000000"/>
           </a:solidFill>
@@ -7586,7 +7726,7 @@
           <a:sym typeface="Arial"/>
         </a:defRPr>
       </a:lvl3pPr>
-      <a:lvl4pPr lvl="3" marR="0" rtl="0" algn="l">
+      <a:lvl4pPr marR="0" lvl="3" algn="l" rtl="0">
         <a:lnSpc>
           <a:spcPct val="100000"/>
         </a:lnSpc>
@@ -7600,7 +7740,7 @@
           <a:srgbClr val="000000"/>
         </a:buClr>
         <a:buFont typeface="Arial"/>
-        <a:defRPr b="0" i="0" sz="1400" u="none" cap="none" strike="noStrike">
+        <a:defRPr sz="1400" b="0" i="0" u="none" strike="noStrike" cap="none">
           <a:solidFill>
             <a:srgbClr val="000000"/>
           </a:solidFill>
@@ -7610,7 +7750,7 @@
           <a:sym typeface="Arial"/>
         </a:defRPr>
       </a:lvl4pPr>
-      <a:lvl5pPr lvl="4" marR="0" rtl="0" algn="l">
+      <a:lvl5pPr marR="0" lvl="4" algn="l" rtl="0">
         <a:lnSpc>
           <a:spcPct val="100000"/>
         </a:lnSpc>
@@ -7624,7 +7764,7 @@
           <a:srgbClr val="000000"/>
         </a:buClr>
         <a:buFont typeface="Arial"/>
-        <a:defRPr b="0" i="0" sz="1400" u="none" cap="none" strike="noStrike">
+        <a:defRPr sz="1400" b="0" i="0" u="none" strike="noStrike" cap="none">
           <a:solidFill>
             <a:srgbClr val="000000"/>
           </a:solidFill>
@@ -7634,7 +7774,7 @@
           <a:sym typeface="Arial"/>
         </a:defRPr>
       </a:lvl5pPr>
-      <a:lvl6pPr lvl="5" marR="0" rtl="0" algn="l">
+      <a:lvl6pPr marR="0" lvl="5" algn="l" rtl="0">
         <a:lnSpc>
           <a:spcPct val="100000"/>
         </a:lnSpc>
@@ -7648,7 +7788,7 @@
           <a:srgbClr val="000000"/>
         </a:buClr>
         <a:buFont typeface="Arial"/>
-        <a:defRPr b="0" i="0" sz="1400" u="none" cap="none" strike="noStrike">
+        <a:defRPr sz="1400" b="0" i="0" u="none" strike="noStrike" cap="none">
           <a:solidFill>
             <a:srgbClr val="000000"/>
           </a:solidFill>
@@ -7658,7 +7798,7 @@
           <a:sym typeface="Arial"/>
         </a:defRPr>
       </a:lvl6pPr>
-      <a:lvl7pPr lvl="6" marR="0" rtl="0" algn="l">
+      <a:lvl7pPr marR="0" lvl="6" algn="l" rtl="0">
         <a:lnSpc>
           <a:spcPct val="100000"/>
         </a:lnSpc>
@@ -7672,7 +7812,7 @@
           <a:srgbClr val="000000"/>
         </a:buClr>
         <a:buFont typeface="Arial"/>
-        <a:defRPr b="0" i="0" sz="1400" u="none" cap="none" strike="noStrike">
+        <a:defRPr sz="1400" b="0" i="0" u="none" strike="noStrike" cap="none">
           <a:solidFill>
             <a:srgbClr val="000000"/>
           </a:solidFill>
@@ -7682,7 +7822,7 @@
           <a:sym typeface="Arial"/>
         </a:defRPr>
       </a:lvl7pPr>
-      <a:lvl8pPr lvl="7" marR="0" rtl="0" algn="l">
+      <a:lvl8pPr marR="0" lvl="7" algn="l" rtl="0">
         <a:lnSpc>
           <a:spcPct val="100000"/>
         </a:lnSpc>
@@ -7696,7 +7836,7 @@
           <a:srgbClr val="000000"/>
         </a:buClr>
         <a:buFont typeface="Arial"/>
-        <a:defRPr b="0" i="0" sz="1400" u="none" cap="none" strike="noStrike">
+        <a:defRPr sz="1400" b="0" i="0" u="none" strike="noStrike" cap="none">
           <a:solidFill>
             <a:srgbClr val="000000"/>
           </a:solidFill>
@@ -7706,7 +7846,7 @@
           <a:sym typeface="Arial"/>
         </a:defRPr>
       </a:lvl8pPr>
-      <a:lvl9pPr lvl="8" marR="0" rtl="0" algn="l">
+      <a:lvl9pPr marR="0" lvl="8" algn="l" rtl="0">
         <a:lnSpc>
           <a:spcPct val="100000"/>
         </a:lnSpc>
@@ -7720,7 +7860,7 @@
           <a:srgbClr val="000000"/>
         </a:buClr>
         <a:buFont typeface="Arial"/>
-        <a:defRPr b="0" i="0" sz="1400" u="none" cap="none" strike="noStrike">
+        <a:defRPr sz="1400" b="0" i="0" u="none" strike="noStrike" cap="none">
           <a:solidFill>
             <a:srgbClr val="000000"/>
           </a:solidFill>
@@ -7732,7 +7872,7 @@
       </a:lvl9pPr>
     </p:titleStyle>
     <p:bodyStyle>
-      <a:defPPr lvl="0" marR="0" rtl="0" algn="l">
+      <a:defPPr marR="0" lvl="0" algn="l" rtl="0">
         <a:lnSpc>
           <a:spcPct val="100000"/>
         </a:lnSpc>
@@ -7743,7 +7883,7 @@
           <a:spcPts val="0"/>
         </a:spcAft>
       </a:defPPr>
-      <a:lvl1pPr lvl="0" marR="0" rtl="0" algn="l">
+      <a:lvl1pPr marR="0" lvl="0" algn="l" rtl="0">
         <a:lnSpc>
           <a:spcPct val="100000"/>
         </a:lnSpc>
@@ -7757,7 +7897,7 @@
           <a:srgbClr val="000000"/>
         </a:buClr>
         <a:buFont typeface="Arial"/>
-        <a:defRPr b="0" i="0" sz="1400" u="none" cap="none" strike="noStrike">
+        <a:defRPr sz="1400" b="0" i="0" u="none" strike="noStrike" cap="none">
           <a:solidFill>
             <a:srgbClr val="000000"/>
           </a:solidFill>
@@ -7767,7 +7907,7 @@
           <a:sym typeface="Arial"/>
         </a:defRPr>
       </a:lvl1pPr>
-      <a:lvl2pPr lvl="1" marR="0" rtl="0" algn="l">
+      <a:lvl2pPr marR="0" lvl="1" algn="l" rtl="0">
         <a:lnSpc>
           <a:spcPct val="100000"/>
         </a:lnSpc>
@@ -7781,7 +7921,7 @@
           <a:srgbClr val="000000"/>
         </a:buClr>
         <a:buFont typeface="Arial"/>
-        <a:defRPr b="0" i="0" sz="1400" u="none" cap="none" strike="noStrike">
+        <a:defRPr sz="1400" b="0" i="0" u="none" strike="noStrike" cap="none">
           <a:solidFill>
             <a:srgbClr val="000000"/>
           </a:solidFill>
@@ -7791,7 +7931,7 @@
           <a:sym typeface="Arial"/>
         </a:defRPr>
       </a:lvl2pPr>
-      <a:lvl3pPr lvl="2" marR="0" rtl="0" algn="l">
+      <a:lvl3pPr marR="0" lvl="2" algn="l" rtl="0">
         <a:lnSpc>
           <a:spcPct val="100000"/>
         </a:lnSpc>
@@ -7805,7 +7945,7 @@
           <a:srgbClr val="000000"/>
         </a:buClr>
         <a:buFont typeface="Arial"/>
-        <a:defRPr b="0" i="0" sz="1400" u="none" cap="none" strike="noStrike">
+        <a:defRPr sz="1400" b="0" i="0" u="none" strike="noStrike" cap="none">
           <a:solidFill>
             <a:srgbClr val="000000"/>
           </a:solidFill>
@@ -7815,7 +7955,7 @@
           <a:sym typeface="Arial"/>
         </a:defRPr>
       </a:lvl3pPr>
-      <a:lvl4pPr lvl="3" marR="0" rtl="0" algn="l">
+      <a:lvl4pPr marR="0" lvl="3" algn="l" rtl="0">
         <a:lnSpc>
           <a:spcPct val="100000"/>
         </a:lnSpc>
@@ -7829,7 +7969,7 @@
           <a:srgbClr val="000000"/>
         </a:buClr>
         <a:buFont typeface="Arial"/>
-        <a:defRPr b="0" i="0" sz="1400" u="none" cap="none" strike="noStrike">
+        <a:defRPr sz="1400" b="0" i="0" u="none" strike="noStrike" cap="none">
           <a:solidFill>
             <a:srgbClr val="000000"/>
           </a:solidFill>
@@ -7839,7 +7979,7 @@
           <a:sym typeface="Arial"/>
         </a:defRPr>
       </a:lvl4pPr>
-      <a:lvl5pPr lvl="4" marR="0" rtl="0" algn="l">
+      <a:lvl5pPr marR="0" lvl="4" algn="l" rtl="0">
         <a:lnSpc>
           <a:spcPct val="100000"/>
         </a:lnSpc>
@@ -7853,7 +7993,7 @@
           <a:srgbClr val="000000"/>
         </a:buClr>
         <a:buFont typeface="Arial"/>
-        <a:defRPr b="0" i="0" sz="1400" u="none" cap="none" strike="noStrike">
+        <a:defRPr sz="1400" b="0" i="0" u="none" strike="noStrike" cap="none">
           <a:solidFill>
             <a:srgbClr val="000000"/>
           </a:solidFill>
@@ -7863,7 +8003,7 @@
           <a:sym typeface="Arial"/>
         </a:defRPr>
       </a:lvl5pPr>
-      <a:lvl6pPr lvl="5" marR="0" rtl="0" algn="l">
+      <a:lvl6pPr marR="0" lvl="5" algn="l" rtl="0">
         <a:lnSpc>
           <a:spcPct val="100000"/>
         </a:lnSpc>
@@ -7877,7 +8017,7 @@
           <a:srgbClr val="000000"/>
         </a:buClr>
         <a:buFont typeface="Arial"/>
-        <a:defRPr b="0" i="0" sz="1400" u="none" cap="none" strike="noStrike">
+        <a:defRPr sz="1400" b="0" i="0" u="none" strike="noStrike" cap="none">
           <a:solidFill>
             <a:srgbClr val="000000"/>
           </a:solidFill>
@@ -7887,7 +8027,7 @@
           <a:sym typeface="Arial"/>
         </a:defRPr>
       </a:lvl6pPr>
-      <a:lvl7pPr lvl="6" marR="0" rtl="0" algn="l">
+      <a:lvl7pPr marR="0" lvl="6" algn="l" rtl="0">
         <a:lnSpc>
           <a:spcPct val="100000"/>
         </a:lnSpc>
@@ -7901,7 +8041,7 @@
           <a:srgbClr val="000000"/>
         </a:buClr>
         <a:buFont typeface="Arial"/>
-        <a:defRPr b="0" i="0" sz="1400" u="none" cap="none" strike="noStrike">
+        <a:defRPr sz="1400" b="0" i="0" u="none" strike="noStrike" cap="none">
           <a:solidFill>
             <a:srgbClr val="000000"/>
           </a:solidFill>
@@ -7911,7 +8051,7 @@
           <a:sym typeface="Arial"/>
         </a:defRPr>
       </a:lvl7pPr>
-      <a:lvl8pPr lvl="7" marR="0" rtl="0" algn="l">
+      <a:lvl8pPr marR="0" lvl="7" algn="l" rtl="0">
         <a:lnSpc>
           <a:spcPct val="100000"/>
         </a:lnSpc>
@@ -7925,7 +8065,7 @@
           <a:srgbClr val="000000"/>
         </a:buClr>
         <a:buFont typeface="Arial"/>
-        <a:defRPr b="0" i="0" sz="1400" u="none" cap="none" strike="noStrike">
+        <a:defRPr sz="1400" b="0" i="0" u="none" strike="noStrike" cap="none">
           <a:solidFill>
             <a:srgbClr val="000000"/>
           </a:solidFill>
@@ -7935,7 +8075,7 @@
           <a:sym typeface="Arial"/>
         </a:defRPr>
       </a:lvl8pPr>
-      <a:lvl9pPr lvl="8" marR="0" rtl="0" algn="l">
+      <a:lvl9pPr marR="0" lvl="8" algn="l" rtl="0">
         <a:lnSpc>
           <a:spcPct val="100000"/>
         </a:lnSpc>
@@ -7949,7 +8089,7 @@
           <a:srgbClr val="000000"/>
         </a:buClr>
         <a:buFont typeface="Arial"/>
-        <a:defRPr b="0" i="0" sz="1400" u="none" cap="none" strike="noStrike">
+        <a:defRPr sz="1400" b="0" i="0" u="none" strike="noStrike" cap="none">
           <a:solidFill>
             <a:srgbClr val="000000"/>
           </a:solidFill>
@@ -7961,7 +8101,7 @@
       </a:lvl9pPr>
     </p:bodyStyle>
     <p:otherStyle>
-      <a:defPPr lvl="0" marR="0" rtl="0" algn="l">
+      <a:defPPr marR="0" lvl="0" algn="l" rtl="0">
         <a:lnSpc>
           <a:spcPct val="100000"/>
         </a:lnSpc>
@@ -7972,7 +8112,7 @@
           <a:spcPts val="0"/>
         </a:spcAft>
       </a:defPPr>
-      <a:lvl1pPr lvl="0" marR="0" rtl="0" algn="l">
+      <a:lvl1pPr marR="0" lvl="0" algn="l" rtl="0">
         <a:lnSpc>
           <a:spcPct val="100000"/>
         </a:lnSpc>
@@ -7986,7 +8126,7 @@
           <a:srgbClr val="000000"/>
         </a:buClr>
         <a:buFont typeface="Arial"/>
-        <a:defRPr b="0" i="0" sz="1400" u="none" cap="none" strike="noStrike">
+        <a:defRPr sz="1400" b="0" i="0" u="none" strike="noStrike" cap="none">
           <a:solidFill>
             <a:srgbClr val="000000"/>
           </a:solidFill>
@@ -7996,7 +8136,7 @@
           <a:sym typeface="Arial"/>
         </a:defRPr>
       </a:lvl1pPr>
-      <a:lvl2pPr lvl="1" marR="0" rtl="0" algn="l">
+      <a:lvl2pPr marR="0" lvl="1" algn="l" rtl="0">
         <a:lnSpc>
           <a:spcPct val="100000"/>
         </a:lnSpc>
@@ -8010,7 +8150,7 @@
           <a:srgbClr val="000000"/>
         </a:buClr>
         <a:buFont typeface="Arial"/>
-        <a:defRPr b="0" i="0" sz="1400" u="none" cap="none" strike="noStrike">
+        <a:defRPr sz="1400" b="0" i="0" u="none" strike="noStrike" cap="none">
           <a:solidFill>
             <a:srgbClr val="000000"/>
           </a:solidFill>
@@ -8020,7 +8160,7 @@
           <a:sym typeface="Arial"/>
         </a:defRPr>
       </a:lvl2pPr>
-      <a:lvl3pPr lvl="2" marR="0" rtl="0" algn="l">
+      <a:lvl3pPr marR="0" lvl="2" algn="l" rtl="0">
         <a:lnSpc>
           <a:spcPct val="100000"/>
         </a:lnSpc>
@@ -8034,7 +8174,7 @@
           <a:srgbClr val="000000"/>
         </a:buClr>
         <a:buFont typeface="Arial"/>
-        <a:defRPr b="0" i="0" sz="1400" u="none" cap="none" strike="noStrike">
+        <a:defRPr sz="1400" b="0" i="0" u="none" strike="noStrike" cap="none">
           <a:solidFill>
             <a:srgbClr val="000000"/>
           </a:solidFill>
@@ -8044,7 +8184,7 @@
           <a:sym typeface="Arial"/>
         </a:defRPr>
       </a:lvl3pPr>
-      <a:lvl4pPr lvl="3" marR="0" rtl="0" algn="l">
+      <a:lvl4pPr marR="0" lvl="3" algn="l" rtl="0">
         <a:lnSpc>
           <a:spcPct val="100000"/>
         </a:lnSpc>
@@ -8058,7 +8198,7 @@
           <a:srgbClr val="000000"/>
         </a:buClr>
         <a:buFont typeface="Arial"/>
-        <a:defRPr b="0" i="0" sz="1400" u="none" cap="none" strike="noStrike">
+        <a:defRPr sz="1400" b="0" i="0" u="none" strike="noStrike" cap="none">
           <a:solidFill>
             <a:srgbClr val="000000"/>
           </a:solidFill>
@@ -8068,7 +8208,7 @@
           <a:sym typeface="Arial"/>
         </a:defRPr>
       </a:lvl4pPr>
-      <a:lvl5pPr lvl="4" marR="0" rtl="0" algn="l">
+      <a:lvl5pPr marR="0" lvl="4" algn="l" rtl="0">
         <a:lnSpc>
           <a:spcPct val="100000"/>
         </a:lnSpc>
@@ -8082,7 +8222,7 @@
           <a:srgbClr val="000000"/>
         </a:buClr>
         <a:buFont typeface="Arial"/>
-        <a:defRPr b="0" i="0" sz="1400" u="none" cap="none" strike="noStrike">
+        <a:defRPr sz="1400" b="0" i="0" u="none" strike="noStrike" cap="none">
           <a:solidFill>
             <a:srgbClr val="000000"/>
           </a:solidFill>
@@ -8092,7 +8232,7 @@
           <a:sym typeface="Arial"/>
         </a:defRPr>
       </a:lvl5pPr>
-      <a:lvl6pPr lvl="5" marR="0" rtl="0" algn="l">
+      <a:lvl6pPr marR="0" lvl="5" algn="l" rtl="0">
         <a:lnSpc>
           <a:spcPct val="100000"/>
         </a:lnSpc>
@@ -8106,7 +8246,7 @@
           <a:srgbClr val="000000"/>
         </a:buClr>
         <a:buFont typeface="Arial"/>
-        <a:defRPr b="0" i="0" sz="1400" u="none" cap="none" strike="noStrike">
+        <a:defRPr sz="1400" b="0" i="0" u="none" strike="noStrike" cap="none">
           <a:solidFill>
             <a:srgbClr val="000000"/>
           </a:solidFill>
@@ -8116,7 +8256,7 @@
           <a:sym typeface="Arial"/>
         </a:defRPr>
       </a:lvl6pPr>
-      <a:lvl7pPr lvl="6" marR="0" rtl="0" algn="l">
+      <a:lvl7pPr marR="0" lvl="6" algn="l" rtl="0">
         <a:lnSpc>
           <a:spcPct val="100000"/>
         </a:lnSpc>
@@ -8130,7 +8270,7 @@
           <a:srgbClr val="000000"/>
         </a:buClr>
         <a:buFont typeface="Arial"/>
-        <a:defRPr b="0" i="0" sz="1400" u="none" cap="none" strike="noStrike">
+        <a:defRPr sz="1400" b="0" i="0" u="none" strike="noStrike" cap="none">
           <a:solidFill>
             <a:srgbClr val="000000"/>
           </a:solidFill>
@@ -8140,7 +8280,7 @@
           <a:sym typeface="Arial"/>
         </a:defRPr>
       </a:lvl7pPr>
-      <a:lvl8pPr lvl="7" marR="0" rtl="0" algn="l">
+      <a:lvl8pPr marR="0" lvl="7" algn="l" rtl="0">
         <a:lnSpc>
           <a:spcPct val="100000"/>
         </a:lnSpc>
@@ -8154,7 +8294,7 @@
           <a:srgbClr val="000000"/>
         </a:buClr>
         <a:buFont typeface="Arial"/>
-        <a:defRPr b="0" i="0" sz="1400" u="none" cap="none" strike="noStrike">
+        <a:defRPr sz="1400" b="0" i="0" u="none" strike="noStrike" cap="none">
           <a:solidFill>
             <a:srgbClr val="000000"/>
           </a:solidFill>
@@ -8164,7 +8304,7 @@
           <a:sym typeface="Arial"/>
         </a:defRPr>
       </a:lvl8pPr>
-      <a:lvl9pPr lvl="8" marR="0" rtl="0" algn="l">
+      <a:lvl9pPr marR="0" lvl="8" algn="l" rtl="0">
         <a:lnSpc>
           <a:spcPct val="100000"/>
         </a:lnSpc>
@@ -8178,7 +8318,7 @@
           <a:srgbClr val="000000"/>
         </a:buClr>
         <a:buFont typeface="Arial"/>
-        <a:defRPr b="0" i="0" sz="1400" u="none" cap="none" strike="noStrike">
+        <a:defRPr sz="1400" b="0" i="0" u="none" strike="noStrike" cap="none">
           <a:solidFill>
             <a:srgbClr val="000000"/>
           </a:solidFill>
@@ -8194,11 +8334,11 @@
 </file>
 
 <file path=ppt/slides/slide1.xml><?xml version="1.0" encoding="utf-8"?>
-<p:sld xmlns:a="http://schemas.openxmlformats.org/drawingml/2006/main" xmlns:r="http://schemas.openxmlformats.org/officeDocument/2006/relationships" xmlns:mc="http://schemas.openxmlformats.org/markup-compatibility/2006" xmlns:mv="urn:schemas-microsoft-com:mac:vml" xmlns:p="http://schemas.openxmlformats.org/presentationml/2006/main" xmlns:c="http://schemas.openxmlformats.org/drawingml/2006/chart" xmlns:dgm="http://schemas.openxmlformats.org/drawingml/2006/diagram" xmlns:o="urn:schemas-microsoft-com:office:office" xmlns:v="urn:schemas-microsoft-com:vml" xmlns:pvml="urn:schemas-microsoft-com:office:powerpoint" xmlns:com="http://schemas.openxmlformats.org/drawingml/2006/compatibility" xmlns:p14="http://schemas.microsoft.com/office/powerpoint/2010/main" xmlns:p15="http://schemas.microsoft.com/office/powerpoint/2012/main">
+<p:sld xmlns:a="http://schemas.openxmlformats.org/drawingml/2006/main" xmlns:r="http://schemas.openxmlformats.org/officeDocument/2006/relationships" xmlns:p="http://schemas.openxmlformats.org/presentationml/2006/main">
   <p:cSld>
     <p:spTree>
       <p:nvGrpSpPr>
-        <p:cNvPr id="72" name="Shape 72"/>
+        <p:cNvPr id="1" name="Shape 72"/>
         <p:cNvGrpSpPr/>
         <p:nvPr/>
       </p:nvGrpSpPr>
@@ -8225,23 +8365,23 @@
             <a:avLst/>
           </a:prstGeom>
           <a:noFill/>
-          <a:ln cap="flat" cmpd="sng" w="76200">
+          <a:ln w="76200" cap="flat" cmpd="sng">
             <a:solidFill>
               <a:srgbClr val="2E91A3"/>
             </a:solidFill>
             <a:prstDash val="solid"/>
             <a:miter lim="400000"/>
-            <a:headEnd len="sm" w="sm" type="none"/>
-            <a:tailEnd len="sm" w="sm" type="none"/>
+            <a:headEnd type="none" w="sm" len="sm"/>
+            <a:tailEnd type="none" w="sm" len="sm"/>
           </a:ln>
         </p:spPr>
         <p:txBody>
-          <a:bodyPr anchorCtr="0" anchor="ctr" bIns="0" lIns="0" spcFirstLastPara="1" rIns="0" wrap="square" tIns="0">
+          <a:bodyPr spcFirstLastPara="1" wrap="square" lIns="0" tIns="0" rIns="0" bIns="0" anchor="ctr" anchorCtr="0">
             <a:noAutofit/>
           </a:bodyPr>
           <a:lstStyle/>
           <a:p>
-            <a:pPr indent="0" lvl="0" marL="0" marR="0" rtl="0" algn="l">
+            <a:pPr marL="0" marR="0" lvl="0" indent="0" algn="l" rtl="0">
               <a:lnSpc>
                 <a:spcPct val="100000"/>
               </a:lnSpc>
@@ -8253,10 +8393,7 @@
               </a:spcAft>
               <a:buNone/>
             </a:pPr>
-            <a:r>
-              <a:t/>
-            </a:r>
-            <a:endParaRPr i="0" sz="500" u="none" cap="none" strike="noStrike">
+            <a:endParaRPr sz="500" i="0" u="none" strike="noStrike" cap="none">
               <a:solidFill>
                 <a:srgbClr val="000000"/>
               </a:solidFill>
@@ -8270,7 +8407,7 @@
       </p:sp>
       <p:pic>
         <p:nvPicPr>
-          <p:cNvPr descr="hero-coding.jpg" id="74" name="Google Shape;74;p17"/>
+          <p:cNvPr id="74" name="Google Shape;74;p17" descr="hero-coding.jpg"/>
           <p:cNvPicPr preferRelativeResize="0"/>
           <p:nvPr/>
         </p:nvPicPr>
@@ -8278,7 +8415,7 @@
           <a:blip r:embed="rId3">
             <a:alphaModFix/>
           </a:blip>
-          <a:srcRect b="0" l="22729" r="24813" t="0"/>
+          <a:srcRect l="22729" r="24813"/>
           <a:stretch/>
         </p:blipFill>
         <p:spPr>
@@ -8297,7 +8434,7 @@
       </p:pic>
       <p:pic>
         <p:nvPicPr>
-          <p:cNvPr descr="Image" id="75" name="Google Shape;75;p17"/>
+          <p:cNvPr id="75" name="Google Shape;75;p17" descr="Image"/>
           <p:cNvPicPr preferRelativeResize="0"/>
           <p:nvPr/>
         </p:nvPicPr>
@@ -8305,7 +8442,7 @@
           <a:blip r:embed="rId4">
             <a:alphaModFix amt="30000"/>
           </a:blip>
-          <a:srcRect b="0" l="0" r="0" t="0"/>
+          <a:srcRect/>
           <a:stretch/>
         </p:blipFill>
         <p:spPr>
@@ -8346,12 +8483,12 @@
           </a:ln>
         </p:spPr>
         <p:txBody>
-          <a:bodyPr anchorCtr="0" anchor="ctr" bIns="0" lIns="0" spcFirstLastPara="1" rIns="0" wrap="square" tIns="0">
+          <a:bodyPr spcFirstLastPara="1" wrap="square" lIns="0" tIns="0" rIns="0" bIns="0" anchor="ctr" anchorCtr="0">
             <a:noAutofit/>
           </a:bodyPr>
           <a:lstStyle/>
           <a:p>
-            <a:pPr indent="0" lvl="0" marL="0" marR="0" rtl="0" algn="l">
+            <a:pPr marL="0" marR="0" lvl="0" indent="0" algn="l" rtl="0">
               <a:lnSpc>
                 <a:spcPct val="100000"/>
               </a:lnSpc>
@@ -8363,10 +8500,7 @@
               </a:spcAft>
               <a:buNone/>
             </a:pPr>
-            <a:r>
-              <a:t/>
-            </a:r>
-            <a:endParaRPr b="0" i="0" sz="500" u="none" cap="none" strike="noStrike">
+            <a:endParaRPr sz="500" b="0" i="0" u="none" strike="noStrike" cap="none">
               <a:solidFill>
                 <a:srgbClr val="000000"/>
               </a:solidFill>
@@ -8398,12 +8532,12 @@
           </a:ln>
         </p:spPr>
         <p:txBody>
-          <a:bodyPr anchorCtr="0" anchor="ctr" bIns="50800" lIns="50800" spcFirstLastPara="1" rIns="50800" wrap="square" tIns="50800">
+          <a:bodyPr spcFirstLastPara="1" wrap="square" lIns="50800" tIns="50800" rIns="50800" bIns="50800" anchor="ctr" anchorCtr="0">
             <a:noAutofit/>
           </a:bodyPr>
           <a:lstStyle/>
           <a:p>
-            <a:pPr indent="0" lvl="0" marL="0" marR="0" rtl="0" algn="l">
+            <a:pPr marL="0" marR="0" lvl="0" indent="0" algn="l" rtl="0">
               <a:lnSpc>
                 <a:spcPct val="100000"/>
               </a:lnSpc>
@@ -8416,7 +8550,7 @@
               <a:buNone/>
             </a:pPr>
             <a:r>
-              <a:rPr b="1" lang="en-US" sz="6900">
+              <a:rPr lang="en-US" sz="6900" b="1">
                 <a:latin typeface="Proxima Nova"/>
                 <a:ea typeface="Proxima Nova"/>
                 <a:cs typeface="Proxima Nova"/>
@@ -8425,7 +8559,7 @@
               <a:t>UPCOMING </a:t>
             </a:r>
             <a:r>
-              <a:rPr b="1" i="0" lang="en-US" sz="6900" u="none" cap="none" strike="noStrike">
+              <a:rPr lang="en-US" sz="6900" b="1" i="0" u="none" strike="noStrike" cap="none">
                 <a:solidFill>
                   <a:srgbClr val="000000"/>
                 </a:solidFill>
@@ -8437,7 +8571,7 @@
               <a:t>C</a:t>
             </a:r>
             <a:r>
-              <a:rPr b="1" lang="en-US" sz="6900">
+              <a:rPr lang="en-US" sz="6900" b="1">
                 <a:latin typeface="Proxima Nova"/>
                 <a:ea typeface="Proxima Nova"/>
                 <a:cs typeface="Proxima Nova"/>
@@ -8445,7 +8579,7 @@
               </a:rPr>
               <a:t>AREER SERVICES</a:t>
             </a:r>
-            <a:endParaRPr b="1" i="0" sz="6900" u="none" cap="none" strike="noStrike">
+            <a:endParaRPr sz="6900" b="1" i="0" u="none" strike="noStrike" cap="none">
               <a:solidFill>
                 <a:srgbClr val="000000"/>
               </a:solidFill>
@@ -8477,12 +8611,12 @@
           </a:ln>
         </p:spPr>
         <p:txBody>
-          <a:bodyPr anchorCtr="0" anchor="ctr" bIns="50800" lIns="50800" spcFirstLastPara="1" rIns="50800" wrap="square" tIns="50800">
+          <a:bodyPr spcFirstLastPara="1" wrap="square" lIns="50800" tIns="50800" rIns="50800" bIns="50800" anchor="ctr" anchorCtr="0">
             <a:noAutofit/>
           </a:bodyPr>
           <a:lstStyle/>
           <a:p>
-            <a:pPr indent="0" lvl="0" marL="0" marR="0" rtl="0" algn="l">
+            <a:pPr marL="0" marR="0" lvl="0" indent="0" algn="l" rtl="0">
               <a:lnSpc>
                 <a:spcPct val="100000"/>
               </a:lnSpc>
@@ -8494,10 +8628,7 @@
               </a:spcAft>
               <a:buNone/>
             </a:pPr>
-            <a:r>
-              <a:t/>
-            </a:r>
-            <a:endParaRPr i="0" sz="3700" u="none" cap="none" strike="noStrike">
+            <a:endParaRPr sz="3700" i="0" u="none" strike="noStrike" cap="none">
               <a:solidFill>
                 <a:srgbClr val="000000"/>
               </a:solidFill>
@@ -8524,14 +8655,14 @@
             <a:avLst/>
           </a:prstGeom>
           <a:noFill/>
-          <a:ln cap="flat" cmpd="sng" w="76200">
+          <a:ln w="76200" cap="flat" cmpd="sng">
             <a:solidFill>
               <a:srgbClr val="38BCDB"/>
             </a:solidFill>
             <a:prstDash val="solid"/>
             <a:miter lim="400000"/>
-            <a:headEnd len="sm" w="sm" type="none"/>
-            <a:tailEnd len="sm" w="sm" type="none"/>
+            <a:headEnd type="none" w="sm" len="sm"/>
+            <a:tailEnd type="none" w="sm" len="sm"/>
           </a:ln>
         </p:spPr>
       </p:cxnSp>
@@ -8550,14 +8681,14 @@
             <a:avLst/>
           </a:prstGeom>
           <a:noFill/>
-          <a:ln cap="flat" cmpd="sng" w="76200">
+          <a:ln w="76200" cap="flat" cmpd="sng">
             <a:solidFill>
               <a:srgbClr val="38BCDB"/>
             </a:solidFill>
             <a:prstDash val="solid"/>
             <a:miter lim="400000"/>
-            <a:headEnd len="sm" w="sm" type="none"/>
-            <a:tailEnd len="sm" w="sm" type="none"/>
+            <a:headEnd type="none" w="sm" len="sm"/>
+            <a:tailEnd type="none" w="sm" len="sm"/>
           </a:ln>
         </p:spPr>
       </p:cxnSp>
@@ -8581,12 +8712,12 @@
           </a:ln>
         </p:spPr>
         <p:txBody>
-          <a:bodyPr anchorCtr="0" anchor="ctr" bIns="50800" lIns="50800" spcFirstLastPara="1" rIns="50800" wrap="square" tIns="50800">
+          <a:bodyPr spcFirstLastPara="1" wrap="square" lIns="50800" tIns="50800" rIns="50800" bIns="50800" anchor="ctr" anchorCtr="0">
             <a:noAutofit/>
           </a:bodyPr>
           <a:lstStyle/>
           <a:p>
-            <a:pPr indent="0" lvl="0" marL="0" marR="0" rtl="0" algn="l">
+            <a:pPr marL="0" marR="0" lvl="0" indent="0" algn="l" rtl="0">
               <a:lnSpc>
                 <a:spcPct val="100000"/>
               </a:lnSpc>
@@ -8599,7 +8730,7 @@
               <a:buNone/>
             </a:pPr>
             <a:r>
-              <a:rPr i="1" lang="en-US" sz="2100" u="none" cap="none" strike="noStrike">
+              <a:rPr lang="en-US" sz="2100" i="1" u="none" strike="noStrike" cap="none">
                 <a:solidFill>
                   <a:srgbClr val="000000"/>
                 </a:solidFill>
@@ -8610,7 +8741,7 @@
               </a:rPr>
               <a:t>Confidential &amp; Proprietary Information of Trilogy Education Services, a 2U, Inc. brand © Trilogy Education Services, a 2U, Inc. brand</a:t>
             </a:r>
-            <a:endParaRPr i="1" sz="2100" u="none" cap="none" strike="noStrike">
+            <a:endParaRPr sz="2100" i="1" u="none" strike="noStrike" cap="none">
               <a:solidFill>
                 <a:srgbClr val="000000"/>
               </a:solidFill>
@@ -8627,13 +8758,13 @@
   <p:clrMapOvr>
     <a:masterClrMapping/>
   </p:clrMapOvr>
-  <mc:AlternateContent>
+  <mc:AlternateContent xmlns:mc="http://schemas.openxmlformats.org/markup-compatibility/2006" xmlns:p14="http://schemas.microsoft.com/office/powerpoint/2010/main">
     <mc:Choice Requires="p14">
       <p:transition spd="slow" p14:dur="1500">
         <p:fade thruBlk="1"/>
       </p:transition>
     </mc:Choice>
-    <mc:Fallback>
+    <mc:Fallback xmlns:p15="http://schemas.microsoft.com/office/powerpoint/2012/main" xmlns:com="http://schemas.openxmlformats.org/drawingml/2006/compatibility" xmlns:pvml="urn:schemas-microsoft-com:office:powerpoint" xmlns:v="urn:schemas-microsoft-com:vml" xmlns:o="urn:schemas-microsoft-com:office:office" xmlns:dgm="http://schemas.openxmlformats.org/drawingml/2006/diagram" xmlns:c="http://schemas.openxmlformats.org/drawingml/2006/chart" xmlns:mv="urn:schemas-microsoft-com:mac:vml" xmlns="">
       <p:transition spd="slow">
         <p:fade/>
       </p:transition>
@@ -8643,18 +8774,19 @@
 </file>
 
 <file path=ppt/slides/slide2.xml><?xml version="1.0" encoding="utf-8"?>
-<p:sld xmlns:a="http://schemas.openxmlformats.org/drawingml/2006/main" xmlns:r="http://schemas.openxmlformats.org/officeDocument/2006/relationships" xmlns:mc="http://schemas.openxmlformats.org/markup-compatibility/2006" xmlns:mv="urn:schemas-microsoft-com:mac:vml" xmlns:p="http://schemas.openxmlformats.org/presentationml/2006/main" xmlns:c="http://schemas.openxmlformats.org/drawingml/2006/chart" xmlns:dgm="http://schemas.openxmlformats.org/drawingml/2006/diagram" xmlns:o="urn:schemas-microsoft-com:office:office" xmlns:v="urn:schemas-microsoft-com:vml" xmlns:pvml="urn:schemas-microsoft-com:office:powerpoint" xmlns:com="http://schemas.openxmlformats.org/drawingml/2006/compatibility" xmlns:p14="http://schemas.microsoft.com/office/powerpoint/2010/main" xmlns:p15="http://schemas.microsoft.com/office/powerpoint/2012/main">
+<p:sld xmlns:a="http://schemas.openxmlformats.org/drawingml/2006/main" xmlns:r="http://schemas.openxmlformats.org/officeDocument/2006/relationships" xmlns:p="http://schemas.openxmlformats.org/presentationml/2006/main">
   <p:cSld>
     <p:bg>
       <p:bgPr>
         <a:solidFill>
           <a:srgbClr val="000000"/>
         </a:solidFill>
+        <a:effectLst/>
       </p:bgPr>
     </p:bg>
     <p:spTree>
       <p:nvGrpSpPr>
-        <p:cNvPr id="85" name="Shape 85"/>
+        <p:cNvPr id="1" name="Shape 85"/>
         <p:cNvGrpSpPr/>
         <p:nvPr/>
       </p:nvGrpSpPr>
@@ -8669,7 +8801,9 @@
       <p:sp>
         <p:nvSpPr>
           <p:cNvPr id="86" name="Google Shape;86;p18"/>
-          <p:cNvSpPr txBox="1"/>
+          <p:cNvSpPr txBox="1">
+            <a:spLocks noGrp="1"/>
+          </p:cNvSpPr>
           <p:nvPr>
             <p:ph type="title"/>
           </p:nvPr>
@@ -8684,12 +8818,12 @@
           </a:prstGeom>
         </p:spPr>
         <p:txBody>
-          <a:bodyPr anchorCtr="0" anchor="b" bIns="243800" lIns="243800" spcFirstLastPara="1" rIns="243800" wrap="square" tIns="243800">
+          <a:bodyPr spcFirstLastPara="1" wrap="square" lIns="243800" tIns="243800" rIns="243800" bIns="243800" anchor="b" anchorCtr="0">
             <a:noAutofit/>
           </a:bodyPr>
           <a:lstStyle/>
           <a:p>
-            <a:pPr indent="0" lvl="0" marL="0" rtl="0" algn="ctr">
+            <a:pPr marL="0" lvl="0" indent="0" algn="ctr" rtl="0">
               <a:spcBef>
                 <a:spcPts val="0"/>
               </a:spcBef>
@@ -8699,7 +8833,7 @@
               <a:buNone/>
             </a:pPr>
             <a:r>
-              <a:rPr b="1" lang="en-US">
+              <a:rPr lang="en-US" b="1">
                 <a:solidFill>
                   <a:srgbClr val="28C8E5"/>
                 </a:solidFill>
@@ -8711,7 +8845,7 @@
               <a:t>Raise your hand</a:t>
             </a:r>
             <a:r>
-              <a:rPr b="1" lang="en-US">
+              <a:rPr lang="en-US" b="1">
                 <a:solidFill>
                   <a:srgbClr val="FFFFFF"/>
                 </a:solidFill>
@@ -8782,12 +8916,12 @@
               </a:ln>
             </p:spPr>
             <p:txBody>
-              <a:bodyPr anchorCtr="0" anchor="ctr" bIns="50800" lIns="50800" spcFirstLastPara="1" rIns="50800" wrap="square" tIns="50800">
+              <a:bodyPr spcFirstLastPara="1" wrap="square" lIns="50800" tIns="50800" rIns="50800" bIns="50800" anchor="ctr" anchorCtr="0">
                 <a:noAutofit/>
               </a:bodyPr>
               <a:lstStyle/>
               <a:p>
-                <a:pPr indent="0" lvl="0" marL="0" marR="0" rtl="0" algn="l">
+                <a:pPr marL="0" marR="0" lvl="0" indent="0" algn="l" rtl="0">
                   <a:lnSpc>
                     <a:spcPct val="100000"/>
                   </a:lnSpc>
@@ -8800,7 +8934,7 @@
                   <a:buNone/>
                 </a:pPr>
                 <a:r>
-                  <a:rPr i="1" lang="en-US" sz="2100" u="none" cap="none" strike="noStrike">
+                  <a:rPr lang="en-US" sz="2100" i="1" u="none" strike="noStrike" cap="none">
                     <a:solidFill>
                       <a:srgbClr val="2E91A3"/>
                     </a:solidFill>
@@ -8811,7 +8945,7 @@
                   </a:rPr>
                   <a:t>Confidential &amp; Proprietary Information of Trilogy Education Services, a 2U, Inc. brand</a:t>
                 </a:r>
-                <a:endParaRPr i="1" sz="2100" u="none" cap="none" strike="noStrike">
+                <a:endParaRPr sz="2100" i="1" u="none" strike="noStrike" cap="none">
                   <a:solidFill>
                     <a:srgbClr val="2E91A3"/>
                   </a:solidFill>
@@ -8843,12 +8977,12 @@
               </a:ln>
             </p:spPr>
             <p:txBody>
-              <a:bodyPr anchorCtr="0" anchor="ctr" bIns="50800" lIns="50800" spcFirstLastPara="1" rIns="50800" wrap="square" tIns="50800">
+              <a:bodyPr spcFirstLastPara="1" wrap="square" lIns="50800" tIns="50800" rIns="50800" bIns="50800" anchor="ctr" anchorCtr="0">
                 <a:noAutofit/>
               </a:bodyPr>
               <a:lstStyle/>
               <a:p>
-                <a:pPr indent="0" lvl="0" marL="0" marR="0" rtl="0" algn="l">
+                <a:pPr marL="0" marR="0" lvl="0" indent="0" algn="l" rtl="0">
                   <a:lnSpc>
                     <a:spcPct val="100000"/>
                   </a:lnSpc>
@@ -8861,7 +8995,7 @@
                   <a:buNone/>
                 </a:pPr>
                 <a:r>
-                  <a:rPr i="1" lang="en-US" sz="2100" u="none" cap="none" strike="noStrike">
+                  <a:rPr lang="en-US" sz="2100" i="1" u="none" strike="noStrike" cap="none">
                     <a:solidFill>
                       <a:srgbClr val="2E91A3"/>
                     </a:solidFill>
@@ -8872,7 +9006,7 @@
                   </a:rPr>
                   <a:t>© Trilogy Education Services, a 2U, Inc. brand</a:t>
                 </a:r>
-                <a:endParaRPr i="1" sz="2100" u="none" cap="none" strike="noStrike">
+                <a:endParaRPr sz="2100" i="1" u="none" strike="noStrike" cap="none">
                   <a:solidFill>
                     <a:srgbClr val="2E91A3"/>
                   </a:solidFill>
@@ -8899,14 +9033,14 @@
                 <a:avLst/>
               </a:prstGeom>
               <a:noFill/>
-              <a:ln cap="flat" cmpd="sng" w="25400">
+              <a:ln w="25400" cap="flat" cmpd="sng">
                 <a:solidFill>
                   <a:srgbClr val="2E91A3"/>
                 </a:solidFill>
                 <a:prstDash val="solid"/>
                 <a:miter lim="400000"/>
-                <a:headEnd len="sm" w="sm" type="none"/>
-                <a:tailEnd len="sm" w="sm" type="none"/>
+                <a:headEnd type="none" w="sm" len="sm"/>
+                <a:tailEnd type="none" w="sm" len="sm"/>
               </a:ln>
             </p:spPr>
           </p:cxnSp>
@@ -8925,14 +9059,14 @@
                 <a:avLst/>
               </a:prstGeom>
               <a:noFill/>
-              <a:ln cap="flat" cmpd="sng" w="25400">
+              <a:ln w="25400" cap="flat" cmpd="sng">
                 <a:solidFill>
                   <a:srgbClr val="2E91A3"/>
                 </a:solidFill>
                 <a:prstDash val="solid"/>
                 <a:miter lim="400000"/>
-                <a:headEnd len="sm" w="sm" type="none"/>
-                <a:tailEnd len="sm" w="sm" type="none"/>
+                <a:headEnd type="none" w="sm" len="sm"/>
+                <a:tailEnd type="none" w="sm" len="sm"/>
               </a:ln>
             </p:spPr>
           </p:cxnSp>
@@ -8951,14 +9085,14 @@
                 <a:avLst/>
               </a:prstGeom>
               <a:noFill/>
-              <a:ln cap="flat" cmpd="sng" w="25400">
+              <a:ln w="25400" cap="flat" cmpd="sng">
                 <a:solidFill>
                   <a:srgbClr val="2E91A3"/>
                 </a:solidFill>
                 <a:prstDash val="solid"/>
                 <a:miter lim="400000"/>
-                <a:headEnd len="sm" w="sm" type="none"/>
-                <a:tailEnd len="sm" w="sm" type="none"/>
+                <a:headEnd type="none" w="sm" len="sm"/>
+                <a:tailEnd type="none" w="sm" len="sm"/>
               </a:ln>
             </p:spPr>
           </p:cxnSp>
@@ -8977,14 +9111,14 @@
                 <a:avLst/>
               </a:prstGeom>
               <a:noFill/>
-              <a:ln cap="flat" cmpd="sng" w="25400">
+              <a:ln w="25400" cap="flat" cmpd="sng">
                 <a:solidFill>
                   <a:srgbClr val="2E91A3"/>
                 </a:solidFill>
                 <a:prstDash val="solid"/>
                 <a:miter lim="400000"/>
-                <a:headEnd len="sm" w="sm" type="none"/>
-                <a:tailEnd len="sm" w="sm" type="none"/>
+                <a:headEnd type="none" w="sm" len="sm"/>
+                <a:tailEnd type="none" w="sm" len="sm"/>
               </a:ln>
             </p:spPr>
           </p:cxnSp>
@@ -9003,14 +9137,14 @@
                 <a:avLst/>
               </a:prstGeom>
               <a:noFill/>
-              <a:ln cap="flat" cmpd="sng" w="25400">
+              <a:ln w="25400" cap="flat" cmpd="sng">
                 <a:solidFill>
                   <a:srgbClr val="2E91A3"/>
                 </a:solidFill>
                 <a:prstDash val="solid"/>
                 <a:miter lim="400000"/>
-                <a:headEnd len="sm" w="sm" type="none"/>
-                <a:tailEnd len="sm" w="sm" type="none"/>
+                <a:headEnd type="none" w="sm" len="sm"/>
+                <a:tailEnd type="none" w="sm" len="sm"/>
               </a:ln>
             </p:spPr>
           </p:cxnSp>
@@ -9029,14 +9163,14 @@
                 <a:avLst/>
               </a:prstGeom>
               <a:noFill/>
-              <a:ln cap="flat" cmpd="sng" w="25400">
+              <a:ln w="25400" cap="flat" cmpd="sng">
                 <a:solidFill>
                   <a:srgbClr val="2E91A3"/>
                 </a:solidFill>
                 <a:prstDash val="solid"/>
                 <a:miter lim="400000"/>
-                <a:headEnd len="sm" w="sm" type="none"/>
-                <a:tailEnd len="sm" w="sm" type="none"/>
+                <a:headEnd type="none" w="sm" len="sm"/>
+                <a:tailEnd type="none" w="sm" len="sm"/>
               </a:ln>
             </p:spPr>
           </p:cxnSp>
@@ -9077,12 +9211,12 @@
               </a:ln>
             </p:spPr>
             <p:txBody>
-              <a:bodyPr anchorCtr="0" anchor="ctr" bIns="0" lIns="0" spcFirstLastPara="1" rIns="0" wrap="square" tIns="0">
+              <a:bodyPr spcFirstLastPara="1" wrap="square" lIns="0" tIns="0" rIns="0" bIns="0" anchor="ctr" anchorCtr="0">
                 <a:noAutofit/>
               </a:bodyPr>
               <a:lstStyle/>
               <a:p>
-                <a:pPr indent="0" lvl="0" marL="0" marR="0" rtl="0" algn="l">
+                <a:pPr marL="0" marR="0" lvl="0" indent="0" algn="l" rtl="0">
                   <a:lnSpc>
                     <a:spcPct val="100000"/>
                   </a:lnSpc>
@@ -9094,10 +9228,7 @@
                   </a:spcAft>
                   <a:buNone/>
                 </a:pPr>
-                <a:r>
-                  <a:t/>
-                </a:r>
-                <a:endParaRPr b="0" i="0" sz="1300" u="none" cap="none" strike="noStrike">
+                <a:endParaRPr sz="1300" b="0" i="0" u="none" strike="noStrike" cap="none">
                   <a:solidFill>
                     <a:srgbClr val="000000"/>
                   </a:solidFill>
@@ -9111,7 +9242,7 @@
           </p:sp>
           <p:pic>
             <p:nvPicPr>
-              <p:cNvPr descr="Image" id="99" name="Google Shape;99;p18"/>
+              <p:cNvPr id="99" name="Google Shape;99;p18" descr="Image"/>
               <p:cNvPicPr preferRelativeResize="0"/>
               <p:nvPr/>
             </p:nvPicPr>
@@ -9119,7 +9250,7 @@
               <a:blip r:embed="rId3">
                 <a:alphaModFix/>
               </a:blip>
-              <a:srcRect b="0" l="0" r="0" t="0"/>
+              <a:srcRect/>
               <a:stretch/>
             </p:blipFill>
             <p:spPr>
@@ -9165,12 +9296,12 @@
             <a:noFill/>
           </a:ln>
           <a:effectLst>
-            <a:outerShdw blurRad="57150" rotWithShape="0" algn="bl" dir="5400000" dist="19050">
+            <a:outerShdw blurRad="57150" dist="19050" dir="5400000" algn="bl" rotWithShape="0">
               <a:srgbClr val="000000">
                 <a:alpha val="50000"/>
               </a:srgbClr>
             </a:outerShdw>
-            <a:reflection blurRad="0" dir="5400000" dist="38100" endA="0" endPos="30000" fadeDir="5400012" kx="0" rotWithShape="0" algn="bl" stPos="0" sy="-100000" ky="0"/>
+            <a:reflection endPos="30000" dist="38100" dir="5400000" fadeDir="5400012" sy="-100000" algn="bl" rotWithShape="0"/>
           </a:effectLst>
         </p:spPr>
       </p:pic>
@@ -9183,11 +9314,11 @@
 </file>
 
 <file path=ppt/slides/slide3.xml><?xml version="1.0" encoding="utf-8"?>
-<p:sld xmlns:a="http://schemas.openxmlformats.org/drawingml/2006/main" xmlns:r="http://schemas.openxmlformats.org/officeDocument/2006/relationships" xmlns:mc="http://schemas.openxmlformats.org/markup-compatibility/2006" xmlns:mv="urn:schemas-microsoft-com:mac:vml" xmlns:p="http://schemas.openxmlformats.org/presentationml/2006/main" xmlns:c="http://schemas.openxmlformats.org/drawingml/2006/chart" xmlns:dgm="http://schemas.openxmlformats.org/drawingml/2006/diagram" xmlns:o="urn:schemas-microsoft-com:office:office" xmlns:v="urn:schemas-microsoft-com:vml" xmlns:pvml="urn:schemas-microsoft-com:office:powerpoint" xmlns:com="http://schemas.openxmlformats.org/drawingml/2006/compatibility" xmlns:p14="http://schemas.microsoft.com/office/powerpoint/2010/main" xmlns:p15="http://schemas.microsoft.com/office/powerpoint/2012/main">
+<p:sld xmlns:a="http://schemas.openxmlformats.org/drawingml/2006/main" xmlns:r="http://schemas.openxmlformats.org/officeDocument/2006/relationships" xmlns:p="http://schemas.openxmlformats.org/presentationml/2006/main">
   <p:cSld>
     <p:spTree>
       <p:nvGrpSpPr>
-        <p:cNvPr id="104" name="Shape 104"/>
+        <p:cNvPr id="1" name="Shape 104"/>
         <p:cNvGrpSpPr/>
         <p:nvPr/>
       </p:nvGrpSpPr>
@@ -9221,12 +9352,12 @@
           </a:ln>
         </p:spPr>
         <p:txBody>
-          <a:bodyPr anchorCtr="0" anchor="ctr" bIns="45725" lIns="91375" spcFirstLastPara="1" rIns="91375" wrap="square" tIns="45725">
+          <a:bodyPr spcFirstLastPara="1" wrap="square" lIns="91375" tIns="45725" rIns="91375" bIns="45725" anchor="ctr" anchorCtr="0">
             <a:noAutofit/>
           </a:bodyPr>
           <a:lstStyle/>
           <a:p>
-            <a:pPr indent="0" lvl="0" marL="0" marR="0" rtl="0" algn="ctr">
+            <a:pPr marL="0" marR="0" lvl="0" indent="0" algn="ctr" rtl="0">
               <a:lnSpc>
                 <a:spcPct val="100000"/>
               </a:lnSpc>
@@ -9238,10 +9369,7 @@
               </a:spcAft>
               <a:buNone/>
             </a:pPr>
-            <a:r>
-              <a:t/>
-            </a:r>
-            <a:endParaRPr b="0" i="0" sz="1300" u="none" cap="none" strike="noStrike">
+            <a:endParaRPr sz="1300" b="0" i="0" u="none" strike="noStrike" cap="none">
               <a:solidFill>
                 <a:srgbClr val="FFFFFF"/>
               </a:solidFill>
@@ -9256,9 +9384,11 @@
       <p:sp>
         <p:nvSpPr>
           <p:cNvPr id="106" name="Google Shape;106;p19"/>
-          <p:cNvSpPr txBox="1"/>
+          <p:cNvSpPr txBox="1">
+            <a:spLocks noGrp="1"/>
+          </p:cNvSpPr>
           <p:nvPr>
-            <p:ph idx="1" type="body"/>
+            <p:ph type="body" idx="1"/>
           </p:nvPr>
         </p:nvSpPr>
         <p:spPr>
@@ -9271,12 +9401,12 @@
           </a:prstGeom>
         </p:spPr>
         <p:txBody>
-          <a:bodyPr anchorCtr="0" anchor="t" bIns="243800" lIns="243800" spcFirstLastPara="1" rIns="243800" wrap="square" tIns="243800">
+          <a:bodyPr spcFirstLastPara="1" wrap="square" lIns="243800" tIns="243800" rIns="243800" bIns="243800" anchor="t" anchorCtr="0">
             <a:noAutofit/>
           </a:bodyPr>
           <a:lstStyle/>
           <a:p>
-            <a:pPr indent="0" lvl="0" marL="0" rtl="0" algn="ctr">
+            <a:pPr marL="0" lvl="0" indent="0" algn="ctr" rtl="0">
               <a:spcBef>
                 <a:spcPts val="0"/>
               </a:spcBef>
@@ -9286,22 +9416,13 @@
               <a:buNone/>
             </a:pPr>
             <a:r>
-              <a:rPr i="1" lang="en-US" sz="3600">
+              <a:rPr lang="en-US" sz="3600" i="1">
                 <a:latin typeface="Proxima Nova"/>
                 <a:ea typeface="Proxima Nova"/>
                 <a:cs typeface="Proxima Nova"/>
                 <a:sym typeface="Proxima Nova"/>
               </a:rPr>
-              <a:t>T</a:t>
-            </a:r>
-            <a:r>
-              <a:rPr i="1" lang="en-US" sz="3600">
-                <a:latin typeface="Proxima Nova"/>
-                <a:ea typeface="Proxima Nova"/>
-                <a:cs typeface="Proxima Nova"/>
-                <a:sym typeface="Proxima Nova"/>
-              </a:rPr>
-              <a:t>he options available:</a:t>
+              <a:t>The options available:</a:t>
             </a:r>
             <a:endParaRPr sz="3600">
               <a:latin typeface="Proxima Nova"/>
@@ -9360,12 +9481,12 @@
               </a:ln>
             </p:spPr>
             <p:txBody>
-              <a:bodyPr anchorCtr="0" anchor="ctr" bIns="50800" lIns="50800" spcFirstLastPara="1" rIns="50800" wrap="square" tIns="50800">
+              <a:bodyPr spcFirstLastPara="1" wrap="square" lIns="50800" tIns="50800" rIns="50800" bIns="50800" anchor="ctr" anchorCtr="0">
                 <a:noAutofit/>
               </a:bodyPr>
               <a:lstStyle/>
               <a:p>
-                <a:pPr indent="0" lvl="0" marL="0" marR="0" rtl="0" algn="l">
+                <a:pPr marL="0" marR="0" lvl="0" indent="0" algn="l" rtl="0">
                   <a:lnSpc>
                     <a:spcPct val="100000"/>
                   </a:lnSpc>
@@ -9378,7 +9499,7 @@
                   <a:buNone/>
                 </a:pPr>
                 <a:r>
-                  <a:rPr i="1" lang="en-US" sz="2100" u="none" cap="none" strike="noStrike">
+                  <a:rPr lang="en-US" sz="2100" i="1" u="none" strike="noStrike" cap="none">
                     <a:solidFill>
                       <a:srgbClr val="2E91A3"/>
                     </a:solidFill>
@@ -9389,7 +9510,7 @@
                   </a:rPr>
                   <a:t>Confidential &amp; Proprietary Information of Trilogy Education Services, a 2U, Inc. brand</a:t>
                 </a:r>
-                <a:endParaRPr i="1" sz="2100" u="none" cap="none" strike="noStrike">
+                <a:endParaRPr sz="2100" i="1" u="none" strike="noStrike" cap="none">
                   <a:solidFill>
                     <a:srgbClr val="2E91A3"/>
                   </a:solidFill>
@@ -9421,12 +9542,12 @@
               </a:ln>
             </p:spPr>
             <p:txBody>
-              <a:bodyPr anchorCtr="0" anchor="ctr" bIns="50800" lIns="50800" spcFirstLastPara="1" rIns="50800" wrap="square" tIns="50800">
+              <a:bodyPr spcFirstLastPara="1" wrap="square" lIns="50800" tIns="50800" rIns="50800" bIns="50800" anchor="ctr" anchorCtr="0">
                 <a:noAutofit/>
               </a:bodyPr>
               <a:lstStyle/>
               <a:p>
-                <a:pPr indent="0" lvl="0" marL="0" marR="0" rtl="0" algn="l">
+                <a:pPr marL="0" marR="0" lvl="0" indent="0" algn="l" rtl="0">
                   <a:lnSpc>
                     <a:spcPct val="100000"/>
                   </a:lnSpc>
@@ -9439,7 +9560,7 @@
                   <a:buNone/>
                 </a:pPr>
                 <a:r>
-                  <a:rPr i="1" lang="en-US" sz="2100" u="none" cap="none" strike="noStrike">
+                  <a:rPr lang="en-US" sz="2100" i="1" u="none" strike="noStrike" cap="none">
                     <a:solidFill>
                       <a:srgbClr val="2E91A3"/>
                     </a:solidFill>
@@ -9450,7 +9571,7 @@
                   </a:rPr>
                   <a:t>© Trilogy Education Services, a 2U, Inc. brand</a:t>
                 </a:r>
-                <a:endParaRPr i="1" sz="2100" u="none" cap="none" strike="noStrike">
+                <a:endParaRPr sz="2100" i="1" u="none" strike="noStrike" cap="none">
                   <a:solidFill>
                     <a:srgbClr val="2E91A3"/>
                   </a:solidFill>
@@ -9477,14 +9598,14 @@
                 <a:avLst/>
               </a:prstGeom>
               <a:noFill/>
-              <a:ln cap="flat" cmpd="sng" w="25400">
+              <a:ln w="25400" cap="flat" cmpd="sng">
                 <a:solidFill>
                   <a:srgbClr val="2E91A3"/>
                 </a:solidFill>
                 <a:prstDash val="solid"/>
                 <a:miter lim="400000"/>
-                <a:headEnd len="sm" w="sm" type="none"/>
-                <a:tailEnd len="sm" w="sm" type="none"/>
+                <a:headEnd type="none" w="sm" len="sm"/>
+                <a:tailEnd type="none" w="sm" len="sm"/>
               </a:ln>
             </p:spPr>
           </p:cxnSp>
@@ -9503,14 +9624,14 @@
                 <a:avLst/>
               </a:prstGeom>
               <a:noFill/>
-              <a:ln cap="flat" cmpd="sng" w="25400">
+              <a:ln w="25400" cap="flat" cmpd="sng">
                 <a:solidFill>
                   <a:srgbClr val="2E91A3"/>
                 </a:solidFill>
                 <a:prstDash val="solid"/>
                 <a:miter lim="400000"/>
-                <a:headEnd len="sm" w="sm" type="none"/>
-                <a:tailEnd len="sm" w="sm" type="none"/>
+                <a:headEnd type="none" w="sm" len="sm"/>
+                <a:tailEnd type="none" w="sm" len="sm"/>
               </a:ln>
             </p:spPr>
           </p:cxnSp>
@@ -9529,14 +9650,14 @@
                 <a:avLst/>
               </a:prstGeom>
               <a:noFill/>
-              <a:ln cap="flat" cmpd="sng" w="25400">
+              <a:ln w="25400" cap="flat" cmpd="sng">
                 <a:solidFill>
                   <a:srgbClr val="2E91A3"/>
                 </a:solidFill>
                 <a:prstDash val="solid"/>
                 <a:miter lim="400000"/>
-                <a:headEnd len="sm" w="sm" type="none"/>
-                <a:tailEnd len="sm" w="sm" type="none"/>
+                <a:headEnd type="none" w="sm" len="sm"/>
+                <a:tailEnd type="none" w="sm" len="sm"/>
               </a:ln>
             </p:spPr>
           </p:cxnSp>
@@ -9555,14 +9676,14 @@
                 <a:avLst/>
               </a:prstGeom>
               <a:noFill/>
-              <a:ln cap="flat" cmpd="sng" w="25400">
+              <a:ln w="25400" cap="flat" cmpd="sng">
                 <a:solidFill>
                   <a:srgbClr val="2E91A3"/>
                 </a:solidFill>
                 <a:prstDash val="solid"/>
                 <a:miter lim="400000"/>
-                <a:headEnd len="sm" w="sm" type="none"/>
-                <a:tailEnd len="sm" w="sm" type="none"/>
+                <a:headEnd type="none" w="sm" len="sm"/>
+                <a:tailEnd type="none" w="sm" len="sm"/>
               </a:ln>
             </p:spPr>
           </p:cxnSp>
@@ -9573,7 +9694,7 @@
               <p:nvPr/>
             </p:nvCxnSpPr>
             <p:spPr>
-              <a:xfrm flipH="1" rot="10800000">
+              <a:xfrm rot="10800000" flipH="1">
                 <a:off x="-14060" y="222246"/>
                 <a:ext cx="405000" cy="300"/>
               </a:xfrm>
@@ -9581,14 +9702,14 @@
                 <a:avLst/>
               </a:prstGeom>
               <a:noFill/>
-              <a:ln cap="flat" cmpd="sng" w="25400">
+              <a:ln w="25400" cap="flat" cmpd="sng">
                 <a:solidFill>
                   <a:srgbClr val="2E91A3"/>
                 </a:solidFill>
                 <a:prstDash val="solid"/>
                 <a:miter lim="400000"/>
-                <a:headEnd len="sm" w="sm" type="none"/>
-                <a:tailEnd len="sm" w="sm" type="none"/>
+                <a:headEnd type="none" w="sm" len="sm"/>
+                <a:tailEnd type="none" w="sm" len="sm"/>
               </a:ln>
             </p:spPr>
           </p:cxnSp>
@@ -9607,14 +9728,14 @@
                 <a:avLst/>
               </a:prstGeom>
               <a:noFill/>
-              <a:ln cap="flat" cmpd="sng" w="25400">
+              <a:ln w="25400" cap="flat" cmpd="sng">
                 <a:solidFill>
                   <a:srgbClr val="2E91A3"/>
                 </a:solidFill>
                 <a:prstDash val="solid"/>
                 <a:miter lim="400000"/>
-                <a:headEnd len="sm" w="sm" type="none"/>
-                <a:tailEnd len="sm" w="sm" type="none"/>
+                <a:headEnd type="none" w="sm" len="sm"/>
+                <a:tailEnd type="none" w="sm" len="sm"/>
               </a:ln>
             </p:spPr>
           </p:cxnSp>
@@ -9655,12 +9776,12 @@
               </a:ln>
             </p:spPr>
             <p:txBody>
-              <a:bodyPr anchorCtr="0" anchor="ctr" bIns="0" lIns="0" spcFirstLastPara="1" rIns="0" wrap="square" tIns="0">
+              <a:bodyPr spcFirstLastPara="1" wrap="square" lIns="0" tIns="0" rIns="0" bIns="0" anchor="ctr" anchorCtr="0">
                 <a:noAutofit/>
               </a:bodyPr>
               <a:lstStyle/>
               <a:p>
-                <a:pPr indent="0" lvl="0" marL="0" marR="0" rtl="0" algn="l">
+                <a:pPr marL="0" marR="0" lvl="0" indent="0" algn="l" rtl="0">
                   <a:lnSpc>
                     <a:spcPct val="100000"/>
                   </a:lnSpc>
@@ -9672,10 +9793,7 @@
                   </a:spcAft>
                   <a:buNone/>
                 </a:pPr>
-                <a:r>
-                  <a:t/>
-                </a:r>
-                <a:endParaRPr b="0" i="0" sz="1300" u="none" cap="none" strike="noStrike">
+                <a:endParaRPr sz="1300" b="0" i="0" u="none" strike="noStrike" cap="none">
                   <a:solidFill>
                     <a:srgbClr val="000000"/>
                   </a:solidFill>
@@ -9689,7 +9807,7 @@
           </p:sp>
           <p:pic>
             <p:nvPicPr>
-              <p:cNvPr descr="Image" id="119" name="Google Shape;119;p19"/>
+              <p:cNvPr id="119" name="Google Shape;119;p19" descr="Image"/>
               <p:cNvPicPr preferRelativeResize="0"/>
               <p:nvPr/>
             </p:nvPicPr>
@@ -9697,7 +9815,7 @@
               <a:blip r:embed="rId3">
                 <a:alphaModFix/>
               </a:blip>
-              <a:srcRect b="0" l="0" r="0" t="0"/>
+              <a:srcRect/>
               <a:stretch/>
             </p:blipFill>
             <p:spPr>
@@ -9736,12 +9854,12 @@
           </a:ln>
         </p:spPr>
         <p:txBody>
-          <a:bodyPr anchorCtr="0" anchor="t" bIns="91375" lIns="91375" spcFirstLastPara="1" rIns="91375" wrap="square" tIns="91375">
+          <a:bodyPr spcFirstLastPara="1" wrap="square" lIns="91375" tIns="91375" rIns="91375" bIns="91375" anchor="t" anchorCtr="0">
             <a:noAutofit/>
           </a:bodyPr>
           <a:lstStyle/>
           <a:p>
-            <a:pPr indent="0" lvl="0" marL="0" marR="0" rtl="0" algn="ctr">
+            <a:pPr marL="0" marR="0" lvl="0" indent="0" algn="ctr" rtl="0">
               <a:lnSpc>
                 <a:spcPct val="100000"/>
               </a:lnSpc>
@@ -9759,7 +9877,7 @@
               <a:buNone/>
             </a:pPr>
             <a:r>
-              <a:rPr b="1" lang="en-US" sz="6100">
+              <a:rPr lang="en-US" sz="6100" b="1">
                 <a:solidFill>
                   <a:srgbClr val="3F3F3F"/>
                 </a:solidFill>
@@ -9771,7 +9889,7 @@
               <a:t>Why Discuss </a:t>
             </a:r>
             <a:r>
-              <a:rPr b="1" lang="en-US" sz="6100">
+              <a:rPr lang="en-US" sz="6100" b="1">
                 <a:solidFill>
                   <a:srgbClr val="28C8E5"/>
                 </a:solidFill>
@@ -9780,21 +9898,9 @@
                 <a:cs typeface="Proxima Nova"/>
                 <a:sym typeface="Proxima Nova"/>
               </a:rPr>
-              <a:t>Career Services</a:t>
+              <a:t>Career Services Now?</a:t>
             </a:r>
-            <a:r>
-              <a:rPr b="1" lang="en-US" sz="6100">
-                <a:solidFill>
-                  <a:srgbClr val="28C8E5"/>
-                </a:solidFill>
-                <a:latin typeface="Proxima Nova"/>
-                <a:ea typeface="Proxima Nova"/>
-                <a:cs typeface="Proxima Nova"/>
-                <a:sym typeface="Proxima Nova"/>
-              </a:rPr>
-              <a:t> Now?</a:t>
-            </a:r>
-            <a:endParaRPr b="1" i="0" sz="6100" u="none" cap="none" strike="noStrike">
+            <a:endParaRPr sz="6100" b="1" i="0" u="none" strike="noStrike" cap="none">
               <a:solidFill>
                 <a:srgbClr val="FFFFFF"/>
               </a:solidFill>
@@ -9805,7 +9911,7 @@
             </a:endParaRPr>
           </a:p>
           <a:p>
-            <a:pPr indent="0" lvl="0" marL="0" marR="0" rtl="0" algn="ctr">
+            <a:pPr marL="0" marR="0" lvl="0" indent="0" algn="ctr" rtl="0">
               <a:lnSpc>
                 <a:spcPct val="100000"/>
               </a:lnSpc>
@@ -9822,10 +9928,7 @@
               <a:buFont typeface="Arial"/>
               <a:buNone/>
             </a:pPr>
-            <a:r>
-              <a:t/>
-            </a:r>
-            <a:endParaRPr b="1" i="0" sz="1300" u="none" cap="none" strike="noStrike">
+            <a:endParaRPr sz="1300" b="1" i="0" u="none" strike="noStrike" cap="none">
               <a:solidFill>
                 <a:srgbClr val="000000"/>
               </a:solidFill>
@@ -9857,12 +9960,12 @@
           </a:ln>
         </p:spPr>
         <p:txBody>
-          <a:bodyPr anchorCtr="0" anchor="t" bIns="91375" lIns="91375" spcFirstLastPara="1" rIns="91375" wrap="square" tIns="91375">
+          <a:bodyPr spcFirstLastPara="1" wrap="square" lIns="91375" tIns="91375" rIns="91375" bIns="91375" anchor="t" anchorCtr="0">
             <a:noAutofit/>
           </a:bodyPr>
           <a:lstStyle/>
           <a:p>
-            <a:pPr indent="0" lvl="0" marL="0" rtl="0" algn="ctr">
+            <a:pPr marL="0" lvl="0" indent="0" algn="ctr" rtl="0">
               <a:spcBef>
                 <a:spcPts val="0"/>
               </a:spcBef>
@@ -9877,7 +9980,7 @@
               <a:buNone/>
             </a:pPr>
             <a:r>
-              <a:rPr b="1" lang="en-US" sz="3600">
+              <a:rPr lang="en-US" sz="3600" b="1">
                 <a:latin typeface="Proxima Nova"/>
                 <a:ea typeface="Proxima Nova"/>
                 <a:cs typeface="Proxima Nova"/>
@@ -9885,7 +9988,7 @@
               </a:rPr>
               <a:t>In the next few weeks, you will complete a Career Services Preferences survey on BootcampSpot</a:t>
             </a:r>
-            <a:endParaRPr b="1" sz="3600">
+            <a:endParaRPr sz="3600" b="1">
               <a:latin typeface="Proxima Nova"/>
               <a:ea typeface="Proxima Nova"/>
               <a:cs typeface="Proxima Nova"/>
@@ -9911,23 +10014,23 @@
           <a:solidFill>
             <a:srgbClr val="3F3F3F"/>
           </a:solidFill>
-          <a:ln cap="flat" cmpd="sng" w="76200">
+          <a:ln w="76200" cap="flat" cmpd="sng">
             <a:solidFill>
               <a:srgbClr val="28C8E5"/>
             </a:solidFill>
             <a:prstDash val="solid"/>
             <a:miter lim="400000"/>
-            <a:headEnd len="sm" w="sm" type="none"/>
-            <a:tailEnd len="sm" w="sm" type="none"/>
+            <a:headEnd type="none" w="sm" len="sm"/>
+            <a:tailEnd type="none" w="sm" len="sm"/>
           </a:ln>
         </p:spPr>
         <p:txBody>
-          <a:bodyPr anchorCtr="0" anchor="ctr" bIns="0" lIns="0" spcFirstLastPara="1" rIns="0" wrap="square" tIns="0">
+          <a:bodyPr spcFirstLastPara="1" wrap="square" lIns="0" tIns="0" rIns="0" bIns="0" anchor="ctr" anchorCtr="0">
             <a:noAutofit/>
           </a:bodyPr>
           <a:lstStyle/>
           <a:p>
-            <a:pPr indent="0" lvl="0" marL="0" marR="0" rtl="0" algn="ctr">
+            <a:pPr marL="0" marR="0" lvl="0" indent="0" algn="ctr" rtl="0">
               <a:lnSpc>
                 <a:spcPct val="100000"/>
               </a:lnSpc>
@@ -9944,10 +10047,7 @@
               <a:buFont typeface="Helvetica Neue"/>
               <a:buNone/>
             </a:pPr>
-            <a:r>
-              <a:t/>
-            </a:r>
-            <a:endParaRPr b="1" i="0" sz="2900" u="none" cap="none" strike="noStrike">
+            <a:endParaRPr sz="2900" b="1" i="0" u="none" strike="noStrike" cap="none">
               <a:solidFill>
                 <a:srgbClr val="FFFFFF"/>
               </a:solidFill>
@@ -9979,12 +10079,12 @@
           </a:ln>
         </p:spPr>
         <p:txBody>
-          <a:bodyPr anchorCtr="0" anchor="t" bIns="91425" lIns="91425" spcFirstLastPara="1" rIns="91425" wrap="square" tIns="91425">
+          <a:bodyPr spcFirstLastPara="1" wrap="square" lIns="91425" tIns="91425" rIns="91425" bIns="91425" anchor="t" anchorCtr="0">
             <a:noAutofit/>
           </a:bodyPr>
           <a:lstStyle/>
           <a:p>
-            <a:pPr indent="0" lvl="0" marL="0" rtl="0" algn="ctr">
+            <a:pPr marL="0" lvl="0" indent="0" algn="ctr" rtl="0">
               <a:spcBef>
                 <a:spcPts val="0"/>
               </a:spcBef>
@@ -10034,12 +10134,12 @@
           </a:ln>
         </p:spPr>
         <p:txBody>
-          <a:bodyPr anchorCtr="0" anchor="t" bIns="91425" lIns="91425" spcFirstLastPara="1" rIns="91425" wrap="square" tIns="91425">
+          <a:bodyPr spcFirstLastPara="1" wrap="square" lIns="91425" tIns="91425" rIns="91425" bIns="91425" anchor="t" anchorCtr="0">
             <a:noAutofit/>
           </a:bodyPr>
           <a:lstStyle/>
           <a:p>
-            <a:pPr indent="0" lvl="0" marL="0" rtl="0" algn="ctr">
+            <a:pPr marL="0" lvl="0" indent="0" algn="ctr" rtl="0">
               <a:spcBef>
                 <a:spcPts val="0"/>
               </a:spcBef>
@@ -10092,12 +10192,12 @@
           </a:ln>
         </p:spPr>
         <p:txBody>
-          <a:bodyPr anchorCtr="0" anchor="t" bIns="91425" lIns="91425" spcFirstLastPara="1" rIns="91425" wrap="square" tIns="91425">
+          <a:bodyPr spcFirstLastPara="1" wrap="square" lIns="91425" tIns="91425" rIns="91425" bIns="91425" anchor="t" anchorCtr="0">
             <a:noAutofit/>
           </a:bodyPr>
           <a:lstStyle/>
           <a:p>
-            <a:pPr indent="0" lvl="0" marL="0" rtl="0" algn="ctr">
+            <a:pPr marL="0" lvl="0" indent="0" algn="ctr" rtl="0">
               <a:spcBef>
                 <a:spcPts val="0"/>
               </a:spcBef>
@@ -10150,12 +10250,12 @@
           </a:ln>
         </p:spPr>
         <p:txBody>
-          <a:bodyPr anchorCtr="0" anchor="t" bIns="91425" lIns="91425" spcFirstLastPara="1" rIns="91425" wrap="square" tIns="91425">
+          <a:bodyPr spcFirstLastPara="1" wrap="square" lIns="91425" tIns="91425" rIns="91425" bIns="91425" anchor="t" anchorCtr="0">
             <a:noAutofit/>
           </a:bodyPr>
           <a:lstStyle/>
           <a:p>
-            <a:pPr indent="0" lvl="0" marL="0" marR="0" rtl="0" algn="ctr">
+            <a:pPr marL="0" marR="0" lvl="0" indent="0" algn="ctr" rtl="0">
               <a:lnSpc>
                 <a:spcPct val="100000"/>
               </a:lnSpc>
@@ -10208,23 +10308,23 @@
           <a:solidFill>
             <a:srgbClr val="3F3F3F"/>
           </a:solidFill>
-          <a:ln cap="flat" cmpd="sng" w="76200">
+          <a:ln w="76200" cap="flat" cmpd="sng">
             <a:solidFill>
               <a:srgbClr val="28C8E5"/>
             </a:solidFill>
             <a:prstDash val="solid"/>
             <a:miter lim="400000"/>
-            <a:headEnd len="sm" w="sm" type="none"/>
-            <a:tailEnd len="sm" w="sm" type="none"/>
+            <a:headEnd type="none" w="sm" len="sm"/>
+            <a:tailEnd type="none" w="sm" len="sm"/>
           </a:ln>
         </p:spPr>
         <p:txBody>
-          <a:bodyPr anchorCtr="0" anchor="ctr" bIns="0" lIns="0" spcFirstLastPara="1" rIns="0" wrap="square" tIns="0">
+          <a:bodyPr spcFirstLastPara="1" wrap="square" lIns="0" tIns="0" rIns="0" bIns="0" anchor="ctr" anchorCtr="0">
             <a:noAutofit/>
           </a:bodyPr>
           <a:lstStyle/>
           <a:p>
-            <a:pPr indent="0" lvl="0" marL="0" marR="0" rtl="0" algn="ctr">
+            <a:pPr marL="0" marR="0" lvl="0" indent="0" algn="ctr" rtl="0">
               <a:lnSpc>
                 <a:spcPct val="100000"/>
               </a:lnSpc>
@@ -10241,10 +10341,7 @@
               <a:buFont typeface="Helvetica Neue"/>
               <a:buNone/>
             </a:pPr>
-            <a:r>
-              <a:t/>
-            </a:r>
-            <a:endParaRPr b="1" i="0" sz="2900" u="none" cap="none" strike="noStrike">
+            <a:endParaRPr sz="2900" b="1" i="0" u="none" strike="noStrike" cap="none">
               <a:solidFill>
                 <a:srgbClr val="FFFFFF"/>
               </a:solidFill>
@@ -10273,23 +10370,23 @@
           <a:solidFill>
             <a:srgbClr val="3F3F3F"/>
           </a:solidFill>
-          <a:ln cap="flat" cmpd="sng" w="76200">
+          <a:ln w="76200" cap="flat" cmpd="sng">
             <a:solidFill>
               <a:srgbClr val="28C8E5"/>
             </a:solidFill>
             <a:prstDash val="solid"/>
             <a:miter lim="400000"/>
-            <a:headEnd len="sm" w="sm" type="none"/>
-            <a:tailEnd len="sm" w="sm" type="none"/>
+            <a:headEnd type="none" w="sm" len="sm"/>
+            <a:tailEnd type="none" w="sm" len="sm"/>
           </a:ln>
         </p:spPr>
         <p:txBody>
-          <a:bodyPr anchorCtr="0" anchor="ctr" bIns="0" lIns="0" spcFirstLastPara="1" rIns="0" wrap="square" tIns="0">
+          <a:bodyPr spcFirstLastPara="1" wrap="square" lIns="0" tIns="0" rIns="0" bIns="0" anchor="ctr" anchorCtr="0">
             <a:noAutofit/>
           </a:bodyPr>
           <a:lstStyle/>
           <a:p>
-            <a:pPr indent="0" lvl="0" marL="0" marR="0" rtl="0" algn="ctr">
+            <a:pPr marL="0" marR="0" lvl="0" indent="0" algn="ctr" rtl="0">
               <a:lnSpc>
                 <a:spcPct val="100000"/>
               </a:lnSpc>
@@ -10306,10 +10403,7 @@
               <a:buFont typeface="Helvetica Neue"/>
               <a:buNone/>
             </a:pPr>
-            <a:r>
-              <a:t/>
-            </a:r>
-            <a:endParaRPr b="1" i="0" sz="2900" u="none" cap="none" strike="noStrike">
+            <a:endParaRPr sz="2900" b="1" i="0" u="none" strike="noStrike" cap="none">
               <a:solidFill>
                 <a:srgbClr val="FFFFFF"/>
               </a:solidFill>
@@ -10338,23 +10432,23 @@
           <a:solidFill>
             <a:srgbClr val="3F3F3F"/>
           </a:solidFill>
-          <a:ln cap="flat" cmpd="sng" w="76200">
+          <a:ln w="76200" cap="flat" cmpd="sng">
             <a:solidFill>
               <a:srgbClr val="28C8E5"/>
             </a:solidFill>
             <a:prstDash val="solid"/>
             <a:miter lim="400000"/>
-            <a:headEnd len="sm" w="sm" type="none"/>
-            <a:tailEnd len="sm" w="sm" type="none"/>
+            <a:headEnd type="none" w="sm" len="sm"/>
+            <a:tailEnd type="none" w="sm" len="sm"/>
           </a:ln>
         </p:spPr>
         <p:txBody>
-          <a:bodyPr anchorCtr="0" anchor="ctr" bIns="0" lIns="0" spcFirstLastPara="1" rIns="0" wrap="square" tIns="0">
+          <a:bodyPr spcFirstLastPara="1" wrap="square" lIns="0" tIns="0" rIns="0" bIns="0" anchor="ctr" anchorCtr="0">
             <a:noAutofit/>
           </a:bodyPr>
           <a:lstStyle/>
           <a:p>
-            <a:pPr indent="0" lvl="0" marL="0" marR="0" rtl="0" algn="ctr">
+            <a:pPr marL="0" marR="0" lvl="0" indent="0" algn="ctr" rtl="0">
               <a:lnSpc>
                 <a:spcPct val="100000"/>
               </a:lnSpc>
@@ -10371,10 +10465,7 @@
               <a:buFont typeface="Helvetica Neue"/>
               <a:buNone/>
             </a:pPr>
-            <a:r>
-              <a:t/>
-            </a:r>
-            <a:endParaRPr b="1" i="0" sz="2900" u="none" cap="none" strike="noStrike">
+            <a:endParaRPr sz="2900" b="1" i="0" u="none" strike="noStrike" cap="none">
               <a:solidFill>
                 <a:srgbClr val="FFFFFF"/>
               </a:solidFill>
@@ -10507,11 +10598,11 @@
 </file>
 
 <file path=ppt/slides/slide4.xml><?xml version="1.0" encoding="utf-8"?>
-<p:sld xmlns:a="http://schemas.openxmlformats.org/drawingml/2006/main" xmlns:r="http://schemas.openxmlformats.org/officeDocument/2006/relationships" xmlns:mc="http://schemas.openxmlformats.org/markup-compatibility/2006" xmlns:mv="urn:schemas-microsoft-com:mac:vml" xmlns:p="http://schemas.openxmlformats.org/presentationml/2006/main" xmlns:c="http://schemas.openxmlformats.org/drawingml/2006/chart" xmlns:dgm="http://schemas.openxmlformats.org/drawingml/2006/diagram" xmlns:o="urn:schemas-microsoft-com:office:office" xmlns:v="urn:schemas-microsoft-com:vml" xmlns:pvml="urn:schemas-microsoft-com:office:powerpoint" xmlns:com="http://schemas.openxmlformats.org/drawingml/2006/compatibility" xmlns:p14="http://schemas.microsoft.com/office/powerpoint/2010/main" xmlns:p15="http://schemas.microsoft.com/office/powerpoint/2012/main">
+<p:sld xmlns:a="http://schemas.openxmlformats.org/drawingml/2006/main" xmlns:r="http://schemas.openxmlformats.org/officeDocument/2006/relationships" xmlns:p="http://schemas.openxmlformats.org/presentationml/2006/main">
   <p:cSld>
     <p:spTree>
       <p:nvGrpSpPr>
-        <p:cNvPr id="137" name="Shape 137"/>
+        <p:cNvPr id="1" name="Shape 137"/>
         <p:cNvGrpSpPr/>
         <p:nvPr/>
       </p:nvGrpSpPr>
@@ -10545,12 +10636,12 @@
           </a:ln>
         </p:spPr>
         <p:txBody>
-          <a:bodyPr anchorCtr="0" anchor="ctr" bIns="45725" lIns="91375" spcFirstLastPara="1" rIns="91375" wrap="square" tIns="45725">
+          <a:bodyPr spcFirstLastPara="1" wrap="square" lIns="91375" tIns="45725" rIns="91375" bIns="45725" anchor="ctr" anchorCtr="0">
             <a:noAutofit/>
           </a:bodyPr>
           <a:lstStyle/>
           <a:p>
-            <a:pPr indent="0" lvl="0" marL="0" marR="0" rtl="0" algn="ctr">
+            <a:pPr marL="0" marR="0" lvl="0" indent="0" algn="ctr" rtl="0">
               <a:lnSpc>
                 <a:spcPct val="100000"/>
               </a:lnSpc>
@@ -10562,10 +10653,7 @@
               </a:spcAft>
               <a:buNone/>
             </a:pPr>
-            <a:r>
-              <a:t/>
-            </a:r>
-            <a:endParaRPr b="0" i="0" sz="1300" u="none" cap="none" strike="noStrike">
+            <a:endParaRPr sz="1300" b="0" i="0" u="none" strike="noStrike" cap="none">
               <a:solidFill>
                 <a:srgbClr val="FFFFFF"/>
               </a:solidFill>
@@ -10580,9 +10668,11 @@
       <p:sp>
         <p:nvSpPr>
           <p:cNvPr id="139" name="Google Shape;139;p20"/>
-          <p:cNvSpPr txBox="1"/>
+          <p:cNvSpPr txBox="1">
+            <a:spLocks noGrp="1"/>
+          </p:cNvSpPr>
           <p:nvPr>
-            <p:ph idx="1" type="body"/>
+            <p:ph type="body" idx="1"/>
           </p:nvPr>
         </p:nvSpPr>
         <p:spPr>
@@ -10595,12 +10685,12 @@
           </a:prstGeom>
         </p:spPr>
         <p:txBody>
-          <a:bodyPr anchorCtr="0" anchor="t" bIns="243800" lIns="243800" spcFirstLastPara="1" rIns="243800" wrap="square" tIns="243800">
+          <a:bodyPr spcFirstLastPara="1" wrap="square" lIns="243800" tIns="243800" rIns="243800" bIns="243800" anchor="t" anchorCtr="0">
             <a:noAutofit/>
           </a:bodyPr>
           <a:lstStyle/>
           <a:p>
-            <a:pPr indent="0" lvl="0" marL="0" rtl="0" algn="ctr">
+            <a:pPr marL="0" lvl="0" indent="0" algn="ctr" rtl="0">
               <a:lnSpc>
                 <a:spcPct val="100000"/>
               </a:lnSpc>
@@ -10613,7 +10703,7 @@
               <a:buNone/>
             </a:pPr>
             <a:r>
-              <a:rPr b="1" lang="en-US" sz="4000">
+              <a:rPr lang="en-US" sz="4000" b="1">
                 <a:solidFill>
                   <a:srgbClr val="434343"/>
                 </a:solidFill>
@@ -10625,7 +10715,7 @@
               <a:t>You </a:t>
             </a:r>
             <a:r>
-              <a:rPr b="1" lang="en-US" sz="4000">
+              <a:rPr lang="en-US" sz="4000" b="1">
                 <a:solidFill>
                   <a:srgbClr val="28C8E5"/>
                 </a:solidFill>
@@ -10637,7 +10727,7 @@
               <a:t>MUST HAVE</a:t>
             </a:r>
             <a:r>
-              <a:rPr b="1" lang="en-US" sz="4000">
+              <a:rPr lang="en-US" sz="4000" b="1">
                 <a:solidFill>
                   <a:srgbClr val="434343"/>
                 </a:solidFill>
@@ -10646,33 +10736,9 @@
                 <a:cs typeface="Proxima Nova"/>
                 <a:sym typeface="Proxima Nova"/>
               </a:rPr>
-              <a:t> polished professional materials to begin</a:t>
+              <a:t> polished professional materials to begin applying for jobs</a:t>
             </a:r>
-            <a:r>
-              <a:rPr b="1" lang="en-US" sz="4000">
-                <a:solidFill>
-                  <a:srgbClr val="434343"/>
-                </a:solidFill>
-                <a:latin typeface="Proxima Nova"/>
-                <a:ea typeface="Proxima Nova"/>
-                <a:cs typeface="Proxima Nova"/>
-                <a:sym typeface="Proxima Nova"/>
-              </a:rPr>
-              <a:t> applying</a:t>
-            </a:r>
-            <a:r>
-              <a:rPr b="1" lang="en-US" sz="4000">
-                <a:solidFill>
-                  <a:srgbClr val="434343"/>
-                </a:solidFill>
-                <a:latin typeface="Proxima Nova"/>
-                <a:ea typeface="Proxima Nova"/>
-                <a:cs typeface="Proxima Nova"/>
-                <a:sym typeface="Proxima Nova"/>
-              </a:rPr>
-              <a:t> for jobs</a:t>
-            </a:r>
-            <a:endParaRPr b="1" sz="4300">
+            <a:endParaRPr sz="4300" b="1">
               <a:solidFill>
                 <a:srgbClr val="434343"/>
               </a:solidFill>
@@ -10683,7 +10749,7 @@
             </a:endParaRPr>
           </a:p>
           <a:p>
-            <a:pPr indent="0" lvl="0" marL="457200" rtl="0" algn="ctr">
+            <a:pPr marL="457200" lvl="0" indent="0" algn="ctr" rtl="0">
               <a:lnSpc>
                 <a:spcPct val="100000"/>
               </a:lnSpc>
@@ -10696,7 +10762,7 @@
               <a:buNone/>
             </a:pPr>
             <a:br>
-              <a:rPr b="1" lang="en-US">
+              <a:rPr lang="en-US" b="1">
                 <a:solidFill>
                   <a:srgbClr val="28C8E5"/>
                 </a:solidFill>
@@ -10707,7 +10773,7 @@
               </a:rPr>
             </a:br>
             <a:r>
-              <a:rPr b="1" lang="en-US">
+              <a:rPr lang="en-US" b="1">
                 <a:solidFill>
                   <a:srgbClr val="434343"/>
                 </a:solidFill>
@@ -10719,7 +10785,7 @@
               <a:t>REVIEW MILESTONE 1</a:t>
             </a:r>
             <a:br>
-              <a:rPr b="1" lang="en-US">
+              <a:rPr lang="en-US" b="1">
                 <a:solidFill>
                   <a:srgbClr val="434343"/>
                 </a:solidFill>
@@ -10765,7 +10831,7 @@
               </a:rPr>
             </a:br>
             <a:r>
-              <a:rPr b="1" lang="en-US" sz="3400">
+              <a:rPr lang="en-US" sz="3400" b="1">
                 <a:solidFill>
                   <a:srgbClr val="434343"/>
                 </a:solidFill>
@@ -10799,7 +10865,7 @@
             </a:endParaRPr>
           </a:p>
           <a:p>
-            <a:pPr indent="0" lvl="0" marL="457200" rtl="0" algn="ctr">
+            <a:pPr marL="457200" lvl="0" indent="0" algn="ctr" rtl="0">
               <a:lnSpc>
                 <a:spcPct val="100000"/>
               </a:lnSpc>
@@ -10812,7 +10878,7 @@
               <a:buNone/>
             </a:pPr>
             <a:r>
-              <a:rPr b="1" lang="en-US">
+              <a:rPr lang="en-US" b="1">
                 <a:solidFill>
                   <a:srgbClr val="434343"/>
                 </a:solidFill>
@@ -10821,22 +10887,10 @@
                 <a:cs typeface="Proxima Nova"/>
                 <a:sym typeface="Proxima Nova"/>
               </a:rPr>
-              <a:t>SMALL GROUP</a:t>
-            </a:r>
-            <a:r>
-              <a:rPr b="1" lang="en-US">
-                <a:solidFill>
-                  <a:srgbClr val="434343"/>
-                </a:solidFill>
-                <a:latin typeface="Proxima Nova"/>
-                <a:ea typeface="Proxima Nova"/>
-                <a:cs typeface="Proxima Nova"/>
-                <a:sym typeface="Proxima Nova"/>
-              </a:rPr>
-              <a:t> TECHNICAL INTERVIEW WORKSHOPS</a:t>
+              <a:t>SMALL GROUP TECHNICAL INTERVIEW WORKSHOPS</a:t>
             </a:r>
             <a:br>
-              <a:rPr b="1" lang="en-US">
+              <a:rPr lang="en-US" b="1">
                 <a:solidFill>
                   <a:srgbClr val="434343"/>
                 </a:solidFill>
@@ -10881,7 +10935,7 @@
             </a:endParaRPr>
           </a:p>
           <a:p>
-            <a:pPr indent="0" lvl="0" marL="457200" rtl="0" algn="ctr">
+            <a:pPr marL="457200" lvl="0" indent="0" algn="ctr" rtl="0">
               <a:lnSpc>
                 <a:spcPct val="100000"/>
               </a:lnSpc>
@@ -10894,7 +10948,7 @@
               <a:buNone/>
             </a:pPr>
             <a:r>
-              <a:rPr b="1" lang="en-US">
+              <a:rPr lang="en-US" b="1">
                 <a:solidFill>
                   <a:srgbClr val="434343"/>
                 </a:solidFill>
@@ -10903,22 +10957,10 @@
                 <a:cs typeface="Proxima Nova"/>
                 <a:sym typeface="Proxima Nova"/>
               </a:rPr>
-              <a:t>JOB </a:t>
-            </a:r>
-            <a:r>
-              <a:rPr b="1" lang="en-US">
-                <a:solidFill>
-                  <a:srgbClr val="434343"/>
-                </a:solidFill>
-                <a:latin typeface="Proxima Nova"/>
-                <a:ea typeface="Proxima Nova"/>
-                <a:cs typeface="Proxima Nova"/>
-                <a:sym typeface="Proxima Nova"/>
-              </a:rPr>
-              <a:t>REFERRALS</a:t>
+              <a:t>JOB REFERRALS</a:t>
             </a:r>
             <a:br>
-              <a:rPr b="1" lang="en-US">
+              <a:rPr lang="en-US" b="1">
                 <a:solidFill>
                   <a:srgbClr val="434343"/>
                 </a:solidFill>
@@ -11000,12 +11042,12 @@
               </a:ln>
             </p:spPr>
             <p:txBody>
-              <a:bodyPr anchorCtr="0" anchor="ctr" bIns="50800" lIns="50800" spcFirstLastPara="1" rIns="50800" wrap="square" tIns="50800">
+              <a:bodyPr spcFirstLastPara="1" wrap="square" lIns="50800" tIns="50800" rIns="50800" bIns="50800" anchor="ctr" anchorCtr="0">
                 <a:noAutofit/>
               </a:bodyPr>
               <a:lstStyle/>
               <a:p>
-                <a:pPr indent="0" lvl="0" marL="0" marR="0" rtl="0" algn="l">
+                <a:pPr marL="0" marR="0" lvl="0" indent="0" algn="l" rtl="0">
                   <a:lnSpc>
                     <a:spcPct val="100000"/>
                   </a:lnSpc>
@@ -11018,7 +11060,7 @@
                   <a:buNone/>
                 </a:pPr>
                 <a:r>
-                  <a:rPr i="1" lang="en-US" sz="2100" u="none" cap="none" strike="noStrike">
+                  <a:rPr lang="en-US" sz="2100" i="1" u="none" strike="noStrike" cap="none">
                     <a:solidFill>
                       <a:srgbClr val="2E91A3"/>
                     </a:solidFill>
@@ -11029,7 +11071,7 @@
                   </a:rPr>
                   <a:t>Confidential &amp; Proprietary Information of Trilogy Education Services, a 2U, Inc. brand</a:t>
                 </a:r>
-                <a:endParaRPr i="1" sz="2100" u="none" cap="none" strike="noStrike">
+                <a:endParaRPr sz="2100" i="1" u="none" strike="noStrike" cap="none">
                   <a:solidFill>
                     <a:srgbClr val="2E91A3"/>
                   </a:solidFill>
@@ -11061,12 +11103,12 @@
               </a:ln>
             </p:spPr>
             <p:txBody>
-              <a:bodyPr anchorCtr="0" anchor="ctr" bIns="50800" lIns="50800" spcFirstLastPara="1" rIns="50800" wrap="square" tIns="50800">
+              <a:bodyPr spcFirstLastPara="1" wrap="square" lIns="50800" tIns="50800" rIns="50800" bIns="50800" anchor="ctr" anchorCtr="0">
                 <a:noAutofit/>
               </a:bodyPr>
               <a:lstStyle/>
               <a:p>
-                <a:pPr indent="0" lvl="0" marL="0" marR="0" rtl="0" algn="l">
+                <a:pPr marL="0" marR="0" lvl="0" indent="0" algn="l" rtl="0">
                   <a:lnSpc>
                     <a:spcPct val="100000"/>
                   </a:lnSpc>
@@ -11079,7 +11121,7 @@
                   <a:buNone/>
                 </a:pPr>
                 <a:r>
-                  <a:rPr i="1" lang="en-US" sz="2100" u="none" cap="none" strike="noStrike">
+                  <a:rPr lang="en-US" sz="2100" i="1" u="none" strike="noStrike" cap="none">
                     <a:solidFill>
                       <a:srgbClr val="2E91A3"/>
                     </a:solidFill>
@@ -11090,7 +11132,7 @@
                   </a:rPr>
                   <a:t>© Trilogy Education Services, a 2U, Inc. brand</a:t>
                 </a:r>
-                <a:endParaRPr i="1" sz="2100" u="none" cap="none" strike="noStrike">
+                <a:endParaRPr sz="2100" i="1" u="none" strike="noStrike" cap="none">
                   <a:solidFill>
                     <a:srgbClr val="2E91A3"/>
                   </a:solidFill>
@@ -11117,14 +11159,14 @@
                 <a:avLst/>
               </a:prstGeom>
               <a:noFill/>
-              <a:ln cap="flat" cmpd="sng" w="25400">
+              <a:ln w="25400" cap="flat" cmpd="sng">
                 <a:solidFill>
                   <a:srgbClr val="2E91A3"/>
                 </a:solidFill>
                 <a:prstDash val="solid"/>
                 <a:miter lim="400000"/>
-                <a:headEnd len="sm" w="sm" type="none"/>
-                <a:tailEnd len="sm" w="sm" type="none"/>
+                <a:headEnd type="none" w="sm" len="sm"/>
+                <a:tailEnd type="none" w="sm" len="sm"/>
               </a:ln>
             </p:spPr>
           </p:cxnSp>
@@ -11143,14 +11185,14 @@
                 <a:avLst/>
               </a:prstGeom>
               <a:noFill/>
-              <a:ln cap="flat" cmpd="sng" w="25400">
+              <a:ln w="25400" cap="flat" cmpd="sng">
                 <a:solidFill>
                   <a:srgbClr val="2E91A3"/>
                 </a:solidFill>
                 <a:prstDash val="solid"/>
                 <a:miter lim="400000"/>
-                <a:headEnd len="sm" w="sm" type="none"/>
-                <a:tailEnd len="sm" w="sm" type="none"/>
+                <a:headEnd type="none" w="sm" len="sm"/>
+                <a:tailEnd type="none" w="sm" len="sm"/>
               </a:ln>
             </p:spPr>
           </p:cxnSp>
@@ -11169,14 +11211,14 @@
                 <a:avLst/>
               </a:prstGeom>
               <a:noFill/>
-              <a:ln cap="flat" cmpd="sng" w="25400">
+              <a:ln w="25400" cap="flat" cmpd="sng">
                 <a:solidFill>
                   <a:srgbClr val="2E91A3"/>
                 </a:solidFill>
                 <a:prstDash val="solid"/>
                 <a:miter lim="400000"/>
-                <a:headEnd len="sm" w="sm" type="none"/>
-                <a:tailEnd len="sm" w="sm" type="none"/>
+                <a:headEnd type="none" w="sm" len="sm"/>
+                <a:tailEnd type="none" w="sm" len="sm"/>
               </a:ln>
             </p:spPr>
           </p:cxnSp>
@@ -11195,14 +11237,14 @@
                 <a:avLst/>
               </a:prstGeom>
               <a:noFill/>
-              <a:ln cap="flat" cmpd="sng" w="25400">
+              <a:ln w="25400" cap="flat" cmpd="sng">
                 <a:solidFill>
                   <a:srgbClr val="2E91A3"/>
                 </a:solidFill>
                 <a:prstDash val="solid"/>
                 <a:miter lim="400000"/>
-                <a:headEnd len="sm" w="sm" type="none"/>
-                <a:tailEnd len="sm" w="sm" type="none"/>
+                <a:headEnd type="none" w="sm" len="sm"/>
+                <a:tailEnd type="none" w="sm" len="sm"/>
               </a:ln>
             </p:spPr>
           </p:cxnSp>
@@ -11213,7 +11255,7 @@
               <p:nvPr/>
             </p:nvCxnSpPr>
             <p:spPr>
-              <a:xfrm flipH="1" rot="10800000">
+              <a:xfrm rot="10800000" flipH="1">
                 <a:off x="-14060" y="222246"/>
                 <a:ext cx="405000" cy="300"/>
               </a:xfrm>
@@ -11221,14 +11263,14 @@
                 <a:avLst/>
               </a:prstGeom>
               <a:noFill/>
-              <a:ln cap="flat" cmpd="sng" w="25400">
+              <a:ln w="25400" cap="flat" cmpd="sng">
                 <a:solidFill>
                   <a:srgbClr val="2E91A3"/>
                 </a:solidFill>
                 <a:prstDash val="solid"/>
                 <a:miter lim="400000"/>
-                <a:headEnd len="sm" w="sm" type="none"/>
-                <a:tailEnd len="sm" w="sm" type="none"/>
+                <a:headEnd type="none" w="sm" len="sm"/>
+                <a:tailEnd type="none" w="sm" len="sm"/>
               </a:ln>
             </p:spPr>
           </p:cxnSp>
@@ -11247,14 +11289,14 @@
                 <a:avLst/>
               </a:prstGeom>
               <a:noFill/>
-              <a:ln cap="flat" cmpd="sng" w="25400">
+              <a:ln w="25400" cap="flat" cmpd="sng">
                 <a:solidFill>
                   <a:srgbClr val="2E91A3"/>
                 </a:solidFill>
                 <a:prstDash val="solid"/>
                 <a:miter lim="400000"/>
-                <a:headEnd len="sm" w="sm" type="none"/>
-                <a:tailEnd len="sm" w="sm" type="none"/>
+                <a:headEnd type="none" w="sm" len="sm"/>
+                <a:tailEnd type="none" w="sm" len="sm"/>
               </a:ln>
             </p:spPr>
           </p:cxnSp>
@@ -11295,12 +11337,12 @@
               </a:ln>
             </p:spPr>
             <p:txBody>
-              <a:bodyPr anchorCtr="0" anchor="ctr" bIns="0" lIns="0" spcFirstLastPara="1" rIns="0" wrap="square" tIns="0">
+              <a:bodyPr spcFirstLastPara="1" wrap="square" lIns="0" tIns="0" rIns="0" bIns="0" anchor="ctr" anchorCtr="0">
                 <a:noAutofit/>
               </a:bodyPr>
               <a:lstStyle/>
               <a:p>
-                <a:pPr indent="0" lvl="0" marL="0" marR="0" rtl="0" algn="l">
+                <a:pPr marL="0" marR="0" lvl="0" indent="0" algn="l" rtl="0">
                   <a:lnSpc>
                     <a:spcPct val="100000"/>
                   </a:lnSpc>
@@ -11312,10 +11354,7 @@
                   </a:spcAft>
                   <a:buNone/>
                 </a:pPr>
-                <a:r>
-                  <a:t/>
-                </a:r>
-                <a:endParaRPr b="0" i="0" sz="1300" u="none" cap="none" strike="noStrike">
+                <a:endParaRPr sz="1300" b="0" i="0" u="none" strike="noStrike" cap="none">
                   <a:solidFill>
                     <a:srgbClr val="000000"/>
                   </a:solidFill>
@@ -11329,7 +11368,7 @@
           </p:sp>
           <p:pic>
             <p:nvPicPr>
-              <p:cNvPr descr="Image" id="152" name="Google Shape;152;p20"/>
+              <p:cNvPr id="152" name="Google Shape;152;p20" descr="Image"/>
               <p:cNvPicPr preferRelativeResize="0"/>
               <p:nvPr/>
             </p:nvPicPr>
@@ -11337,7 +11376,7 @@
               <a:blip r:embed="rId3">
                 <a:alphaModFix/>
               </a:blip>
-              <a:srcRect b="0" l="0" r="0" t="0"/>
+              <a:srcRect/>
               <a:stretch/>
             </p:blipFill>
             <p:spPr>
@@ -11376,12 +11415,12 @@
           </a:ln>
         </p:spPr>
         <p:txBody>
-          <a:bodyPr anchorCtr="0" anchor="t" bIns="91375" lIns="91375" spcFirstLastPara="1" rIns="91375" wrap="square" tIns="91375">
+          <a:bodyPr spcFirstLastPara="1" wrap="square" lIns="91375" tIns="91375" rIns="91375" bIns="91375" anchor="t" anchorCtr="0">
             <a:noAutofit/>
           </a:bodyPr>
           <a:lstStyle/>
           <a:p>
-            <a:pPr indent="0" lvl="0" marL="0" marR="0" rtl="0" algn="ctr">
+            <a:pPr marL="0" marR="0" lvl="0" indent="0" algn="ctr" rtl="0">
               <a:lnSpc>
                 <a:spcPct val="100000"/>
               </a:lnSpc>
@@ -11399,7 +11438,7 @@
               <a:buNone/>
             </a:pPr>
             <a:r>
-              <a:rPr b="1" lang="en-US" sz="6100">
+              <a:rPr lang="en-US" sz="6100" b="1">
                 <a:solidFill>
                   <a:srgbClr val="3F3F3F"/>
                 </a:solidFill>
@@ -11408,22 +11447,10 @@
                 <a:cs typeface="Proxima Nova"/>
                 <a:sym typeface="Proxima Nova"/>
               </a:rPr>
-              <a:t>First Step:</a:t>
+              <a:t>First Step: </a:t>
             </a:r>
             <a:r>
-              <a:rPr b="1" lang="en-US" sz="6100">
-                <a:solidFill>
-                  <a:srgbClr val="3F3F3F"/>
-                </a:solidFill>
-                <a:latin typeface="Proxima Nova"/>
-                <a:ea typeface="Proxima Nova"/>
-                <a:cs typeface="Proxima Nova"/>
-                <a:sym typeface="Proxima Nova"/>
-              </a:rPr>
-              <a:t> </a:t>
-            </a:r>
-            <a:r>
-              <a:rPr b="1" lang="en-US" sz="6100">
+              <a:rPr lang="en-US" sz="6100" b="1">
                 <a:solidFill>
                   <a:srgbClr val="28C8E5"/>
                 </a:solidFill>
@@ -11434,7 +11461,7 @@
               </a:rPr>
               <a:t>Becoming Employer Ready</a:t>
             </a:r>
-            <a:endParaRPr b="1" i="0" sz="6100" u="none" cap="none" strike="noStrike">
+            <a:endParaRPr sz="6100" b="1" i="0" u="none" strike="noStrike" cap="none">
               <a:solidFill>
                 <a:srgbClr val="FFFFFF"/>
               </a:solidFill>
@@ -11445,7 +11472,7 @@
             </a:endParaRPr>
           </a:p>
           <a:p>
-            <a:pPr indent="0" lvl="0" marL="0" marR="0" rtl="0" algn="ctr">
+            <a:pPr marL="0" marR="0" lvl="0" indent="0" algn="ctr" rtl="0">
               <a:lnSpc>
                 <a:spcPct val="100000"/>
               </a:lnSpc>
@@ -11462,10 +11489,7 @@
               <a:buFont typeface="Arial"/>
               <a:buNone/>
             </a:pPr>
-            <a:r>
-              <a:t/>
-            </a:r>
-            <a:endParaRPr b="1" i="0" sz="1300" u="none" cap="none" strike="noStrike">
+            <a:endParaRPr sz="1300" b="1" i="0" u="none" strike="noStrike" cap="none">
               <a:solidFill>
                 <a:srgbClr val="000000"/>
               </a:solidFill>
@@ -11486,18 +11510,19 @@
 </file>
 
 <file path=ppt/slides/slide5.xml><?xml version="1.0" encoding="utf-8"?>
-<p:sld xmlns:a="http://schemas.openxmlformats.org/drawingml/2006/main" xmlns:r="http://schemas.openxmlformats.org/officeDocument/2006/relationships" xmlns:mc="http://schemas.openxmlformats.org/markup-compatibility/2006" xmlns:mv="urn:schemas-microsoft-com:mac:vml" xmlns:p="http://schemas.openxmlformats.org/presentationml/2006/main" xmlns:c="http://schemas.openxmlformats.org/drawingml/2006/chart" xmlns:dgm="http://schemas.openxmlformats.org/drawingml/2006/diagram" xmlns:o="urn:schemas-microsoft-com:office:office" xmlns:v="urn:schemas-microsoft-com:vml" xmlns:pvml="urn:schemas-microsoft-com:office:powerpoint" xmlns:com="http://schemas.openxmlformats.org/drawingml/2006/compatibility" xmlns:p14="http://schemas.microsoft.com/office/powerpoint/2010/main" xmlns:p15="http://schemas.microsoft.com/office/powerpoint/2012/main">
+<p:sld xmlns:a="http://schemas.openxmlformats.org/drawingml/2006/main" xmlns:r="http://schemas.openxmlformats.org/officeDocument/2006/relationships" xmlns:p="http://schemas.openxmlformats.org/presentationml/2006/main">
   <p:cSld>
     <p:bg>
       <p:bgPr>
         <a:solidFill>
           <a:srgbClr val="262626"/>
         </a:solidFill>
+        <a:effectLst/>
       </p:bgPr>
     </p:bg>
     <p:spTree>
       <p:nvGrpSpPr>
-        <p:cNvPr id="157" name="Shape 157"/>
+        <p:cNvPr id="1" name="Shape 157"/>
         <p:cNvGrpSpPr/>
         <p:nvPr/>
       </p:nvGrpSpPr>
@@ -11587,12 +11612,12 @@
               </a:ln>
             </p:spPr>
             <p:txBody>
-              <a:bodyPr anchorCtr="0" anchor="ctr" bIns="50800" lIns="50800" spcFirstLastPara="1" rIns="50800" wrap="square" tIns="50800">
+              <a:bodyPr spcFirstLastPara="1" wrap="square" lIns="50800" tIns="50800" rIns="50800" bIns="50800" anchor="ctr" anchorCtr="0">
                 <a:noAutofit/>
               </a:bodyPr>
               <a:lstStyle/>
               <a:p>
-                <a:pPr indent="0" lvl="0" marL="0" marR="0" rtl="0" algn="l">
+                <a:pPr marL="0" marR="0" lvl="0" indent="0" algn="l" rtl="0">
                   <a:lnSpc>
                     <a:spcPct val="100000"/>
                   </a:lnSpc>
@@ -11605,7 +11630,7 @@
                   <a:buNone/>
                 </a:pPr>
                 <a:r>
-                  <a:rPr i="1" lang="en-US" sz="2100" u="none" cap="none" strike="noStrike">
+                  <a:rPr lang="en-US" sz="2100" i="1" u="none" strike="noStrike" cap="none">
                     <a:solidFill>
                       <a:srgbClr val="2E91A3"/>
                     </a:solidFill>
@@ -11616,7 +11641,7 @@
                   </a:rPr>
                   <a:t>Confidential &amp; Proprietary Information of Trilogy Education Services, a 2U, Inc. brand</a:t>
                 </a:r>
-                <a:endParaRPr i="1" sz="2100" u="none" cap="none" strike="noStrike">
+                <a:endParaRPr sz="2100" i="1" u="none" strike="noStrike" cap="none">
                   <a:solidFill>
                     <a:srgbClr val="2E91A3"/>
                   </a:solidFill>
@@ -11648,12 +11673,12 @@
               </a:ln>
             </p:spPr>
             <p:txBody>
-              <a:bodyPr anchorCtr="0" anchor="ctr" bIns="50800" lIns="50800" spcFirstLastPara="1" rIns="50800" wrap="square" tIns="50800">
+              <a:bodyPr spcFirstLastPara="1" wrap="square" lIns="50800" tIns="50800" rIns="50800" bIns="50800" anchor="ctr" anchorCtr="0">
                 <a:noAutofit/>
               </a:bodyPr>
               <a:lstStyle/>
               <a:p>
-                <a:pPr indent="0" lvl="0" marL="0" marR="0" rtl="0" algn="l">
+                <a:pPr marL="0" marR="0" lvl="0" indent="0" algn="l" rtl="0">
                   <a:lnSpc>
                     <a:spcPct val="100000"/>
                   </a:lnSpc>
@@ -11666,7 +11691,7 @@
                   <a:buNone/>
                 </a:pPr>
                 <a:r>
-                  <a:rPr i="1" lang="en-US" sz="2100" u="none" cap="none" strike="noStrike">
+                  <a:rPr lang="en-US" sz="2100" i="1" u="none" strike="noStrike" cap="none">
                     <a:solidFill>
                       <a:srgbClr val="2E91A3"/>
                     </a:solidFill>
@@ -11677,7 +11702,7 @@
                   </a:rPr>
                   <a:t>© Trilogy Education Services, a 2U, Inc. brand</a:t>
                 </a:r>
-                <a:endParaRPr i="1" sz="2100" u="none" cap="none" strike="noStrike">
+                <a:endParaRPr sz="2100" i="1" u="none" strike="noStrike" cap="none">
                   <a:solidFill>
                     <a:srgbClr val="2E91A3"/>
                   </a:solidFill>
@@ -11704,14 +11729,14 @@
                 <a:avLst/>
               </a:prstGeom>
               <a:noFill/>
-              <a:ln cap="flat" cmpd="sng" w="25400">
+              <a:ln w="25400" cap="flat" cmpd="sng">
                 <a:solidFill>
                   <a:srgbClr val="2E91A3"/>
                 </a:solidFill>
                 <a:prstDash val="solid"/>
                 <a:miter lim="400000"/>
-                <a:headEnd len="sm" w="sm" type="none"/>
-                <a:tailEnd len="sm" w="sm" type="none"/>
+                <a:headEnd type="none" w="sm" len="sm"/>
+                <a:tailEnd type="none" w="sm" len="sm"/>
               </a:ln>
             </p:spPr>
           </p:cxnSp>
@@ -11730,14 +11755,14 @@
                 <a:avLst/>
               </a:prstGeom>
               <a:noFill/>
-              <a:ln cap="flat" cmpd="sng" w="25400">
+              <a:ln w="25400" cap="flat" cmpd="sng">
                 <a:solidFill>
                   <a:srgbClr val="2E91A3"/>
                 </a:solidFill>
                 <a:prstDash val="solid"/>
                 <a:miter lim="400000"/>
-                <a:headEnd len="sm" w="sm" type="none"/>
-                <a:tailEnd len="sm" w="sm" type="none"/>
+                <a:headEnd type="none" w="sm" len="sm"/>
+                <a:tailEnd type="none" w="sm" len="sm"/>
               </a:ln>
             </p:spPr>
           </p:cxnSp>
@@ -11756,14 +11781,14 @@
                 <a:avLst/>
               </a:prstGeom>
               <a:noFill/>
-              <a:ln cap="flat" cmpd="sng" w="25400">
+              <a:ln w="25400" cap="flat" cmpd="sng">
                 <a:solidFill>
                   <a:srgbClr val="2E91A3"/>
                 </a:solidFill>
                 <a:prstDash val="solid"/>
                 <a:miter lim="400000"/>
-                <a:headEnd len="sm" w="sm" type="none"/>
-                <a:tailEnd len="sm" w="sm" type="none"/>
+                <a:headEnd type="none" w="sm" len="sm"/>
+                <a:tailEnd type="none" w="sm" len="sm"/>
               </a:ln>
             </p:spPr>
           </p:cxnSp>
@@ -11782,14 +11807,14 @@
                 <a:avLst/>
               </a:prstGeom>
               <a:noFill/>
-              <a:ln cap="flat" cmpd="sng" w="25400">
+              <a:ln w="25400" cap="flat" cmpd="sng">
                 <a:solidFill>
                   <a:srgbClr val="2E91A3"/>
                 </a:solidFill>
                 <a:prstDash val="solid"/>
                 <a:miter lim="400000"/>
-                <a:headEnd len="sm" w="sm" type="none"/>
-                <a:tailEnd len="sm" w="sm" type="none"/>
+                <a:headEnd type="none" w="sm" len="sm"/>
+                <a:tailEnd type="none" w="sm" len="sm"/>
               </a:ln>
             </p:spPr>
           </p:cxnSp>
@@ -11808,14 +11833,14 @@
                 <a:avLst/>
               </a:prstGeom>
               <a:noFill/>
-              <a:ln cap="flat" cmpd="sng" w="25400">
+              <a:ln w="25400" cap="flat" cmpd="sng">
                 <a:solidFill>
                   <a:srgbClr val="2E91A3"/>
                 </a:solidFill>
                 <a:prstDash val="solid"/>
                 <a:miter lim="400000"/>
-                <a:headEnd len="sm" w="sm" type="none"/>
-                <a:tailEnd len="sm" w="sm" type="none"/>
+                <a:headEnd type="none" w="sm" len="sm"/>
+                <a:tailEnd type="none" w="sm" len="sm"/>
               </a:ln>
             </p:spPr>
           </p:cxnSp>
@@ -11834,14 +11859,14 @@
                 <a:avLst/>
               </a:prstGeom>
               <a:noFill/>
-              <a:ln cap="flat" cmpd="sng" w="25400">
+              <a:ln w="25400" cap="flat" cmpd="sng">
                 <a:solidFill>
                   <a:srgbClr val="2E91A3"/>
                 </a:solidFill>
                 <a:prstDash val="solid"/>
                 <a:miter lim="400000"/>
-                <a:headEnd len="sm" w="sm" type="none"/>
-                <a:tailEnd len="sm" w="sm" type="none"/>
+                <a:headEnd type="none" w="sm" len="sm"/>
+                <a:tailEnd type="none" w="sm" len="sm"/>
               </a:ln>
             </p:spPr>
           </p:cxnSp>
@@ -11882,12 +11907,12 @@
               </a:ln>
             </p:spPr>
             <p:txBody>
-              <a:bodyPr anchorCtr="0" anchor="ctr" bIns="0" lIns="0" spcFirstLastPara="1" rIns="0" wrap="square" tIns="0">
+              <a:bodyPr spcFirstLastPara="1" wrap="square" lIns="0" tIns="0" rIns="0" bIns="0" anchor="ctr" anchorCtr="0">
                 <a:noAutofit/>
               </a:bodyPr>
               <a:lstStyle/>
               <a:p>
-                <a:pPr indent="0" lvl="0" marL="0" marR="0" rtl="0" algn="l">
+                <a:pPr marL="0" marR="0" lvl="0" indent="0" algn="l" rtl="0">
                   <a:lnSpc>
                     <a:spcPct val="100000"/>
                   </a:lnSpc>
@@ -11899,10 +11924,7 @@
                   </a:spcAft>
                   <a:buNone/>
                 </a:pPr>
-                <a:r>
-                  <a:t/>
-                </a:r>
-                <a:endParaRPr b="0" i="0" sz="1300" u="none" cap="none" strike="noStrike">
+                <a:endParaRPr sz="1300" b="0" i="0" u="none" strike="noStrike" cap="none">
                   <a:solidFill>
                     <a:srgbClr val="000000"/>
                   </a:solidFill>
@@ -11916,7 +11938,7 @@
           </p:sp>
           <p:pic>
             <p:nvPicPr>
-              <p:cNvPr descr="Image" id="171" name="Google Shape;171;p21"/>
+              <p:cNvPr id="171" name="Google Shape;171;p21" descr="Image"/>
               <p:cNvPicPr preferRelativeResize="0"/>
               <p:nvPr/>
             </p:nvPicPr>
@@ -11924,7 +11946,7 @@
               <a:blip r:embed="rId5">
                 <a:alphaModFix/>
               </a:blip>
-              <a:srcRect b="0" l="0" r="0" t="0"/>
+              <a:srcRect/>
               <a:stretch/>
             </p:blipFill>
             <p:spPr>
@@ -11963,12 +11985,12 @@
           </a:ln>
         </p:spPr>
         <p:txBody>
-          <a:bodyPr anchorCtr="0" anchor="t" bIns="91375" lIns="91375" spcFirstLastPara="1" rIns="91375" wrap="square" tIns="91375">
+          <a:bodyPr spcFirstLastPara="1" wrap="square" lIns="91375" tIns="91375" rIns="91375" bIns="91375" anchor="t" anchorCtr="0">
             <a:noAutofit/>
           </a:bodyPr>
           <a:lstStyle/>
           <a:p>
-            <a:pPr indent="0" lvl="0" marL="0" marR="0" rtl="0" algn="ctr">
+            <a:pPr marL="0" marR="0" lvl="0" indent="0" algn="ctr" rtl="0">
               <a:lnSpc>
                 <a:spcPct val="100000"/>
               </a:lnSpc>
@@ -11986,7 +12008,7 @@
               <a:buNone/>
             </a:pPr>
             <a:r>
-              <a:rPr b="1" lang="en-US" sz="6100">
+              <a:rPr lang="en-US" sz="6100" b="1">
                 <a:solidFill>
                   <a:srgbClr val="FFFFFF"/>
                 </a:solidFill>
@@ -11995,22 +12017,10 @@
                 <a:cs typeface="Proxima Nova"/>
                 <a:sym typeface="Proxima Nova"/>
               </a:rPr>
-              <a:t>Introduction to</a:t>
+              <a:t>Introduction to </a:t>
             </a:r>
             <a:r>
-              <a:rPr b="1" lang="en-US" sz="6100">
-                <a:solidFill>
-                  <a:srgbClr val="FFFFFF"/>
-                </a:solidFill>
-                <a:latin typeface="Proxima Nova"/>
-                <a:ea typeface="Proxima Nova"/>
-                <a:cs typeface="Proxima Nova"/>
-                <a:sym typeface="Proxima Nova"/>
-              </a:rPr>
-              <a:t> </a:t>
-            </a:r>
-            <a:r>
-              <a:rPr b="1" lang="en-US" sz="6100">
+              <a:rPr lang="en-US" sz="6100" b="1">
                 <a:solidFill>
                   <a:srgbClr val="28C8E5"/>
                 </a:solidFill>
@@ -12021,7 +12031,7 @@
               </a:rPr>
               <a:t>Career Services</a:t>
             </a:r>
-            <a:endParaRPr b="1" i="0" sz="1300" u="none" cap="none" strike="noStrike">
+            <a:endParaRPr sz="1300" b="1" i="0" u="none" strike="noStrike" cap="none">
               <a:solidFill>
                 <a:srgbClr val="000000"/>
               </a:solidFill>
@@ -12042,11 +12052,11 @@
 </file>
 
 <file path=ppt/slides/slide6.xml><?xml version="1.0" encoding="utf-8"?>
-<p:sld xmlns:a="http://schemas.openxmlformats.org/drawingml/2006/main" xmlns:r="http://schemas.openxmlformats.org/officeDocument/2006/relationships" xmlns:mc="http://schemas.openxmlformats.org/markup-compatibility/2006" xmlns:mv="urn:schemas-microsoft-com:mac:vml" xmlns:p="http://schemas.openxmlformats.org/presentationml/2006/main" xmlns:c="http://schemas.openxmlformats.org/drawingml/2006/chart" xmlns:dgm="http://schemas.openxmlformats.org/drawingml/2006/diagram" xmlns:o="urn:schemas-microsoft-com:office:office" xmlns:v="urn:schemas-microsoft-com:vml" xmlns:pvml="urn:schemas-microsoft-com:office:powerpoint" xmlns:com="http://schemas.openxmlformats.org/drawingml/2006/compatibility" xmlns:p14="http://schemas.microsoft.com/office/powerpoint/2010/main" xmlns:p15="http://schemas.microsoft.com/office/powerpoint/2012/main">
+<p:sld xmlns:a="http://schemas.openxmlformats.org/drawingml/2006/main" xmlns:r="http://schemas.openxmlformats.org/officeDocument/2006/relationships" xmlns:p="http://schemas.openxmlformats.org/presentationml/2006/main">
   <p:cSld>
     <p:spTree>
       <p:nvGrpSpPr>
-        <p:cNvPr id="176" name="Shape 176"/>
+        <p:cNvPr id="1" name="Shape 176"/>
         <p:cNvGrpSpPr/>
         <p:nvPr/>
       </p:nvGrpSpPr>
@@ -12080,12 +12090,12 @@
           </a:ln>
         </p:spPr>
         <p:txBody>
-          <a:bodyPr anchorCtr="0" anchor="ctr" bIns="45725" lIns="91375" spcFirstLastPara="1" rIns="91375" wrap="square" tIns="45725">
+          <a:bodyPr spcFirstLastPara="1" wrap="square" lIns="91375" tIns="45725" rIns="91375" bIns="45725" anchor="ctr" anchorCtr="0">
             <a:noAutofit/>
           </a:bodyPr>
           <a:lstStyle/>
           <a:p>
-            <a:pPr indent="0" lvl="0" marL="0" marR="0" rtl="0" algn="ctr">
+            <a:pPr marL="0" marR="0" lvl="0" indent="0" algn="ctr" rtl="0">
               <a:lnSpc>
                 <a:spcPct val="100000"/>
               </a:lnSpc>
@@ -12097,10 +12107,7 @@
               </a:spcAft>
               <a:buNone/>
             </a:pPr>
-            <a:r>
-              <a:t/>
-            </a:r>
-            <a:endParaRPr b="0" i="0" sz="1300" u="none" cap="none" strike="noStrike">
+            <a:endParaRPr sz="1300" b="0" i="0" u="none" strike="noStrike" cap="none">
               <a:solidFill>
                 <a:srgbClr val="FFFFFF"/>
               </a:solidFill>
@@ -12115,9 +12122,11 @@
       <p:sp>
         <p:nvSpPr>
           <p:cNvPr id="178" name="Google Shape;178;p22"/>
-          <p:cNvSpPr txBox="1"/>
+          <p:cNvSpPr txBox="1">
+            <a:spLocks noGrp="1"/>
+          </p:cNvSpPr>
           <p:nvPr>
-            <p:ph idx="1" type="body"/>
+            <p:ph type="body" idx="1"/>
           </p:nvPr>
         </p:nvSpPr>
         <p:spPr>
@@ -12130,12 +12139,12 @@
           </a:prstGeom>
         </p:spPr>
         <p:txBody>
-          <a:bodyPr anchorCtr="0" anchor="t" bIns="243800" lIns="243800" spcFirstLastPara="1" rIns="243800" wrap="square" tIns="243800">
+          <a:bodyPr spcFirstLastPara="1" wrap="square" lIns="243800" tIns="243800" rIns="243800" bIns="243800" anchor="t" anchorCtr="0">
             <a:noAutofit/>
           </a:bodyPr>
           <a:lstStyle/>
           <a:p>
-            <a:pPr indent="0" lvl="0" marL="0" rtl="0" algn="ctr">
+            <a:pPr marL="0" lvl="0" indent="0" algn="ctr" rtl="0">
               <a:lnSpc>
                 <a:spcPct val="100000"/>
               </a:lnSpc>
@@ -12148,7 +12157,7 @@
               <a:buNone/>
             </a:pPr>
             <a:r>
-              <a:rPr b="1" lang="en-US" sz="3700">
+              <a:rPr lang="en-US" sz="3700" b="1" dirty="0">
                 <a:latin typeface="Proxima Nova"/>
                 <a:ea typeface="Proxima Nova"/>
                 <a:cs typeface="Proxima Nova"/>
@@ -12157,7 +12166,7 @@
               <a:t>Your Career Director provides you with 1:1 coaching to help</a:t>
             </a:r>
             <a:br>
-              <a:rPr b="1" lang="en-US" sz="3700">
+              <a:rPr lang="en-US" sz="3700" b="1" dirty="0">
                 <a:latin typeface="Proxima Nova"/>
                 <a:ea typeface="Proxima Nova"/>
                 <a:cs typeface="Proxima Nova"/>
@@ -12165,34 +12174,16 @@
               </a:rPr>
             </a:br>
             <a:r>
-              <a:rPr b="1" lang="en-US" sz="3700">
+              <a:rPr lang="en-US" sz="3700" b="1" dirty="0">
                 <a:latin typeface="Proxima Nova"/>
                 <a:ea typeface="Proxima Nova"/>
                 <a:cs typeface="Proxima Nova"/>
                 <a:sym typeface="Proxima Nova"/>
               </a:rPr>
-              <a:t>you be Employer </a:t>
+              <a:t>you be Employer Competitive in your job search.</a:t>
             </a:r>
             <a:r>
-              <a:rPr b="1" lang="en-US" sz="3700">
-                <a:latin typeface="Proxima Nova"/>
-                <a:ea typeface="Proxima Nova"/>
-                <a:cs typeface="Proxima Nova"/>
-                <a:sym typeface="Proxima Nova"/>
-              </a:rPr>
-              <a:t>Competitive</a:t>
-            </a:r>
-            <a:r>
-              <a:rPr b="1" lang="en-US" sz="3700">
-                <a:latin typeface="Proxima Nova"/>
-                <a:ea typeface="Proxima Nova"/>
-                <a:cs typeface="Proxima Nova"/>
-                <a:sym typeface="Proxima Nova"/>
-              </a:rPr>
-              <a:t> in your job search.</a:t>
-            </a:r>
-            <a:r>
-              <a:rPr lang="en-US" sz="2500">
+              <a:rPr lang="en-US" sz="2500" dirty="0">
                 <a:latin typeface="Proxima Nova"/>
                 <a:ea typeface="Proxima Nova"/>
                 <a:cs typeface="Proxima Nova"/>
@@ -12200,7 +12191,7 @@
               </a:rPr>
               <a:t> </a:t>
             </a:r>
-            <a:endParaRPr sz="2500">
+            <a:endParaRPr sz="2500" dirty="0">
               <a:latin typeface="Proxima Nova"/>
               <a:ea typeface="Proxima Nova"/>
               <a:cs typeface="Proxima Nova"/>
@@ -12208,7 +12199,7 @@
             </a:endParaRPr>
           </a:p>
           <a:p>
-            <a:pPr indent="0" lvl="0" marL="0" rtl="0" algn="ctr">
+            <a:pPr marL="0" lvl="0" indent="0" algn="ctr" rtl="0">
               <a:lnSpc>
                 <a:spcPct val="100000"/>
               </a:lnSpc>
@@ -12221,13 +12212,13 @@
               <a:buNone/>
             </a:pPr>
             <a:r>
-              <a:rPr lang="en-US" sz="3500">
+              <a:rPr lang="en-US" sz="3500" dirty="0">
                 <a:latin typeface="Proxima Nova"/>
                 <a:ea typeface="Proxima Nova"/>
                 <a:cs typeface="Proxima Nova"/>
                 <a:sym typeface="Proxima Nova"/>
               </a:rPr>
-              <a:t>Topics include: A</a:t>
+              <a:t>Topics include: Applying, gaining traction to land interviews, conducting </a:t>
             </a:r>
             <a:r>
               <a:rPr lang="en-US" sz="3500">
@@ -12236,7 +12227,7 @@
                 <a:cs typeface="Proxima Nova"/>
                 <a:sym typeface="Proxima Nova"/>
               </a:rPr>
-              <a:t>pplying, gaining traction to land interviews, conducting mock interviews,</a:t>
+              <a:t>mock behavioral interviews,</a:t>
             </a:r>
             <a:br>
               <a:rPr lang="en-US" sz="3500">
@@ -12312,12 +12303,12 @@
               </a:ln>
             </p:spPr>
             <p:txBody>
-              <a:bodyPr anchorCtr="0" anchor="ctr" bIns="50800" lIns="50800" spcFirstLastPara="1" rIns="50800" wrap="square" tIns="50800">
+              <a:bodyPr spcFirstLastPara="1" wrap="square" lIns="50800" tIns="50800" rIns="50800" bIns="50800" anchor="ctr" anchorCtr="0">
                 <a:noAutofit/>
               </a:bodyPr>
               <a:lstStyle/>
               <a:p>
-                <a:pPr indent="0" lvl="0" marL="0" marR="0" rtl="0" algn="l">
+                <a:pPr marL="0" marR="0" lvl="0" indent="0" algn="l" rtl="0">
                   <a:lnSpc>
                     <a:spcPct val="100000"/>
                   </a:lnSpc>
@@ -12330,7 +12321,7 @@
                   <a:buNone/>
                 </a:pPr>
                 <a:r>
-                  <a:rPr i="1" lang="en-US" sz="2100" u="none" cap="none" strike="noStrike">
+                  <a:rPr lang="en-US" sz="2100" i="1" u="none" strike="noStrike" cap="none">
                     <a:solidFill>
                       <a:srgbClr val="2E91A3"/>
                     </a:solidFill>
@@ -12341,7 +12332,7 @@
                   </a:rPr>
                   <a:t>Confidential &amp; Proprietary Information of Trilogy Education Services, a 2U, Inc. brand</a:t>
                 </a:r>
-                <a:endParaRPr i="1" sz="2100" u="none" cap="none" strike="noStrike">
+                <a:endParaRPr sz="2100" i="1" u="none" strike="noStrike" cap="none">
                   <a:solidFill>
                     <a:srgbClr val="2E91A3"/>
                   </a:solidFill>
@@ -12373,12 +12364,12 @@
               </a:ln>
             </p:spPr>
             <p:txBody>
-              <a:bodyPr anchorCtr="0" anchor="ctr" bIns="50800" lIns="50800" spcFirstLastPara="1" rIns="50800" wrap="square" tIns="50800">
+              <a:bodyPr spcFirstLastPara="1" wrap="square" lIns="50800" tIns="50800" rIns="50800" bIns="50800" anchor="ctr" anchorCtr="0">
                 <a:noAutofit/>
               </a:bodyPr>
               <a:lstStyle/>
               <a:p>
-                <a:pPr indent="0" lvl="0" marL="0" marR="0" rtl="0" algn="l">
+                <a:pPr marL="0" marR="0" lvl="0" indent="0" algn="l" rtl="0">
                   <a:lnSpc>
                     <a:spcPct val="100000"/>
                   </a:lnSpc>
@@ -12391,7 +12382,7 @@
                   <a:buNone/>
                 </a:pPr>
                 <a:r>
-                  <a:rPr i="1" lang="en-US" sz="2100" u="none" cap="none" strike="noStrike">
+                  <a:rPr lang="en-US" sz="2100" i="1" u="none" strike="noStrike" cap="none">
                     <a:solidFill>
                       <a:srgbClr val="2E91A3"/>
                     </a:solidFill>
@@ -12402,7 +12393,7 @@
                   </a:rPr>
                   <a:t>© Trilogy Education Services, a 2U, Inc. brand</a:t>
                 </a:r>
-                <a:endParaRPr i="1" sz="2100" u="none" cap="none" strike="noStrike">
+                <a:endParaRPr sz="2100" i="1" u="none" strike="noStrike" cap="none">
                   <a:solidFill>
                     <a:srgbClr val="2E91A3"/>
                   </a:solidFill>
@@ -12429,14 +12420,14 @@
                 <a:avLst/>
               </a:prstGeom>
               <a:noFill/>
-              <a:ln cap="flat" cmpd="sng" w="25400">
+              <a:ln w="25400" cap="flat" cmpd="sng">
                 <a:solidFill>
                   <a:srgbClr val="2E91A3"/>
                 </a:solidFill>
                 <a:prstDash val="solid"/>
                 <a:miter lim="400000"/>
-                <a:headEnd len="sm" w="sm" type="none"/>
-                <a:tailEnd len="sm" w="sm" type="none"/>
+                <a:headEnd type="none" w="sm" len="sm"/>
+                <a:tailEnd type="none" w="sm" len="sm"/>
               </a:ln>
             </p:spPr>
           </p:cxnSp>
@@ -12455,14 +12446,14 @@
                 <a:avLst/>
               </a:prstGeom>
               <a:noFill/>
-              <a:ln cap="flat" cmpd="sng" w="25400">
+              <a:ln w="25400" cap="flat" cmpd="sng">
                 <a:solidFill>
                   <a:srgbClr val="2E91A3"/>
                 </a:solidFill>
                 <a:prstDash val="solid"/>
                 <a:miter lim="400000"/>
-                <a:headEnd len="sm" w="sm" type="none"/>
-                <a:tailEnd len="sm" w="sm" type="none"/>
+                <a:headEnd type="none" w="sm" len="sm"/>
+                <a:tailEnd type="none" w="sm" len="sm"/>
               </a:ln>
             </p:spPr>
           </p:cxnSp>
@@ -12481,14 +12472,14 @@
                 <a:avLst/>
               </a:prstGeom>
               <a:noFill/>
-              <a:ln cap="flat" cmpd="sng" w="25400">
+              <a:ln w="25400" cap="flat" cmpd="sng">
                 <a:solidFill>
                   <a:srgbClr val="2E91A3"/>
                 </a:solidFill>
                 <a:prstDash val="solid"/>
                 <a:miter lim="400000"/>
-                <a:headEnd len="sm" w="sm" type="none"/>
-                <a:tailEnd len="sm" w="sm" type="none"/>
+                <a:headEnd type="none" w="sm" len="sm"/>
+                <a:tailEnd type="none" w="sm" len="sm"/>
               </a:ln>
             </p:spPr>
           </p:cxnSp>
@@ -12507,14 +12498,14 @@
                 <a:avLst/>
               </a:prstGeom>
               <a:noFill/>
-              <a:ln cap="flat" cmpd="sng" w="25400">
+              <a:ln w="25400" cap="flat" cmpd="sng">
                 <a:solidFill>
                   <a:srgbClr val="2E91A3"/>
                 </a:solidFill>
                 <a:prstDash val="solid"/>
                 <a:miter lim="400000"/>
-                <a:headEnd len="sm" w="sm" type="none"/>
-                <a:tailEnd len="sm" w="sm" type="none"/>
+                <a:headEnd type="none" w="sm" len="sm"/>
+                <a:tailEnd type="none" w="sm" len="sm"/>
               </a:ln>
             </p:spPr>
           </p:cxnSp>
@@ -12525,7 +12516,7 @@
               <p:nvPr/>
             </p:nvCxnSpPr>
             <p:spPr>
-              <a:xfrm flipH="1" rot="10800000">
+              <a:xfrm rot="10800000" flipH="1">
                 <a:off x="-14060" y="222246"/>
                 <a:ext cx="405000" cy="300"/>
               </a:xfrm>
@@ -12533,14 +12524,14 @@
                 <a:avLst/>
               </a:prstGeom>
               <a:noFill/>
-              <a:ln cap="flat" cmpd="sng" w="25400">
+              <a:ln w="25400" cap="flat" cmpd="sng">
                 <a:solidFill>
                   <a:srgbClr val="2E91A3"/>
                 </a:solidFill>
                 <a:prstDash val="solid"/>
                 <a:miter lim="400000"/>
-                <a:headEnd len="sm" w="sm" type="none"/>
-                <a:tailEnd len="sm" w="sm" type="none"/>
+                <a:headEnd type="none" w="sm" len="sm"/>
+                <a:tailEnd type="none" w="sm" len="sm"/>
               </a:ln>
             </p:spPr>
           </p:cxnSp>
@@ -12559,14 +12550,14 @@
                 <a:avLst/>
               </a:prstGeom>
               <a:noFill/>
-              <a:ln cap="flat" cmpd="sng" w="25400">
+              <a:ln w="25400" cap="flat" cmpd="sng">
                 <a:solidFill>
                   <a:srgbClr val="2E91A3"/>
                 </a:solidFill>
                 <a:prstDash val="solid"/>
                 <a:miter lim="400000"/>
-                <a:headEnd len="sm" w="sm" type="none"/>
-                <a:tailEnd len="sm" w="sm" type="none"/>
+                <a:headEnd type="none" w="sm" len="sm"/>
+                <a:tailEnd type="none" w="sm" len="sm"/>
               </a:ln>
             </p:spPr>
           </p:cxnSp>
@@ -12607,12 +12598,12 @@
               </a:ln>
             </p:spPr>
             <p:txBody>
-              <a:bodyPr anchorCtr="0" anchor="ctr" bIns="0" lIns="0" spcFirstLastPara="1" rIns="0" wrap="square" tIns="0">
+              <a:bodyPr spcFirstLastPara="1" wrap="square" lIns="0" tIns="0" rIns="0" bIns="0" anchor="ctr" anchorCtr="0">
                 <a:noAutofit/>
               </a:bodyPr>
               <a:lstStyle/>
               <a:p>
-                <a:pPr indent="0" lvl="0" marL="0" marR="0" rtl="0" algn="l">
+                <a:pPr marL="0" marR="0" lvl="0" indent="0" algn="l" rtl="0">
                   <a:lnSpc>
                     <a:spcPct val="100000"/>
                   </a:lnSpc>
@@ -12624,10 +12615,7 @@
                   </a:spcAft>
                   <a:buNone/>
                 </a:pPr>
-                <a:r>
-                  <a:t/>
-                </a:r>
-                <a:endParaRPr b="0" i="0" sz="1300" u="none" cap="none" strike="noStrike">
+                <a:endParaRPr sz="1300" b="0" i="0" u="none" strike="noStrike" cap="none">
                   <a:solidFill>
                     <a:srgbClr val="000000"/>
                   </a:solidFill>
@@ -12641,7 +12629,7 @@
           </p:sp>
           <p:pic>
             <p:nvPicPr>
-              <p:cNvPr descr="Image" id="191" name="Google Shape;191;p22"/>
+              <p:cNvPr id="191" name="Google Shape;191;p22" descr="Image"/>
               <p:cNvPicPr preferRelativeResize="0"/>
               <p:nvPr/>
             </p:nvPicPr>
@@ -12649,7 +12637,7 @@
               <a:blip r:embed="rId3">
                 <a:alphaModFix/>
               </a:blip>
-              <a:srcRect b="0" l="0" r="0" t="0"/>
+              <a:srcRect/>
               <a:stretch/>
             </p:blipFill>
             <p:spPr>
@@ -12688,12 +12676,12 @@
           </a:ln>
         </p:spPr>
         <p:txBody>
-          <a:bodyPr anchorCtr="0" anchor="t" bIns="91375" lIns="91375" spcFirstLastPara="1" rIns="91375" wrap="square" tIns="91375">
+          <a:bodyPr spcFirstLastPara="1" wrap="square" lIns="91375" tIns="91375" rIns="91375" bIns="91375" anchor="t" anchorCtr="0">
             <a:noAutofit/>
           </a:bodyPr>
           <a:lstStyle/>
           <a:p>
-            <a:pPr indent="0" lvl="0" marL="0" marR="0" rtl="0" algn="ctr">
+            <a:pPr marL="0" marR="0" lvl="0" indent="0" algn="ctr" rtl="0">
               <a:lnSpc>
                 <a:spcPct val="100000"/>
               </a:lnSpc>
@@ -12711,7 +12699,7 @@
               <a:buNone/>
             </a:pPr>
             <a:r>
-              <a:rPr b="1" lang="en-US" sz="6100">
+              <a:rPr lang="en-US" sz="6100" b="1">
                 <a:solidFill>
                   <a:srgbClr val="3F3F3F"/>
                 </a:solidFill>
@@ -12720,22 +12708,10 @@
                 <a:cs typeface="Proxima Nova"/>
                 <a:sym typeface="Proxima Nova"/>
               </a:rPr>
-              <a:t>Working With Your</a:t>
+              <a:t>Working With Your </a:t>
             </a:r>
             <a:r>
-              <a:rPr b="1" lang="en-US" sz="6100">
-                <a:solidFill>
-                  <a:srgbClr val="3F3F3F"/>
-                </a:solidFill>
-                <a:latin typeface="Proxima Nova"/>
-                <a:ea typeface="Proxima Nova"/>
-                <a:cs typeface="Proxima Nova"/>
-                <a:sym typeface="Proxima Nova"/>
-              </a:rPr>
-              <a:t> </a:t>
-            </a:r>
-            <a:r>
-              <a:rPr b="1" lang="en-US" sz="6100">
+              <a:rPr lang="en-US" sz="6100" b="1">
                 <a:solidFill>
                   <a:srgbClr val="28C8E5"/>
                 </a:solidFill>
@@ -12746,7 +12722,7 @@
               </a:rPr>
               <a:t>Career Director</a:t>
             </a:r>
-            <a:endParaRPr b="1" i="0" sz="6100" u="none" cap="none" strike="noStrike">
+            <a:endParaRPr sz="6100" b="1" i="0" u="none" strike="noStrike" cap="none">
               <a:solidFill>
                 <a:srgbClr val="FFFFFF"/>
               </a:solidFill>
@@ -12757,7 +12733,7 @@
             </a:endParaRPr>
           </a:p>
           <a:p>
-            <a:pPr indent="0" lvl="0" marL="0" marR="0" rtl="0" algn="ctr">
+            <a:pPr marL="0" marR="0" lvl="0" indent="0" algn="ctr" rtl="0">
               <a:lnSpc>
                 <a:spcPct val="100000"/>
               </a:lnSpc>
@@ -12774,10 +12750,7 @@
               <a:buFont typeface="Arial"/>
               <a:buNone/>
             </a:pPr>
-            <a:r>
-              <a:t/>
-            </a:r>
-            <a:endParaRPr b="1" i="0" sz="1300" u="none" cap="none" strike="noStrike">
+            <a:endParaRPr sz="1300" b="1" i="0" u="none" strike="noStrike" cap="none">
               <a:solidFill>
                 <a:srgbClr val="000000"/>
               </a:solidFill>
@@ -12809,12 +12782,12 @@
           </a:ln>
         </p:spPr>
         <p:txBody>
-          <a:bodyPr anchorCtr="0" anchor="t" bIns="91425" lIns="91425" spcFirstLastPara="1" rIns="91425" wrap="square" tIns="91425">
+          <a:bodyPr spcFirstLastPara="1" wrap="square" lIns="91425" tIns="91425" rIns="91425" bIns="91425" anchor="t" anchorCtr="0">
             <a:noAutofit/>
           </a:bodyPr>
           <a:lstStyle/>
           <a:p>
-            <a:pPr indent="0" lvl="0" marL="0" rtl="0" algn="ctr">
+            <a:pPr marL="0" lvl="0" indent="0" algn="ctr" rtl="0">
               <a:spcBef>
                 <a:spcPts val="0"/>
               </a:spcBef>
@@ -12833,19 +12806,7 @@
                 <a:cs typeface="Proxima Nova"/>
                 <a:sym typeface="Proxima Nova"/>
               </a:rPr>
-              <a:t>YOU HAVE TWO OPTIONS</a:t>
-            </a:r>
-            <a:r>
-              <a:rPr lang="en-US" sz="2900">
-                <a:solidFill>
-                  <a:schemeClr val="dk2"/>
-                </a:solidFill>
-                <a:latin typeface="Proxima Nova"/>
-                <a:ea typeface="Proxima Nova"/>
-                <a:cs typeface="Proxima Nova"/>
-                <a:sym typeface="Proxima Nova"/>
-              </a:rPr>
-              <a:t> </a:t>
+              <a:t>YOU HAVE TWO OPTIONS </a:t>
             </a:r>
             <a:endParaRPr/>
           </a:p>
@@ -12871,12 +12832,12 @@
           </a:ln>
         </p:spPr>
         <p:txBody>
-          <a:bodyPr anchorCtr="0" anchor="t" bIns="91425" lIns="91425" spcFirstLastPara="1" rIns="91425" wrap="square" tIns="91425">
+          <a:bodyPr spcFirstLastPara="1" wrap="square" lIns="91425" tIns="91425" rIns="91425" bIns="91425" anchor="t" anchorCtr="0">
             <a:noAutofit/>
           </a:bodyPr>
           <a:lstStyle/>
           <a:p>
-            <a:pPr indent="0" lvl="0" marL="0" rtl="0" algn="ctr">
+            <a:pPr marL="0" lvl="0" indent="0" algn="ctr" rtl="0">
               <a:spcBef>
                 <a:spcPts val="0"/>
               </a:spcBef>
@@ -12891,7 +12852,7 @@
               <a:buNone/>
             </a:pPr>
             <a:r>
-              <a:rPr b="1" lang="en-US" sz="3700">
+              <a:rPr lang="en-US" sz="3700" b="1">
                 <a:solidFill>
                   <a:schemeClr val="dk2"/>
                 </a:solidFill>
@@ -12902,7 +12863,7 @@
               </a:rPr>
               <a:t>We recommend scheduled Recurring Calls - Why?</a:t>
             </a:r>
-            <a:endParaRPr b="1" sz="3700">
+            <a:endParaRPr sz="3700" b="1">
               <a:solidFill>
                 <a:schemeClr val="dk2"/>
               </a:solidFill>
@@ -12913,7 +12874,7 @@
             </a:endParaRPr>
           </a:p>
           <a:p>
-            <a:pPr indent="0" lvl="0" marL="0" rtl="0" algn="ctr">
+            <a:pPr marL="0" lvl="0" indent="0" algn="ctr" rtl="0">
               <a:spcBef>
                 <a:spcPts val="4300"/>
               </a:spcBef>
@@ -12968,7 +12929,7 @@
             </a:endParaRPr>
           </a:p>
           <a:p>
-            <a:pPr indent="0" lvl="0" marL="0" rtl="0" algn="l">
+            <a:pPr marL="0" lvl="0" indent="0" algn="l" rtl="0">
               <a:spcBef>
                 <a:spcPts val="4300"/>
               </a:spcBef>
@@ -12982,9 +12943,6 @@
               <a:buFont typeface="Arial"/>
               <a:buNone/>
             </a:pPr>
-            <a:r>
-              <a:t/>
-            </a:r>
             <a:endParaRPr>
               <a:solidFill>
                 <a:schemeClr val="dk1"/>
@@ -12992,7 +12950,7 @@
             </a:endParaRPr>
           </a:p>
           <a:p>
-            <a:pPr indent="0" lvl="0" marL="0" rtl="0" algn="l">
+            <a:pPr marL="0" lvl="0" indent="0" algn="l" rtl="0">
               <a:spcBef>
                 <a:spcPts val="0"/>
               </a:spcBef>
@@ -13001,9 +12959,6 @@
               </a:spcAft>
               <a:buNone/>
             </a:pPr>
-            <a:r>
-              <a:t/>
-            </a:r>
             <a:endParaRPr/>
           </a:p>
         </p:txBody>
@@ -13028,12 +12983,12 @@
           </a:ln>
         </p:spPr>
         <p:txBody>
-          <a:bodyPr anchorCtr="0" anchor="t" bIns="91425" lIns="91425" spcFirstLastPara="1" rIns="91425" wrap="square" tIns="91425">
+          <a:bodyPr spcFirstLastPara="1" wrap="square" lIns="91425" tIns="91425" rIns="91425" bIns="91425" anchor="t" anchorCtr="0">
             <a:noAutofit/>
           </a:bodyPr>
           <a:lstStyle/>
           <a:p>
-            <a:pPr indent="0" lvl="0" marL="0" rtl="0" algn="ctr">
+            <a:pPr marL="0" lvl="0" indent="0" algn="ctr" rtl="0">
               <a:spcBef>
                 <a:spcPts val="0"/>
               </a:spcBef>
@@ -13086,12 +13041,12 @@
           </a:ln>
         </p:spPr>
         <p:txBody>
-          <a:bodyPr anchorCtr="0" anchor="t" bIns="91425" lIns="91425" spcFirstLastPara="1" rIns="91425" wrap="square" tIns="91425">
+          <a:bodyPr spcFirstLastPara="1" wrap="square" lIns="91425" tIns="91425" rIns="91425" bIns="91425" anchor="t" anchorCtr="0">
             <a:noAutofit/>
           </a:bodyPr>
           <a:lstStyle/>
           <a:p>
-            <a:pPr indent="0" lvl="0" marL="0" marR="0" rtl="0" algn="ctr">
+            <a:pPr marL="0" marR="0" lvl="0" indent="0" algn="ctr" rtl="0">
               <a:lnSpc>
                 <a:spcPct val="100000"/>
               </a:lnSpc>
@@ -13144,23 +13099,23 @@
           <a:solidFill>
             <a:srgbClr val="3F3F3F"/>
           </a:solidFill>
-          <a:ln cap="flat" cmpd="sng" w="38100">
+          <a:ln w="38100" cap="flat" cmpd="sng">
             <a:solidFill>
               <a:srgbClr val="28C8E5"/>
             </a:solidFill>
             <a:prstDash val="solid"/>
             <a:miter lim="400000"/>
-            <a:headEnd len="sm" w="sm" type="none"/>
-            <a:tailEnd len="sm" w="sm" type="none"/>
+            <a:headEnd type="none" w="sm" len="sm"/>
+            <a:tailEnd type="none" w="sm" len="sm"/>
           </a:ln>
         </p:spPr>
         <p:txBody>
-          <a:bodyPr anchorCtr="0" anchor="ctr" bIns="0" lIns="0" spcFirstLastPara="1" rIns="0" wrap="square" tIns="0">
+          <a:bodyPr spcFirstLastPara="1" wrap="square" lIns="0" tIns="0" rIns="0" bIns="0" anchor="ctr" anchorCtr="0">
             <a:noAutofit/>
           </a:bodyPr>
           <a:lstStyle/>
           <a:p>
-            <a:pPr indent="0" lvl="0" marL="0" marR="0" rtl="0" algn="ctr">
+            <a:pPr marL="0" marR="0" lvl="0" indent="0" algn="ctr" rtl="0">
               <a:lnSpc>
                 <a:spcPct val="100000"/>
               </a:lnSpc>
@@ -13177,10 +13132,7 @@
               <a:buFont typeface="Helvetica Neue"/>
               <a:buNone/>
             </a:pPr>
-            <a:r>
-              <a:t/>
-            </a:r>
-            <a:endParaRPr b="1" i="0" sz="2900" u="none" cap="none" strike="noStrike">
+            <a:endParaRPr sz="2900" b="1" i="0" u="none" strike="noStrike" cap="none">
               <a:solidFill>
                 <a:srgbClr val="FFFFFF"/>
               </a:solidFill>
@@ -13209,23 +13161,23 @@
           <a:solidFill>
             <a:srgbClr val="3F3F3F"/>
           </a:solidFill>
-          <a:ln cap="flat" cmpd="sng" w="38100">
+          <a:ln w="38100" cap="flat" cmpd="sng">
             <a:solidFill>
               <a:srgbClr val="28C8E5"/>
             </a:solidFill>
             <a:prstDash val="solid"/>
             <a:miter lim="400000"/>
-            <a:headEnd len="sm" w="sm" type="none"/>
-            <a:tailEnd len="sm" w="sm" type="none"/>
+            <a:headEnd type="none" w="sm" len="sm"/>
+            <a:tailEnd type="none" w="sm" len="sm"/>
           </a:ln>
         </p:spPr>
         <p:txBody>
-          <a:bodyPr anchorCtr="0" anchor="ctr" bIns="0" lIns="0" spcFirstLastPara="1" rIns="0" wrap="square" tIns="0">
+          <a:bodyPr spcFirstLastPara="1" wrap="square" lIns="0" tIns="0" rIns="0" bIns="0" anchor="ctr" anchorCtr="0">
             <a:noAutofit/>
           </a:bodyPr>
           <a:lstStyle/>
           <a:p>
-            <a:pPr indent="0" lvl="0" marL="0" marR="0" rtl="0" algn="ctr">
+            <a:pPr marL="0" marR="0" lvl="0" indent="0" algn="ctr" rtl="0">
               <a:lnSpc>
                 <a:spcPct val="100000"/>
               </a:lnSpc>
@@ -13242,10 +13194,7 @@
               <a:buFont typeface="Helvetica Neue"/>
               <a:buNone/>
             </a:pPr>
-            <a:r>
-              <a:t/>
-            </a:r>
-            <a:endParaRPr b="1" i="0" sz="2900" u="none" cap="none" strike="noStrike">
+            <a:endParaRPr sz="2900" b="1" i="0" u="none" strike="noStrike" cap="none">
               <a:solidFill>
                 <a:srgbClr val="FFFFFF"/>
               </a:solidFill>
@@ -13260,9 +13209,11 @@
       <p:sp>
         <p:nvSpPr>
           <p:cNvPr id="199" name="Google Shape;199;p22"/>
-          <p:cNvSpPr txBox="1"/>
+          <p:cNvSpPr txBox="1">
+            <a:spLocks noGrp="1"/>
+          </p:cNvSpPr>
           <p:nvPr>
-            <p:ph idx="1" type="body"/>
+            <p:ph type="body" idx="1"/>
           </p:nvPr>
         </p:nvSpPr>
         <p:spPr>
@@ -13275,12 +13226,12 @@
           </a:prstGeom>
         </p:spPr>
         <p:txBody>
-          <a:bodyPr anchorCtr="0" anchor="t" bIns="243800" lIns="243800" spcFirstLastPara="1" rIns="243800" wrap="square" tIns="243800">
+          <a:bodyPr spcFirstLastPara="1" wrap="square" lIns="243800" tIns="243800" rIns="243800" bIns="243800" anchor="t" anchorCtr="0">
             <a:noAutofit/>
           </a:bodyPr>
           <a:lstStyle/>
           <a:p>
-            <a:pPr indent="0" lvl="0" marL="0" rtl="0" algn="ctr">
+            <a:pPr marL="0" lvl="0" indent="0" algn="ctr" rtl="0">
               <a:lnSpc>
                 <a:spcPct val="100000"/>
               </a:lnSpc>
@@ -13319,9 +13270,11 @@
       <p:sp>
         <p:nvSpPr>
           <p:cNvPr id="200" name="Google Shape;200;p22"/>
-          <p:cNvSpPr txBox="1"/>
+          <p:cNvSpPr txBox="1">
+            <a:spLocks noGrp="1"/>
+          </p:cNvSpPr>
           <p:nvPr>
-            <p:ph idx="1" type="body"/>
+            <p:ph type="body" idx="1"/>
           </p:nvPr>
         </p:nvSpPr>
         <p:spPr>
@@ -13334,12 +13287,12 @@
           </a:prstGeom>
         </p:spPr>
         <p:txBody>
-          <a:bodyPr anchorCtr="0" anchor="t" bIns="243800" lIns="243800" spcFirstLastPara="1" rIns="243800" wrap="square" tIns="243800">
+          <a:bodyPr spcFirstLastPara="1" wrap="square" lIns="243800" tIns="243800" rIns="243800" bIns="243800" anchor="t" anchorCtr="0">
             <a:noAutofit/>
           </a:bodyPr>
           <a:lstStyle/>
           <a:p>
-            <a:pPr indent="0" lvl="0" marL="0" rtl="0" algn="ctr">
+            <a:pPr marL="0" lvl="0" indent="0" algn="ctr" rtl="0">
               <a:lnSpc>
                 <a:spcPct val="100000"/>
               </a:lnSpc>
@@ -13390,14 +13343,14 @@
             <a:avLst/>
           </a:prstGeom>
           <a:noFill/>
-          <a:ln cap="flat" cmpd="sng" w="19050">
+          <a:ln w="19050" cap="flat" cmpd="sng">
             <a:solidFill>
               <a:srgbClr val="666666"/>
             </a:solidFill>
             <a:prstDash val="dot"/>
             <a:round/>
-            <a:headEnd len="med" w="med" type="none"/>
-            <a:tailEnd len="med" w="med" type="none"/>
+            <a:headEnd type="none" w="med" len="med"/>
+            <a:tailEnd type="none" w="med" len="med"/>
           </a:ln>
         </p:spPr>
       </p:cxnSp>
@@ -13410,11 +13363,11 @@
 </file>
 
 <file path=ppt/slides/slide7.xml><?xml version="1.0" encoding="utf-8"?>
-<p:sld xmlns:a="http://schemas.openxmlformats.org/drawingml/2006/main" xmlns:r="http://schemas.openxmlformats.org/officeDocument/2006/relationships" xmlns:mc="http://schemas.openxmlformats.org/markup-compatibility/2006" xmlns:mv="urn:schemas-microsoft-com:mac:vml" xmlns:p="http://schemas.openxmlformats.org/presentationml/2006/main" xmlns:c="http://schemas.openxmlformats.org/drawingml/2006/chart" xmlns:dgm="http://schemas.openxmlformats.org/drawingml/2006/diagram" xmlns:o="urn:schemas-microsoft-com:office:office" xmlns:v="urn:schemas-microsoft-com:vml" xmlns:pvml="urn:schemas-microsoft-com:office:powerpoint" xmlns:com="http://schemas.openxmlformats.org/drawingml/2006/compatibility" xmlns:p14="http://schemas.microsoft.com/office/powerpoint/2010/main" xmlns:p15="http://schemas.microsoft.com/office/powerpoint/2012/main">
+<p:sld xmlns:a="http://schemas.openxmlformats.org/drawingml/2006/main" xmlns:r="http://schemas.openxmlformats.org/officeDocument/2006/relationships" xmlns:p="http://schemas.openxmlformats.org/presentationml/2006/main">
   <p:cSld>
     <p:spTree>
       <p:nvGrpSpPr>
-        <p:cNvPr id="205" name="Shape 205"/>
+        <p:cNvPr id="1" name="Shape 205"/>
         <p:cNvGrpSpPr/>
         <p:nvPr/>
       </p:nvGrpSpPr>
@@ -13429,9 +13382,11 @@
       <p:sp>
         <p:nvSpPr>
           <p:cNvPr id="206" name="Google Shape;206;p23"/>
-          <p:cNvSpPr txBox="1"/>
+          <p:cNvSpPr txBox="1">
+            <a:spLocks noGrp="1"/>
+          </p:cNvSpPr>
           <p:nvPr>
-            <p:ph idx="1" type="body"/>
+            <p:ph type="body" idx="1"/>
           </p:nvPr>
         </p:nvSpPr>
         <p:spPr>
@@ -13444,12 +13399,12 @@
           </a:prstGeom>
         </p:spPr>
         <p:txBody>
-          <a:bodyPr anchorCtr="0" anchor="t" bIns="243800" lIns="243800" spcFirstLastPara="1" rIns="243800" wrap="square" tIns="243800">
+          <a:bodyPr spcFirstLastPara="1" wrap="square" lIns="243800" tIns="243800" rIns="243800" bIns="243800" anchor="t" anchorCtr="0">
             <a:noAutofit/>
           </a:bodyPr>
           <a:lstStyle/>
           <a:p>
-            <a:pPr indent="0" lvl="0" marL="0" rtl="0" algn="l">
+            <a:pPr marL="0" lvl="0" indent="0" algn="l" rtl="0">
               <a:spcBef>
                 <a:spcPts val="0"/>
               </a:spcBef>
@@ -13475,7 +13430,7 @@
             </a:endParaRPr>
           </a:p>
           <a:p>
-            <a:pPr indent="0" lvl="0" marL="457200" rtl="0" algn="l">
+            <a:pPr marL="457200" lvl="0" indent="0" algn="l" rtl="0">
               <a:spcBef>
                 <a:spcPts val="4300"/>
               </a:spcBef>
@@ -13485,49 +13440,13 @@
               <a:buNone/>
             </a:pPr>
             <a:r>
-              <a:rPr i="1" lang="en-US" sz="2900">
+              <a:rPr lang="en-US" sz="2900" i="1">
                 <a:latin typeface="Proxima Nova"/>
                 <a:ea typeface="Proxima Nova"/>
                 <a:cs typeface="Proxima Nova"/>
                 <a:sym typeface="Proxima Nova"/>
               </a:rPr>
-              <a:t>Submit your professional </a:t>
-            </a:r>
-            <a:r>
-              <a:rPr i="1" lang="en-US" sz="2900">
-                <a:latin typeface="Proxima Nova"/>
-                <a:ea typeface="Proxima Nova"/>
-                <a:cs typeface="Proxima Nova"/>
-                <a:sym typeface="Proxima Nova"/>
-              </a:rPr>
-              <a:t>materials</a:t>
-            </a:r>
-            <a:r>
-              <a:rPr i="1" lang="en-US" sz="2900">
-                <a:latin typeface="Proxima Nova"/>
-                <a:ea typeface="Proxima Nova"/>
-                <a:cs typeface="Proxima Nova"/>
-                <a:sym typeface="Proxima Nova"/>
-              </a:rPr>
-              <a:t> for review. You’ll receive </a:t>
-            </a:r>
-            <a:r>
-              <a:rPr i="1" lang="en-US" sz="2900">
-                <a:latin typeface="Proxima Nova"/>
-                <a:ea typeface="Proxima Nova"/>
-                <a:cs typeface="Proxima Nova"/>
-                <a:sym typeface="Proxima Nova"/>
-              </a:rPr>
-              <a:t>feedback</a:t>
-            </a:r>
-            <a:r>
-              <a:rPr i="1" lang="en-US" sz="2900">
-                <a:latin typeface="Proxima Nova"/>
-                <a:ea typeface="Proxima Nova"/>
-                <a:cs typeface="Proxima Nova"/>
-                <a:sym typeface="Proxima Nova"/>
-              </a:rPr>
-              <a:t> from your Profile Coach within 5 days.</a:t>
+              <a:t>Submit your professional materials for review. You’ll receive feedback from your Profile Coach within 5 days.</a:t>
             </a:r>
             <a:r>
               <a:rPr lang="en-US" sz="2900">
@@ -13546,7 +13465,7 @@
             </a:endParaRPr>
           </a:p>
           <a:p>
-            <a:pPr indent="0" lvl="0" marL="0" rtl="0" algn="l">
+            <a:pPr marL="0" lvl="0" indent="0" algn="l" rtl="0">
               <a:spcBef>
                 <a:spcPts val="4300"/>
               </a:spcBef>
@@ -13581,7 +13500,7 @@
             </a:endParaRPr>
           </a:p>
           <a:p>
-            <a:pPr indent="0" lvl="0" marL="457200" rtl="0" algn="l">
+            <a:pPr marL="457200" lvl="0" indent="0" algn="l" rtl="0">
               <a:spcBef>
                 <a:spcPts val="4300"/>
               </a:spcBef>
@@ -13591,7 +13510,7 @@
               <a:buNone/>
             </a:pPr>
             <a:r>
-              <a:rPr i="1" lang="en-US" sz="2900">
+              <a:rPr lang="en-US" sz="2900" i="1">
                 <a:latin typeface="Proxima Nova"/>
                 <a:ea typeface="Proxima Nova"/>
                 <a:cs typeface="Proxima Nova"/>
@@ -13616,7 +13535,7 @@
             </a:endParaRPr>
           </a:p>
           <a:p>
-            <a:pPr indent="0" lvl="0" marL="0" rtl="0" algn="l">
+            <a:pPr marL="0" lvl="0" indent="0" algn="l" rtl="0">
               <a:spcBef>
                 <a:spcPts val="4300"/>
               </a:spcBef>
@@ -13691,12 +13610,12 @@
               </a:ln>
             </p:spPr>
             <p:txBody>
-              <a:bodyPr anchorCtr="0" anchor="ctr" bIns="50800" lIns="50800" spcFirstLastPara="1" rIns="50800" wrap="square" tIns="50800">
+              <a:bodyPr spcFirstLastPara="1" wrap="square" lIns="50800" tIns="50800" rIns="50800" bIns="50800" anchor="ctr" anchorCtr="0">
                 <a:noAutofit/>
               </a:bodyPr>
               <a:lstStyle/>
               <a:p>
-                <a:pPr indent="0" lvl="0" marL="0" marR="0" rtl="0" algn="l">
+                <a:pPr marL="0" marR="0" lvl="0" indent="0" algn="l" rtl="0">
                   <a:lnSpc>
                     <a:spcPct val="100000"/>
                   </a:lnSpc>
@@ -13709,7 +13628,7 @@
                   <a:buNone/>
                 </a:pPr>
                 <a:r>
-                  <a:rPr i="1" lang="en-US" sz="2100" u="none" cap="none" strike="noStrike">
+                  <a:rPr lang="en-US" sz="2100" i="1" u="none" strike="noStrike" cap="none">
                     <a:solidFill>
                       <a:srgbClr val="2E91A3"/>
                     </a:solidFill>
@@ -13720,7 +13639,7 @@
                   </a:rPr>
                   <a:t>Confidential &amp; Proprietary Information of Trilogy Education Services, a 2U, Inc. brand</a:t>
                 </a:r>
-                <a:endParaRPr i="1" sz="2100" u="none" cap="none" strike="noStrike">
+                <a:endParaRPr sz="2100" i="1" u="none" strike="noStrike" cap="none">
                   <a:solidFill>
                     <a:srgbClr val="2E91A3"/>
                   </a:solidFill>
@@ -13752,12 +13671,12 @@
               </a:ln>
             </p:spPr>
             <p:txBody>
-              <a:bodyPr anchorCtr="0" anchor="ctr" bIns="50800" lIns="50800" spcFirstLastPara="1" rIns="50800" wrap="square" tIns="50800">
+              <a:bodyPr spcFirstLastPara="1" wrap="square" lIns="50800" tIns="50800" rIns="50800" bIns="50800" anchor="ctr" anchorCtr="0">
                 <a:noAutofit/>
               </a:bodyPr>
               <a:lstStyle/>
               <a:p>
-                <a:pPr indent="0" lvl="0" marL="0" marR="0" rtl="0" algn="l">
+                <a:pPr marL="0" marR="0" lvl="0" indent="0" algn="l" rtl="0">
                   <a:lnSpc>
                     <a:spcPct val="100000"/>
                   </a:lnSpc>
@@ -13770,7 +13689,7 @@
                   <a:buNone/>
                 </a:pPr>
                 <a:r>
-                  <a:rPr i="1" lang="en-US" sz="2100" u="none" cap="none" strike="noStrike">
+                  <a:rPr lang="en-US" sz="2100" i="1" u="none" strike="noStrike" cap="none">
                     <a:solidFill>
                       <a:srgbClr val="2E91A3"/>
                     </a:solidFill>
@@ -13781,7 +13700,7 @@
                   </a:rPr>
                   <a:t>© Trilogy Education Services, a 2U, Inc. brand</a:t>
                 </a:r>
-                <a:endParaRPr i="1" sz="2100" u="none" cap="none" strike="noStrike">
+                <a:endParaRPr sz="2100" i="1" u="none" strike="noStrike" cap="none">
                   <a:solidFill>
                     <a:srgbClr val="2E91A3"/>
                   </a:solidFill>
@@ -13808,14 +13727,14 @@
                 <a:avLst/>
               </a:prstGeom>
               <a:noFill/>
-              <a:ln cap="flat" cmpd="sng" w="25400">
+              <a:ln w="25400" cap="flat" cmpd="sng">
                 <a:solidFill>
                   <a:srgbClr val="2E91A3"/>
                 </a:solidFill>
                 <a:prstDash val="solid"/>
                 <a:miter lim="400000"/>
-                <a:headEnd len="sm" w="sm" type="none"/>
-                <a:tailEnd len="sm" w="sm" type="none"/>
+                <a:headEnd type="none" w="sm" len="sm"/>
+                <a:tailEnd type="none" w="sm" len="sm"/>
               </a:ln>
             </p:spPr>
           </p:cxnSp>
@@ -13834,14 +13753,14 @@
                 <a:avLst/>
               </a:prstGeom>
               <a:noFill/>
-              <a:ln cap="flat" cmpd="sng" w="25400">
+              <a:ln w="25400" cap="flat" cmpd="sng">
                 <a:solidFill>
                   <a:srgbClr val="2E91A3"/>
                 </a:solidFill>
                 <a:prstDash val="solid"/>
                 <a:miter lim="400000"/>
-                <a:headEnd len="sm" w="sm" type="none"/>
-                <a:tailEnd len="sm" w="sm" type="none"/>
+                <a:headEnd type="none" w="sm" len="sm"/>
+                <a:tailEnd type="none" w="sm" len="sm"/>
               </a:ln>
             </p:spPr>
           </p:cxnSp>
@@ -13860,14 +13779,14 @@
                 <a:avLst/>
               </a:prstGeom>
               <a:noFill/>
-              <a:ln cap="flat" cmpd="sng" w="25400">
+              <a:ln w="25400" cap="flat" cmpd="sng">
                 <a:solidFill>
                   <a:srgbClr val="2E91A3"/>
                 </a:solidFill>
                 <a:prstDash val="solid"/>
                 <a:miter lim="400000"/>
-                <a:headEnd len="sm" w="sm" type="none"/>
-                <a:tailEnd len="sm" w="sm" type="none"/>
+                <a:headEnd type="none" w="sm" len="sm"/>
+                <a:tailEnd type="none" w="sm" len="sm"/>
               </a:ln>
             </p:spPr>
           </p:cxnSp>
@@ -13886,14 +13805,14 @@
                 <a:avLst/>
               </a:prstGeom>
               <a:noFill/>
-              <a:ln cap="flat" cmpd="sng" w="25400">
+              <a:ln w="25400" cap="flat" cmpd="sng">
                 <a:solidFill>
                   <a:srgbClr val="2E91A3"/>
                 </a:solidFill>
                 <a:prstDash val="solid"/>
                 <a:miter lim="400000"/>
-                <a:headEnd len="sm" w="sm" type="none"/>
-                <a:tailEnd len="sm" w="sm" type="none"/>
+                <a:headEnd type="none" w="sm" len="sm"/>
+                <a:tailEnd type="none" w="sm" len="sm"/>
               </a:ln>
             </p:spPr>
           </p:cxnSp>
@@ -13904,7 +13823,7 @@
               <p:nvPr/>
             </p:nvCxnSpPr>
             <p:spPr>
-              <a:xfrm flipH="1" rot="10800000">
+              <a:xfrm rot="10800000" flipH="1">
                 <a:off x="-14060" y="222246"/>
                 <a:ext cx="405000" cy="300"/>
               </a:xfrm>
@@ -13912,14 +13831,14 @@
                 <a:avLst/>
               </a:prstGeom>
               <a:noFill/>
-              <a:ln cap="flat" cmpd="sng" w="25400">
+              <a:ln w="25400" cap="flat" cmpd="sng">
                 <a:solidFill>
                   <a:srgbClr val="2E91A3"/>
                 </a:solidFill>
                 <a:prstDash val="solid"/>
                 <a:miter lim="400000"/>
-                <a:headEnd len="sm" w="sm" type="none"/>
-                <a:tailEnd len="sm" w="sm" type="none"/>
+                <a:headEnd type="none" w="sm" len="sm"/>
+                <a:tailEnd type="none" w="sm" len="sm"/>
               </a:ln>
             </p:spPr>
           </p:cxnSp>
@@ -13938,14 +13857,14 @@
                 <a:avLst/>
               </a:prstGeom>
               <a:noFill/>
-              <a:ln cap="flat" cmpd="sng" w="25400">
+              <a:ln w="25400" cap="flat" cmpd="sng">
                 <a:solidFill>
                   <a:srgbClr val="2E91A3"/>
                 </a:solidFill>
                 <a:prstDash val="solid"/>
                 <a:miter lim="400000"/>
-                <a:headEnd len="sm" w="sm" type="none"/>
-                <a:tailEnd len="sm" w="sm" type="none"/>
+                <a:headEnd type="none" w="sm" len="sm"/>
+                <a:tailEnd type="none" w="sm" len="sm"/>
               </a:ln>
             </p:spPr>
           </p:cxnSp>
@@ -13986,12 +13905,12 @@
               </a:ln>
             </p:spPr>
             <p:txBody>
-              <a:bodyPr anchorCtr="0" anchor="ctr" bIns="0" lIns="0" spcFirstLastPara="1" rIns="0" wrap="square" tIns="0">
+              <a:bodyPr spcFirstLastPara="1" wrap="square" lIns="0" tIns="0" rIns="0" bIns="0" anchor="ctr" anchorCtr="0">
                 <a:noAutofit/>
               </a:bodyPr>
               <a:lstStyle/>
               <a:p>
-                <a:pPr indent="0" lvl="0" marL="0" marR="0" rtl="0" algn="l">
+                <a:pPr marL="0" marR="0" lvl="0" indent="0" algn="l" rtl="0">
                   <a:lnSpc>
                     <a:spcPct val="100000"/>
                   </a:lnSpc>
@@ -14003,10 +13922,7 @@
                   </a:spcAft>
                   <a:buNone/>
                 </a:pPr>
-                <a:r>
-                  <a:t/>
-                </a:r>
-                <a:endParaRPr b="0" i="0" sz="1300" u="none" cap="none" strike="noStrike">
+                <a:endParaRPr sz="1300" b="0" i="0" u="none" strike="noStrike" cap="none">
                   <a:solidFill>
                     <a:srgbClr val="000000"/>
                   </a:solidFill>
@@ -14020,7 +13936,7 @@
           </p:sp>
           <p:pic>
             <p:nvPicPr>
-              <p:cNvPr descr="Image" id="219" name="Google Shape;219;p23"/>
+              <p:cNvPr id="219" name="Google Shape;219;p23" descr="Image"/>
               <p:cNvPicPr preferRelativeResize="0"/>
               <p:nvPr/>
             </p:nvPicPr>
@@ -14028,7 +13944,7 @@
               <a:blip r:embed="rId3">
                 <a:alphaModFix/>
               </a:blip>
-              <a:srcRect b="0" l="0" r="0" t="0"/>
+              <a:srcRect/>
               <a:stretch/>
             </p:blipFill>
             <p:spPr>
@@ -14067,12 +13983,12 @@
           </a:ln>
         </p:spPr>
         <p:txBody>
-          <a:bodyPr anchorCtr="0" anchor="t" bIns="91375" lIns="91375" spcFirstLastPara="1" rIns="91375" wrap="square" tIns="91375">
+          <a:bodyPr spcFirstLastPara="1" wrap="square" lIns="91375" tIns="91375" rIns="91375" bIns="91375" anchor="t" anchorCtr="0">
             <a:noAutofit/>
           </a:bodyPr>
           <a:lstStyle/>
           <a:p>
-            <a:pPr indent="0" lvl="0" marL="0" marR="0" rtl="0" algn="ctr">
+            <a:pPr marL="0" marR="0" lvl="0" indent="0" algn="ctr" rtl="0">
               <a:lnSpc>
                 <a:spcPct val="100000"/>
               </a:lnSpc>
@@ -14090,7 +14006,7 @@
               <a:buNone/>
             </a:pPr>
             <a:r>
-              <a:rPr b="1" lang="en-US" sz="6100">
+              <a:rPr lang="en-US" sz="6100" b="1">
                 <a:solidFill>
                   <a:srgbClr val="3F3F3F"/>
                 </a:solidFill>
@@ -14099,22 +14015,10 @@
                 <a:cs typeface="Proxima Nova"/>
                 <a:sym typeface="Proxima Nova"/>
               </a:rPr>
-              <a:t>Career Services</a:t>
+              <a:t>Career Services </a:t>
             </a:r>
             <a:r>
-              <a:rPr b="1" lang="en-US" sz="6100">
-                <a:solidFill>
-                  <a:srgbClr val="3F3F3F"/>
-                </a:solidFill>
-                <a:latin typeface="Proxima Nova"/>
-                <a:ea typeface="Proxima Nova"/>
-                <a:cs typeface="Proxima Nova"/>
-                <a:sym typeface="Proxima Nova"/>
-              </a:rPr>
-              <a:t> </a:t>
-            </a:r>
-            <a:r>
-              <a:rPr b="1" lang="en-US" sz="6100">
+              <a:rPr lang="en-US" sz="6100" b="1">
                 <a:solidFill>
                   <a:srgbClr val="28C8E5"/>
                 </a:solidFill>
@@ -14125,7 +14029,7 @@
               </a:rPr>
               <a:t>Next Steps</a:t>
             </a:r>
-            <a:endParaRPr b="1" i="0" sz="6100" u="none" cap="none" strike="noStrike">
+            <a:endParaRPr sz="6100" b="1" i="0" u="none" strike="noStrike" cap="none">
               <a:solidFill>
                 <a:srgbClr val="FFFFFF"/>
               </a:solidFill>
@@ -14136,7 +14040,7 @@
             </a:endParaRPr>
           </a:p>
           <a:p>
-            <a:pPr indent="0" lvl="0" marL="0" marR="0" rtl="0" algn="ctr">
+            <a:pPr marL="0" marR="0" lvl="0" indent="0" algn="ctr" rtl="0">
               <a:lnSpc>
                 <a:spcPct val="100000"/>
               </a:lnSpc>
@@ -14153,10 +14057,7 @@
               <a:buFont typeface="Arial"/>
               <a:buNone/>
             </a:pPr>
-            <a:r>
-              <a:t/>
-            </a:r>
-            <a:endParaRPr b="1" i="0" sz="1300" u="none" cap="none" strike="noStrike">
+            <a:endParaRPr sz="1300" b="1" i="0" u="none" strike="noStrike" cap="none">
               <a:solidFill>
                 <a:srgbClr val="000000"/>
               </a:solidFill>
@@ -14185,23 +14086,23 @@
           <a:solidFill>
             <a:srgbClr val="3F3F3F"/>
           </a:solidFill>
-          <a:ln cap="flat" cmpd="sng" w="38100">
+          <a:ln w="38100" cap="flat" cmpd="sng">
             <a:solidFill>
               <a:srgbClr val="28C8E5"/>
             </a:solidFill>
             <a:prstDash val="solid"/>
             <a:miter lim="400000"/>
-            <a:headEnd len="sm" w="sm" type="none"/>
-            <a:tailEnd len="sm" w="sm" type="none"/>
+            <a:headEnd type="none" w="sm" len="sm"/>
+            <a:tailEnd type="none" w="sm" len="sm"/>
           </a:ln>
         </p:spPr>
         <p:txBody>
-          <a:bodyPr anchorCtr="0" anchor="ctr" bIns="0" lIns="0" spcFirstLastPara="1" rIns="0" wrap="square" tIns="0">
+          <a:bodyPr spcFirstLastPara="1" wrap="square" lIns="0" tIns="0" rIns="0" bIns="0" anchor="ctr" anchorCtr="0">
             <a:noAutofit/>
           </a:bodyPr>
           <a:lstStyle/>
           <a:p>
-            <a:pPr indent="0" lvl="0" marL="0" marR="0" rtl="0" algn="ctr">
+            <a:pPr marL="0" marR="0" lvl="0" indent="0" algn="ctr" rtl="0">
               <a:lnSpc>
                 <a:spcPct val="100000"/>
               </a:lnSpc>
@@ -14218,10 +14119,7 @@
               <a:buFont typeface="Helvetica Neue"/>
               <a:buNone/>
             </a:pPr>
-            <a:r>
-              <a:t/>
-            </a:r>
-            <a:endParaRPr b="1" i="0" sz="2900" u="none" cap="none" strike="noStrike">
+            <a:endParaRPr sz="2900" b="1" i="0" u="none" strike="noStrike" cap="none">
               <a:solidFill>
                 <a:srgbClr val="FFFFFF"/>
               </a:solidFill>
@@ -14236,9 +14134,11 @@
       <p:sp>
         <p:nvSpPr>
           <p:cNvPr id="222" name="Google Shape;222;p23"/>
-          <p:cNvSpPr txBox="1"/>
+          <p:cNvSpPr txBox="1">
+            <a:spLocks noGrp="1"/>
+          </p:cNvSpPr>
           <p:nvPr>
-            <p:ph idx="1" type="body"/>
+            <p:ph type="body" idx="1"/>
           </p:nvPr>
         </p:nvSpPr>
         <p:spPr>
@@ -14251,12 +14151,12 @@
           </a:prstGeom>
         </p:spPr>
         <p:txBody>
-          <a:bodyPr anchorCtr="0" anchor="t" bIns="243800" lIns="243800" spcFirstLastPara="1" rIns="243800" wrap="square" tIns="243800">
+          <a:bodyPr spcFirstLastPara="1" wrap="square" lIns="243800" tIns="243800" rIns="243800" bIns="243800" anchor="t" anchorCtr="0">
             <a:noAutofit/>
           </a:bodyPr>
           <a:lstStyle/>
           <a:p>
-            <a:pPr indent="0" lvl="0" marL="0" rtl="0" algn="ctr">
+            <a:pPr marL="0" lvl="0" indent="0" algn="ctr" rtl="0">
               <a:lnSpc>
                 <a:spcPct val="100000"/>
               </a:lnSpc>
@@ -14309,23 +14209,23 @@
           <a:solidFill>
             <a:srgbClr val="3F3F3F"/>
           </a:solidFill>
-          <a:ln cap="flat" cmpd="sng" w="38100">
+          <a:ln w="38100" cap="flat" cmpd="sng">
             <a:solidFill>
               <a:srgbClr val="28C8E5"/>
             </a:solidFill>
             <a:prstDash val="solid"/>
             <a:miter lim="400000"/>
-            <a:headEnd len="sm" w="sm" type="none"/>
-            <a:tailEnd len="sm" w="sm" type="none"/>
+            <a:headEnd type="none" w="sm" len="sm"/>
+            <a:tailEnd type="none" w="sm" len="sm"/>
           </a:ln>
         </p:spPr>
         <p:txBody>
-          <a:bodyPr anchorCtr="0" anchor="ctr" bIns="0" lIns="0" spcFirstLastPara="1" rIns="0" wrap="square" tIns="0">
+          <a:bodyPr spcFirstLastPara="1" wrap="square" lIns="0" tIns="0" rIns="0" bIns="0" anchor="ctr" anchorCtr="0">
             <a:noAutofit/>
           </a:bodyPr>
           <a:lstStyle/>
           <a:p>
-            <a:pPr indent="0" lvl="0" marL="0" marR="0" rtl="0" algn="ctr">
+            <a:pPr marL="0" marR="0" lvl="0" indent="0" algn="ctr" rtl="0">
               <a:lnSpc>
                 <a:spcPct val="100000"/>
               </a:lnSpc>
@@ -14342,10 +14242,7 @@
               <a:buFont typeface="Helvetica Neue"/>
               <a:buNone/>
             </a:pPr>
-            <a:r>
-              <a:t/>
-            </a:r>
-            <a:endParaRPr b="1" i="0" sz="2900" u="none" cap="none" strike="noStrike">
+            <a:endParaRPr sz="2900" b="1" i="0" u="none" strike="noStrike" cap="none">
               <a:solidFill>
                 <a:srgbClr val="FFFFFF"/>
               </a:solidFill>
@@ -14360,9 +14257,11 @@
       <p:sp>
         <p:nvSpPr>
           <p:cNvPr id="224" name="Google Shape;224;p23"/>
-          <p:cNvSpPr txBox="1"/>
+          <p:cNvSpPr txBox="1">
+            <a:spLocks noGrp="1"/>
+          </p:cNvSpPr>
           <p:nvPr>
-            <p:ph idx="1" type="body"/>
+            <p:ph type="body" idx="1"/>
           </p:nvPr>
         </p:nvSpPr>
         <p:spPr>
@@ -14375,12 +14274,12 @@
           </a:prstGeom>
         </p:spPr>
         <p:txBody>
-          <a:bodyPr anchorCtr="0" anchor="t" bIns="243800" lIns="243800" spcFirstLastPara="1" rIns="243800" wrap="square" tIns="243800">
+          <a:bodyPr spcFirstLastPara="1" wrap="square" lIns="243800" tIns="243800" rIns="243800" bIns="243800" anchor="t" anchorCtr="0">
             <a:noAutofit/>
           </a:bodyPr>
           <a:lstStyle/>
           <a:p>
-            <a:pPr indent="0" lvl="0" marL="0" rtl="0" algn="ctr">
+            <a:pPr marL="0" lvl="0" indent="0" algn="ctr" rtl="0">
               <a:lnSpc>
                 <a:spcPct val="100000"/>
               </a:lnSpc>
@@ -14433,23 +14332,23 @@
           <a:solidFill>
             <a:srgbClr val="3F3F3F"/>
           </a:solidFill>
-          <a:ln cap="flat" cmpd="sng" w="38100">
+          <a:ln w="38100" cap="flat" cmpd="sng">
             <a:solidFill>
               <a:srgbClr val="28C8E5"/>
             </a:solidFill>
             <a:prstDash val="solid"/>
             <a:miter lim="400000"/>
-            <a:headEnd len="sm" w="sm" type="none"/>
-            <a:tailEnd len="sm" w="sm" type="none"/>
+            <a:headEnd type="none" w="sm" len="sm"/>
+            <a:tailEnd type="none" w="sm" len="sm"/>
           </a:ln>
         </p:spPr>
         <p:txBody>
-          <a:bodyPr anchorCtr="0" anchor="ctr" bIns="0" lIns="0" spcFirstLastPara="1" rIns="0" wrap="square" tIns="0">
+          <a:bodyPr spcFirstLastPara="1" wrap="square" lIns="0" tIns="0" rIns="0" bIns="0" anchor="ctr" anchorCtr="0">
             <a:noAutofit/>
           </a:bodyPr>
           <a:lstStyle/>
           <a:p>
-            <a:pPr indent="0" lvl="0" marL="0" marR="0" rtl="0" algn="ctr">
+            <a:pPr marL="0" marR="0" lvl="0" indent="0" algn="ctr" rtl="0">
               <a:lnSpc>
                 <a:spcPct val="100000"/>
               </a:lnSpc>
@@ -14466,10 +14365,7 @@
               <a:buFont typeface="Helvetica Neue"/>
               <a:buNone/>
             </a:pPr>
-            <a:r>
-              <a:t/>
-            </a:r>
-            <a:endParaRPr b="1" i="0" sz="2900" u="none" cap="none" strike="noStrike">
+            <a:endParaRPr sz="2900" b="1" i="0" u="none" strike="noStrike" cap="none">
               <a:solidFill>
                 <a:srgbClr val="FFFFFF"/>
               </a:solidFill>
@@ -14484,9 +14380,11 @@
       <p:sp>
         <p:nvSpPr>
           <p:cNvPr id="226" name="Google Shape;226;p23"/>
-          <p:cNvSpPr txBox="1"/>
+          <p:cNvSpPr txBox="1">
+            <a:spLocks noGrp="1"/>
+          </p:cNvSpPr>
           <p:nvPr>
-            <p:ph idx="1" type="body"/>
+            <p:ph type="body" idx="1"/>
           </p:nvPr>
         </p:nvSpPr>
         <p:spPr>
@@ -14499,12 +14397,12 @@
           </a:prstGeom>
         </p:spPr>
         <p:txBody>
-          <a:bodyPr anchorCtr="0" anchor="t" bIns="243800" lIns="243800" spcFirstLastPara="1" rIns="243800" wrap="square" tIns="243800">
+          <a:bodyPr spcFirstLastPara="1" wrap="square" lIns="243800" tIns="243800" rIns="243800" bIns="243800" anchor="t" anchorCtr="0">
             <a:noAutofit/>
           </a:bodyPr>
           <a:lstStyle/>
           <a:p>
-            <a:pPr indent="0" lvl="0" marL="0" rtl="0" algn="ctr">
+            <a:pPr marL="0" lvl="0" indent="0" algn="ctr" rtl="0">
               <a:lnSpc>
                 <a:spcPct val="100000"/>
               </a:lnSpc>
@@ -14549,7 +14447,7 @@
 </file>
 
 <file path=ppt/theme/theme1.xml><?xml version="1.0" encoding="utf-8"?>
-<a:theme xmlns:a="http://schemas.openxmlformats.org/drawingml/2006/main" xmlns:r="http://schemas.openxmlformats.org/officeDocument/2006/relationships" name="Simple Light">
+<a:theme xmlns:a="http://schemas.openxmlformats.org/drawingml/2006/main" name="Simple Light">
   <a:themeElements>
     <a:clrScheme name="Simple Light">
       <a:dk1>
@@ -14824,11 +14722,13 @@
       </a:bgFillStyleLst>
     </a:fmtScheme>
   </a:themeElements>
+  <a:objectDefaults/>
+  <a:extraClrSchemeLst/>
 </a:theme>
 </file>
 
 <file path=ppt/theme/theme2.xml><?xml version="1.0" encoding="utf-8"?>
-<a:theme xmlns:a="http://schemas.openxmlformats.org/drawingml/2006/main" xmlns:r="http://schemas.openxmlformats.org/officeDocument/2006/relationships" name="White">
+<a:theme xmlns:a="http://schemas.openxmlformats.org/drawingml/2006/main" name="White">
   <a:themeElements>
     <a:clrScheme name="White">
       <a:dk1>
@@ -15103,5 +15003,7 @@
       </a:bgFillStyleLst>
     </a:fmtScheme>
   </a:themeElements>
+  <a:objectDefaults/>
+  <a:extraClrSchemeLst/>
 </a:theme>
 </file>
--- a/17-NoSQL/2-thursday-mongoose/career-services.pptx
+++ b/17-NoSQL/2-thursday-mongoose/career-services.pptx
@@ -5,46 +5,48 @@
     <p:sldMasterId id="2147483663" r:id="rId1"/>
   </p:sldMasterIdLst>
   <p:notesMasterIdLst>
-    <p:notesMasterId r:id="rId9"/>
+    <p:notesMasterId r:id="rId11"/>
   </p:notesMasterIdLst>
   <p:sldIdLst>
-    <p:sldId id="256" r:id="rId2"/>
-    <p:sldId id="257" r:id="rId3"/>
-    <p:sldId id="258" r:id="rId4"/>
-    <p:sldId id="259" r:id="rId5"/>
-    <p:sldId id="260" r:id="rId6"/>
-    <p:sldId id="261" r:id="rId7"/>
-    <p:sldId id="262" r:id="rId8"/>
+    <p:sldId id="263" r:id="rId2"/>
+    <p:sldId id="264" r:id="rId3"/>
+    <p:sldId id="256" r:id="rId4"/>
+    <p:sldId id="257" r:id="rId5"/>
+    <p:sldId id="258" r:id="rId6"/>
+    <p:sldId id="259" r:id="rId7"/>
+    <p:sldId id="260" r:id="rId8"/>
+    <p:sldId id="261" r:id="rId9"/>
+    <p:sldId id="262" r:id="rId10"/>
   </p:sldIdLst>
   <p:sldSz cx="24384000" cy="13716000"/>
   <p:notesSz cx="6858000" cy="9144000"/>
   <p:embeddedFontLst>
     <p:embeddedFont>
       <p:font typeface="Helvetica Neue" panose="020B0604020202020204" charset="0"/>
-      <p:regular r:id="rId10"/>
-      <p:bold r:id="rId11"/>
-      <p:italic r:id="rId12"/>
-      <p:boldItalic r:id="rId13"/>
+      <p:regular r:id="rId12"/>
+      <p:bold r:id="rId13"/>
+      <p:italic r:id="rId14"/>
+      <p:boldItalic r:id="rId15"/>
     </p:embeddedFont>
     <p:embeddedFont>
       <p:font typeface="Helvetica Neue Light" panose="020B0604020202020204" charset="0"/>
-      <p:regular r:id="rId14"/>
-      <p:bold r:id="rId15"/>
-      <p:italic r:id="rId16"/>
-      <p:boldItalic r:id="rId17"/>
+      <p:regular r:id="rId16"/>
+      <p:bold r:id="rId17"/>
+      <p:italic r:id="rId18"/>
+      <p:boldItalic r:id="rId19"/>
     </p:embeddedFont>
     <p:embeddedFont>
       <p:font typeface="Proxima Nova" panose="020B0604020202020204" charset="0"/>
-      <p:regular r:id="rId18"/>
-      <p:bold r:id="rId19"/>
-      <p:italic r:id="rId20"/>
-      <p:boldItalic r:id="rId21"/>
+      <p:regular r:id="rId20"/>
+      <p:bold r:id="rId21"/>
+      <p:italic r:id="rId22"/>
+      <p:boldItalic r:id="rId23"/>
     </p:embeddedFont>
     <p:embeddedFont>
       <p:font typeface="Proxima Nova Semibold" panose="020B0604020202020204" charset="0"/>
-      <p:regular r:id="rId22"/>
-      <p:bold r:id="rId23"/>
-      <p:boldItalic r:id="rId24"/>
+      <p:regular r:id="rId24"/>
+      <p:bold r:id="rId25"/>
+      <p:boldItalic r:id="rId26"/>
     </p:embeddedFont>
   </p:embeddedFontLst>
   <p:defaultTextStyle>
@@ -276,6 +278,11 @@
       </a:defRPr>
     </a:lvl9pPr>
   </p:defaultTextStyle>
+  <p:extLst>
+    <p:ext uri="{EFAFB233-063F-42B5-8137-9DF3F51BA10A}">
+      <p15:sldGuideLst xmlns:p15="http://schemas.microsoft.com/office/powerpoint/2012/main"/>
+    </p:ext>
+  </p:extLst>
 </p:presentation>
 </file>
 
@@ -8338,6 +8345,201 @@
   <p:cSld>
     <p:spTree>
       <p:nvGrpSpPr>
+        <p:cNvPr id="1" name=""/>
+        <p:cNvGrpSpPr/>
+        <p:nvPr/>
+      </p:nvGrpSpPr>
+      <p:grpSpPr>
+        <a:xfrm>
+          <a:off x="0" y="0"/>
+          <a:ext cx="0" cy="0"/>
+          <a:chOff x="0" y="0"/>
+          <a:chExt cx="0" cy="0"/>
+        </a:xfrm>
+      </p:grpSpPr>
+      <p:sp>
+        <p:nvSpPr>
+          <p:cNvPr id="2" name="Title 1">
+            <a:extLst>
+              <a:ext uri="{FF2B5EF4-FFF2-40B4-BE49-F238E27FC236}">
+                <a16:creationId xmlns:a16="http://schemas.microsoft.com/office/drawing/2014/main" id="{0CCABC9E-DD2C-4796-85A9-E4691979F504}"/>
+              </a:ext>
+            </a:extLst>
+          </p:cNvPr>
+          <p:cNvSpPr>
+            <a:spLocks noGrp="1"/>
+          </p:cNvSpPr>
+          <p:nvPr>
+            <p:ph type="ctrTitle"/>
+          </p:nvPr>
+        </p:nvSpPr>
+        <p:spPr/>
+        <p:txBody>
+          <a:bodyPr/>
+          <a:lstStyle/>
+          <a:p>
+            <a:r>
+              <a:rPr lang="en-US" dirty="0"/>
+              <a:t>17.2 - Mongoose</a:t>
+            </a:r>
+          </a:p>
+        </p:txBody>
+      </p:sp>
+      <p:sp>
+        <p:nvSpPr>
+          <p:cNvPr id="3" name="Subtitle 2">
+            <a:extLst>
+              <a:ext uri="{FF2B5EF4-FFF2-40B4-BE49-F238E27FC236}">
+                <a16:creationId xmlns:a16="http://schemas.microsoft.com/office/drawing/2014/main" id="{E4D5A103-D398-4046-A00A-2F18208BF1D5}"/>
+              </a:ext>
+            </a:extLst>
+          </p:cNvPr>
+          <p:cNvSpPr>
+            <a:spLocks noGrp="1"/>
+          </p:cNvSpPr>
+          <p:nvPr>
+            <p:ph type="subTitle" idx="1"/>
+          </p:nvPr>
+        </p:nvSpPr>
+        <p:spPr/>
+        <p:txBody>
+          <a:bodyPr/>
+          <a:lstStyle/>
+          <a:p>
+            <a:endParaRPr lang="en-US"/>
+          </a:p>
+        </p:txBody>
+      </p:sp>
+    </p:spTree>
+    <p:extLst>
+      <p:ext uri="{BB962C8B-B14F-4D97-AF65-F5344CB8AC3E}">
+        <p14:creationId xmlns:p14="http://schemas.microsoft.com/office/powerpoint/2010/main" val="3699799104"/>
+      </p:ext>
+    </p:extLst>
+  </p:cSld>
+  <p:clrMapOvr>
+    <a:masterClrMapping/>
+  </p:clrMapOvr>
+</p:sld>
+</file>
+
+<file path=ppt/slides/slide2.xml><?xml version="1.0" encoding="utf-8"?>
+<p:sld xmlns:a="http://schemas.openxmlformats.org/drawingml/2006/main" xmlns:r="http://schemas.openxmlformats.org/officeDocument/2006/relationships" xmlns:p="http://schemas.openxmlformats.org/presentationml/2006/main">
+  <p:cSld>
+    <p:spTree>
+      <p:nvGrpSpPr>
+        <p:cNvPr id="1" name=""/>
+        <p:cNvGrpSpPr/>
+        <p:nvPr/>
+      </p:nvGrpSpPr>
+      <p:grpSpPr>
+        <a:xfrm>
+          <a:off x="0" y="0"/>
+          <a:ext cx="0" cy="0"/>
+          <a:chOff x="0" y="0"/>
+          <a:chExt cx="0" cy="0"/>
+        </a:xfrm>
+      </p:grpSpPr>
+      <p:sp>
+        <p:nvSpPr>
+          <p:cNvPr id="2" name="Title 1">
+            <a:extLst>
+              <a:ext uri="{FF2B5EF4-FFF2-40B4-BE49-F238E27FC236}">
+                <a16:creationId xmlns:a16="http://schemas.microsoft.com/office/drawing/2014/main" id="{0A877B29-D266-4366-8C37-1DB52DDB5903}"/>
+              </a:ext>
+            </a:extLst>
+          </p:cNvPr>
+          <p:cNvSpPr>
+            <a:spLocks noGrp="1"/>
+          </p:cNvSpPr>
+          <p:nvPr>
+            <p:ph type="title"/>
+          </p:nvPr>
+        </p:nvSpPr>
+        <p:spPr/>
+        <p:txBody>
+          <a:bodyPr/>
+          <a:lstStyle/>
+          <a:p>
+            <a:r>
+              <a:rPr lang="en-US" dirty="0"/>
+              <a:t>Announcements</a:t>
+            </a:r>
+          </a:p>
+        </p:txBody>
+      </p:sp>
+      <p:sp>
+        <p:nvSpPr>
+          <p:cNvPr id="3" name="Text Placeholder 2">
+            <a:extLst>
+              <a:ext uri="{FF2B5EF4-FFF2-40B4-BE49-F238E27FC236}">
+                <a16:creationId xmlns:a16="http://schemas.microsoft.com/office/drawing/2014/main" id="{F3BFD341-D577-45DC-889B-38D942544A71}"/>
+              </a:ext>
+            </a:extLst>
+          </p:cNvPr>
+          <p:cNvSpPr>
+            <a:spLocks noGrp="1"/>
+          </p:cNvSpPr>
+          <p:nvPr>
+            <p:ph type="body" idx="1"/>
+          </p:nvPr>
+        </p:nvSpPr>
+        <p:spPr/>
+        <p:txBody>
+          <a:bodyPr/>
+          <a:lstStyle/>
+          <a:p>
+            <a:r>
+              <a:rPr lang="en-US" dirty="0"/>
+              <a:t>Reminder – four hours of tutoring is now available</a:t>
+            </a:r>
+          </a:p>
+          <a:p>
+            <a:endParaRPr lang="en-US" dirty="0"/>
+          </a:p>
+          <a:p>
+            <a:r>
+              <a:rPr lang="en-US" dirty="0"/>
+              <a:t>The University of Washington has extended its closure until at least April 24</a:t>
+            </a:r>
+            <a:r>
+              <a:rPr lang="en-US" baseline="30000" dirty="0"/>
+              <a:t>th</a:t>
+            </a:r>
+            <a:r>
+              <a:rPr lang="en-US" dirty="0"/>
+              <a:t> </a:t>
+            </a:r>
+          </a:p>
+          <a:p>
+            <a:endParaRPr lang="en-US" dirty="0"/>
+          </a:p>
+          <a:p>
+            <a:r>
+              <a:rPr lang="en-US" dirty="0"/>
+              <a:t>Learning Bot coming soon with additional support in #learning-assistants</a:t>
+            </a:r>
+          </a:p>
+        </p:txBody>
+      </p:sp>
+    </p:spTree>
+    <p:extLst>
+      <p:ext uri="{BB962C8B-B14F-4D97-AF65-F5344CB8AC3E}">
+        <p14:creationId xmlns:p14="http://schemas.microsoft.com/office/powerpoint/2010/main" val="4153013184"/>
+      </p:ext>
+    </p:extLst>
+  </p:cSld>
+  <p:clrMapOvr>
+    <a:masterClrMapping/>
+  </p:clrMapOvr>
+</p:sld>
+</file>
+
+<file path=ppt/slides/slide3.xml><?xml version="1.0" encoding="utf-8"?>
+<p:sld xmlns:a="http://schemas.openxmlformats.org/drawingml/2006/main" xmlns:r="http://schemas.openxmlformats.org/officeDocument/2006/relationships" xmlns:p="http://schemas.openxmlformats.org/presentationml/2006/main">
+  <p:cSld>
+    <p:spTree>
+      <p:nvGrpSpPr>
         <p:cNvPr id="1" name="Shape 72"/>
         <p:cNvGrpSpPr/>
         <p:nvPr/>
@@ -8764,7 +8966,7 @@
         <p:fade thruBlk="1"/>
       </p:transition>
     </mc:Choice>
-    <mc:Fallback xmlns:p15="http://schemas.microsoft.com/office/powerpoint/2012/main" xmlns:com="http://schemas.openxmlformats.org/drawingml/2006/compatibility" xmlns:pvml="urn:schemas-microsoft-com:office:powerpoint" xmlns:v="urn:schemas-microsoft-com:vml" xmlns:o="urn:schemas-microsoft-com:office:office" xmlns:dgm="http://schemas.openxmlformats.org/drawingml/2006/diagram" xmlns:c="http://schemas.openxmlformats.org/drawingml/2006/chart" xmlns:mv="urn:schemas-microsoft-com:mac:vml" xmlns="">
+    <mc:Fallback xmlns="" xmlns:mv="urn:schemas-microsoft-com:mac:vml" xmlns:c="http://schemas.openxmlformats.org/drawingml/2006/chart" xmlns:dgm="http://schemas.openxmlformats.org/drawingml/2006/diagram" xmlns:o="urn:schemas-microsoft-com:office:office" xmlns:v="urn:schemas-microsoft-com:vml" xmlns:pvml="urn:schemas-microsoft-com:office:powerpoint" xmlns:com="http://schemas.openxmlformats.org/drawingml/2006/compatibility" xmlns:p15="http://schemas.microsoft.com/office/powerpoint/2012/main">
       <p:transition spd="slow">
         <p:fade/>
       </p:transition>
@@ -8773,7 +8975,7 @@
 </p:sld>
 </file>
 
-<file path=ppt/slides/slide2.xml><?xml version="1.0" encoding="utf-8"?>
+<file path=ppt/slides/slide4.xml><?xml version="1.0" encoding="utf-8"?>
 <p:sld xmlns:a="http://schemas.openxmlformats.org/drawingml/2006/main" xmlns:r="http://schemas.openxmlformats.org/officeDocument/2006/relationships" xmlns:p="http://schemas.openxmlformats.org/presentationml/2006/main">
   <p:cSld>
     <p:bg>
@@ -9313,7 +9515,7 @@
 </p:sld>
 </file>
 
-<file path=ppt/slides/slide3.xml><?xml version="1.0" encoding="utf-8"?>
+<file path=ppt/slides/slide5.xml><?xml version="1.0" encoding="utf-8"?>
 <p:sld xmlns:a="http://schemas.openxmlformats.org/drawingml/2006/main" xmlns:r="http://schemas.openxmlformats.org/officeDocument/2006/relationships" xmlns:p="http://schemas.openxmlformats.org/presentationml/2006/main">
   <p:cSld>
     <p:spTree>
@@ -10597,7 +10799,7 @@
 </p:sld>
 </file>
 
-<file path=ppt/slides/slide4.xml><?xml version="1.0" encoding="utf-8"?>
+<file path=ppt/slides/slide6.xml><?xml version="1.0" encoding="utf-8"?>
 <p:sld xmlns:a="http://schemas.openxmlformats.org/drawingml/2006/main" xmlns:r="http://schemas.openxmlformats.org/officeDocument/2006/relationships" xmlns:p="http://schemas.openxmlformats.org/presentationml/2006/main">
   <p:cSld>
     <p:spTree>
@@ -11509,8 +11711,8 @@
 </p:sld>
 </file>
 
-<file path=ppt/slides/slide5.xml><?xml version="1.0" encoding="utf-8"?>
-<p:sld xmlns:a="http://schemas.openxmlformats.org/drawingml/2006/main" xmlns:r="http://schemas.openxmlformats.org/officeDocument/2006/relationships" xmlns:p="http://schemas.openxmlformats.org/presentationml/2006/main">
+<file path=ppt/slides/slide7.xml><?xml version="1.0" encoding="utf-8"?>
+<p:sld xmlns:a="http://schemas.openxmlformats.org/drawingml/2006/main" xmlns:r="http://schemas.openxmlformats.org/officeDocument/2006/relationships" xmlns:p="http://schemas.openxmlformats.org/presentationml/2006/main" show="0">
   <p:cSld>
     <p:bg>
       <p:bgPr>
@@ -12051,7 +12253,7 @@
 </p:sld>
 </file>
 
-<file path=ppt/slides/slide6.xml><?xml version="1.0" encoding="utf-8"?>
+<file path=ppt/slides/slide8.xml><?xml version="1.0" encoding="utf-8"?>
 <p:sld xmlns:a="http://schemas.openxmlformats.org/drawingml/2006/main" xmlns:r="http://schemas.openxmlformats.org/officeDocument/2006/relationships" xmlns:p="http://schemas.openxmlformats.org/presentationml/2006/main">
   <p:cSld>
     <p:spTree>
@@ -13362,7 +13564,7 @@
 </p:sld>
 </file>
 
-<file path=ppt/slides/slide7.xml><?xml version="1.0" encoding="utf-8"?>
+<file path=ppt/slides/slide9.xml><?xml version="1.0" encoding="utf-8"?>
 <p:sld xmlns:a="http://schemas.openxmlformats.org/drawingml/2006/main" xmlns:r="http://schemas.openxmlformats.org/officeDocument/2006/relationships" xmlns:p="http://schemas.openxmlformats.org/presentationml/2006/main">
   <p:cSld>
     <p:spTree>

--- a/17-NoSQL/2-thursday-mongoose/career-services.pptx
+++ b/17-NoSQL/2-thursday-mongoose/career-services.pptx
@@ -8520,6 +8520,15 @@
               <a:t>Learning Bot coming soon with additional support in #learning-assistants</a:t>
             </a:r>
           </a:p>
+          <a:p>
+            <a:endParaRPr lang="en-US" dirty="0"/>
+          </a:p>
+          <a:p>
+            <a:r>
+              <a:rPr lang="en-US" dirty="0"/>
+              <a:t>Activities will be randomly assigned partners at the beginning of each class</a:t>
+            </a:r>
+          </a:p>
         </p:txBody>
       </p:sp>
     </p:spTree>
@@ -8532,6 +8541,292 @@
   <p:clrMapOvr>
     <a:masterClrMapping/>
   </p:clrMapOvr>
+  <mc:AlternateContent xmlns:mc="http://schemas.openxmlformats.org/markup-compatibility/2006">
+    <mc:Choice xmlns:p14="http://schemas.microsoft.com/office/powerpoint/2010/main" Requires="p14">
+      <p:transition spd="med" p14:dur="700">
+        <p:fade/>
+      </p:transition>
+    </mc:Choice>
+    <mc:Fallback>
+      <p:transition spd="med">
+        <p:fade/>
+      </p:transition>
+    </mc:Fallback>
+  </mc:AlternateContent>
+  <p:timing>
+    <p:tnLst>
+      <p:par>
+        <p:cTn id="1" dur="indefinite" restart="never" nodeType="tmRoot">
+          <p:childTnLst>
+            <p:seq concurrent="1" nextAc="seek">
+              <p:cTn id="2" dur="indefinite" nodeType="mainSeq">
+                <p:childTnLst>
+                  <p:par>
+                    <p:cTn id="3" fill="hold">
+                      <p:stCondLst>
+                        <p:cond delay="indefinite"/>
+                      </p:stCondLst>
+                      <p:childTnLst>
+                        <p:par>
+                          <p:cTn id="4" fill="hold">
+                            <p:stCondLst>
+                              <p:cond delay="0"/>
+                            </p:stCondLst>
+                            <p:childTnLst>
+                              <p:par>
+                                <p:cTn id="5" presetID="10" presetClass="entr" presetSubtype="0" fill="hold" nodeType="clickEffect">
+                                  <p:stCondLst>
+                                    <p:cond delay="0"/>
+                                  </p:stCondLst>
+                                  <p:childTnLst>
+                                    <p:set>
+                                      <p:cBhvr>
+                                        <p:cTn id="6" dur="1" fill="hold">
+                                          <p:stCondLst>
+                                            <p:cond delay="0"/>
+                                          </p:stCondLst>
+                                        </p:cTn>
+                                        <p:tgtEl>
+                                          <p:spTgt spid="3">
+                                            <p:txEl>
+                                              <p:pRg st="0" end="0"/>
+                                            </p:txEl>
+                                          </p:spTgt>
+                                        </p:tgtEl>
+                                        <p:attrNameLst>
+                                          <p:attrName>style.visibility</p:attrName>
+                                        </p:attrNameLst>
+                                      </p:cBhvr>
+                                      <p:to>
+                                        <p:strVal val="visible"/>
+                                      </p:to>
+                                    </p:set>
+                                    <p:animEffect transition="in" filter="fade">
+                                      <p:cBhvr>
+                                        <p:cTn id="7" dur="500"/>
+                                        <p:tgtEl>
+                                          <p:spTgt spid="3">
+                                            <p:txEl>
+                                              <p:pRg st="0" end="0"/>
+                                            </p:txEl>
+                                          </p:spTgt>
+                                        </p:tgtEl>
+                                      </p:cBhvr>
+                                    </p:animEffect>
+                                  </p:childTnLst>
+                                </p:cTn>
+                              </p:par>
+                            </p:childTnLst>
+                          </p:cTn>
+                        </p:par>
+                      </p:childTnLst>
+                    </p:cTn>
+                  </p:par>
+                  <p:par>
+                    <p:cTn id="8" fill="hold">
+                      <p:stCondLst>
+                        <p:cond delay="indefinite"/>
+                      </p:stCondLst>
+                      <p:childTnLst>
+                        <p:par>
+                          <p:cTn id="9" fill="hold">
+                            <p:stCondLst>
+                              <p:cond delay="0"/>
+                            </p:stCondLst>
+                            <p:childTnLst>
+                              <p:par>
+                                <p:cTn id="10" presetID="10" presetClass="entr" presetSubtype="0" fill="hold" nodeType="clickEffect">
+                                  <p:stCondLst>
+                                    <p:cond delay="0"/>
+                                  </p:stCondLst>
+                                  <p:childTnLst>
+                                    <p:set>
+                                      <p:cBhvr>
+                                        <p:cTn id="11" dur="1" fill="hold">
+                                          <p:stCondLst>
+                                            <p:cond delay="0"/>
+                                          </p:stCondLst>
+                                        </p:cTn>
+                                        <p:tgtEl>
+                                          <p:spTgt spid="3">
+                                            <p:txEl>
+                                              <p:pRg st="2" end="2"/>
+                                            </p:txEl>
+                                          </p:spTgt>
+                                        </p:tgtEl>
+                                        <p:attrNameLst>
+                                          <p:attrName>style.visibility</p:attrName>
+                                        </p:attrNameLst>
+                                      </p:cBhvr>
+                                      <p:to>
+                                        <p:strVal val="visible"/>
+                                      </p:to>
+                                    </p:set>
+                                    <p:animEffect transition="in" filter="fade">
+                                      <p:cBhvr>
+                                        <p:cTn id="12" dur="500"/>
+                                        <p:tgtEl>
+                                          <p:spTgt spid="3">
+                                            <p:txEl>
+                                              <p:pRg st="2" end="2"/>
+                                            </p:txEl>
+                                          </p:spTgt>
+                                        </p:tgtEl>
+                                      </p:cBhvr>
+                                    </p:animEffect>
+                                  </p:childTnLst>
+                                </p:cTn>
+                              </p:par>
+                            </p:childTnLst>
+                          </p:cTn>
+                        </p:par>
+                      </p:childTnLst>
+                    </p:cTn>
+                  </p:par>
+                  <p:par>
+                    <p:cTn id="13" fill="hold">
+                      <p:stCondLst>
+                        <p:cond delay="indefinite"/>
+                      </p:stCondLst>
+                      <p:childTnLst>
+                        <p:par>
+                          <p:cTn id="14" fill="hold">
+                            <p:stCondLst>
+                              <p:cond delay="0"/>
+                            </p:stCondLst>
+                            <p:childTnLst>
+                              <p:par>
+                                <p:cTn id="15" presetID="10" presetClass="entr" presetSubtype="0" fill="hold" nodeType="clickEffect">
+                                  <p:stCondLst>
+                                    <p:cond delay="0"/>
+                                  </p:stCondLst>
+                                  <p:childTnLst>
+                                    <p:set>
+                                      <p:cBhvr>
+                                        <p:cTn id="16" dur="1" fill="hold">
+                                          <p:stCondLst>
+                                            <p:cond delay="0"/>
+                                          </p:stCondLst>
+                                        </p:cTn>
+                                        <p:tgtEl>
+                                          <p:spTgt spid="3">
+                                            <p:txEl>
+                                              <p:pRg st="4" end="4"/>
+                                            </p:txEl>
+                                          </p:spTgt>
+                                        </p:tgtEl>
+                                        <p:attrNameLst>
+                                          <p:attrName>style.visibility</p:attrName>
+                                        </p:attrNameLst>
+                                      </p:cBhvr>
+                                      <p:to>
+                                        <p:strVal val="visible"/>
+                                      </p:to>
+                                    </p:set>
+                                    <p:animEffect transition="in" filter="fade">
+                                      <p:cBhvr>
+                                        <p:cTn id="17" dur="500"/>
+                                        <p:tgtEl>
+                                          <p:spTgt spid="3">
+                                            <p:txEl>
+                                              <p:pRg st="4" end="4"/>
+                                            </p:txEl>
+                                          </p:spTgt>
+                                        </p:tgtEl>
+                                      </p:cBhvr>
+                                    </p:animEffect>
+                                  </p:childTnLst>
+                                </p:cTn>
+                              </p:par>
+                            </p:childTnLst>
+                          </p:cTn>
+                        </p:par>
+                      </p:childTnLst>
+                    </p:cTn>
+                  </p:par>
+                  <p:par>
+                    <p:cTn id="18" fill="hold">
+                      <p:stCondLst>
+                        <p:cond delay="indefinite"/>
+                      </p:stCondLst>
+                      <p:childTnLst>
+                        <p:par>
+                          <p:cTn id="19" fill="hold">
+                            <p:stCondLst>
+                              <p:cond delay="0"/>
+                            </p:stCondLst>
+                            <p:childTnLst>
+                              <p:par>
+                                <p:cTn id="20" presetID="10" presetClass="entr" presetSubtype="0" fill="hold" nodeType="clickEffect">
+                                  <p:stCondLst>
+                                    <p:cond delay="0"/>
+                                  </p:stCondLst>
+                                  <p:childTnLst>
+                                    <p:set>
+                                      <p:cBhvr>
+                                        <p:cTn id="21" dur="1" fill="hold">
+                                          <p:stCondLst>
+                                            <p:cond delay="0"/>
+                                          </p:stCondLst>
+                                        </p:cTn>
+                                        <p:tgtEl>
+                                          <p:spTgt spid="3">
+                                            <p:txEl>
+                                              <p:pRg st="6" end="6"/>
+                                            </p:txEl>
+                                          </p:spTgt>
+                                        </p:tgtEl>
+                                        <p:attrNameLst>
+                                          <p:attrName>style.visibility</p:attrName>
+                                        </p:attrNameLst>
+                                      </p:cBhvr>
+                                      <p:to>
+                                        <p:strVal val="visible"/>
+                                      </p:to>
+                                    </p:set>
+                                    <p:animEffect transition="in" filter="fade">
+                                      <p:cBhvr>
+                                        <p:cTn id="22" dur="500"/>
+                                        <p:tgtEl>
+                                          <p:spTgt spid="3">
+                                            <p:txEl>
+                                              <p:pRg st="6" end="6"/>
+                                            </p:txEl>
+                                          </p:spTgt>
+                                        </p:tgtEl>
+                                      </p:cBhvr>
+                                    </p:animEffect>
+                                  </p:childTnLst>
+                                </p:cTn>
+                              </p:par>
+                            </p:childTnLst>
+                          </p:cTn>
+                        </p:par>
+                      </p:childTnLst>
+                    </p:cTn>
+                  </p:par>
+                </p:childTnLst>
+              </p:cTn>
+              <p:prevCondLst>
+                <p:cond evt="onPrev" delay="0">
+                  <p:tgtEl>
+                    <p:sldTgt/>
+                  </p:tgtEl>
+                </p:cond>
+              </p:prevCondLst>
+              <p:nextCondLst>
+                <p:cond evt="onNext" delay="0">
+                  <p:tgtEl>
+                    <p:sldTgt/>
+                  </p:tgtEl>
+                </p:cond>
+              </p:nextCondLst>
+            </p:seq>
+          </p:childTnLst>
+        </p:cTn>
+      </p:par>
+    </p:tnLst>
+  </p:timing>
 </p:sld>
 </file>
 
